--- a/Misc/sns.pptx
+++ b/Misc/sns.pptx
@@ -104,6 +104,11 @@
       </a:defRPr>
     </a:lvl9pPr>
   </p:defaultTextStyle>
+  <p:extLst>
+    <p:ext uri="{EFAFB233-063F-42B5-8137-9DF3F51BA10A}">
+      <p15:sldGuideLst xmlns:p15="http://schemas.microsoft.com/office/powerpoint/2012/main"/>
+    </p:ext>
+  </p:extLst>
 </p:presentation>
 </file>
 
@@ -238,7 +243,7 @@
           <a:p>
             <a:fld id="{42E86A63-9A4E-4E30-9D36-AC950D70345E}" type="datetimeFigureOut">
               <a:rPr lang="en-US" smtClean="0"/>
-              <a:t>2/6/2023</a:t>
+              <a:t>2/14/2023</a:t>
             </a:fld>
             <a:endParaRPr lang="en-US"/>
           </a:p>
@@ -408,7 +413,7 @@
           <a:p>
             <a:fld id="{42E86A63-9A4E-4E30-9D36-AC950D70345E}" type="datetimeFigureOut">
               <a:rPr lang="en-US" smtClean="0"/>
-              <a:t>2/6/2023</a:t>
+              <a:t>2/14/2023</a:t>
             </a:fld>
             <a:endParaRPr lang="en-US"/>
           </a:p>
@@ -588,7 +593,7 @@
           <a:p>
             <a:fld id="{42E86A63-9A4E-4E30-9D36-AC950D70345E}" type="datetimeFigureOut">
               <a:rPr lang="en-US" smtClean="0"/>
-              <a:t>2/6/2023</a:t>
+              <a:t>2/14/2023</a:t>
             </a:fld>
             <a:endParaRPr lang="en-US"/>
           </a:p>
@@ -758,7 +763,7 @@
           <a:p>
             <a:fld id="{42E86A63-9A4E-4E30-9D36-AC950D70345E}" type="datetimeFigureOut">
               <a:rPr lang="en-US" smtClean="0"/>
-              <a:t>2/6/2023</a:t>
+              <a:t>2/14/2023</a:t>
             </a:fld>
             <a:endParaRPr lang="en-US"/>
           </a:p>
@@ -1002,7 +1007,7 @@
           <a:p>
             <a:fld id="{42E86A63-9A4E-4E30-9D36-AC950D70345E}" type="datetimeFigureOut">
               <a:rPr lang="en-US" smtClean="0"/>
-              <a:t>2/6/2023</a:t>
+              <a:t>2/14/2023</a:t>
             </a:fld>
             <a:endParaRPr lang="en-US"/>
           </a:p>
@@ -1234,7 +1239,7 @@
           <a:p>
             <a:fld id="{42E86A63-9A4E-4E30-9D36-AC950D70345E}" type="datetimeFigureOut">
               <a:rPr lang="en-US" smtClean="0"/>
-              <a:t>2/6/2023</a:t>
+              <a:t>2/14/2023</a:t>
             </a:fld>
             <a:endParaRPr lang="en-US"/>
           </a:p>
@@ -1601,7 +1606,7 @@
           <a:p>
             <a:fld id="{42E86A63-9A4E-4E30-9D36-AC950D70345E}" type="datetimeFigureOut">
               <a:rPr lang="en-US" smtClean="0"/>
-              <a:t>2/6/2023</a:t>
+              <a:t>2/14/2023</a:t>
             </a:fld>
             <a:endParaRPr lang="en-US"/>
           </a:p>
@@ -1719,7 +1724,7 @@
           <a:p>
             <a:fld id="{42E86A63-9A4E-4E30-9D36-AC950D70345E}" type="datetimeFigureOut">
               <a:rPr lang="en-US" smtClean="0"/>
-              <a:t>2/6/2023</a:t>
+              <a:t>2/14/2023</a:t>
             </a:fld>
             <a:endParaRPr lang="en-US"/>
           </a:p>
@@ -1814,7 +1819,7 @@
           <a:p>
             <a:fld id="{42E86A63-9A4E-4E30-9D36-AC950D70345E}" type="datetimeFigureOut">
               <a:rPr lang="en-US" smtClean="0"/>
-              <a:t>2/6/2023</a:t>
+              <a:t>2/14/2023</a:t>
             </a:fld>
             <a:endParaRPr lang="en-US"/>
           </a:p>
@@ -2091,7 +2096,7 @@
           <a:p>
             <a:fld id="{42E86A63-9A4E-4E30-9D36-AC950D70345E}" type="datetimeFigureOut">
               <a:rPr lang="en-US" smtClean="0"/>
-              <a:t>2/6/2023</a:t>
+              <a:t>2/14/2023</a:t>
             </a:fld>
             <a:endParaRPr lang="en-US"/>
           </a:p>
@@ -2348,7 +2353,7 @@
           <a:p>
             <a:fld id="{42E86A63-9A4E-4E30-9D36-AC950D70345E}" type="datetimeFigureOut">
               <a:rPr lang="en-US" smtClean="0"/>
-              <a:t>2/6/2023</a:t>
+              <a:t>2/14/2023</a:t>
             </a:fld>
             <a:endParaRPr lang="en-US"/>
           </a:p>
@@ -2561,7 +2566,7 @@
           <a:p>
             <a:fld id="{42E86A63-9A4E-4E30-9D36-AC950D70345E}" type="datetimeFigureOut">
               <a:rPr lang="en-US" smtClean="0"/>
-              <a:t>2/6/2023</a:t>
+              <a:t>2/14/2023</a:t>
             </a:fld>
             <a:endParaRPr lang="en-US"/>
           </a:p>
@@ -2984,7 +2989,7 @@
         </p:nvCxnSpPr>
         <p:spPr>
           <a:xfrm>
-            <a:off x="2555629" y="1172305"/>
+            <a:off x="2071925" y="1172305"/>
             <a:ext cx="2" cy="4366849"/>
           </a:xfrm>
           <a:prstGeom prst="line">
@@ -3025,8 +3030,8 @@
         </p:nvSpPr>
         <p:spPr>
           <a:xfrm>
-            <a:off x="691661" y="5539154"/>
-            <a:ext cx="3727939" cy="468923"/>
+            <a:off x="691662" y="5539154"/>
+            <a:ext cx="2760530" cy="468923"/>
           </a:xfrm>
           <a:prstGeom prst="rect">
             <a:avLst/>
@@ -3094,7 +3099,7 @@
         <p:spPr>
           <a:xfrm>
             <a:off x="691661" y="4736123"/>
-            <a:ext cx="3727939" cy="468923"/>
+            <a:ext cx="2760531" cy="468923"/>
           </a:xfrm>
           <a:prstGeom prst="rect">
             <a:avLst/>
@@ -3162,7 +3167,7 @@
         <p:spPr>
           <a:xfrm>
             <a:off x="691661" y="3933092"/>
-            <a:ext cx="3727939" cy="468923"/>
+            <a:ext cx="2760531" cy="468923"/>
           </a:xfrm>
           <a:prstGeom prst="rect">
             <a:avLst/>
@@ -3204,7 +3209,7 @@
                 </a:solidFill>
                 <a:latin typeface="Consolas" panose="020B0609020204030204" pitchFamily="49" charset="0"/>
               </a:rPr>
-              <a:t>C1NFSortingNetwork</a:t>
+              <a:t>C1NF</a:t>
             </a:r>
           </a:p>
         </p:txBody>
@@ -3224,7 +3229,7 @@
         <p:spPr>
           <a:xfrm>
             <a:off x="691661" y="3130061"/>
-            <a:ext cx="3727939" cy="468923"/>
+            <a:ext cx="2760531" cy="468923"/>
           </a:xfrm>
           <a:prstGeom prst="rect">
             <a:avLst/>
@@ -3266,7 +3271,7 @@
                 </a:solidFill>
                 <a:latin typeface="Consolas" panose="020B0609020204030204" pitchFamily="49" charset="0"/>
               </a:rPr>
-              <a:t>CSearchableSortingNetwork</a:t>
+              <a:t>CSearchable</a:t>
             </a:r>
             <a:endParaRPr lang="en-US" dirty="0">
               <a:solidFill>
@@ -3291,8 +3296,8 @@
         </p:nvSpPr>
         <p:spPr>
           <a:xfrm>
-            <a:off x="691660" y="2321168"/>
-            <a:ext cx="3727939" cy="468923"/>
+            <a:off x="691661" y="2321168"/>
+            <a:ext cx="2760530" cy="468923"/>
           </a:xfrm>
           <a:prstGeom prst="rect">
             <a:avLst/>
@@ -3334,7 +3339,7 @@
                 </a:solidFill>
                 <a:latin typeface="Consolas" panose="020B0609020204030204" pitchFamily="49" charset="0"/>
               </a:rPr>
-              <a:t>C2NFSearchableSortingNetwork</a:t>
+              <a:t>C2NF</a:t>
             </a:r>
           </a:p>
         </p:txBody>
@@ -3354,7 +3359,7 @@
         <p:spPr>
           <a:xfrm>
             <a:off x="691660" y="1512275"/>
-            <a:ext cx="3727939" cy="468923"/>
+            <a:ext cx="2760531" cy="468923"/>
           </a:xfrm>
           <a:prstGeom prst="rect">
             <a:avLst/>
@@ -3421,8 +3426,8 @@
         </p:nvSpPr>
         <p:spPr>
           <a:xfrm>
-            <a:off x="691659" y="703382"/>
-            <a:ext cx="3727939" cy="468923"/>
+            <a:off x="691660" y="703382"/>
+            <a:ext cx="2760530" cy="468923"/>
           </a:xfrm>
           <a:prstGeom prst="rect">
             <a:avLst/>
@@ -3489,8 +3494,8 @@
         </p:nvSpPr>
         <p:spPr>
           <a:xfrm>
-            <a:off x="4794733" y="5539154"/>
-            <a:ext cx="3927194" cy="468923"/>
+            <a:off x="3637678" y="5539154"/>
+            <a:ext cx="5084249" cy="468923"/>
           </a:xfrm>
           <a:prstGeom prst="rect">
             <a:avLst/>
@@ -3547,8 +3552,8 @@
         </p:nvSpPr>
         <p:spPr>
           <a:xfrm>
-            <a:off x="4794734" y="4736122"/>
-            <a:ext cx="3927194" cy="468923"/>
+            <a:off x="3637679" y="4736122"/>
+            <a:ext cx="5084249" cy="468923"/>
           </a:xfrm>
           <a:prstGeom prst="rect">
             <a:avLst/>
@@ -3605,8 +3610,8 @@
         </p:nvSpPr>
         <p:spPr>
           <a:xfrm>
-            <a:off x="4794733" y="3933091"/>
-            <a:ext cx="4138252" cy="468923"/>
+            <a:off x="3637704" y="3933091"/>
+            <a:ext cx="5295281" cy="468923"/>
           </a:xfrm>
           <a:prstGeom prst="rect">
             <a:avLst/>
@@ -3663,8 +3668,8 @@
         </p:nvSpPr>
         <p:spPr>
           <a:xfrm>
-            <a:off x="4794733" y="3130060"/>
-            <a:ext cx="4138238" cy="468923"/>
+            <a:off x="3637704" y="3130060"/>
+            <a:ext cx="5295267" cy="468923"/>
           </a:xfrm>
           <a:prstGeom prst="rect">
             <a:avLst/>
@@ -3721,8 +3726,8 @@
         </p:nvSpPr>
         <p:spPr>
           <a:xfrm>
-            <a:off x="4794733" y="2318236"/>
-            <a:ext cx="3927220" cy="468923"/>
+            <a:off x="3637704" y="2318236"/>
+            <a:ext cx="5084249" cy="468923"/>
           </a:xfrm>
           <a:prstGeom prst="rect">
             <a:avLst/>
@@ -3779,8 +3784,8 @@
         </p:nvSpPr>
         <p:spPr>
           <a:xfrm>
-            <a:off x="4794733" y="1506411"/>
-            <a:ext cx="3927214" cy="468923"/>
+            <a:off x="3637704" y="1506411"/>
+            <a:ext cx="5084243" cy="468923"/>
           </a:xfrm>
           <a:prstGeom prst="rect">
             <a:avLst/>
@@ -3837,8 +3842,8 @@
         </p:nvSpPr>
         <p:spPr>
           <a:xfrm>
-            <a:off x="4794733" y="703381"/>
-            <a:ext cx="3927232" cy="468923"/>
+            <a:off x="3637722" y="703381"/>
+            <a:ext cx="5380382" cy="468923"/>
           </a:xfrm>
           <a:prstGeom prst="rect">
             <a:avLst/>
@@ -3876,7 +3881,7 @@
                   <a:schemeClr val="tx1"/>
                 </a:solidFill>
               </a:rPr>
-              <a:t>Use a reachability heuristic to prune at second-last layer.</a:t>
+              <a:t>Use reachability heuristic to prune at second-last layer.</a:t>
             </a:r>
           </a:p>
         </p:txBody>

--- a/Misc/sns.pptx
+++ b/Misc/sns.pptx
@@ -2,12 +2,12 @@
 <file path=ppt/presentation.xml><?xml version="1.0" encoding="utf-8"?>
 <p:presentation xmlns:a="http://schemas.openxmlformats.org/drawingml/2006/main" xmlns:r="http://schemas.openxmlformats.org/officeDocument/2006/relationships" xmlns:p="http://schemas.openxmlformats.org/presentationml/2006/main" saveSubsetFonts="1">
   <p:sldMasterIdLst>
-    <p:sldMasterId id="2147483660" r:id="rId1"/>
+    <p:sldMasterId id="2147483672" r:id="rId1"/>
   </p:sldMasterIdLst>
   <p:sldIdLst>
     <p:sldId id="257" r:id="rId2"/>
   </p:sldIdLst>
-  <p:sldSz cx="9144000" cy="6858000" type="screen4x3"/>
+  <p:sldSz cx="12801600" cy="6858000"/>
   <p:notesSz cx="6858000" cy="9144000"/>
   <p:defaultTextStyle>
     <a:defPPr>
@@ -141,8 +141,8 @@
         </p:nvSpPr>
         <p:spPr>
           <a:xfrm>
-            <a:off x="685800" y="1122363"/>
-            <a:ext cx="7772400" cy="2387600"/>
+            <a:off x="1600200" y="1122363"/>
+            <a:ext cx="9601200" cy="2387600"/>
           </a:xfrm>
         </p:spPr>
         <p:txBody>
@@ -173,8 +173,8 @@
         </p:nvSpPr>
         <p:spPr>
           <a:xfrm>
-            <a:off x="1143000" y="3602038"/>
-            <a:ext cx="6858000" cy="1655762"/>
+            <a:off x="1600200" y="3602038"/>
+            <a:ext cx="9601200" cy="1655762"/>
           </a:xfrm>
         </p:spPr>
         <p:txBody>
@@ -243,7 +243,7 @@
           <a:p>
             <a:fld id="{42E86A63-9A4E-4E30-9D36-AC950D70345E}" type="datetimeFigureOut">
               <a:rPr lang="en-US" smtClean="0"/>
-              <a:t>2/14/2023</a:t>
+              <a:t>3/20/2023</a:t>
             </a:fld>
             <a:endParaRPr lang="en-US"/>
           </a:p>
@@ -294,7 +294,7 @@
     </p:spTree>
     <p:extLst>
       <p:ext uri="{BB962C8B-B14F-4D97-AF65-F5344CB8AC3E}">
-        <p14:creationId xmlns:p14="http://schemas.microsoft.com/office/powerpoint/2010/main" val="3130774853"/>
+        <p14:creationId xmlns:p14="http://schemas.microsoft.com/office/powerpoint/2010/main" val="985324170"/>
       </p:ext>
     </p:extLst>
   </p:cSld>
@@ -413,7 +413,7 @@
           <a:p>
             <a:fld id="{42E86A63-9A4E-4E30-9D36-AC950D70345E}" type="datetimeFigureOut">
               <a:rPr lang="en-US" smtClean="0"/>
-              <a:t>2/14/2023</a:t>
+              <a:t>3/20/2023</a:t>
             </a:fld>
             <a:endParaRPr lang="en-US"/>
           </a:p>
@@ -464,7 +464,7 @@
     </p:spTree>
     <p:extLst>
       <p:ext uri="{BB962C8B-B14F-4D97-AF65-F5344CB8AC3E}">
-        <p14:creationId xmlns:p14="http://schemas.microsoft.com/office/powerpoint/2010/main" val="2622182142"/>
+        <p14:creationId xmlns:p14="http://schemas.microsoft.com/office/powerpoint/2010/main" val="2811986321"/>
       </p:ext>
     </p:extLst>
   </p:cSld>
@@ -503,8 +503,8 @@
         </p:nvSpPr>
         <p:spPr>
           <a:xfrm>
-            <a:off x="6543675" y="365125"/>
-            <a:ext cx="1971675" cy="5811838"/>
+            <a:off x="9161145" y="365125"/>
+            <a:ext cx="2760345" cy="5811838"/>
           </a:xfrm>
         </p:spPr>
         <p:txBody>
@@ -531,8 +531,8 @@
         </p:nvSpPr>
         <p:spPr>
           <a:xfrm>
-            <a:off x="628650" y="365125"/>
-            <a:ext cx="5800725" cy="5811838"/>
+            <a:off x="880110" y="365125"/>
+            <a:ext cx="8121015" cy="5811838"/>
           </a:xfrm>
         </p:spPr>
         <p:txBody>
@@ -593,7 +593,7 @@
           <a:p>
             <a:fld id="{42E86A63-9A4E-4E30-9D36-AC950D70345E}" type="datetimeFigureOut">
               <a:rPr lang="en-US" smtClean="0"/>
-              <a:t>2/14/2023</a:t>
+              <a:t>3/20/2023</a:t>
             </a:fld>
             <a:endParaRPr lang="en-US"/>
           </a:p>
@@ -644,7 +644,7 @@
     </p:spTree>
     <p:extLst>
       <p:ext uri="{BB962C8B-B14F-4D97-AF65-F5344CB8AC3E}">
-        <p14:creationId xmlns:p14="http://schemas.microsoft.com/office/powerpoint/2010/main" val="2914553718"/>
+        <p14:creationId xmlns:p14="http://schemas.microsoft.com/office/powerpoint/2010/main" val="83288711"/>
       </p:ext>
     </p:extLst>
   </p:cSld>
@@ -763,7 +763,7 @@
           <a:p>
             <a:fld id="{42E86A63-9A4E-4E30-9D36-AC950D70345E}" type="datetimeFigureOut">
               <a:rPr lang="en-US" smtClean="0"/>
-              <a:t>2/14/2023</a:t>
+              <a:t>3/20/2023</a:t>
             </a:fld>
             <a:endParaRPr lang="en-US"/>
           </a:p>
@@ -814,7 +814,7 @@
     </p:spTree>
     <p:extLst>
       <p:ext uri="{BB962C8B-B14F-4D97-AF65-F5344CB8AC3E}">
-        <p14:creationId xmlns:p14="http://schemas.microsoft.com/office/powerpoint/2010/main" val="2735597340"/>
+        <p14:creationId xmlns:p14="http://schemas.microsoft.com/office/powerpoint/2010/main" val="661069661"/>
       </p:ext>
     </p:extLst>
   </p:cSld>
@@ -853,8 +853,8 @@
         </p:nvSpPr>
         <p:spPr>
           <a:xfrm>
-            <a:off x="623888" y="1709739"/>
-            <a:ext cx="7886700" cy="2852737"/>
+            <a:off x="873443" y="1709739"/>
+            <a:ext cx="11041380" cy="2852737"/>
           </a:xfrm>
         </p:spPr>
         <p:txBody>
@@ -885,8 +885,8 @@
         </p:nvSpPr>
         <p:spPr>
           <a:xfrm>
-            <a:off x="623888" y="4589464"/>
-            <a:ext cx="7886700" cy="1500187"/>
+            <a:off x="873443" y="4589464"/>
+            <a:ext cx="11041380" cy="1500187"/>
           </a:xfrm>
         </p:spPr>
         <p:txBody>
@@ -896,7 +896,9 @@
               <a:buNone/>
               <a:defRPr sz="2400">
                 <a:solidFill>
-                  <a:schemeClr val="tx1"/>
+                  <a:schemeClr val="tx1">
+                    <a:tint val="75000"/>
+                  </a:schemeClr>
                 </a:solidFill>
               </a:defRPr>
             </a:lvl1pPr>
@@ -1007,7 +1009,7 @@
           <a:p>
             <a:fld id="{42E86A63-9A4E-4E30-9D36-AC950D70345E}" type="datetimeFigureOut">
               <a:rPr lang="en-US" smtClean="0"/>
-              <a:t>2/14/2023</a:t>
+              <a:t>3/20/2023</a:t>
             </a:fld>
             <a:endParaRPr lang="en-US"/>
           </a:p>
@@ -1058,7 +1060,7 @@
     </p:spTree>
     <p:extLst>
       <p:ext uri="{BB962C8B-B14F-4D97-AF65-F5344CB8AC3E}">
-        <p14:creationId xmlns:p14="http://schemas.microsoft.com/office/powerpoint/2010/main" val="2018238888"/>
+        <p14:creationId xmlns:p14="http://schemas.microsoft.com/office/powerpoint/2010/main" val="3401588603"/>
       </p:ext>
     </p:extLst>
   </p:cSld>
@@ -1120,8 +1122,8 @@
         </p:nvSpPr>
         <p:spPr>
           <a:xfrm>
-            <a:off x="628650" y="1825625"/>
-            <a:ext cx="3886200" cy="4351338"/>
+            <a:off x="880110" y="1825625"/>
+            <a:ext cx="5440680" cy="4351338"/>
           </a:xfrm>
         </p:spPr>
         <p:txBody>
@@ -1177,8 +1179,8 @@
         </p:nvSpPr>
         <p:spPr>
           <a:xfrm>
-            <a:off x="4629150" y="1825625"/>
-            <a:ext cx="3886200" cy="4351338"/>
+            <a:off x="6480810" y="1825625"/>
+            <a:ext cx="5440680" cy="4351338"/>
           </a:xfrm>
         </p:spPr>
         <p:txBody>
@@ -1239,7 +1241,7 @@
           <a:p>
             <a:fld id="{42E86A63-9A4E-4E30-9D36-AC950D70345E}" type="datetimeFigureOut">
               <a:rPr lang="en-US" smtClean="0"/>
-              <a:t>2/14/2023</a:t>
+              <a:t>3/20/2023</a:t>
             </a:fld>
             <a:endParaRPr lang="en-US"/>
           </a:p>
@@ -1290,7 +1292,7 @@
     </p:spTree>
     <p:extLst>
       <p:ext uri="{BB962C8B-B14F-4D97-AF65-F5344CB8AC3E}">
-        <p14:creationId xmlns:p14="http://schemas.microsoft.com/office/powerpoint/2010/main" val="902875861"/>
+        <p14:creationId xmlns:p14="http://schemas.microsoft.com/office/powerpoint/2010/main" val="695895704"/>
       </p:ext>
     </p:extLst>
   </p:cSld>
@@ -1329,8 +1331,8 @@
         </p:nvSpPr>
         <p:spPr>
           <a:xfrm>
-            <a:off x="629841" y="365126"/>
-            <a:ext cx="7886700" cy="1325563"/>
+            <a:off x="881777" y="365126"/>
+            <a:ext cx="11041380" cy="1325563"/>
           </a:xfrm>
         </p:spPr>
         <p:txBody>
@@ -1357,8 +1359,8 @@
         </p:nvSpPr>
         <p:spPr>
           <a:xfrm>
-            <a:off x="629842" y="1681163"/>
-            <a:ext cx="3868340" cy="823912"/>
+            <a:off x="881778" y="1681163"/>
+            <a:ext cx="5415676" cy="823912"/>
           </a:xfrm>
         </p:spPr>
         <p:txBody>
@@ -1422,8 +1424,8 @@
         </p:nvSpPr>
         <p:spPr>
           <a:xfrm>
-            <a:off x="629842" y="2505075"/>
-            <a:ext cx="3868340" cy="3684588"/>
+            <a:off x="881778" y="2505075"/>
+            <a:ext cx="5415676" cy="3684588"/>
           </a:xfrm>
         </p:spPr>
         <p:txBody>
@@ -1479,8 +1481,8 @@
         </p:nvSpPr>
         <p:spPr>
           <a:xfrm>
-            <a:off x="4629150" y="1681163"/>
-            <a:ext cx="3887391" cy="823912"/>
+            <a:off x="6480810" y="1681163"/>
+            <a:ext cx="5442347" cy="823912"/>
           </a:xfrm>
         </p:spPr>
         <p:txBody>
@@ -1544,8 +1546,8 @@
         </p:nvSpPr>
         <p:spPr>
           <a:xfrm>
-            <a:off x="4629150" y="2505075"/>
-            <a:ext cx="3887391" cy="3684588"/>
+            <a:off x="6480810" y="2505075"/>
+            <a:ext cx="5442347" cy="3684588"/>
           </a:xfrm>
         </p:spPr>
         <p:txBody>
@@ -1606,7 +1608,7 @@
           <a:p>
             <a:fld id="{42E86A63-9A4E-4E30-9D36-AC950D70345E}" type="datetimeFigureOut">
               <a:rPr lang="en-US" smtClean="0"/>
-              <a:t>2/14/2023</a:t>
+              <a:t>3/20/2023</a:t>
             </a:fld>
             <a:endParaRPr lang="en-US"/>
           </a:p>
@@ -1657,7 +1659,7 @@
     </p:spTree>
     <p:extLst>
       <p:ext uri="{BB962C8B-B14F-4D97-AF65-F5344CB8AC3E}">
-        <p14:creationId xmlns:p14="http://schemas.microsoft.com/office/powerpoint/2010/main" val="657333588"/>
+        <p14:creationId xmlns:p14="http://schemas.microsoft.com/office/powerpoint/2010/main" val="3917157628"/>
       </p:ext>
     </p:extLst>
   </p:cSld>
@@ -1724,7 +1726,7 @@
           <a:p>
             <a:fld id="{42E86A63-9A4E-4E30-9D36-AC950D70345E}" type="datetimeFigureOut">
               <a:rPr lang="en-US" smtClean="0"/>
-              <a:t>2/14/2023</a:t>
+              <a:t>3/20/2023</a:t>
             </a:fld>
             <a:endParaRPr lang="en-US"/>
           </a:p>
@@ -1775,7 +1777,7 @@
     </p:spTree>
     <p:extLst>
       <p:ext uri="{BB962C8B-B14F-4D97-AF65-F5344CB8AC3E}">
-        <p14:creationId xmlns:p14="http://schemas.microsoft.com/office/powerpoint/2010/main" val="1898172511"/>
+        <p14:creationId xmlns:p14="http://schemas.microsoft.com/office/powerpoint/2010/main" val="2546204079"/>
       </p:ext>
     </p:extLst>
   </p:cSld>
@@ -1819,7 +1821,7 @@
           <a:p>
             <a:fld id="{42E86A63-9A4E-4E30-9D36-AC950D70345E}" type="datetimeFigureOut">
               <a:rPr lang="en-US" smtClean="0"/>
-              <a:t>2/14/2023</a:t>
+              <a:t>3/20/2023</a:t>
             </a:fld>
             <a:endParaRPr lang="en-US"/>
           </a:p>
@@ -1870,7 +1872,7 @@
     </p:spTree>
     <p:extLst>
       <p:ext uri="{BB962C8B-B14F-4D97-AF65-F5344CB8AC3E}">
-        <p14:creationId xmlns:p14="http://schemas.microsoft.com/office/powerpoint/2010/main" val="3118070318"/>
+        <p14:creationId xmlns:p14="http://schemas.microsoft.com/office/powerpoint/2010/main" val="1243765682"/>
       </p:ext>
     </p:extLst>
   </p:cSld>
@@ -1909,8 +1911,8 @@
         </p:nvSpPr>
         <p:spPr>
           <a:xfrm>
-            <a:off x="629841" y="457200"/>
-            <a:ext cx="2949178" cy="1600200"/>
+            <a:off x="881778" y="457200"/>
+            <a:ext cx="4128849" cy="1600200"/>
           </a:xfrm>
         </p:spPr>
         <p:txBody>
@@ -1941,8 +1943,8 @@
         </p:nvSpPr>
         <p:spPr>
           <a:xfrm>
-            <a:off x="3887391" y="987426"/>
-            <a:ext cx="4629150" cy="4873625"/>
+            <a:off x="5442347" y="987426"/>
+            <a:ext cx="6480810" cy="4873625"/>
           </a:xfrm>
         </p:spPr>
         <p:txBody>
@@ -2026,8 +2028,8 @@
         </p:nvSpPr>
         <p:spPr>
           <a:xfrm>
-            <a:off x="629841" y="2057400"/>
-            <a:ext cx="2949178" cy="3811588"/>
+            <a:off x="881778" y="2057400"/>
+            <a:ext cx="4128849" cy="3811588"/>
           </a:xfrm>
         </p:spPr>
         <p:txBody>
@@ -2096,7 +2098,7 @@
           <a:p>
             <a:fld id="{42E86A63-9A4E-4E30-9D36-AC950D70345E}" type="datetimeFigureOut">
               <a:rPr lang="en-US" smtClean="0"/>
-              <a:t>2/14/2023</a:t>
+              <a:t>3/20/2023</a:t>
             </a:fld>
             <a:endParaRPr lang="en-US"/>
           </a:p>
@@ -2147,7 +2149,7 @@
     </p:spTree>
     <p:extLst>
       <p:ext uri="{BB962C8B-B14F-4D97-AF65-F5344CB8AC3E}">
-        <p14:creationId xmlns:p14="http://schemas.microsoft.com/office/powerpoint/2010/main" val="2826617124"/>
+        <p14:creationId xmlns:p14="http://schemas.microsoft.com/office/powerpoint/2010/main" val="3385381201"/>
       </p:ext>
     </p:extLst>
   </p:cSld>
@@ -2186,8 +2188,8 @@
         </p:nvSpPr>
         <p:spPr>
           <a:xfrm>
-            <a:off x="629841" y="457200"/>
-            <a:ext cx="2949178" cy="1600200"/>
+            <a:off x="881778" y="457200"/>
+            <a:ext cx="4128849" cy="1600200"/>
           </a:xfrm>
         </p:spPr>
         <p:txBody>
@@ -2218,8 +2220,8 @@
         </p:nvSpPr>
         <p:spPr>
           <a:xfrm>
-            <a:off x="3887391" y="987426"/>
-            <a:ext cx="4629150" cy="4873625"/>
+            <a:off x="5442347" y="987426"/>
+            <a:ext cx="6480810" cy="4873625"/>
           </a:xfrm>
         </p:spPr>
         <p:txBody>
@@ -2283,8 +2285,8 @@
         </p:nvSpPr>
         <p:spPr>
           <a:xfrm>
-            <a:off x="629841" y="2057400"/>
-            <a:ext cx="2949178" cy="3811588"/>
+            <a:off x="881778" y="2057400"/>
+            <a:ext cx="4128849" cy="3811588"/>
           </a:xfrm>
         </p:spPr>
         <p:txBody>
@@ -2353,7 +2355,7 @@
           <a:p>
             <a:fld id="{42E86A63-9A4E-4E30-9D36-AC950D70345E}" type="datetimeFigureOut">
               <a:rPr lang="en-US" smtClean="0"/>
-              <a:t>2/14/2023</a:t>
+              <a:t>3/20/2023</a:t>
             </a:fld>
             <a:endParaRPr lang="en-US"/>
           </a:p>
@@ -2404,7 +2406,7 @@
     </p:spTree>
     <p:extLst>
       <p:ext uri="{BB962C8B-B14F-4D97-AF65-F5344CB8AC3E}">
-        <p14:creationId xmlns:p14="http://schemas.microsoft.com/office/powerpoint/2010/main" val="1849203138"/>
+        <p14:creationId xmlns:p14="http://schemas.microsoft.com/office/powerpoint/2010/main" val="3336787777"/>
       </p:ext>
     </p:extLst>
   </p:cSld>
@@ -2448,8 +2450,8 @@
         </p:nvSpPr>
         <p:spPr>
           <a:xfrm>
-            <a:off x="628650" y="365126"/>
-            <a:ext cx="7886700" cy="1325563"/>
+            <a:off x="880110" y="365126"/>
+            <a:ext cx="11041380" cy="1325563"/>
           </a:xfrm>
           <a:prstGeom prst="rect">
             <a:avLst/>
@@ -2481,8 +2483,8 @@
         </p:nvSpPr>
         <p:spPr>
           <a:xfrm>
-            <a:off x="628650" y="1825625"/>
-            <a:ext cx="7886700" cy="4351338"/>
+            <a:off x="880110" y="1825625"/>
+            <a:ext cx="11041380" cy="4351338"/>
           </a:xfrm>
           <a:prstGeom prst="rect">
             <a:avLst/>
@@ -2543,8 +2545,8 @@
         </p:nvSpPr>
         <p:spPr>
           <a:xfrm>
-            <a:off x="628650" y="6356351"/>
-            <a:ext cx="2057400" cy="365125"/>
+            <a:off x="880110" y="6356351"/>
+            <a:ext cx="2880360" cy="365125"/>
           </a:xfrm>
           <a:prstGeom prst="rect">
             <a:avLst/>
@@ -2566,7 +2568,7 @@
           <a:p>
             <a:fld id="{42E86A63-9A4E-4E30-9D36-AC950D70345E}" type="datetimeFigureOut">
               <a:rPr lang="en-US" smtClean="0"/>
-              <a:t>2/14/2023</a:t>
+              <a:t>3/20/2023</a:t>
             </a:fld>
             <a:endParaRPr lang="en-US"/>
           </a:p>
@@ -2584,8 +2586,8 @@
         </p:nvSpPr>
         <p:spPr>
           <a:xfrm>
-            <a:off x="3028950" y="6356351"/>
-            <a:ext cx="3086100" cy="365125"/>
+            <a:off x="4240530" y="6356351"/>
+            <a:ext cx="4320540" cy="365125"/>
           </a:xfrm>
           <a:prstGeom prst="rect">
             <a:avLst/>
@@ -2621,8 +2623,8 @@
         </p:nvSpPr>
         <p:spPr>
           <a:xfrm>
-            <a:off x="6457950" y="6356351"/>
-            <a:ext cx="2057400" cy="365125"/>
+            <a:off x="9041130" y="6356351"/>
+            <a:ext cx="2880360" cy="365125"/>
           </a:xfrm>
           <a:prstGeom prst="rect">
             <a:avLst/>
@@ -2653,23 +2655,23 @@
     </p:spTree>
     <p:extLst>
       <p:ext uri="{BB962C8B-B14F-4D97-AF65-F5344CB8AC3E}">
-        <p14:creationId xmlns:p14="http://schemas.microsoft.com/office/powerpoint/2010/main" val="670516977"/>
+        <p14:creationId xmlns:p14="http://schemas.microsoft.com/office/powerpoint/2010/main" val="3228741438"/>
       </p:ext>
     </p:extLst>
   </p:cSld>
   <p:clrMap bg1="lt1" tx1="dk1" bg2="lt2" tx2="dk2" accent1="accent1" accent2="accent2" accent3="accent3" accent4="accent4" accent5="accent5" accent6="accent6" hlink="hlink" folHlink="folHlink"/>
   <p:sldLayoutIdLst>
-    <p:sldLayoutId id="2147483661" r:id="rId1"/>
-    <p:sldLayoutId id="2147483662" r:id="rId2"/>
-    <p:sldLayoutId id="2147483663" r:id="rId3"/>
-    <p:sldLayoutId id="2147483664" r:id="rId4"/>
-    <p:sldLayoutId id="2147483665" r:id="rId5"/>
-    <p:sldLayoutId id="2147483666" r:id="rId6"/>
-    <p:sldLayoutId id="2147483667" r:id="rId7"/>
-    <p:sldLayoutId id="2147483668" r:id="rId8"/>
-    <p:sldLayoutId id="2147483669" r:id="rId9"/>
-    <p:sldLayoutId id="2147483670" r:id="rId10"/>
-    <p:sldLayoutId id="2147483671" r:id="rId11"/>
+    <p:sldLayoutId id="2147483673" r:id="rId1"/>
+    <p:sldLayoutId id="2147483674" r:id="rId2"/>
+    <p:sldLayoutId id="2147483675" r:id="rId3"/>
+    <p:sldLayoutId id="2147483676" r:id="rId4"/>
+    <p:sldLayoutId id="2147483677" r:id="rId5"/>
+    <p:sldLayoutId id="2147483678" r:id="rId6"/>
+    <p:sldLayoutId id="2147483679" r:id="rId7"/>
+    <p:sldLayoutId id="2147483680" r:id="rId8"/>
+    <p:sldLayoutId id="2147483681" r:id="rId9"/>
+    <p:sldLayoutId id="2147483682" r:id="rId10"/>
+    <p:sldLayoutId id="2147483683" r:id="rId11"/>
   </p:sldLayoutIdLst>
   <p:txStyles>
     <p:titleStyle>
@@ -2982,15 +2984,15 @@
           </p:cNvPr>
           <p:cNvCxnSpPr>
             <a:cxnSpLocks/>
-            <a:stCxn id="8" idx="2"/>
+            <a:stCxn id="22" idx="2"/>
             <a:endCxn id="2" idx="0"/>
           </p:cNvCxnSpPr>
           <p:nvPr/>
         </p:nvCxnSpPr>
         <p:spPr>
           <a:xfrm>
-            <a:off x="2071925" y="1172305"/>
-            <a:ext cx="2" cy="4366849"/>
+            <a:off x="1821059" y="829582"/>
+            <a:ext cx="2" cy="5175742"/>
           </a:xfrm>
           <a:prstGeom prst="line">
             <a:avLst/>
@@ -3030,7 +3032,7 @@
         </p:nvSpPr>
         <p:spPr>
           <a:xfrm>
-            <a:off x="691662" y="5539154"/>
+            <a:off x="440796" y="6005325"/>
             <a:ext cx="2760530" cy="468923"/>
           </a:xfrm>
           <a:prstGeom prst="rect">
@@ -3067,7 +3069,7 @@
           <a:p>
             <a:pPr algn="ctr"/>
             <a:r>
-              <a:rPr lang="en-US" dirty="0" err="1">
+              <a:rPr lang="en-US" dirty="0">
                 <a:solidFill>
                   <a:schemeClr val="tx1"/>
                 </a:solidFill>
@@ -3075,12 +3077,6 @@
               </a:rPr>
               <a:t>CComparatorNetwork</a:t>
             </a:r>
-            <a:endParaRPr lang="en-US" dirty="0">
-              <a:solidFill>
-                <a:schemeClr val="tx1"/>
-              </a:solidFill>
-              <a:latin typeface="Consolas" panose="020B0609020204030204" pitchFamily="49" charset="0"/>
-            </a:endParaRPr>
           </a:p>
         </p:txBody>
       </p:sp>
@@ -3098,7 +3094,7 @@
         </p:nvSpPr>
         <p:spPr>
           <a:xfrm>
-            <a:off x="691661" y="4736123"/>
+            <a:off x="440796" y="5202294"/>
             <a:ext cx="2760531" cy="468923"/>
           </a:xfrm>
           <a:prstGeom prst="rect">
@@ -3135,7 +3131,7 @@
           <a:p>
             <a:pPr algn="ctr"/>
             <a:r>
-              <a:rPr lang="en-US" dirty="0" err="1">
+              <a:rPr lang="en-US" dirty="0">
                 <a:solidFill>
                   <a:schemeClr val="tx1"/>
                 </a:solidFill>
@@ -3143,12 +3139,6 @@
               </a:rPr>
               <a:t>CSortingNetwork</a:t>
             </a:r>
-            <a:endParaRPr lang="en-US" dirty="0">
-              <a:solidFill>
-                <a:schemeClr val="tx1"/>
-              </a:solidFill>
-              <a:latin typeface="Consolas" panose="020B0609020204030204" pitchFamily="49" charset="0"/>
-            </a:endParaRPr>
           </a:p>
         </p:txBody>
       </p:sp>
@@ -3166,7 +3156,7 @@
         </p:nvSpPr>
         <p:spPr>
           <a:xfrm>
-            <a:off x="691661" y="3933092"/>
+            <a:off x="440796" y="4399263"/>
             <a:ext cx="2760531" cy="468923"/>
           </a:xfrm>
           <a:prstGeom prst="rect">
@@ -3228,7 +3218,7 @@
         </p:nvSpPr>
         <p:spPr>
           <a:xfrm>
-            <a:off x="691661" y="3130061"/>
+            <a:off x="440796" y="3596232"/>
             <a:ext cx="2760531" cy="468923"/>
           </a:xfrm>
           <a:prstGeom prst="rect">
@@ -3265,7 +3255,7 @@
           <a:p>
             <a:pPr algn="ctr"/>
             <a:r>
-              <a:rPr lang="en-US" dirty="0" err="1">
+              <a:rPr lang="en-US" dirty="0">
                 <a:solidFill>
                   <a:schemeClr val="tx1"/>
                 </a:solidFill>
@@ -3273,12 +3263,6 @@
               </a:rPr>
               <a:t>CSearchable</a:t>
             </a:r>
-            <a:endParaRPr lang="en-US" dirty="0">
-              <a:solidFill>
-                <a:schemeClr val="tx1"/>
-              </a:solidFill>
-              <a:latin typeface="Consolas" panose="020B0609020204030204" pitchFamily="49" charset="0"/>
-            </a:endParaRPr>
           </a:p>
         </p:txBody>
       </p:sp>
@@ -3296,7 +3280,7 @@
         </p:nvSpPr>
         <p:spPr>
           <a:xfrm>
-            <a:off x="691661" y="2321168"/>
+            <a:off x="440795" y="2787339"/>
             <a:ext cx="2760530" cy="468923"/>
           </a:xfrm>
           <a:prstGeom prst="rect">
@@ -3358,7 +3342,7 @@
         </p:nvSpPr>
         <p:spPr>
           <a:xfrm>
-            <a:off x="691660" y="1512275"/>
+            <a:off x="440795" y="1978446"/>
             <a:ext cx="2760531" cy="468923"/>
           </a:xfrm>
           <a:prstGeom prst="rect">
@@ -3395,7 +3379,7 @@
           <a:p>
             <a:pPr algn="ctr"/>
             <a:r>
-              <a:rPr lang="en-US" dirty="0" err="1">
+              <a:rPr lang="en-US" dirty="0">
                 <a:solidFill>
                   <a:schemeClr val="tx1"/>
                 </a:solidFill>
@@ -3403,12 +3387,6 @@
               </a:rPr>
               <a:t>CAutocomplete</a:t>
             </a:r>
-            <a:endParaRPr lang="en-US" dirty="0">
-              <a:solidFill>
-                <a:schemeClr val="tx1"/>
-              </a:solidFill>
-              <a:latin typeface="Consolas" panose="020B0609020204030204" pitchFamily="49" charset="0"/>
-            </a:endParaRPr>
           </a:p>
         </p:txBody>
       </p:sp>
@@ -3426,7 +3404,7 @@
         </p:nvSpPr>
         <p:spPr>
           <a:xfrm>
-            <a:off x="691660" y="703382"/>
+            <a:off x="440794" y="1169553"/>
             <a:ext cx="2760530" cy="468923"/>
           </a:xfrm>
           <a:prstGeom prst="rect">
@@ -3463,7 +3441,7 @@
           <a:p>
             <a:pPr algn="ctr"/>
             <a:r>
-              <a:rPr lang="en-US" dirty="0" err="1">
+              <a:rPr lang="en-US" dirty="0">
                 <a:solidFill>
                   <a:schemeClr val="tx1"/>
                 </a:solidFill>
@@ -3471,12 +3449,6 @@
               </a:rPr>
               <a:t>CNearsort</a:t>
             </a:r>
-            <a:endParaRPr lang="en-US" dirty="0">
-              <a:solidFill>
-                <a:schemeClr val="tx1"/>
-              </a:solidFill>
-              <a:latin typeface="Consolas" panose="020B0609020204030204" pitchFamily="49" charset="0"/>
-            </a:endParaRPr>
           </a:p>
         </p:txBody>
       </p:sp>
@@ -3494,7 +3466,7 @@
         </p:nvSpPr>
         <p:spPr>
           <a:xfrm>
-            <a:off x="3637678" y="5539154"/>
+            <a:off x="3386813" y="6005325"/>
             <a:ext cx="5084249" cy="468923"/>
           </a:xfrm>
           <a:prstGeom prst="rect">
@@ -3552,8 +3524,8 @@
         </p:nvSpPr>
         <p:spPr>
           <a:xfrm>
-            <a:off x="3637679" y="4736122"/>
-            <a:ext cx="5084249" cy="468923"/>
+            <a:off x="3386814" y="5202293"/>
+            <a:ext cx="7593680" cy="468923"/>
           </a:xfrm>
           <a:prstGeom prst="rect">
             <a:avLst/>
@@ -3610,8 +3582,8 @@
         </p:nvSpPr>
         <p:spPr>
           <a:xfrm>
-            <a:off x="3637704" y="3933091"/>
-            <a:ext cx="5295281" cy="468923"/>
+            <a:off x="3386839" y="4399262"/>
+            <a:ext cx="8101450" cy="468923"/>
           </a:xfrm>
           <a:prstGeom prst="rect">
             <a:avLst/>
@@ -3668,8 +3640,8 @@
         </p:nvSpPr>
         <p:spPr>
           <a:xfrm>
-            <a:off x="3637704" y="3130060"/>
-            <a:ext cx="5295267" cy="468923"/>
+            <a:off x="3386839" y="3596231"/>
+            <a:ext cx="7593692" cy="468923"/>
           </a:xfrm>
           <a:prstGeom prst="rect">
             <a:avLst/>
@@ -3726,8 +3698,8 @@
         </p:nvSpPr>
         <p:spPr>
           <a:xfrm>
-            <a:off x="3637704" y="2318236"/>
-            <a:ext cx="5084249" cy="468923"/>
+            <a:off x="3386839" y="2784407"/>
+            <a:ext cx="8101446" cy="468923"/>
           </a:xfrm>
           <a:prstGeom prst="rect">
             <a:avLst/>
@@ -3784,7 +3756,7 @@
         </p:nvSpPr>
         <p:spPr>
           <a:xfrm>
-            <a:off x="3637704" y="1506411"/>
+            <a:off x="3386839" y="1972582"/>
             <a:ext cx="5084243" cy="468923"/>
           </a:xfrm>
           <a:prstGeom prst="rect">
@@ -3842,7 +3814,7 @@
         </p:nvSpPr>
         <p:spPr>
           <a:xfrm>
-            <a:off x="3637722" y="703381"/>
+            <a:off x="3386856" y="1169552"/>
             <a:ext cx="5380382" cy="468923"/>
           </a:xfrm>
           <a:prstGeom prst="rect">
@@ -3882,6 +3854,128 @@
                 </a:solidFill>
               </a:rPr>
               <a:t>Use reachability heuristic to prune at second-last layer.</a:t>
+            </a:r>
+          </a:p>
+        </p:txBody>
+      </p:sp>
+      <p:sp>
+        <p:nvSpPr>
+          <p:cNvPr id="22" name="Rectangle 21">
+            <a:extLst>
+              <a:ext uri="{FF2B5EF4-FFF2-40B4-BE49-F238E27FC236}">
+                <a16:creationId xmlns:a16="http://schemas.microsoft.com/office/drawing/2014/main" id="{1C80B295-8DB4-4846-A367-0F88C0F0C11D}"/>
+              </a:ext>
+            </a:extLst>
+          </p:cNvPr>
+          <p:cNvSpPr/>
+          <p:nvPr/>
+        </p:nvSpPr>
+        <p:spPr>
+          <a:xfrm>
+            <a:off x="440794" y="360660"/>
+            <a:ext cx="2760530" cy="468923"/>
+          </a:xfrm>
+          <a:prstGeom prst="rect">
+            <a:avLst/>
+          </a:prstGeom>
+          <a:solidFill>
+            <a:schemeClr val="bg1">
+              <a:lumMod val="85000"/>
+            </a:schemeClr>
+          </a:solidFill>
+          <a:ln w="15875">
+            <a:solidFill>
+              <a:schemeClr val="tx1"/>
+            </a:solidFill>
+          </a:ln>
+        </p:spPr>
+        <p:style>
+          <a:lnRef idx="2">
+            <a:schemeClr val="accent1">
+              <a:shade val="50000"/>
+            </a:schemeClr>
+          </a:lnRef>
+          <a:fillRef idx="1">
+            <a:schemeClr val="accent1"/>
+          </a:fillRef>
+          <a:effectRef idx="0">
+            <a:schemeClr val="accent1"/>
+          </a:effectRef>
+          <a:fontRef idx="minor">
+            <a:schemeClr val="lt1"/>
+          </a:fontRef>
+        </p:style>
+        <p:txBody>
+          <a:bodyPr rtlCol="0" anchor="ctr"/>
+          <a:lstStyle/>
+          <a:p>
+            <a:pPr algn="ctr"/>
+            <a:r>
+              <a:rPr lang="en-US" dirty="0">
+                <a:solidFill>
+                  <a:schemeClr val="tx1"/>
+                </a:solidFill>
+                <a:latin typeface="Consolas" panose="020B0609020204030204" pitchFamily="49" charset="0"/>
+              </a:rPr>
+              <a:t>CNearsort2</a:t>
+            </a:r>
+          </a:p>
+        </p:txBody>
+      </p:sp>
+      <p:sp>
+        <p:nvSpPr>
+          <p:cNvPr id="23" name="Rectangle 22">
+            <a:extLst>
+              <a:ext uri="{FF2B5EF4-FFF2-40B4-BE49-F238E27FC236}">
+                <a16:creationId xmlns:a16="http://schemas.microsoft.com/office/drawing/2014/main" id="{D6D61A61-40ED-4E47-A055-6AE291C96A2B}"/>
+              </a:ext>
+            </a:extLst>
+          </p:cNvPr>
+          <p:cNvSpPr/>
+          <p:nvPr/>
+        </p:nvSpPr>
+        <p:spPr>
+          <a:xfrm>
+            <a:off x="3386855" y="357727"/>
+            <a:ext cx="5380383" cy="468923"/>
+          </a:xfrm>
+          <a:prstGeom prst="rect">
+            <a:avLst/>
+          </a:prstGeom>
+          <a:solidFill>
+            <a:schemeClr val="bg1"/>
+          </a:solidFill>
+          <a:ln w="15875">
+            <a:noFill/>
+          </a:ln>
+        </p:spPr>
+        <p:style>
+          <a:lnRef idx="2">
+            <a:schemeClr val="accent1">
+              <a:shade val="50000"/>
+            </a:schemeClr>
+          </a:lnRef>
+          <a:fillRef idx="1">
+            <a:schemeClr val="accent1"/>
+          </a:fillRef>
+          <a:effectRef idx="0">
+            <a:schemeClr val="accent1"/>
+          </a:effectRef>
+          <a:fontRef idx="minor">
+            <a:schemeClr val="lt1"/>
+          </a:fontRef>
+        </p:style>
+        <p:txBody>
+          <a:bodyPr rtlCol="0" anchor="ctr"/>
+          <a:lstStyle/>
+          <a:p>
+            <a:r>
+              <a:rPr lang="en-US" dirty="0">
+                <a:solidFill>
+                  <a:schemeClr val="tx1"/>
+                </a:solidFill>
+              </a:rPr>
+              <a:t>Use reachability heuristic to prune at third-last layer.</a:t>
             </a:r>
           </a:p>
         </p:txBody>

--- a/Misc/sns.pptx
+++ b/Misc/sns.pptx
@@ -6,6 +6,7 @@
   </p:sldMasterIdLst>
   <p:sldIdLst>
     <p:sldId id="257" r:id="rId2"/>
+    <p:sldId id="258" r:id="rId3"/>
   </p:sldIdLst>
   <p:sldSz cx="12801600" cy="6858000"/>
   <p:notesSz cx="6858000" cy="9144000"/>
@@ -243,7 +244,7 @@
           <a:p>
             <a:fld id="{42E86A63-9A4E-4E30-9D36-AC950D70345E}" type="datetimeFigureOut">
               <a:rPr lang="en-US" smtClean="0"/>
-              <a:t>3/20/2023</a:t>
+              <a:t>3/22/2023</a:t>
             </a:fld>
             <a:endParaRPr lang="en-US"/>
           </a:p>
@@ -413,7 +414,7 @@
           <a:p>
             <a:fld id="{42E86A63-9A4E-4E30-9D36-AC950D70345E}" type="datetimeFigureOut">
               <a:rPr lang="en-US" smtClean="0"/>
-              <a:t>3/20/2023</a:t>
+              <a:t>3/22/2023</a:t>
             </a:fld>
             <a:endParaRPr lang="en-US"/>
           </a:p>
@@ -593,7 +594,7 @@
           <a:p>
             <a:fld id="{42E86A63-9A4E-4E30-9D36-AC950D70345E}" type="datetimeFigureOut">
               <a:rPr lang="en-US" smtClean="0"/>
-              <a:t>3/20/2023</a:t>
+              <a:t>3/22/2023</a:t>
             </a:fld>
             <a:endParaRPr lang="en-US"/>
           </a:p>
@@ -763,7 +764,7 @@
           <a:p>
             <a:fld id="{42E86A63-9A4E-4E30-9D36-AC950D70345E}" type="datetimeFigureOut">
               <a:rPr lang="en-US" smtClean="0"/>
-              <a:t>3/20/2023</a:t>
+              <a:t>3/22/2023</a:t>
             </a:fld>
             <a:endParaRPr lang="en-US"/>
           </a:p>
@@ -1009,7 +1010,7 @@
           <a:p>
             <a:fld id="{42E86A63-9A4E-4E30-9D36-AC950D70345E}" type="datetimeFigureOut">
               <a:rPr lang="en-US" smtClean="0"/>
-              <a:t>3/20/2023</a:t>
+              <a:t>3/22/2023</a:t>
             </a:fld>
             <a:endParaRPr lang="en-US"/>
           </a:p>
@@ -1241,7 +1242,7 @@
           <a:p>
             <a:fld id="{42E86A63-9A4E-4E30-9D36-AC950D70345E}" type="datetimeFigureOut">
               <a:rPr lang="en-US" smtClean="0"/>
-              <a:t>3/20/2023</a:t>
+              <a:t>3/22/2023</a:t>
             </a:fld>
             <a:endParaRPr lang="en-US"/>
           </a:p>
@@ -1608,7 +1609,7 @@
           <a:p>
             <a:fld id="{42E86A63-9A4E-4E30-9D36-AC950D70345E}" type="datetimeFigureOut">
               <a:rPr lang="en-US" smtClean="0"/>
-              <a:t>3/20/2023</a:t>
+              <a:t>3/22/2023</a:t>
             </a:fld>
             <a:endParaRPr lang="en-US"/>
           </a:p>
@@ -1726,7 +1727,7 @@
           <a:p>
             <a:fld id="{42E86A63-9A4E-4E30-9D36-AC950D70345E}" type="datetimeFigureOut">
               <a:rPr lang="en-US" smtClean="0"/>
-              <a:t>3/20/2023</a:t>
+              <a:t>3/22/2023</a:t>
             </a:fld>
             <a:endParaRPr lang="en-US"/>
           </a:p>
@@ -1821,7 +1822,7 @@
           <a:p>
             <a:fld id="{42E86A63-9A4E-4E30-9D36-AC950D70345E}" type="datetimeFigureOut">
               <a:rPr lang="en-US" smtClean="0"/>
-              <a:t>3/20/2023</a:t>
+              <a:t>3/22/2023</a:t>
             </a:fld>
             <a:endParaRPr lang="en-US"/>
           </a:p>
@@ -2098,7 +2099,7 @@
           <a:p>
             <a:fld id="{42E86A63-9A4E-4E30-9D36-AC950D70345E}" type="datetimeFigureOut">
               <a:rPr lang="en-US" smtClean="0"/>
-              <a:t>3/20/2023</a:t>
+              <a:t>3/22/2023</a:t>
             </a:fld>
             <a:endParaRPr lang="en-US"/>
           </a:p>
@@ -2355,7 +2356,7 @@
           <a:p>
             <a:fld id="{42E86A63-9A4E-4E30-9D36-AC950D70345E}" type="datetimeFigureOut">
               <a:rPr lang="en-US" smtClean="0"/>
-              <a:t>3/20/2023</a:t>
+              <a:t>3/22/2023</a:t>
             </a:fld>
             <a:endParaRPr lang="en-US"/>
           </a:p>
@@ -2568,7 +2569,7 @@
           <a:p>
             <a:fld id="{42E86A63-9A4E-4E30-9D36-AC950D70345E}" type="datetimeFigureOut">
               <a:rPr lang="en-US" smtClean="0"/>
-              <a:t>3/20/2023</a:t>
+              <a:t>3/22/2023</a:t>
             </a:fld>
             <a:endParaRPr lang="en-US"/>
           </a:p>
@@ -3993,6 +3994,5964 @@
 </p:sld>
 </file>
 
+<file path=ppt/slides/slide2.xml><?xml version="1.0" encoding="utf-8"?>
+<p:sld xmlns:a="http://schemas.openxmlformats.org/drawingml/2006/main" xmlns:r="http://schemas.openxmlformats.org/officeDocument/2006/relationships" xmlns:p="http://schemas.openxmlformats.org/presentationml/2006/main">
+  <p:cSld>
+    <p:spTree>
+      <p:nvGrpSpPr>
+        <p:cNvPr id="1" name=""/>
+        <p:cNvGrpSpPr/>
+        <p:nvPr/>
+      </p:nvGrpSpPr>
+      <p:grpSpPr>
+        <a:xfrm>
+          <a:off x="0" y="0"/>
+          <a:ext cx="0" cy="0"/>
+          <a:chOff x="0" y="0"/>
+          <a:chExt cx="0" cy="0"/>
+        </a:xfrm>
+      </p:grpSpPr>
+      <p:grpSp>
+        <p:nvGrpSpPr>
+          <p:cNvPr id="41" name="Group 40">
+            <a:extLst>
+              <a:ext uri="{FF2B5EF4-FFF2-40B4-BE49-F238E27FC236}">
+                <a16:creationId xmlns:a16="http://schemas.microsoft.com/office/drawing/2014/main" id="{6068C289-0E06-437D-8D9D-E8972698482F}"/>
+              </a:ext>
+            </a:extLst>
+          </p:cNvPr>
+          <p:cNvGrpSpPr/>
+          <p:nvPr/>
+        </p:nvGrpSpPr>
+        <p:grpSpPr>
+          <a:xfrm>
+            <a:off x="207099" y="1199893"/>
+            <a:ext cx="3960824" cy="2871679"/>
+            <a:chOff x="1326286" y="1314193"/>
+            <a:chExt cx="3960824" cy="2871679"/>
+          </a:xfrm>
+        </p:grpSpPr>
+        <p:pic>
+          <p:nvPicPr>
+            <p:cNvPr id="18" name="Picture 17">
+              <a:extLst>
+                <a:ext uri="{FF2B5EF4-FFF2-40B4-BE49-F238E27FC236}">
+                  <a16:creationId xmlns:a16="http://schemas.microsoft.com/office/drawing/2014/main" id="{7ABBD247-0ACC-47D4-A927-195428E85D2D}"/>
+                </a:ext>
+              </a:extLst>
+            </p:cNvPr>
+            <p:cNvPicPr>
+              <a:picLocks noChangeAspect="1"/>
+            </p:cNvPicPr>
+            <p:nvPr/>
+          </p:nvPicPr>
+          <p:blipFill>
+            <a:blip r:embed="rId2"/>
+            <a:stretch>
+              <a:fillRect/>
+            </a:stretch>
+          </p:blipFill>
+          <p:spPr>
+            <a:xfrm>
+              <a:off x="1986074" y="2031372"/>
+              <a:ext cx="3301036" cy="2031407"/>
+            </a:xfrm>
+            <a:prstGeom prst="rect">
+              <a:avLst/>
+            </a:prstGeom>
+          </p:spPr>
+        </p:pic>
+        <p:grpSp>
+          <p:nvGrpSpPr>
+            <p:cNvPr id="25" name="Group 24">
+              <a:extLst>
+                <a:ext uri="{FF2B5EF4-FFF2-40B4-BE49-F238E27FC236}">
+                  <a16:creationId xmlns:a16="http://schemas.microsoft.com/office/drawing/2014/main" id="{6D38D0F7-5DD9-466A-A19E-068AEE9081C9}"/>
+                </a:ext>
+              </a:extLst>
+            </p:cNvPr>
+            <p:cNvGrpSpPr/>
+            <p:nvPr/>
+          </p:nvGrpSpPr>
+          <p:grpSpPr>
+            <a:xfrm>
+              <a:off x="1536934" y="1907105"/>
+              <a:ext cx="449140" cy="2278767"/>
+              <a:chOff x="2398947" y="1211780"/>
+              <a:chExt cx="449140" cy="2278767"/>
+            </a:xfrm>
+          </p:grpSpPr>
+          <p:sp>
+            <p:nvSpPr>
+              <p:cNvPr id="19" name="TextBox 18">
+                <a:extLst>
+                  <a:ext uri="{FF2B5EF4-FFF2-40B4-BE49-F238E27FC236}">
+                    <a16:creationId xmlns:a16="http://schemas.microsoft.com/office/drawing/2014/main" id="{9A5D3301-832A-467A-831A-D950D2902D5D}"/>
+                  </a:ext>
+                </a:extLst>
+              </p:cNvPr>
+              <p:cNvSpPr txBox="1"/>
+              <p:nvPr/>
+            </p:nvSpPr>
+            <p:spPr>
+              <a:xfrm>
+                <a:off x="2398947" y="3121215"/>
+                <a:ext cx="449140" cy="369332"/>
+              </a:xfrm>
+              <a:prstGeom prst="rect">
+                <a:avLst/>
+              </a:prstGeom>
+              <a:noFill/>
+            </p:spPr>
+            <p:txBody>
+              <a:bodyPr wrap="square" rtlCol="0">
+                <a:spAutoFit/>
+              </a:bodyPr>
+              <a:lstStyle/>
+              <a:p>
+                <a:pPr algn="ctr"/>
+                <a:r>
+                  <a:rPr lang="en-US" dirty="0"/>
+                  <a:t>0</a:t>
+                </a:r>
+              </a:p>
+            </p:txBody>
+          </p:sp>
+          <p:sp>
+            <p:nvSpPr>
+              <p:cNvPr id="20" name="TextBox 19">
+                <a:extLst>
+                  <a:ext uri="{FF2B5EF4-FFF2-40B4-BE49-F238E27FC236}">
+                    <a16:creationId xmlns:a16="http://schemas.microsoft.com/office/drawing/2014/main" id="{72E8C8CF-E8E3-4CF2-9F72-8660991E27B9}"/>
+                  </a:ext>
+                </a:extLst>
+              </p:cNvPr>
+              <p:cNvSpPr txBox="1"/>
+              <p:nvPr/>
+            </p:nvSpPr>
+            <p:spPr>
+              <a:xfrm>
+                <a:off x="2398947" y="2739328"/>
+                <a:ext cx="449140" cy="369332"/>
+              </a:xfrm>
+              <a:prstGeom prst="rect">
+                <a:avLst/>
+              </a:prstGeom>
+              <a:noFill/>
+            </p:spPr>
+            <p:txBody>
+              <a:bodyPr wrap="square" rtlCol="0">
+                <a:spAutoFit/>
+              </a:bodyPr>
+              <a:lstStyle/>
+              <a:p>
+                <a:pPr algn="ctr"/>
+                <a:r>
+                  <a:rPr lang="en-US" dirty="0"/>
+                  <a:t>1</a:t>
+                </a:r>
+              </a:p>
+            </p:txBody>
+          </p:sp>
+          <p:sp>
+            <p:nvSpPr>
+              <p:cNvPr id="21" name="TextBox 20">
+                <a:extLst>
+                  <a:ext uri="{FF2B5EF4-FFF2-40B4-BE49-F238E27FC236}">
+                    <a16:creationId xmlns:a16="http://schemas.microsoft.com/office/drawing/2014/main" id="{D2F3E3A6-BFCF-432E-A397-C82EA838842A}"/>
+                  </a:ext>
+                </a:extLst>
+              </p:cNvPr>
+              <p:cNvSpPr txBox="1"/>
+              <p:nvPr/>
+            </p:nvSpPr>
+            <p:spPr>
+              <a:xfrm>
+                <a:off x="2398947" y="2357441"/>
+                <a:ext cx="449140" cy="369332"/>
+              </a:xfrm>
+              <a:prstGeom prst="rect">
+                <a:avLst/>
+              </a:prstGeom>
+              <a:noFill/>
+            </p:spPr>
+            <p:txBody>
+              <a:bodyPr wrap="square" rtlCol="0">
+                <a:spAutoFit/>
+              </a:bodyPr>
+              <a:lstStyle/>
+              <a:p>
+                <a:pPr algn="ctr"/>
+                <a:r>
+                  <a:rPr lang="en-US" dirty="0"/>
+                  <a:t>2</a:t>
+                </a:r>
+              </a:p>
+            </p:txBody>
+          </p:sp>
+          <p:sp>
+            <p:nvSpPr>
+              <p:cNvPr id="22" name="TextBox 21">
+                <a:extLst>
+                  <a:ext uri="{FF2B5EF4-FFF2-40B4-BE49-F238E27FC236}">
+                    <a16:creationId xmlns:a16="http://schemas.microsoft.com/office/drawing/2014/main" id="{041A9421-501C-43C0-ABA0-CC1F5A9579B0}"/>
+                  </a:ext>
+                </a:extLst>
+              </p:cNvPr>
+              <p:cNvSpPr txBox="1"/>
+              <p:nvPr/>
+            </p:nvSpPr>
+            <p:spPr>
+              <a:xfrm>
+                <a:off x="2398947" y="1975554"/>
+                <a:ext cx="449140" cy="369332"/>
+              </a:xfrm>
+              <a:prstGeom prst="rect">
+                <a:avLst/>
+              </a:prstGeom>
+              <a:noFill/>
+            </p:spPr>
+            <p:txBody>
+              <a:bodyPr wrap="square" rtlCol="0">
+                <a:spAutoFit/>
+              </a:bodyPr>
+              <a:lstStyle/>
+              <a:p>
+                <a:pPr algn="ctr"/>
+                <a:r>
+                  <a:rPr lang="en-US" dirty="0"/>
+                  <a:t>3</a:t>
+                </a:r>
+              </a:p>
+            </p:txBody>
+          </p:sp>
+          <p:sp>
+            <p:nvSpPr>
+              <p:cNvPr id="23" name="TextBox 22">
+                <a:extLst>
+                  <a:ext uri="{FF2B5EF4-FFF2-40B4-BE49-F238E27FC236}">
+                    <a16:creationId xmlns:a16="http://schemas.microsoft.com/office/drawing/2014/main" id="{DB81AF5D-B0C5-4756-9AC5-F9FB995C337C}"/>
+                  </a:ext>
+                </a:extLst>
+              </p:cNvPr>
+              <p:cNvSpPr txBox="1"/>
+              <p:nvPr/>
+            </p:nvSpPr>
+            <p:spPr>
+              <a:xfrm>
+                <a:off x="2398947" y="1593667"/>
+                <a:ext cx="449140" cy="369332"/>
+              </a:xfrm>
+              <a:prstGeom prst="rect">
+                <a:avLst/>
+              </a:prstGeom>
+              <a:noFill/>
+            </p:spPr>
+            <p:txBody>
+              <a:bodyPr wrap="square" rtlCol="0">
+                <a:spAutoFit/>
+              </a:bodyPr>
+              <a:lstStyle/>
+              <a:p>
+                <a:pPr algn="ctr"/>
+                <a:r>
+                  <a:rPr lang="en-US" dirty="0"/>
+                  <a:t>4</a:t>
+                </a:r>
+              </a:p>
+            </p:txBody>
+          </p:sp>
+          <p:sp>
+            <p:nvSpPr>
+              <p:cNvPr id="24" name="TextBox 23">
+                <a:extLst>
+                  <a:ext uri="{FF2B5EF4-FFF2-40B4-BE49-F238E27FC236}">
+                    <a16:creationId xmlns:a16="http://schemas.microsoft.com/office/drawing/2014/main" id="{6C21BA38-7639-45C8-AD91-0BC360B1E593}"/>
+                  </a:ext>
+                </a:extLst>
+              </p:cNvPr>
+              <p:cNvSpPr txBox="1"/>
+              <p:nvPr/>
+            </p:nvSpPr>
+            <p:spPr>
+              <a:xfrm>
+                <a:off x="2398947" y="1211780"/>
+                <a:ext cx="449140" cy="369332"/>
+              </a:xfrm>
+              <a:prstGeom prst="rect">
+                <a:avLst/>
+              </a:prstGeom>
+              <a:noFill/>
+            </p:spPr>
+            <p:txBody>
+              <a:bodyPr wrap="square" rtlCol="0">
+                <a:spAutoFit/>
+              </a:bodyPr>
+              <a:lstStyle/>
+              <a:p>
+                <a:pPr algn="ctr"/>
+                <a:r>
+                  <a:rPr lang="en-US" dirty="0"/>
+                  <a:t>5</a:t>
+                </a:r>
+              </a:p>
+            </p:txBody>
+          </p:sp>
+        </p:grpSp>
+        <p:cxnSp>
+          <p:nvCxnSpPr>
+            <p:cNvPr id="27" name="Straight Connector 26">
+              <a:extLst>
+                <a:ext uri="{FF2B5EF4-FFF2-40B4-BE49-F238E27FC236}">
+                  <a16:creationId xmlns:a16="http://schemas.microsoft.com/office/drawing/2014/main" id="{6C5704F6-D48A-4FD2-B710-BF7791FC19CB}"/>
+                </a:ext>
+              </a:extLst>
+            </p:cNvPr>
+            <p:cNvCxnSpPr>
+              <a:cxnSpLocks/>
+            </p:cNvCxnSpPr>
+            <p:nvPr/>
+          </p:nvCxnSpPr>
+          <p:spPr>
+            <a:xfrm>
+              <a:off x="2566987" y="1900827"/>
+              <a:ext cx="0" cy="2278767"/>
+            </a:xfrm>
+            <a:prstGeom prst="line">
+              <a:avLst/>
+            </a:prstGeom>
+            <a:ln w="31750">
+              <a:solidFill>
+                <a:schemeClr val="accent5"/>
+              </a:solidFill>
+              <a:prstDash val="dash"/>
+            </a:ln>
+          </p:spPr>
+          <p:style>
+            <a:lnRef idx="1">
+              <a:schemeClr val="accent1"/>
+            </a:lnRef>
+            <a:fillRef idx="0">
+              <a:schemeClr val="accent1"/>
+            </a:fillRef>
+            <a:effectRef idx="0">
+              <a:schemeClr val="accent1"/>
+            </a:effectRef>
+            <a:fontRef idx="minor">
+              <a:schemeClr val="tx1"/>
+            </a:fontRef>
+          </p:style>
+        </p:cxnSp>
+        <p:cxnSp>
+          <p:nvCxnSpPr>
+            <p:cNvPr id="31" name="Straight Connector 30">
+              <a:extLst>
+                <a:ext uri="{FF2B5EF4-FFF2-40B4-BE49-F238E27FC236}">
+                  <a16:creationId xmlns:a16="http://schemas.microsoft.com/office/drawing/2014/main" id="{0D4A228D-B87F-4A50-AC38-21E1FCCDBD48}"/>
+                </a:ext>
+              </a:extLst>
+            </p:cNvPr>
+            <p:cNvCxnSpPr>
+              <a:cxnSpLocks/>
+            </p:cNvCxnSpPr>
+            <p:nvPr/>
+          </p:nvCxnSpPr>
+          <p:spPr>
+            <a:xfrm>
+              <a:off x="3457574" y="1900827"/>
+              <a:ext cx="0" cy="2278767"/>
+            </a:xfrm>
+            <a:prstGeom prst="line">
+              <a:avLst/>
+            </a:prstGeom>
+            <a:ln w="31750">
+              <a:solidFill>
+                <a:schemeClr val="accent5"/>
+              </a:solidFill>
+              <a:prstDash val="dash"/>
+            </a:ln>
+          </p:spPr>
+          <p:style>
+            <a:lnRef idx="1">
+              <a:schemeClr val="accent1"/>
+            </a:lnRef>
+            <a:fillRef idx="0">
+              <a:schemeClr val="accent1"/>
+            </a:fillRef>
+            <a:effectRef idx="0">
+              <a:schemeClr val="accent1"/>
+            </a:effectRef>
+            <a:fontRef idx="minor">
+              <a:schemeClr val="tx1"/>
+            </a:fontRef>
+          </p:style>
+        </p:cxnSp>
+        <p:cxnSp>
+          <p:nvCxnSpPr>
+            <p:cNvPr id="32" name="Straight Connector 31">
+              <a:extLst>
+                <a:ext uri="{FF2B5EF4-FFF2-40B4-BE49-F238E27FC236}">
+                  <a16:creationId xmlns:a16="http://schemas.microsoft.com/office/drawing/2014/main" id="{34AB37D4-B6AD-4D85-A2D1-BE2F1ED262E2}"/>
+                </a:ext>
+              </a:extLst>
+            </p:cNvPr>
+            <p:cNvCxnSpPr>
+              <a:cxnSpLocks/>
+            </p:cNvCxnSpPr>
+            <p:nvPr/>
+          </p:nvCxnSpPr>
+          <p:spPr>
+            <a:xfrm>
+              <a:off x="4067175" y="1900827"/>
+              <a:ext cx="0" cy="2278767"/>
+            </a:xfrm>
+            <a:prstGeom prst="line">
+              <a:avLst/>
+            </a:prstGeom>
+            <a:ln w="31750">
+              <a:solidFill>
+                <a:schemeClr val="accent5"/>
+              </a:solidFill>
+              <a:prstDash val="dash"/>
+            </a:ln>
+          </p:spPr>
+          <p:style>
+            <a:lnRef idx="1">
+              <a:schemeClr val="accent1"/>
+            </a:lnRef>
+            <a:fillRef idx="0">
+              <a:schemeClr val="accent1"/>
+            </a:fillRef>
+            <a:effectRef idx="0">
+              <a:schemeClr val="accent1"/>
+            </a:effectRef>
+            <a:fontRef idx="minor">
+              <a:schemeClr val="tx1"/>
+            </a:fontRef>
+          </p:style>
+        </p:cxnSp>
+        <p:cxnSp>
+          <p:nvCxnSpPr>
+            <p:cNvPr id="33" name="Straight Connector 32">
+              <a:extLst>
+                <a:ext uri="{FF2B5EF4-FFF2-40B4-BE49-F238E27FC236}">
+                  <a16:creationId xmlns:a16="http://schemas.microsoft.com/office/drawing/2014/main" id="{624F4FD2-8DD0-4A05-ABCF-1B0F072798C5}"/>
+                </a:ext>
+              </a:extLst>
+            </p:cNvPr>
+            <p:cNvCxnSpPr>
+              <a:cxnSpLocks/>
+            </p:cNvCxnSpPr>
+            <p:nvPr/>
+          </p:nvCxnSpPr>
+          <p:spPr>
+            <a:xfrm>
+              <a:off x="4700587" y="1900827"/>
+              <a:ext cx="0" cy="2278767"/>
+            </a:xfrm>
+            <a:prstGeom prst="line">
+              <a:avLst/>
+            </a:prstGeom>
+            <a:ln w="31750">
+              <a:solidFill>
+                <a:schemeClr val="accent5"/>
+              </a:solidFill>
+              <a:prstDash val="dash"/>
+            </a:ln>
+          </p:spPr>
+          <p:style>
+            <a:lnRef idx="1">
+              <a:schemeClr val="accent1"/>
+            </a:lnRef>
+            <a:fillRef idx="0">
+              <a:schemeClr val="accent1"/>
+            </a:fillRef>
+            <a:effectRef idx="0">
+              <a:schemeClr val="accent1"/>
+            </a:effectRef>
+            <a:fontRef idx="minor">
+              <a:schemeClr val="tx1"/>
+            </a:fontRef>
+          </p:style>
+        </p:cxnSp>
+        <p:sp>
+          <p:nvSpPr>
+            <p:cNvPr id="34" name="TextBox 33">
+              <a:extLst>
+                <a:ext uri="{FF2B5EF4-FFF2-40B4-BE49-F238E27FC236}">
+                  <a16:creationId xmlns:a16="http://schemas.microsoft.com/office/drawing/2014/main" id="{C6120D46-E130-431D-A59E-B66B4311F1E9}"/>
+                </a:ext>
+              </a:extLst>
+            </p:cNvPr>
+            <p:cNvSpPr txBox="1"/>
+            <p:nvPr/>
+          </p:nvSpPr>
+          <p:spPr>
+            <a:xfrm>
+              <a:off x="2117847" y="1596768"/>
+              <a:ext cx="449140" cy="369332"/>
+            </a:xfrm>
+            <a:prstGeom prst="rect">
+              <a:avLst/>
+            </a:prstGeom>
+            <a:noFill/>
+          </p:spPr>
+          <p:txBody>
+            <a:bodyPr wrap="square" rtlCol="0">
+              <a:spAutoFit/>
+            </a:bodyPr>
+            <a:lstStyle/>
+            <a:p>
+              <a:pPr algn="ctr"/>
+              <a:r>
+                <a:rPr lang="en-US" dirty="0"/>
+                <a:t>1</a:t>
+              </a:r>
+            </a:p>
+          </p:txBody>
+        </p:sp>
+        <p:sp>
+          <p:nvSpPr>
+            <p:cNvPr id="35" name="TextBox 34">
+              <a:extLst>
+                <a:ext uri="{FF2B5EF4-FFF2-40B4-BE49-F238E27FC236}">
+                  <a16:creationId xmlns:a16="http://schemas.microsoft.com/office/drawing/2014/main" id="{E9F80A1E-5A17-4183-8C92-65DBB217F294}"/>
+                </a:ext>
+              </a:extLst>
+            </p:cNvPr>
+            <p:cNvSpPr txBox="1"/>
+            <p:nvPr/>
+          </p:nvSpPr>
+          <p:spPr>
+            <a:xfrm>
+              <a:off x="2753273" y="1596768"/>
+              <a:ext cx="449140" cy="369332"/>
+            </a:xfrm>
+            <a:prstGeom prst="rect">
+              <a:avLst/>
+            </a:prstGeom>
+            <a:noFill/>
+          </p:spPr>
+          <p:txBody>
+            <a:bodyPr wrap="square" rtlCol="0">
+              <a:spAutoFit/>
+            </a:bodyPr>
+            <a:lstStyle/>
+            <a:p>
+              <a:pPr algn="ctr"/>
+              <a:r>
+                <a:rPr lang="en-US" dirty="0"/>
+                <a:t>2</a:t>
+              </a:r>
+            </a:p>
+          </p:txBody>
+        </p:sp>
+        <p:sp>
+          <p:nvSpPr>
+            <p:cNvPr id="36" name="TextBox 35">
+              <a:extLst>
+                <a:ext uri="{FF2B5EF4-FFF2-40B4-BE49-F238E27FC236}">
+                  <a16:creationId xmlns:a16="http://schemas.microsoft.com/office/drawing/2014/main" id="{49D44942-480C-41D0-8651-0B1BF2DBD608}"/>
+                </a:ext>
+              </a:extLst>
+            </p:cNvPr>
+            <p:cNvSpPr txBox="1"/>
+            <p:nvPr/>
+          </p:nvSpPr>
+          <p:spPr>
+            <a:xfrm>
+              <a:off x="3556121" y="1596768"/>
+              <a:ext cx="449140" cy="369332"/>
+            </a:xfrm>
+            <a:prstGeom prst="rect">
+              <a:avLst/>
+            </a:prstGeom>
+            <a:noFill/>
+          </p:spPr>
+          <p:txBody>
+            <a:bodyPr wrap="square" rtlCol="0">
+              <a:spAutoFit/>
+            </a:bodyPr>
+            <a:lstStyle/>
+            <a:p>
+              <a:pPr algn="ctr"/>
+              <a:r>
+                <a:rPr lang="en-US" dirty="0"/>
+                <a:t>3</a:t>
+              </a:r>
+            </a:p>
+          </p:txBody>
+        </p:sp>
+        <p:sp>
+          <p:nvSpPr>
+            <p:cNvPr id="37" name="TextBox 36">
+              <a:extLst>
+                <a:ext uri="{FF2B5EF4-FFF2-40B4-BE49-F238E27FC236}">
+                  <a16:creationId xmlns:a16="http://schemas.microsoft.com/office/drawing/2014/main" id="{3F39A77C-B0C8-4435-9976-53749CDA36D8}"/>
+                </a:ext>
+              </a:extLst>
+            </p:cNvPr>
+            <p:cNvSpPr txBox="1"/>
+            <p:nvPr/>
+          </p:nvSpPr>
+          <p:spPr>
+            <a:xfrm>
+              <a:off x="4189532" y="1596768"/>
+              <a:ext cx="449140" cy="369332"/>
+            </a:xfrm>
+            <a:prstGeom prst="rect">
+              <a:avLst/>
+            </a:prstGeom>
+            <a:noFill/>
+          </p:spPr>
+          <p:txBody>
+            <a:bodyPr wrap="square" rtlCol="0">
+              <a:spAutoFit/>
+            </a:bodyPr>
+            <a:lstStyle/>
+            <a:p>
+              <a:pPr algn="ctr"/>
+              <a:r>
+                <a:rPr lang="en-US" dirty="0"/>
+                <a:t>4</a:t>
+              </a:r>
+            </a:p>
+          </p:txBody>
+        </p:sp>
+        <p:sp>
+          <p:nvSpPr>
+            <p:cNvPr id="38" name="TextBox 37">
+              <a:extLst>
+                <a:ext uri="{FF2B5EF4-FFF2-40B4-BE49-F238E27FC236}">
+                  <a16:creationId xmlns:a16="http://schemas.microsoft.com/office/drawing/2014/main" id="{F576B7DB-44E4-4F41-9B0D-8F4E5A779C46}"/>
+                </a:ext>
+              </a:extLst>
+            </p:cNvPr>
+            <p:cNvSpPr txBox="1"/>
+            <p:nvPr/>
+          </p:nvSpPr>
+          <p:spPr>
+            <a:xfrm>
+              <a:off x="4707363" y="1596768"/>
+              <a:ext cx="449140" cy="369332"/>
+            </a:xfrm>
+            <a:prstGeom prst="rect">
+              <a:avLst/>
+            </a:prstGeom>
+            <a:noFill/>
+          </p:spPr>
+          <p:txBody>
+            <a:bodyPr wrap="square" rtlCol="0">
+              <a:spAutoFit/>
+            </a:bodyPr>
+            <a:lstStyle/>
+            <a:p>
+              <a:pPr algn="ctr"/>
+              <a:r>
+                <a:rPr lang="en-US" dirty="0"/>
+                <a:t>5</a:t>
+              </a:r>
+            </a:p>
+          </p:txBody>
+        </p:sp>
+        <p:sp>
+          <p:nvSpPr>
+            <p:cNvPr id="39" name="TextBox 38">
+              <a:extLst>
+                <a:ext uri="{FF2B5EF4-FFF2-40B4-BE49-F238E27FC236}">
+                  <a16:creationId xmlns:a16="http://schemas.microsoft.com/office/drawing/2014/main" id="{FAA3DBD3-BA00-4D8F-8AB9-5F7AD026C8A4}"/>
+                </a:ext>
+              </a:extLst>
+            </p:cNvPr>
+            <p:cNvSpPr txBox="1"/>
+            <p:nvPr/>
+          </p:nvSpPr>
+          <p:spPr>
+            <a:xfrm rot="16200000">
+              <a:off x="964236" y="2862409"/>
+              <a:ext cx="1093431" cy="369332"/>
+            </a:xfrm>
+            <a:prstGeom prst="rect">
+              <a:avLst/>
+            </a:prstGeom>
+            <a:noFill/>
+          </p:spPr>
+          <p:txBody>
+            <a:bodyPr wrap="square" rtlCol="0">
+              <a:spAutoFit/>
+            </a:bodyPr>
+            <a:lstStyle/>
+            <a:p>
+              <a:pPr algn="ctr"/>
+              <a:r>
+                <a:rPr lang="en-US" dirty="0"/>
+                <a:t>Channel</a:t>
+              </a:r>
+            </a:p>
+          </p:txBody>
+        </p:sp>
+        <p:sp>
+          <p:nvSpPr>
+            <p:cNvPr id="40" name="TextBox 39">
+              <a:extLst>
+                <a:ext uri="{FF2B5EF4-FFF2-40B4-BE49-F238E27FC236}">
+                  <a16:creationId xmlns:a16="http://schemas.microsoft.com/office/drawing/2014/main" id="{8806ED08-C5D1-42DD-99C7-EB9A8E0F3D47}"/>
+                </a:ext>
+              </a:extLst>
+            </p:cNvPr>
+            <p:cNvSpPr txBox="1"/>
+            <p:nvPr/>
+          </p:nvSpPr>
+          <p:spPr>
+            <a:xfrm>
+              <a:off x="2806781" y="1314193"/>
+              <a:ext cx="1093431" cy="369332"/>
+            </a:xfrm>
+            <a:prstGeom prst="rect">
+              <a:avLst/>
+            </a:prstGeom>
+            <a:noFill/>
+          </p:spPr>
+          <p:txBody>
+            <a:bodyPr wrap="square" rtlCol="0">
+              <a:spAutoFit/>
+            </a:bodyPr>
+            <a:lstStyle/>
+            <a:p>
+              <a:pPr algn="ctr"/>
+              <a:r>
+                <a:rPr lang="en-US" dirty="0"/>
+                <a:t>Level</a:t>
+              </a:r>
+            </a:p>
+          </p:txBody>
+        </p:sp>
+      </p:grpSp>
+      <p:grpSp>
+        <p:nvGrpSpPr>
+          <p:cNvPr id="136" name="Group 135">
+            <a:extLst>
+              <a:ext uri="{FF2B5EF4-FFF2-40B4-BE49-F238E27FC236}">
+                <a16:creationId xmlns:a16="http://schemas.microsoft.com/office/drawing/2014/main" id="{64E82B64-8FBE-4754-A6D7-B3F8BD912FE2}"/>
+              </a:ext>
+            </a:extLst>
+          </p:cNvPr>
+          <p:cNvGrpSpPr/>
+          <p:nvPr/>
+        </p:nvGrpSpPr>
+        <p:grpSpPr>
+          <a:xfrm>
+            <a:off x="4352194" y="530304"/>
+            <a:ext cx="2390676" cy="2118550"/>
+            <a:chOff x="4458379" y="1533034"/>
+            <a:chExt cx="2390676" cy="2118550"/>
+          </a:xfrm>
+        </p:grpSpPr>
+        <p:sp>
+          <p:nvSpPr>
+            <p:cNvPr id="93" name="Rectangle 92">
+              <a:extLst>
+                <a:ext uri="{FF2B5EF4-FFF2-40B4-BE49-F238E27FC236}">
+                  <a16:creationId xmlns:a16="http://schemas.microsoft.com/office/drawing/2014/main" id="{FC376E78-1DB8-47EC-9CAE-0F7092AACA22}"/>
+                </a:ext>
+              </a:extLst>
+            </p:cNvPr>
+            <p:cNvSpPr/>
+            <p:nvPr/>
+          </p:nvSpPr>
+          <p:spPr>
+            <a:xfrm>
+              <a:off x="5077405" y="2169874"/>
+              <a:ext cx="295275" cy="295275"/>
+            </a:xfrm>
+            <a:prstGeom prst="rect">
+              <a:avLst/>
+            </a:prstGeom>
+            <a:solidFill>
+              <a:schemeClr val="bg1"/>
+            </a:solidFill>
+            <a:ln w="19050">
+              <a:solidFill>
+                <a:schemeClr val="tx1"/>
+              </a:solidFill>
+            </a:ln>
+          </p:spPr>
+          <p:style>
+            <a:lnRef idx="2">
+              <a:schemeClr val="accent1">
+                <a:shade val="50000"/>
+              </a:schemeClr>
+            </a:lnRef>
+            <a:fillRef idx="1">
+              <a:schemeClr val="accent1"/>
+            </a:fillRef>
+            <a:effectRef idx="0">
+              <a:schemeClr val="accent1"/>
+            </a:effectRef>
+            <a:fontRef idx="minor">
+              <a:schemeClr val="lt1"/>
+            </a:fontRef>
+          </p:style>
+          <p:txBody>
+            <a:bodyPr rtlCol="0" anchor="ctr"/>
+            <a:lstStyle/>
+            <a:p>
+              <a:pPr algn="ctr"/>
+              <a:r>
+                <a:rPr lang="en-US" dirty="0">
+                  <a:solidFill>
+                    <a:schemeClr val="tx1"/>
+                  </a:solidFill>
+                </a:rPr>
+                <a:t>0</a:t>
+              </a:r>
+            </a:p>
+          </p:txBody>
+        </p:sp>
+        <p:sp>
+          <p:nvSpPr>
+            <p:cNvPr id="94" name="Rectangle 93">
+              <a:extLst>
+                <a:ext uri="{FF2B5EF4-FFF2-40B4-BE49-F238E27FC236}">
+                  <a16:creationId xmlns:a16="http://schemas.microsoft.com/office/drawing/2014/main" id="{B4A5EE16-8F3B-4F8F-BF66-98E69B216FFD}"/>
+                </a:ext>
+              </a:extLst>
+            </p:cNvPr>
+            <p:cNvSpPr/>
+            <p:nvPr/>
+          </p:nvSpPr>
+          <p:spPr>
+            <a:xfrm>
+              <a:off x="5372680" y="2169873"/>
+              <a:ext cx="295275" cy="295275"/>
+            </a:xfrm>
+            <a:prstGeom prst="rect">
+              <a:avLst/>
+            </a:prstGeom>
+            <a:solidFill>
+              <a:schemeClr val="bg1"/>
+            </a:solidFill>
+            <a:ln w="19050">
+              <a:solidFill>
+                <a:schemeClr val="tx1"/>
+              </a:solidFill>
+            </a:ln>
+          </p:spPr>
+          <p:style>
+            <a:lnRef idx="2">
+              <a:schemeClr val="accent1">
+                <a:shade val="50000"/>
+              </a:schemeClr>
+            </a:lnRef>
+            <a:fillRef idx="1">
+              <a:schemeClr val="accent1"/>
+            </a:fillRef>
+            <a:effectRef idx="0">
+              <a:schemeClr val="accent1"/>
+            </a:effectRef>
+            <a:fontRef idx="minor">
+              <a:schemeClr val="lt1"/>
+            </a:fontRef>
+          </p:style>
+          <p:txBody>
+            <a:bodyPr rtlCol="0" anchor="ctr"/>
+            <a:lstStyle/>
+            <a:p>
+              <a:pPr algn="ctr"/>
+              <a:r>
+                <a:rPr lang="en-US" dirty="0">
+                  <a:solidFill>
+                    <a:schemeClr val="tx1"/>
+                  </a:solidFill>
+                </a:rPr>
+                <a:t>1</a:t>
+              </a:r>
+            </a:p>
+          </p:txBody>
+        </p:sp>
+        <p:sp>
+          <p:nvSpPr>
+            <p:cNvPr id="95" name="Rectangle 94">
+              <a:extLst>
+                <a:ext uri="{FF2B5EF4-FFF2-40B4-BE49-F238E27FC236}">
+                  <a16:creationId xmlns:a16="http://schemas.microsoft.com/office/drawing/2014/main" id="{F0E65200-4CE2-4DF3-B4D6-F57B94A524FB}"/>
+                </a:ext>
+              </a:extLst>
+            </p:cNvPr>
+            <p:cNvSpPr/>
+            <p:nvPr/>
+          </p:nvSpPr>
+          <p:spPr>
+            <a:xfrm>
+              <a:off x="5667955" y="2169874"/>
+              <a:ext cx="295275" cy="295275"/>
+            </a:xfrm>
+            <a:prstGeom prst="rect">
+              <a:avLst/>
+            </a:prstGeom>
+            <a:solidFill>
+              <a:schemeClr val="bg1"/>
+            </a:solidFill>
+            <a:ln w="19050">
+              <a:solidFill>
+                <a:schemeClr val="tx1"/>
+              </a:solidFill>
+            </a:ln>
+          </p:spPr>
+          <p:style>
+            <a:lnRef idx="2">
+              <a:schemeClr val="accent1">
+                <a:shade val="50000"/>
+              </a:schemeClr>
+            </a:lnRef>
+            <a:fillRef idx="1">
+              <a:schemeClr val="accent1"/>
+            </a:fillRef>
+            <a:effectRef idx="0">
+              <a:schemeClr val="accent1"/>
+            </a:effectRef>
+            <a:fontRef idx="minor">
+              <a:schemeClr val="lt1"/>
+            </a:fontRef>
+          </p:style>
+          <p:txBody>
+            <a:bodyPr rtlCol="0" anchor="ctr"/>
+            <a:lstStyle/>
+            <a:p>
+              <a:pPr algn="ctr"/>
+              <a:r>
+                <a:rPr lang="en-US" dirty="0">
+                  <a:solidFill>
+                    <a:schemeClr val="tx1"/>
+                  </a:solidFill>
+                </a:rPr>
+                <a:t>2</a:t>
+              </a:r>
+            </a:p>
+          </p:txBody>
+        </p:sp>
+        <p:sp>
+          <p:nvSpPr>
+            <p:cNvPr id="96" name="Rectangle 95">
+              <a:extLst>
+                <a:ext uri="{FF2B5EF4-FFF2-40B4-BE49-F238E27FC236}">
+                  <a16:creationId xmlns:a16="http://schemas.microsoft.com/office/drawing/2014/main" id="{D2D20053-BA00-4EBD-9D29-3BBB31C8B8F8}"/>
+                </a:ext>
+              </a:extLst>
+            </p:cNvPr>
+            <p:cNvSpPr/>
+            <p:nvPr/>
+          </p:nvSpPr>
+          <p:spPr>
+            <a:xfrm>
+              <a:off x="5963230" y="2169873"/>
+              <a:ext cx="295275" cy="295275"/>
+            </a:xfrm>
+            <a:prstGeom prst="rect">
+              <a:avLst/>
+            </a:prstGeom>
+            <a:solidFill>
+              <a:schemeClr val="bg1"/>
+            </a:solidFill>
+            <a:ln w="19050">
+              <a:solidFill>
+                <a:schemeClr val="tx1"/>
+              </a:solidFill>
+            </a:ln>
+          </p:spPr>
+          <p:style>
+            <a:lnRef idx="2">
+              <a:schemeClr val="accent1">
+                <a:shade val="50000"/>
+              </a:schemeClr>
+            </a:lnRef>
+            <a:fillRef idx="1">
+              <a:schemeClr val="accent1"/>
+            </a:fillRef>
+            <a:effectRef idx="0">
+              <a:schemeClr val="accent1"/>
+            </a:effectRef>
+            <a:fontRef idx="minor">
+              <a:schemeClr val="lt1"/>
+            </a:fontRef>
+          </p:style>
+          <p:txBody>
+            <a:bodyPr rtlCol="0" anchor="ctr"/>
+            <a:lstStyle/>
+            <a:p>
+              <a:pPr algn="ctr"/>
+              <a:r>
+                <a:rPr lang="en-US" dirty="0">
+                  <a:solidFill>
+                    <a:schemeClr val="tx1"/>
+                  </a:solidFill>
+                </a:rPr>
+                <a:t>3</a:t>
+              </a:r>
+            </a:p>
+          </p:txBody>
+        </p:sp>
+        <p:sp>
+          <p:nvSpPr>
+            <p:cNvPr id="97" name="Rectangle 96">
+              <a:extLst>
+                <a:ext uri="{FF2B5EF4-FFF2-40B4-BE49-F238E27FC236}">
+                  <a16:creationId xmlns:a16="http://schemas.microsoft.com/office/drawing/2014/main" id="{83CADB78-3C37-42C6-8EE6-A9F23DA56707}"/>
+                </a:ext>
+              </a:extLst>
+            </p:cNvPr>
+            <p:cNvSpPr/>
+            <p:nvPr/>
+          </p:nvSpPr>
+          <p:spPr>
+            <a:xfrm>
+              <a:off x="6258505" y="2169873"/>
+              <a:ext cx="295275" cy="295275"/>
+            </a:xfrm>
+            <a:prstGeom prst="rect">
+              <a:avLst/>
+            </a:prstGeom>
+            <a:solidFill>
+              <a:schemeClr val="bg1"/>
+            </a:solidFill>
+            <a:ln w="19050">
+              <a:solidFill>
+                <a:schemeClr val="tx1"/>
+              </a:solidFill>
+            </a:ln>
+          </p:spPr>
+          <p:style>
+            <a:lnRef idx="2">
+              <a:schemeClr val="accent1">
+                <a:shade val="50000"/>
+              </a:schemeClr>
+            </a:lnRef>
+            <a:fillRef idx="1">
+              <a:schemeClr val="accent1"/>
+            </a:fillRef>
+            <a:effectRef idx="0">
+              <a:schemeClr val="accent1"/>
+            </a:effectRef>
+            <a:fontRef idx="minor">
+              <a:schemeClr val="lt1"/>
+            </a:fontRef>
+          </p:style>
+          <p:txBody>
+            <a:bodyPr rtlCol="0" anchor="ctr"/>
+            <a:lstStyle/>
+            <a:p>
+              <a:pPr algn="ctr"/>
+              <a:r>
+                <a:rPr lang="en-US" dirty="0">
+                  <a:solidFill>
+                    <a:schemeClr val="tx1"/>
+                  </a:solidFill>
+                </a:rPr>
+                <a:t>4</a:t>
+              </a:r>
+            </a:p>
+          </p:txBody>
+        </p:sp>
+        <p:sp>
+          <p:nvSpPr>
+            <p:cNvPr id="98" name="Rectangle 97">
+              <a:extLst>
+                <a:ext uri="{FF2B5EF4-FFF2-40B4-BE49-F238E27FC236}">
+                  <a16:creationId xmlns:a16="http://schemas.microsoft.com/office/drawing/2014/main" id="{C9AE8680-D41F-4BBC-88FF-588A98730B66}"/>
+                </a:ext>
+              </a:extLst>
+            </p:cNvPr>
+            <p:cNvSpPr/>
+            <p:nvPr/>
+          </p:nvSpPr>
+          <p:spPr>
+            <a:xfrm>
+              <a:off x="6553780" y="2169872"/>
+              <a:ext cx="295275" cy="295275"/>
+            </a:xfrm>
+            <a:prstGeom prst="rect">
+              <a:avLst/>
+            </a:prstGeom>
+            <a:solidFill>
+              <a:schemeClr val="bg1"/>
+            </a:solidFill>
+            <a:ln w="19050">
+              <a:solidFill>
+                <a:schemeClr val="tx1"/>
+              </a:solidFill>
+            </a:ln>
+          </p:spPr>
+          <p:style>
+            <a:lnRef idx="2">
+              <a:schemeClr val="accent1">
+                <a:shade val="50000"/>
+              </a:schemeClr>
+            </a:lnRef>
+            <a:fillRef idx="1">
+              <a:schemeClr val="accent1"/>
+            </a:fillRef>
+            <a:effectRef idx="0">
+              <a:schemeClr val="accent1"/>
+            </a:effectRef>
+            <a:fontRef idx="minor">
+              <a:schemeClr val="lt1"/>
+            </a:fontRef>
+          </p:style>
+          <p:txBody>
+            <a:bodyPr rtlCol="0" anchor="ctr"/>
+            <a:lstStyle/>
+            <a:p>
+              <a:pPr algn="ctr"/>
+              <a:r>
+                <a:rPr lang="en-US" dirty="0">
+                  <a:solidFill>
+                    <a:schemeClr val="tx1"/>
+                  </a:solidFill>
+                </a:rPr>
+                <a:t>5</a:t>
+              </a:r>
+            </a:p>
+          </p:txBody>
+        </p:sp>
+        <p:sp>
+          <p:nvSpPr>
+            <p:cNvPr id="99" name="Rectangle 98">
+              <a:extLst>
+                <a:ext uri="{FF2B5EF4-FFF2-40B4-BE49-F238E27FC236}">
+                  <a16:creationId xmlns:a16="http://schemas.microsoft.com/office/drawing/2014/main" id="{834D57E6-013B-4487-87FF-B31F3A02B197}"/>
+                </a:ext>
+              </a:extLst>
+            </p:cNvPr>
+            <p:cNvSpPr/>
+            <p:nvPr/>
+          </p:nvSpPr>
+          <p:spPr>
+            <a:xfrm>
+              <a:off x="5077405" y="2465149"/>
+              <a:ext cx="295275" cy="295275"/>
+            </a:xfrm>
+            <a:prstGeom prst="rect">
+              <a:avLst/>
+            </a:prstGeom>
+            <a:solidFill>
+              <a:schemeClr val="bg1"/>
+            </a:solidFill>
+            <a:ln w="19050">
+              <a:solidFill>
+                <a:schemeClr val="tx1"/>
+              </a:solidFill>
+            </a:ln>
+          </p:spPr>
+          <p:style>
+            <a:lnRef idx="2">
+              <a:schemeClr val="accent1">
+                <a:shade val="50000"/>
+              </a:schemeClr>
+            </a:lnRef>
+            <a:fillRef idx="1">
+              <a:schemeClr val="accent1"/>
+            </a:fillRef>
+            <a:effectRef idx="0">
+              <a:schemeClr val="accent1"/>
+            </a:effectRef>
+            <a:fontRef idx="minor">
+              <a:schemeClr val="lt1"/>
+            </a:fontRef>
+          </p:style>
+          <p:txBody>
+            <a:bodyPr rtlCol="0" anchor="ctr"/>
+            <a:lstStyle/>
+            <a:p>
+              <a:pPr algn="ctr"/>
+              <a:r>
+                <a:rPr lang="en-US" dirty="0">
+                  <a:solidFill>
+                    <a:schemeClr val="tx1"/>
+                  </a:solidFill>
+                </a:rPr>
+                <a:t>0</a:t>
+              </a:r>
+            </a:p>
+          </p:txBody>
+        </p:sp>
+        <p:sp>
+          <p:nvSpPr>
+            <p:cNvPr id="100" name="Rectangle 99">
+              <a:extLst>
+                <a:ext uri="{FF2B5EF4-FFF2-40B4-BE49-F238E27FC236}">
+                  <a16:creationId xmlns:a16="http://schemas.microsoft.com/office/drawing/2014/main" id="{9A1929BE-86B5-4823-98B0-5E59A300B472}"/>
+                </a:ext>
+              </a:extLst>
+            </p:cNvPr>
+            <p:cNvSpPr/>
+            <p:nvPr/>
+          </p:nvSpPr>
+          <p:spPr>
+            <a:xfrm>
+              <a:off x="5372680" y="2465148"/>
+              <a:ext cx="295275" cy="295275"/>
+            </a:xfrm>
+            <a:prstGeom prst="rect">
+              <a:avLst/>
+            </a:prstGeom>
+            <a:solidFill>
+              <a:schemeClr val="bg1"/>
+            </a:solidFill>
+            <a:ln w="19050">
+              <a:solidFill>
+                <a:schemeClr val="tx1"/>
+              </a:solidFill>
+            </a:ln>
+          </p:spPr>
+          <p:style>
+            <a:lnRef idx="2">
+              <a:schemeClr val="accent1">
+                <a:shade val="50000"/>
+              </a:schemeClr>
+            </a:lnRef>
+            <a:fillRef idx="1">
+              <a:schemeClr val="accent1"/>
+            </a:fillRef>
+            <a:effectRef idx="0">
+              <a:schemeClr val="accent1"/>
+            </a:effectRef>
+            <a:fontRef idx="minor">
+              <a:schemeClr val="lt1"/>
+            </a:fontRef>
+          </p:style>
+          <p:txBody>
+            <a:bodyPr rtlCol="0" anchor="ctr"/>
+            <a:lstStyle/>
+            <a:p>
+              <a:pPr algn="ctr"/>
+              <a:r>
+                <a:rPr lang="en-US" dirty="0">
+                  <a:solidFill>
+                    <a:schemeClr val="tx1"/>
+                  </a:solidFill>
+                </a:rPr>
+                <a:t>3</a:t>
+              </a:r>
+            </a:p>
+          </p:txBody>
+        </p:sp>
+        <p:sp>
+          <p:nvSpPr>
+            <p:cNvPr id="101" name="Rectangle 100">
+              <a:extLst>
+                <a:ext uri="{FF2B5EF4-FFF2-40B4-BE49-F238E27FC236}">
+                  <a16:creationId xmlns:a16="http://schemas.microsoft.com/office/drawing/2014/main" id="{306D8F7C-F3B1-417A-ACE5-EC8250D95A58}"/>
+                </a:ext>
+              </a:extLst>
+            </p:cNvPr>
+            <p:cNvSpPr/>
+            <p:nvPr/>
+          </p:nvSpPr>
+          <p:spPr>
+            <a:xfrm>
+              <a:off x="5667955" y="2465149"/>
+              <a:ext cx="295275" cy="295275"/>
+            </a:xfrm>
+            <a:prstGeom prst="rect">
+              <a:avLst/>
+            </a:prstGeom>
+            <a:solidFill>
+              <a:schemeClr val="bg1"/>
+            </a:solidFill>
+            <a:ln w="19050">
+              <a:solidFill>
+                <a:schemeClr val="tx1"/>
+              </a:solidFill>
+            </a:ln>
+          </p:spPr>
+          <p:style>
+            <a:lnRef idx="2">
+              <a:schemeClr val="accent1">
+                <a:shade val="50000"/>
+              </a:schemeClr>
+            </a:lnRef>
+            <a:fillRef idx="1">
+              <a:schemeClr val="accent1"/>
+            </a:fillRef>
+            <a:effectRef idx="0">
+              <a:schemeClr val="accent1"/>
+            </a:effectRef>
+            <a:fontRef idx="minor">
+              <a:schemeClr val="lt1"/>
+            </a:fontRef>
+          </p:style>
+          <p:txBody>
+            <a:bodyPr rtlCol="0" anchor="ctr"/>
+            <a:lstStyle/>
+            <a:p>
+              <a:pPr algn="ctr"/>
+              <a:r>
+                <a:rPr lang="en-US" dirty="0">
+                  <a:solidFill>
+                    <a:schemeClr val="tx1"/>
+                  </a:solidFill>
+                </a:rPr>
+                <a:t>1</a:t>
+              </a:r>
+            </a:p>
+          </p:txBody>
+        </p:sp>
+        <p:sp>
+          <p:nvSpPr>
+            <p:cNvPr id="102" name="Rectangle 101">
+              <a:extLst>
+                <a:ext uri="{FF2B5EF4-FFF2-40B4-BE49-F238E27FC236}">
+                  <a16:creationId xmlns:a16="http://schemas.microsoft.com/office/drawing/2014/main" id="{D937B517-F2EC-4E04-AFEE-6A85D9B38E2D}"/>
+                </a:ext>
+              </a:extLst>
+            </p:cNvPr>
+            <p:cNvSpPr/>
+            <p:nvPr/>
+          </p:nvSpPr>
+          <p:spPr>
+            <a:xfrm>
+              <a:off x="5963230" y="2465148"/>
+              <a:ext cx="295275" cy="295275"/>
+            </a:xfrm>
+            <a:prstGeom prst="rect">
+              <a:avLst/>
+            </a:prstGeom>
+            <a:solidFill>
+              <a:schemeClr val="bg1"/>
+            </a:solidFill>
+            <a:ln w="19050">
+              <a:solidFill>
+                <a:schemeClr val="tx1"/>
+              </a:solidFill>
+            </a:ln>
+          </p:spPr>
+          <p:style>
+            <a:lnRef idx="2">
+              <a:schemeClr val="accent1">
+                <a:shade val="50000"/>
+              </a:schemeClr>
+            </a:lnRef>
+            <a:fillRef idx="1">
+              <a:schemeClr val="accent1"/>
+            </a:fillRef>
+            <a:effectRef idx="0">
+              <a:schemeClr val="accent1"/>
+            </a:effectRef>
+            <a:fontRef idx="minor">
+              <a:schemeClr val="lt1"/>
+            </a:fontRef>
+          </p:style>
+          <p:txBody>
+            <a:bodyPr rtlCol="0" anchor="ctr"/>
+            <a:lstStyle/>
+            <a:p>
+              <a:pPr algn="ctr"/>
+              <a:r>
+                <a:rPr lang="en-US" dirty="0">
+                  <a:solidFill>
+                    <a:schemeClr val="tx1"/>
+                  </a:solidFill>
+                </a:rPr>
+                <a:t>4</a:t>
+              </a:r>
+            </a:p>
+          </p:txBody>
+        </p:sp>
+        <p:sp>
+          <p:nvSpPr>
+            <p:cNvPr id="103" name="Rectangle 102">
+              <a:extLst>
+                <a:ext uri="{FF2B5EF4-FFF2-40B4-BE49-F238E27FC236}">
+                  <a16:creationId xmlns:a16="http://schemas.microsoft.com/office/drawing/2014/main" id="{E1CF9789-1741-4755-BC3F-2193775C5DCD}"/>
+                </a:ext>
+              </a:extLst>
+            </p:cNvPr>
+            <p:cNvSpPr/>
+            <p:nvPr/>
+          </p:nvSpPr>
+          <p:spPr>
+            <a:xfrm>
+              <a:off x="6258505" y="2465148"/>
+              <a:ext cx="295275" cy="295275"/>
+            </a:xfrm>
+            <a:prstGeom prst="rect">
+              <a:avLst/>
+            </a:prstGeom>
+            <a:solidFill>
+              <a:schemeClr val="bg1"/>
+            </a:solidFill>
+            <a:ln w="19050">
+              <a:solidFill>
+                <a:schemeClr val="tx1"/>
+              </a:solidFill>
+            </a:ln>
+          </p:spPr>
+          <p:style>
+            <a:lnRef idx="2">
+              <a:schemeClr val="accent1">
+                <a:shade val="50000"/>
+              </a:schemeClr>
+            </a:lnRef>
+            <a:fillRef idx="1">
+              <a:schemeClr val="accent1"/>
+            </a:fillRef>
+            <a:effectRef idx="0">
+              <a:schemeClr val="accent1"/>
+            </a:effectRef>
+            <a:fontRef idx="minor">
+              <a:schemeClr val="lt1"/>
+            </a:fontRef>
+          </p:style>
+          <p:txBody>
+            <a:bodyPr rtlCol="0" anchor="ctr"/>
+            <a:lstStyle/>
+            <a:p>
+              <a:pPr algn="ctr"/>
+              <a:r>
+                <a:rPr lang="en-US" dirty="0">
+                  <a:solidFill>
+                    <a:schemeClr val="tx1"/>
+                  </a:solidFill>
+                </a:rPr>
+                <a:t>2</a:t>
+              </a:r>
+            </a:p>
+          </p:txBody>
+        </p:sp>
+        <p:sp>
+          <p:nvSpPr>
+            <p:cNvPr id="104" name="Rectangle 103">
+              <a:extLst>
+                <a:ext uri="{FF2B5EF4-FFF2-40B4-BE49-F238E27FC236}">
+                  <a16:creationId xmlns:a16="http://schemas.microsoft.com/office/drawing/2014/main" id="{C812DDDF-CE1E-4749-83A6-9E3E92A0A6A8}"/>
+                </a:ext>
+              </a:extLst>
+            </p:cNvPr>
+            <p:cNvSpPr/>
+            <p:nvPr/>
+          </p:nvSpPr>
+          <p:spPr>
+            <a:xfrm>
+              <a:off x="6553780" y="2465147"/>
+              <a:ext cx="295275" cy="295275"/>
+            </a:xfrm>
+            <a:prstGeom prst="rect">
+              <a:avLst/>
+            </a:prstGeom>
+            <a:solidFill>
+              <a:schemeClr val="bg1"/>
+            </a:solidFill>
+            <a:ln w="19050">
+              <a:solidFill>
+                <a:schemeClr val="tx1"/>
+              </a:solidFill>
+            </a:ln>
+          </p:spPr>
+          <p:style>
+            <a:lnRef idx="2">
+              <a:schemeClr val="accent1">
+                <a:shade val="50000"/>
+              </a:schemeClr>
+            </a:lnRef>
+            <a:fillRef idx="1">
+              <a:schemeClr val="accent1"/>
+            </a:fillRef>
+            <a:effectRef idx="0">
+              <a:schemeClr val="accent1"/>
+            </a:effectRef>
+            <a:fontRef idx="minor">
+              <a:schemeClr val="lt1"/>
+            </a:fontRef>
+          </p:style>
+          <p:txBody>
+            <a:bodyPr rtlCol="0" anchor="ctr"/>
+            <a:lstStyle/>
+            <a:p>
+              <a:pPr algn="ctr"/>
+              <a:r>
+                <a:rPr lang="en-US" dirty="0">
+                  <a:solidFill>
+                    <a:schemeClr val="tx1"/>
+                  </a:solidFill>
+                </a:rPr>
+                <a:t>5</a:t>
+              </a:r>
+            </a:p>
+          </p:txBody>
+        </p:sp>
+        <p:sp>
+          <p:nvSpPr>
+            <p:cNvPr id="105" name="Rectangle 104">
+              <a:extLst>
+                <a:ext uri="{FF2B5EF4-FFF2-40B4-BE49-F238E27FC236}">
+                  <a16:creationId xmlns:a16="http://schemas.microsoft.com/office/drawing/2014/main" id="{4F94F807-ED7E-4961-8747-516258FD60C0}"/>
+                </a:ext>
+              </a:extLst>
+            </p:cNvPr>
+            <p:cNvSpPr/>
+            <p:nvPr/>
+          </p:nvSpPr>
+          <p:spPr>
+            <a:xfrm>
+              <a:off x="5077405" y="2760424"/>
+              <a:ext cx="295275" cy="295275"/>
+            </a:xfrm>
+            <a:prstGeom prst="rect">
+              <a:avLst/>
+            </a:prstGeom>
+            <a:solidFill>
+              <a:schemeClr val="bg1"/>
+            </a:solidFill>
+            <a:ln w="19050">
+              <a:solidFill>
+                <a:schemeClr val="tx1"/>
+              </a:solidFill>
+            </a:ln>
+          </p:spPr>
+          <p:style>
+            <a:lnRef idx="2">
+              <a:schemeClr val="accent1">
+                <a:shade val="50000"/>
+              </a:schemeClr>
+            </a:lnRef>
+            <a:fillRef idx="1">
+              <a:schemeClr val="accent1"/>
+            </a:fillRef>
+            <a:effectRef idx="0">
+              <a:schemeClr val="accent1"/>
+            </a:effectRef>
+            <a:fontRef idx="minor">
+              <a:schemeClr val="lt1"/>
+            </a:fontRef>
+          </p:style>
+          <p:txBody>
+            <a:bodyPr rtlCol="0" anchor="ctr"/>
+            <a:lstStyle/>
+            <a:p>
+              <a:pPr algn="ctr"/>
+              <a:r>
+                <a:rPr lang="en-US" dirty="0">
+                  <a:solidFill>
+                    <a:schemeClr val="tx1"/>
+                  </a:solidFill>
+                </a:rPr>
+                <a:t>0</a:t>
+              </a:r>
+            </a:p>
+          </p:txBody>
+        </p:sp>
+        <p:sp>
+          <p:nvSpPr>
+            <p:cNvPr id="106" name="Rectangle 105">
+              <a:extLst>
+                <a:ext uri="{FF2B5EF4-FFF2-40B4-BE49-F238E27FC236}">
+                  <a16:creationId xmlns:a16="http://schemas.microsoft.com/office/drawing/2014/main" id="{3506DCC2-79EC-4E73-9ADD-867AB7D203AA}"/>
+                </a:ext>
+              </a:extLst>
+            </p:cNvPr>
+            <p:cNvSpPr/>
+            <p:nvPr/>
+          </p:nvSpPr>
+          <p:spPr>
+            <a:xfrm>
+              <a:off x="5372680" y="2760423"/>
+              <a:ext cx="295275" cy="295275"/>
+            </a:xfrm>
+            <a:prstGeom prst="rect">
+              <a:avLst/>
+            </a:prstGeom>
+            <a:solidFill>
+              <a:schemeClr val="bg1"/>
+            </a:solidFill>
+            <a:ln w="19050">
+              <a:solidFill>
+                <a:schemeClr val="tx1"/>
+              </a:solidFill>
+            </a:ln>
+          </p:spPr>
+          <p:style>
+            <a:lnRef idx="2">
+              <a:schemeClr val="accent1">
+                <a:shade val="50000"/>
+              </a:schemeClr>
+            </a:lnRef>
+            <a:fillRef idx="1">
+              <a:schemeClr val="accent1"/>
+            </a:fillRef>
+            <a:effectRef idx="0">
+              <a:schemeClr val="accent1"/>
+            </a:effectRef>
+            <a:fontRef idx="minor">
+              <a:schemeClr val="lt1"/>
+            </a:fontRef>
+          </p:style>
+          <p:txBody>
+            <a:bodyPr rtlCol="0" anchor="ctr"/>
+            <a:lstStyle/>
+            <a:p>
+              <a:pPr algn="ctr"/>
+              <a:r>
+                <a:rPr lang="en-US" dirty="0">
+                  <a:solidFill>
+                    <a:schemeClr val="tx1"/>
+                  </a:solidFill>
+                </a:rPr>
+                <a:t>1</a:t>
+              </a:r>
+            </a:p>
+          </p:txBody>
+        </p:sp>
+        <p:sp>
+          <p:nvSpPr>
+            <p:cNvPr id="107" name="Rectangle 106">
+              <a:extLst>
+                <a:ext uri="{FF2B5EF4-FFF2-40B4-BE49-F238E27FC236}">
+                  <a16:creationId xmlns:a16="http://schemas.microsoft.com/office/drawing/2014/main" id="{7FE54137-0D1D-40F5-AB25-7801825F177A}"/>
+                </a:ext>
+              </a:extLst>
+            </p:cNvPr>
+            <p:cNvSpPr/>
+            <p:nvPr/>
+          </p:nvSpPr>
+          <p:spPr>
+            <a:xfrm>
+              <a:off x="5667955" y="2760424"/>
+              <a:ext cx="295275" cy="295275"/>
+            </a:xfrm>
+            <a:prstGeom prst="rect">
+              <a:avLst/>
+            </a:prstGeom>
+            <a:solidFill>
+              <a:schemeClr val="bg1"/>
+            </a:solidFill>
+            <a:ln w="19050">
+              <a:solidFill>
+                <a:schemeClr val="tx1"/>
+              </a:solidFill>
+            </a:ln>
+          </p:spPr>
+          <p:style>
+            <a:lnRef idx="2">
+              <a:schemeClr val="accent1">
+                <a:shade val="50000"/>
+              </a:schemeClr>
+            </a:lnRef>
+            <a:fillRef idx="1">
+              <a:schemeClr val="accent1"/>
+            </a:fillRef>
+            <a:effectRef idx="0">
+              <a:schemeClr val="accent1"/>
+            </a:effectRef>
+            <a:fontRef idx="minor">
+              <a:schemeClr val="lt1"/>
+            </a:fontRef>
+          </p:style>
+          <p:txBody>
+            <a:bodyPr rtlCol="0" anchor="ctr"/>
+            <a:lstStyle/>
+            <a:p>
+              <a:pPr algn="ctr"/>
+              <a:r>
+                <a:rPr lang="en-US" dirty="0">
+                  <a:solidFill>
+                    <a:schemeClr val="tx1"/>
+                  </a:solidFill>
+                </a:rPr>
+                <a:t>2</a:t>
+              </a:r>
+            </a:p>
+          </p:txBody>
+        </p:sp>
+        <p:sp>
+          <p:nvSpPr>
+            <p:cNvPr id="108" name="Rectangle 107">
+              <a:extLst>
+                <a:ext uri="{FF2B5EF4-FFF2-40B4-BE49-F238E27FC236}">
+                  <a16:creationId xmlns:a16="http://schemas.microsoft.com/office/drawing/2014/main" id="{3CC3ECBA-CD5B-4F36-8C18-363849A8DF4A}"/>
+                </a:ext>
+              </a:extLst>
+            </p:cNvPr>
+            <p:cNvSpPr/>
+            <p:nvPr/>
+          </p:nvSpPr>
+          <p:spPr>
+            <a:xfrm>
+              <a:off x="5963230" y="2760423"/>
+              <a:ext cx="295275" cy="295275"/>
+            </a:xfrm>
+            <a:prstGeom prst="rect">
+              <a:avLst/>
+            </a:prstGeom>
+            <a:solidFill>
+              <a:schemeClr val="bg1"/>
+            </a:solidFill>
+            <a:ln w="19050">
+              <a:solidFill>
+                <a:schemeClr val="tx1"/>
+              </a:solidFill>
+            </a:ln>
+          </p:spPr>
+          <p:style>
+            <a:lnRef idx="2">
+              <a:schemeClr val="accent1">
+                <a:shade val="50000"/>
+              </a:schemeClr>
+            </a:lnRef>
+            <a:fillRef idx="1">
+              <a:schemeClr val="accent1"/>
+            </a:fillRef>
+            <a:effectRef idx="0">
+              <a:schemeClr val="accent1"/>
+            </a:effectRef>
+            <a:fontRef idx="minor">
+              <a:schemeClr val="lt1"/>
+            </a:fontRef>
+          </p:style>
+          <p:txBody>
+            <a:bodyPr rtlCol="0" anchor="ctr"/>
+            <a:lstStyle/>
+            <a:p>
+              <a:pPr algn="ctr"/>
+              <a:r>
+                <a:rPr lang="en-US" dirty="0">
+                  <a:solidFill>
+                    <a:schemeClr val="tx1"/>
+                  </a:solidFill>
+                </a:rPr>
+                <a:t>4</a:t>
+              </a:r>
+            </a:p>
+          </p:txBody>
+        </p:sp>
+        <p:sp>
+          <p:nvSpPr>
+            <p:cNvPr id="109" name="Rectangle 108">
+              <a:extLst>
+                <a:ext uri="{FF2B5EF4-FFF2-40B4-BE49-F238E27FC236}">
+                  <a16:creationId xmlns:a16="http://schemas.microsoft.com/office/drawing/2014/main" id="{7C60B360-C085-4E3D-994C-A267C39A7D53}"/>
+                </a:ext>
+              </a:extLst>
+            </p:cNvPr>
+            <p:cNvSpPr/>
+            <p:nvPr/>
+          </p:nvSpPr>
+          <p:spPr>
+            <a:xfrm>
+              <a:off x="6258505" y="2760423"/>
+              <a:ext cx="295275" cy="295275"/>
+            </a:xfrm>
+            <a:prstGeom prst="rect">
+              <a:avLst/>
+            </a:prstGeom>
+            <a:solidFill>
+              <a:schemeClr val="bg1"/>
+            </a:solidFill>
+            <a:ln w="19050">
+              <a:solidFill>
+                <a:schemeClr val="tx1"/>
+              </a:solidFill>
+            </a:ln>
+          </p:spPr>
+          <p:style>
+            <a:lnRef idx="2">
+              <a:schemeClr val="accent1">
+                <a:shade val="50000"/>
+              </a:schemeClr>
+            </a:lnRef>
+            <a:fillRef idx="1">
+              <a:schemeClr val="accent1"/>
+            </a:fillRef>
+            <a:effectRef idx="0">
+              <a:schemeClr val="accent1"/>
+            </a:effectRef>
+            <a:fontRef idx="minor">
+              <a:schemeClr val="lt1"/>
+            </a:fontRef>
+          </p:style>
+          <p:txBody>
+            <a:bodyPr rtlCol="0" anchor="ctr"/>
+            <a:lstStyle/>
+            <a:p>
+              <a:pPr algn="ctr"/>
+              <a:r>
+                <a:rPr lang="en-US" dirty="0">
+                  <a:solidFill>
+                    <a:schemeClr val="tx1"/>
+                  </a:solidFill>
+                </a:rPr>
+                <a:t>3</a:t>
+              </a:r>
+            </a:p>
+          </p:txBody>
+        </p:sp>
+        <p:sp>
+          <p:nvSpPr>
+            <p:cNvPr id="110" name="Rectangle 109">
+              <a:extLst>
+                <a:ext uri="{FF2B5EF4-FFF2-40B4-BE49-F238E27FC236}">
+                  <a16:creationId xmlns:a16="http://schemas.microsoft.com/office/drawing/2014/main" id="{11C4F28E-DA21-4BED-B2AC-0217B1350098}"/>
+                </a:ext>
+              </a:extLst>
+            </p:cNvPr>
+            <p:cNvSpPr/>
+            <p:nvPr/>
+          </p:nvSpPr>
+          <p:spPr>
+            <a:xfrm>
+              <a:off x="6553780" y="2760422"/>
+              <a:ext cx="295275" cy="295275"/>
+            </a:xfrm>
+            <a:prstGeom prst="rect">
+              <a:avLst/>
+            </a:prstGeom>
+            <a:solidFill>
+              <a:schemeClr val="bg1"/>
+            </a:solidFill>
+            <a:ln w="19050">
+              <a:solidFill>
+                <a:schemeClr val="tx1"/>
+              </a:solidFill>
+            </a:ln>
+          </p:spPr>
+          <p:style>
+            <a:lnRef idx="2">
+              <a:schemeClr val="accent1">
+                <a:shade val="50000"/>
+              </a:schemeClr>
+            </a:lnRef>
+            <a:fillRef idx="1">
+              <a:schemeClr val="accent1"/>
+            </a:fillRef>
+            <a:effectRef idx="0">
+              <a:schemeClr val="accent1"/>
+            </a:effectRef>
+            <a:fontRef idx="minor">
+              <a:schemeClr val="lt1"/>
+            </a:fontRef>
+          </p:style>
+          <p:txBody>
+            <a:bodyPr rtlCol="0" anchor="ctr"/>
+            <a:lstStyle/>
+            <a:p>
+              <a:pPr algn="ctr"/>
+              <a:r>
+                <a:rPr lang="en-US" dirty="0">
+                  <a:solidFill>
+                    <a:schemeClr val="tx1"/>
+                  </a:solidFill>
+                </a:rPr>
+                <a:t>5</a:t>
+              </a:r>
+            </a:p>
+          </p:txBody>
+        </p:sp>
+        <p:sp>
+          <p:nvSpPr>
+            <p:cNvPr id="111" name="Rectangle 110">
+              <a:extLst>
+                <a:ext uri="{FF2B5EF4-FFF2-40B4-BE49-F238E27FC236}">
+                  <a16:creationId xmlns:a16="http://schemas.microsoft.com/office/drawing/2014/main" id="{F750D7D6-1B9B-4067-A4B2-A30D525CD572}"/>
+                </a:ext>
+              </a:extLst>
+            </p:cNvPr>
+            <p:cNvSpPr/>
+            <p:nvPr/>
+          </p:nvSpPr>
+          <p:spPr>
+            <a:xfrm>
+              <a:off x="5077405" y="3055699"/>
+              <a:ext cx="295275" cy="295275"/>
+            </a:xfrm>
+            <a:prstGeom prst="rect">
+              <a:avLst/>
+            </a:prstGeom>
+            <a:solidFill>
+              <a:schemeClr val="bg1"/>
+            </a:solidFill>
+            <a:ln w="19050">
+              <a:solidFill>
+                <a:schemeClr val="tx1"/>
+              </a:solidFill>
+            </a:ln>
+          </p:spPr>
+          <p:style>
+            <a:lnRef idx="2">
+              <a:schemeClr val="accent1">
+                <a:shade val="50000"/>
+              </a:schemeClr>
+            </a:lnRef>
+            <a:fillRef idx="1">
+              <a:schemeClr val="accent1"/>
+            </a:fillRef>
+            <a:effectRef idx="0">
+              <a:schemeClr val="accent1"/>
+            </a:effectRef>
+            <a:fontRef idx="minor">
+              <a:schemeClr val="lt1"/>
+            </a:fontRef>
+          </p:style>
+          <p:txBody>
+            <a:bodyPr rtlCol="0" anchor="ctr"/>
+            <a:lstStyle/>
+            <a:p>
+              <a:pPr algn="ctr"/>
+              <a:r>
+                <a:rPr lang="en-US" dirty="0">
+                  <a:solidFill>
+                    <a:schemeClr val="tx1"/>
+                  </a:solidFill>
+                </a:rPr>
+                <a:t>0</a:t>
+              </a:r>
+            </a:p>
+          </p:txBody>
+        </p:sp>
+        <p:sp>
+          <p:nvSpPr>
+            <p:cNvPr id="112" name="Rectangle 111">
+              <a:extLst>
+                <a:ext uri="{FF2B5EF4-FFF2-40B4-BE49-F238E27FC236}">
+                  <a16:creationId xmlns:a16="http://schemas.microsoft.com/office/drawing/2014/main" id="{A791E286-0065-4DB3-A4AA-E9E39369BA22}"/>
+                </a:ext>
+              </a:extLst>
+            </p:cNvPr>
+            <p:cNvSpPr/>
+            <p:nvPr/>
+          </p:nvSpPr>
+          <p:spPr>
+            <a:xfrm>
+              <a:off x="5372680" y="3055698"/>
+              <a:ext cx="295275" cy="295275"/>
+            </a:xfrm>
+            <a:prstGeom prst="rect">
+              <a:avLst/>
+            </a:prstGeom>
+            <a:solidFill>
+              <a:schemeClr val="bg1"/>
+            </a:solidFill>
+            <a:ln w="19050">
+              <a:solidFill>
+                <a:schemeClr val="tx1"/>
+              </a:solidFill>
+            </a:ln>
+          </p:spPr>
+          <p:style>
+            <a:lnRef idx="2">
+              <a:schemeClr val="accent1">
+                <a:shade val="50000"/>
+              </a:schemeClr>
+            </a:lnRef>
+            <a:fillRef idx="1">
+              <a:schemeClr val="accent1"/>
+            </a:fillRef>
+            <a:effectRef idx="0">
+              <a:schemeClr val="accent1"/>
+            </a:effectRef>
+            <a:fontRef idx="minor">
+              <a:schemeClr val="lt1"/>
+            </a:fontRef>
+          </p:style>
+          <p:txBody>
+            <a:bodyPr rtlCol="0" anchor="ctr"/>
+            <a:lstStyle/>
+            <a:p>
+              <a:pPr algn="ctr"/>
+              <a:r>
+                <a:rPr lang="en-US" dirty="0">
+                  <a:solidFill>
+                    <a:schemeClr val="tx1"/>
+                  </a:solidFill>
+                </a:rPr>
+                <a:t>2</a:t>
+              </a:r>
+            </a:p>
+          </p:txBody>
+        </p:sp>
+        <p:sp>
+          <p:nvSpPr>
+            <p:cNvPr id="113" name="Rectangle 112">
+              <a:extLst>
+                <a:ext uri="{FF2B5EF4-FFF2-40B4-BE49-F238E27FC236}">
+                  <a16:creationId xmlns:a16="http://schemas.microsoft.com/office/drawing/2014/main" id="{BE668CBC-2B72-4B94-BC2A-8FC7E8C9ED94}"/>
+                </a:ext>
+              </a:extLst>
+            </p:cNvPr>
+            <p:cNvSpPr/>
+            <p:nvPr/>
+          </p:nvSpPr>
+          <p:spPr>
+            <a:xfrm>
+              <a:off x="5667955" y="3055699"/>
+              <a:ext cx="295275" cy="295275"/>
+            </a:xfrm>
+            <a:prstGeom prst="rect">
+              <a:avLst/>
+            </a:prstGeom>
+            <a:solidFill>
+              <a:schemeClr val="bg1"/>
+            </a:solidFill>
+            <a:ln w="19050">
+              <a:solidFill>
+                <a:schemeClr val="tx1"/>
+              </a:solidFill>
+            </a:ln>
+          </p:spPr>
+          <p:style>
+            <a:lnRef idx="2">
+              <a:schemeClr val="accent1">
+                <a:shade val="50000"/>
+              </a:schemeClr>
+            </a:lnRef>
+            <a:fillRef idx="1">
+              <a:schemeClr val="accent1"/>
+            </a:fillRef>
+            <a:effectRef idx="0">
+              <a:schemeClr val="accent1"/>
+            </a:effectRef>
+            <a:fontRef idx="minor">
+              <a:schemeClr val="lt1"/>
+            </a:fontRef>
+          </p:style>
+          <p:txBody>
+            <a:bodyPr rtlCol="0" anchor="ctr"/>
+            <a:lstStyle/>
+            <a:p>
+              <a:pPr algn="ctr"/>
+              <a:r>
+                <a:rPr lang="en-US" dirty="0">
+                  <a:solidFill>
+                    <a:schemeClr val="tx1"/>
+                  </a:solidFill>
+                </a:rPr>
+                <a:t>1</a:t>
+              </a:r>
+            </a:p>
+          </p:txBody>
+        </p:sp>
+        <p:sp>
+          <p:nvSpPr>
+            <p:cNvPr id="114" name="Rectangle 113">
+              <a:extLst>
+                <a:ext uri="{FF2B5EF4-FFF2-40B4-BE49-F238E27FC236}">
+                  <a16:creationId xmlns:a16="http://schemas.microsoft.com/office/drawing/2014/main" id="{381C5CD0-34EF-45F1-A18D-CA284A5A70B9}"/>
+                </a:ext>
+              </a:extLst>
+            </p:cNvPr>
+            <p:cNvSpPr/>
+            <p:nvPr/>
+          </p:nvSpPr>
+          <p:spPr>
+            <a:xfrm>
+              <a:off x="5963230" y="3055698"/>
+              <a:ext cx="295275" cy="295275"/>
+            </a:xfrm>
+            <a:prstGeom prst="rect">
+              <a:avLst/>
+            </a:prstGeom>
+            <a:solidFill>
+              <a:schemeClr val="bg1"/>
+            </a:solidFill>
+            <a:ln w="19050">
+              <a:solidFill>
+                <a:schemeClr val="tx1"/>
+              </a:solidFill>
+            </a:ln>
+          </p:spPr>
+          <p:style>
+            <a:lnRef idx="2">
+              <a:schemeClr val="accent1">
+                <a:shade val="50000"/>
+              </a:schemeClr>
+            </a:lnRef>
+            <a:fillRef idx="1">
+              <a:schemeClr val="accent1"/>
+            </a:fillRef>
+            <a:effectRef idx="0">
+              <a:schemeClr val="accent1"/>
+            </a:effectRef>
+            <a:fontRef idx="minor">
+              <a:schemeClr val="lt1"/>
+            </a:fontRef>
+          </p:style>
+          <p:txBody>
+            <a:bodyPr rtlCol="0" anchor="ctr"/>
+            <a:lstStyle/>
+            <a:p>
+              <a:pPr algn="ctr"/>
+              <a:r>
+                <a:rPr lang="en-US" dirty="0">
+                  <a:solidFill>
+                    <a:schemeClr val="tx1"/>
+                  </a:solidFill>
+                </a:rPr>
+                <a:t>3</a:t>
+              </a:r>
+            </a:p>
+          </p:txBody>
+        </p:sp>
+        <p:sp>
+          <p:nvSpPr>
+            <p:cNvPr id="115" name="Rectangle 114">
+              <a:extLst>
+                <a:ext uri="{FF2B5EF4-FFF2-40B4-BE49-F238E27FC236}">
+                  <a16:creationId xmlns:a16="http://schemas.microsoft.com/office/drawing/2014/main" id="{3169501A-DFF3-44FE-A001-261296AE7E12}"/>
+                </a:ext>
+              </a:extLst>
+            </p:cNvPr>
+            <p:cNvSpPr/>
+            <p:nvPr/>
+          </p:nvSpPr>
+          <p:spPr>
+            <a:xfrm>
+              <a:off x="6258505" y="3055698"/>
+              <a:ext cx="295275" cy="295275"/>
+            </a:xfrm>
+            <a:prstGeom prst="rect">
+              <a:avLst/>
+            </a:prstGeom>
+            <a:solidFill>
+              <a:schemeClr val="bg1"/>
+            </a:solidFill>
+            <a:ln w="19050">
+              <a:solidFill>
+                <a:schemeClr val="tx1"/>
+              </a:solidFill>
+            </a:ln>
+          </p:spPr>
+          <p:style>
+            <a:lnRef idx="2">
+              <a:schemeClr val="accent1">
+                <a:shade val="50000"/>
+              </a:schemeClr>
+            </a:lnRef>
+            <a:fillRef idx="1">
+              <a:schemeClr val="accent1"/>
+            </a:fillRef>
+            <a:effectRef idx="0">
+              <a:schemeClr val="accent1"/>
+            </a:effectRef>
+            <a:fontRef idx="minor">
+              <a:schemeClr val="lt1"/>
+            </a:fontRef>
+          </p:style>
+          <p:txBody>
+            <a:bodyPr rtlCol="0" anchor="ctr"/>
+            <a:lstStyle/>
+            <a:p>
+              <a:pPr algn="ctr"/>
+              <a:r>
+                <a:rPr lang="en-US" dirty="0">
+                  <a:solidFill>
+                    <a:schemeClr val="tx1"/>
+                  </a:solidFill>
+                </a:rPr>
+                <a:t>4</a:t>
+              </a:r>
+            </a:p>
+          </p:txBody>
+        </p:sp>
+        <p:sp>
+          <p:nvSpPr>
+            <p:cNvPr id="116" name="Rectangle 115">
+              <a:extLst>
+                <a:ext uri="{FF2B5EF4-FFF2-40B4-BE49-F238E27FC236}">
+                  <a16:creationId xmlns:a16="http://schemas.microsoft.com/office/drawing/2014/main" id="{2CD6C525-3B08-4982-89A1-01CFCC3608B8}"/>
+                </a:ext>
+              </a:extLst>
+            </p:cNvPr>
+            <p:cNvSpPr/>
+            <p:nvPr/>
+          </p:nvSpPr>
+          <p:spPr>
+            <a:xfrm>
+              <a:off x="6553780" y="3055697"/>
+              <a:ext cx="295275" cy="295275"/>
+            </a:xfrm>
+            <a:prstGeom prst="rect">
+              <a:avLst/>
+            </a:prstGeom>
+            <a:solidFill>
+              <a:schemeClr val="bg1"/>
+            </a:solidFill>
+            <a:ln w="19050">
+              <a:solidFill>
+                <a:schemeClr val="tx1"/>
+              </a:solidFill>
+            </a:ln>
+          </p:spPr>
+          <p:style>
+            <a:lnRef idx="2">
+              <a:schemeClr val="accent1">
+                <a:shade val="50000"/>
+              </a:schemeClr>
+            </a:lnRef>
+            <a:fillRef idx="1">
+              <a:schemeClr val="accent1"/>
+            </a:fillRef>
+            <a:effectRef idx="0">
+              <a:schemeClr val="accent1"/>
+            </a:effectRef>
+            <a:fontRef idx="minor">
+              <a:schemeClr val="lt1"/>
+            </a:fontRef>
+          </p:style>
+          <p:txBody>
+            <a:bodyPr rtlCol="0" anchor="ctr"/>
+            <a:lstStyle/>
+            <a:p>
+              <a:pPr algn="ctr"/>
+              <a:r>
+                <a:rPr lang="en-US" dirty="0">
+                  <a:solidFill>
+                    <a:schemeClr val="tx1"/>
+                  </a:solidFill>
+                </a:rPr>
+                <a:t>5</a:t>
+              </a:r>
+            </a:p>
+          </p:txBody>
+        </p:sp>
+        <p:sp>
+          <p:nvSpPr>
+            <p:cNvPr id="117" name="Rectangle 116">
+              <a:extLst>
+                <a:ext uri="{FF2B5EF4-FFF2-40B4-BE49-F238E27FC236}">
+                  <a16:creationId xmlns:a16="http://schemas.microsoft.com/office/drawing/2014/main" id="{369C5F75-2812-4C05-B0BA-30584652BAD1}"/>
+                </a:ext>
+              </a:extLst>
+            </p:cNvPr>
+            <p:cNvSpPr/>
+            <p:nvPr/>
+          </p:nvSpPr>
+          <p:spPr>
+            <a:xfrm>
+              <a:off x="5077405" y="3352797"/>
+              <a:ext cx="295275" cy="295275"/>
+            </a:xfrm>
+            <a:prstGeom prst="rect">
+              <a:avLst/>
+            </a:prstGeom>
+            <a:solidFill>
+              <a:schemeClr val="bg1"/>
+            </a:solidFill>
+            <a:ln w="19050">
+              <a:solidFill>
+                <a:schemeClr val="tx1"/>
+              </a:solidFill>
+            </a:ln>
+          </p:spPr>
+          <p:style>
+            <a:lnRef idx="2">
+              <a:schemeClr val="accent1">
+                <a:shade val="50000"/>
+              </a:schemeClr>
+            </a:lnRef>
+            <a:fillRef idx="1">
+              <a:schemeClr val="accent1"/>
+            </a:fillRef>
+            <a:effectRef idx="0">
+              <a:schemeClr val="accent1"/>
+            </a:effectRef>
+            <a:fontRef idx="minor">
+              <a:schemeClr val="lt1"/>
+            </a:fontRef>
+          </p:style>
+          <p:txBody>
+            <a:bodyPr rtlCol="0" anchor="ctr"/>
+            <a:lstStyle/>
+            <a:p>
+              <a:pPr algn="ctr"/>
+              <a:r>
+                <a:rPr lang="en-US" dirty="0">
+                  <a:solidFill>
+                    <a:schemeClr val="tx1"/>
+                  </a:solidFill>
+                </a:rPr>
+                <a:t>1</a:t>
+              </a:r>
+            </a:p>
+          </p:txBody>
+        </p:sp>
+        <p:sp>
+          <p:nvSpPr>
+            <p:cNvPr id="118" name="Rectangle 117">
+              <a:extLst>
+                <a:ext uri="{FF2B5EF4-FFF2-40B4-BE49-F238E27FC236}">
+                  <a16:creationId xmlns:a16="http://schemas.microsoft.com/office/drawing/2014/main" id="{C7A4B77A-6624-49C2-9BB7-9DD05DDE4392}"/>
+                </a:ext>
+              </a:extLst>
+            </p:cNvPr>
+            <p:cNvSpPr/>
+            <p:nvPr/>
+          </p:nvSpPr>
+          <p:spPr>
+            <a:xfrm>
+              <a:off x="5372680" y="3352796"/>
+              <a:ext cx="295275" cy="295275"/>
+            </a:xfrm>
+            <a:prstGeom prst="rect">
+              <a:avLst/>
+            </a:prstGeom>
+            <a:solidFill>
+              <a:schemeClr val="bg1"/>
+            </a:solidFill>
+            <a:ln w="19050">
+              <a:solidFill>
+                <a:schemeClr val="tx1"/>
+              </a:solidFill>
+            </a:ln>
+          </p:spPr>
+          <p:style>
+            <a:lnRef idx="2">
+              <a:schemeClr val="accent1">
+                <a:shade val="50000"/>
+              </a:schemeClr>
+            </a:lnRef>
+            <a:fillRef idx="1">
+              <a:schemeClr val="accent1"/>
+            </a:fillRef>
+            <a:effectRef idx="0">
+              <a:schemeClr val="accent1"/>
+            </a:effectRef>
+            <a:fontRef idx="minor">
+              <a:schemeClr val="lt1"/>
+            </a:fontRef>
+          </p:style>
+          <p:txBody>
+            <a:bodyPr rtlCol="0" anchor="ctr"/>
+            <a:lstStyle/>
+            <a:p>
+              <a:pPr algn="ctr"/>
+              <a:r>
+                <a:rPr lang="en-US" dirty="0">
+                  <a:solidFill>
+                    <a:schemeClr val="tx1"/>
+                  </a:solidFill>
+                </a:rPr>
+                <a:t>2</a:t>
+              </a:r>
+            </a:p>
+          </p:txBody>
+        </p:sp>
+        <p:sp>
+          <p:nvSpPr>
+            <p:cNvPr id="119" name="Rectangle 118">
+              <a:extLst>
+                <a:ext uri="{FF2B5EF4-FFF2-40B4-BE49-F238E27FC236}">
+                  <a16:creationId xmlns:a16="http://schemas.microsoft.com/office/drawing/2014/main" id="{3D78200E-A4A4-4DEA-9020-A60DA7469B68}"/>
+                </a:ext>
+              </a:extLst>
+            </p:cNvPr>
+            <p:cNvSpPr/>
+            <p:nvPr/>
+          </p:nvSpPr>
+          <p:spPr>
+            <a:xfrm>
+              <a:off x="5667955" y="3352797"/>
+              <a:ext cx="295275" cy="295275"/>
+            </a:xfrm>
+            <a:prstGeom prst="rect">
+              <a:avLst/>
+            </a:prstGeom>
+            <a:solidFill>
+              <a:schemeClr val="bg1"/>
+            </a:solidFill>
+            <a:ln w="19050">
+              <a:solidFill>
+                <a:schemeClr val="tx1"/>
+              </a:solidFill>
+            </a:ln>
+          </p:spPr>
+          <p:style>
+            <a:lnRef idx="2">
+              <a:schemeClr val="accent1">
+                <a:shade val="50000"/>
+              </a:schemeClr>
+            </a:lnRef>
+            <a:fillRef idx="1">
+              <a:schemeClr val="accent1"/>
+            </a:fillRef>
+            <a:effectRef idx="0">
+              <a:schemeClr val="accent1"/>
+            </a:effectRef>
+            <a:fontRef idx="minor">
+              <a:schemeClr val="lt1"/>
+            </a:fontRef>
+          </p:style>
+          <p:txBody>
+            <a:bodyPr rtlCol="0" anchor="ctr"/>
+            <a:lstStyle/>
+            <a:p>
+              <a:pPr algn="ctr"/>
+              <a:r>
+                <a:rPr lang="en-US" dirty="0">
+                  <a:solidFill>
+                    <a:schemeClr val="tx1"/>
+                  </a:solidFill>
+                </a:rPr>
+                <a:t>3</a:t>
+              </a:r>
+            </a:p>
+          </p:txBody>
+        </p:sp>
+        <p:sp>
+          <p:nvSpPr>
+            <p:cNvPr id="120" name="Rectangle 119">
+              <a:extLst>
+                <a:ext uri="{FF2B5EF4-FFF2-40B4-BE49-F238E27FC236}">
+                  <a16:creationId xmlns:a16="http://schemas.microsoft.com/office/drawing/2014/main" id="{50E25ECC-8AF5-4EE9-BE2C-E1B841EA1F68}"/>
+                </a:ext>
+              </a:extLst>
+            </p:cNvPr>
+            <p:cNvSpPr/>
+            <p:nvPr/>
+          </p:nvSpPr>
+          <p:spPr>
+            <a:xfrm>
+              <a:off x="5963230" y="3352796"/>
+              <a:ext cx="295275" cy="295275"/>
+            </a:xfrm>
+            <a:prstGeom prst="rect">
+              <a:avLst/>
+            </a:prstGeom>
+            <a:solidFill>
+              <a:schemeClr val="bg1"/>
+            </a:solidFill>
+            <a:ln w="19050">
+              <a:solidFill>
+                <a:schemeClr val="tx1"/>
+              </a:solidFill>
+            </a:ln>
+          </p:spPr>
+          <p:style>
+            <a:lnRef idx="2">
+              <a:schemeClr val="accent1">
+                <a:shade val="50000"/>
+              </a:schemeClr>
+            </a:lnRef>
+            <a:fillRef idx="1">
+              <a:schemeClr val="accent1"/>
+            </a:fillRef>
+            <a:effectRef idx="0">
+              <a:schemeClr val="accent1"/>
+            </a:effectRef>
+            <a:fontRef idx="minor">
+              <a:schemeClr val="lt1"/>
+            </a:fontRef>
+          </p:style>
+          <p:txBody>
+            <a:bodyPr rtlCol="0" anchor="ctr"/>
+            <a:lstStyle/>
+            <a:p>
+              <a:pPr algn="ctr"/>
+              <a:r>
+                <a:rPr lang="en-US" dirty="0">
+                  <a:solidFill>
+                    <a:schemeClr val="tx1"/>
+                  </a:solidFill>
+                </a:rPr>
+                <a:t>4</a:t>
+              </a:r>
+            </a:p>
+          </p:txBody>
+        </p:sp>
+        <p:sp>
+          <p:nvSpPr>
+            <p:cNvPr id="121" name="Rectangle 120">
+              <a:extLst>
+                <a:ext uri="{FF2B5EF4-FFF2-40B4-BE49-F238E27FC236}">
+                  <a16:creationId xmlns:a16="http://schemas.microsoft.com/office/drawing/2014/main" id="{C5B793ED-4AC3-4AE7-A582-EBD359E9F867}"/>
+                </a:ext>
+              </a:extLst>
+            </p:cNvPr>
+            <p:cNvSpPr/>
+            <p:nvPr/>
+          </p:nvSpPr>
+          <p:spPr>
+            <a:xfrm>
+              <a:off x="6258505" y="3352796"/>
+              <a:ext cx="295275" cy="295275"/>
+            </a:xfrm>
+            <a:prstGeom prst="rect">
+              <a:avLst/>
+            </a:prstGeom>
+            <a:solidFill>
+              <a:schemeClr val="bg1"/>
+            </a:solidFill>
+            <a:ln w="19050">
+              <a:solidFill>
+                <a:schemeClr val="tx1"/>
+              </a:solidFill>
+            </a:ln>
+          </p:spPr>
+          <p:style>
+            <a:lnRef idx="2">
+              <a:schemeClr val="accent1">
+                <a:shade val="50000"/>
+              </a:schemeClr>
+            </a:lnRef>
+            <a:fillRef idx="1">
+              <a:schemeClr val="accent1"/>
+            </a:fillRef>
+            <a:effectRef idx="0">
+              <a:schemeClr val="accent1"/>
+            </a:effectRef>
+            <a:fontRef idx="minor">
+              <a:schemeClr val="lt1"/>
+            </a:fontRef>
+          </p:style>
+          <p:txBody>
+            <a:bodyPr rtlCol="0" anchor="ctr"/>
+            <a:lstStyle/>
+            <a:p>
+              <a:pPr algn="ctr"/>
+              <a:endParaRPr lang="en-US" dirty="0">
+                <a:solidFill>
+                  <a:schemeClr val="tx1"/>
+                </a:solidFill>
+              </a:endParaRPr>
+            </a:p>
+          </p:txBody>
+        </p:sp>
+        <p:sp>
+          <p:nvSpPr>
+            <p:cNvPr id="122" name="Rectangle 121">
+              <a:extLst>
+                <a:ext uri="{FF2B5EF4-FFF2-40B4-BE49-F238E27FC236}">
+                  <a16:creationId xmlns:a16="http://schemas.microsoft.com/office/drawing/2014/main" id="{7B4833C7-3B18-4249-B615-318076240794}"/>
+                </a:ext>
+              </a:extLst>
+            </p:cNvPr>
+            <p:cNvSpPr/>
+            <p:nvPr/>
+          </p:nvSpPr>
+          <p:spPr>
+            <a:xfrm>
+              <a:off x="6553780" y="3352795"/>
+              <a:ext cx="295275" cy="295275"/>
+            </a:xfrm>
+            <a:prstGeom prst="rect">
+              <a:avLst/>
+            </a:prstGeom>
+            <a:solidFill>
+              <a:schemeClr val="bg1"/>
+            </a:solidFill>
+            <a:ln w="19050">
+              <a:solidFill>
+                <a:schemeClr val="tx1"/>
+              </a:solidFill>
+            </a:ln>
+          </p:spPr>
+          <p:style>
+            <a:lnRef idx="2">
+              <a:schemeClr val="accent1">
+                <a:shade val="50000"/>
+              </a:schemeClr>
+            </a:lnRef>
+            <a:fillRef idx="1">
+              <a:schemeClr val="accent1"/>
+            </a:fillRef>
+            <a:effectRef idx="0">
+              <a:schemeClr val="accent1"/>
+            </a:effectRef>
+            <a:fontRef idx="minor">
+              <a:schemeClr val="lt1"/>
+            </a:fontRef>
+          </p:style>
+          <p:txBody>
+            <a:bodyPr rtlCol="0" anchor="ctr"/>
+            <a:lstStyle/>
+            <a:p>
+              <a:pPr algn="ctr"/>
+              <a:endParaRPr lang="en-US" dirty="0">
+                <a:solidFill>
+                  <a:schemeClr val="tx1"/>
+                </a:solidFill>
+              </a:endParaRPr>
+            </a:p>
+          </p:txBody>
+        </p:sp>
+        <p:sp>
+          <p:nvSpPr>
+            <p:cNvPr id="123" name="Rectangle 122">
+              <a:extLst>
+                <a:ext uri="{FF2B5EF4-FFF2-40B4-BE49-F238E27FC236}">
+                  <a16:creationId xmlns:a16="http://schemas.microsoft.com/office/drawing/2014/main" id="{922AACFD-EA6F-454F-B721-AD8A565D05FD}"/>
+                </a:ext>
+              </a:extLst>
+            </p:cNvPr>
+            <p:cNvSpPr/>
+            <p:nvPr/>
+          </p:nvSpPr>
+          <p:spPr>
+            <a:xfrm>
+              <a:off x="4797762" y="2175209"/>
+              <a:ext cx="295275" cy="295275"/>
+            </a:xfrm>
+            <a:prstGeom prst="rect">
+              <a:avLst/>
+            </a:prstGeom>
+            <a:noFill/>
+            <a:ln w="19050">
+              <a:noFill/>
+            </a:ln>
+          </p:spPr>
+          <p:style>
+            <a:lnRef idx="2">
+              <a:schemeClr val="accent1">
+                <a:shade val="50000"/>
+              </a:schemeClr>
+            </a:lnRef>
+            <a:fillRef idx="1">
+              <a:schemeClr val="accent1"/>
+            </a:fillRef>
+            <a:effectRef idx="0">
+              <a:schemeClr val="accent1"/>
+            </a:effectRef>
+            <a:fontRef idx="minor">
+              <a:schemeClr val="lt1"/>
+            </a:fontRef>
+          </p:style>
+          <p:txBody>
+            <a:bodyPr rtlCol="0" anchor="ctr"/>
+            <a:lstStyle/>
+            <a:p>
+              <a:pPr algn="ctr"/>
+              <a:r>
+                <a:rPr lang="en-US" dirty="0">
+                  <a:solidFill>
+                    <a:schemeClr val="tx1"/>
+                  </a:solidFill>
+                </a:rPr>
+                <a:t>0</a:t>
+              </a:r>
+            </a:p>
+          </p:txBody>
+        </p:sp>
+        <p:sp>
+          <p:nvSpPr>
+            <p:cNvPr id="124" name="Rectangle 123">
+              <a:extLst>
+                <a:ext uri="{FF2B5EF4-FFF2-40B4-BE49-F238E27FC236}">
+                  <a16:creationId xmlns:a16="http://schemas.microsoft.com/office/drawing/2014/main" id="{AF667A7F-18E1-41A4-9E8F-0E2E6BE7AC24}"/>
+                </a:ext>
+              </a:extLst>
+            </p:cNvPr>
+            <p:cNvSpPr/>
+            <p:nvPr/>
+          </p:nvSpPr>
+          <p:spPr>
+            <a:xfrm>
+              <a:off x="4794534" y="2470484"/>
+              <a:ext cx="295275" cy="295275"/>
+            </a:xfrm>
+            <a:prstGeom prst="rect">
+              <a:avLst/>
+            </a:prstGeom>
+            <a:noFill/>
+            <a:ln w="19050">
+              <a:noFill/>
+            </a:ln>
+          </p:spPr>
+          <p:style>
+            <a:lnRef idx="2">
+              <a:schemeClr val="accent1">
+                <a:shade val="50000"/>
+              </a:schemeClr>
+            </a:lnRef>
+            <a:fillRef idx="1">
+              <a:schemeClr val="accent1"/>
+            </a:fillRef>
+            <a:effectRef idx="0">
+              <a:schemeClr val="accent1"/>
+            </a:effectRef>
+            <a:fontRef idx="minor">
+              <a:schemeClr val="lt1"/>
+            </a:fontRef>
+          </p:style>
+          <p:txBody>
+            <a:bodyPr rtlCol="0" anchor="ctr"/>
+            <a:lstStyle/>
+            <a:p>
+              <a:pPr algn="ctr"/>
+              <a:r>
+                <a:rPr lang="en-US" dirty="0">
+                  <a:solidFill>
+                    <a:schemeClr val="tx1"/>
+                  </a:solidFill>
+                </a:rPr>
+                <a:t>1</a:t>
+              </a:r>
+            </a:p>
+          </p:txBody>
+        </p:sp>
+        <p:sp>
+          <p:nvSpPr>
+            <p:cNvPr id="125" name="Rectangle 124">
+              <a:extLst>
+                <a:ext uri="{FF2B5EF4-FFF2-40B4-BE49-F238E27FC236}">
+                  <a16:creationId xmlns:a16="http://schemas.microsoft.com/office/drawing/2014/main" id="{FAFEDA51-1783-425D-A623-E1A4E069A383}"/>
+                </a:ext>
+              </a:extLst>
+            </p:cNvPr>
+            <p:cNvSpPr/>
+            <p:nvPr/>
+          </p:nvSpPr>
+          <p:spPr>
+            <a:xfrm>
+              <a:off x="4799809" y="2765759"/>
+              <a:ext cx="295275" cy="295275"/>
+            </a:xfrm>
+            <a:prstGeom prst="rect">
+              <a:avLst/>
+            </a:prstGeom>
+            <a:noFill/>
+            <a:ln w="19050">
+              <a:noFill/>
+            </a:ln>
+          </p:spPr>
+          <p:style>
+            <a:lnRef idx="2">
+              <a:schemeClr val="accent1">
+                <a:shade val="50000"/>
+              </a:schemeClr>
+            </a:lnRef>
+            <a:fillRef idx="1">
+              <a:schemeClr val="accent1"/>
+            </a:fillRef>
+            <a:effectRef idx="0">
+              <a:schemeClr val="accent1"/>
+            </a:effectRef>
+            <a:fontRef idx="minor">
+              <a:schemeClr val="lt1"/>
+            </a:fontRef>
+          </p:style>
+          <p:txBody>
+            <a:bodyPr rtlCol="0" anchor="ctr"/>
+            <a:lstStyle/>
+            <a:p>
+              <a:pPr algn="ctr"/>
+              <a:r>
+                <a:rPr lang="en-US" dirty="0">
+                  <a:solidFill>
+                    <a:schemeClr val="tx1"/>
+                  </a:solidFill>
+                </a:rPr>
+                <a:t>2</a:t>
+              </a:r>
+            </a:p>
+          </p:txBody>
+        </p:sp>
+        <p:sp>
+          <p:nvSpPr>
+            <p:cNvPr id="126" name="Rectangle 125">
+              <a:extLst>
+                <a:ext uri="{FF2B5EF4-FFF2-40B4-BE49-F238E27FC236}">
+                  <a16:creationId xmlns:a16="http://schemas.microsoft.com/office/drawing/2014/main" id="{7A50F4F5-172D-4563-89D5-E842F945E23E}"/>
+                </a:ext>
+              </a:extLst>
+            </p:cNvPr>
+            <p:cNvSpPr/>
+            <p:nvPr/>
+          </p:nvSpPr>
+          <p:spPr>
+            <a:xfrm>
+              <a:off x="4797762" y="3061034"/>
+              <a:ext cx="295275" cy="295275"/>
+            </a:xfrm>
+            <a:prstGeom prst="rect">
+              <a:avLst/>
+            </a:prstGeom>
+            <a:noFill/>
+            <a:ln w="19050">
+              <a:noFill/>
+            </a:ln>
+          </p:spPr>
+          <p:style>
+            <a:lnRef idx="2">
+              <a:schemeClr val="accent1">
+                <a:shade val="50000"/>
+              </a:schemeClr>
+            </a:lnRef>
+            <a:fillRef idx="1">
+              <a:schemeClr val="accent1"/>
+            </a:fillRef>
+            <a:effectRef idx="0">
+              <a:schemeClr val="accent1"/>
+            </a:effectRef>
+            <a:fontRef idx="minor">
+              <a:schemeClr val="lt1"/>
+            </a:fontRef>
+          </p:style>
+          <p:txBody>
+            <a:bodyPr rtlCol="0" anchor="ctr"/>
+            <a:lstStyle/>
+            <a:p>
+              <a:pPr algn="ctr"/>
+              <a:r>
+                <a:rPr lang="en-US" dirty="0">
+                  <a:solidFill>
+                    <a:schemeClr val="tx1"/>
+                  </a:solidFill>
+                </a:rPr>
+                <a:t>3</a:t>
+              </a:r>
+            </a:p>
+          </p:txBody>
+        </p:sp>
+        <p:sp>
+          <p:nvSpPr>
+            <p:cNvPr id="127" name="Rectangle 126">
+              <a:extLst>
+                <a:ext uri="{FF2B5EF4-FFF2-40B4-BE49-F238E27FC236}">
+                  <a16:creationId xmlns:a16="http://schemas.microsoft.com/office/drawing/2014/main" id="{53267FF2-1EA7-43FD-A267-167DA2548332}"/>
+                </a:ext>
+              </a:extLst>
+            </p:cNvPr>
+            <p:cNvSpPr/>
+            <p:nvPr/>
+          </p:nvSpPr>
+          <p:spPr>
+            <a:xfrm>
+              <a:off x="4794534" y="3356309"/>
+              <a:ext cx="295275" cy="295275"/>
+            </a:xfrm>
+            <a:prstGeom prst="rect">
+              <a:avLst/>
+            </a:prstGeom>
+            <a:noFill/>
+            <a:ln w="19050">
+              <a:noFill/>
+            </a:ln>
+          </p:spPr>
+          <p:style>
+            <a:lnRef idx="2">
+              <a:schemeClr val="accent1">
+                <a:shade val="50000"/>
+              </a:schemeClr>
+            </a:lnRef>
+            <a:fillRef idx="1">
+              <a:schemeClr val="accent1"/>
+            </a:fillRef>
+            <a:effectRef idx="0">
+              <a:schemeClr val="accent1"/>
+            </a:effectRef>
+            <a:fontRef idx="minor">
+              <a:schemeClr val="lt1"/>
+            </a:fontRef>
+          </p:style>
+          <p:txBody>
+            <a:bodyPr rtlCol="0" anchor="ctr"/>
+            <a:lstStyle/>
+            <a:p>
+              <a:pPr algn="ctr"/>
+              <a:r>
+                <a:rPr lang="en-US" dirty="0">
+                  <a:solidFill>
+                    <a:schemeClr val="tx1"/>
+                  </a:solidFill>
+                </a:rPr>
+                <a:t>4</a:t>
+              </a:r>
+            </a:p>
+          </p:txBody>
+        </p:sp>
+        <mc:AlternateContent xmlns:mc="http://schemas.openxmlformats.org/markup-compatibility/2006">
+          <mc:Choice xmlns:a14="http://schemas.microsoft.com/office/drawing/2010/main" Requires="a14">
+            <p:sp>
+              <p:nvSpPr>
+                <p:cNvPr id="128" name="TextBox 127">
+                  <a:extLst>
+                    <a:ext uri="{FF2B5EF4-FFF2-40B4-BE49-F238E27FC236}">
+                      <a16:creationId xmlns:a16="http://schemas.microsoft.com/office/drawing/2014/main" id="{9793C453-DB6F-4842-94EE-D4D49B9E2003}"/>
+                    </a:ext>
+                  </a:extLst>
+                </p:cNvPr>
+                <p:cNvSpPr txBox="1"/>
+                <p:nvPr/>
+              </p:nvSpPr>
+              <p:spPr>
+                <a:xfrm rot="16200000">
+                  <a:off x="4096329" y="2741549"/>
+                  <a:ext cx="1093431" cy="369332"/>
+                </a:xfrm>
+                <a:prstGeom prst="rect">
+                  <a:avLst/>
+                </a:prstGeom>
+                <a:noFill/>
+              </p:spPr>
+              <p:txBody>
+                <a:bodyPr wrap="square" rtlCol="0">
+                  <a:spAutoFit/>
+                </a:bodyPr>
+                <a:lstStyle/>
+                <a:p>
+                  <a:pPr algn="ctr"/>
+                  <a:r>
+                    <a:rPr lang="en-US" dirty="0"/>
+                    <a:t>Level </a:t>
+                  </a:r>
+                  <a14:m>
+                    <m:oMath xmlns:m="http://schemas.openxmlformats.org/officeDocument/2006/math">
+                      <m:r>
+                        <a:rPr lang="en-US" i="1" dirty="0" smtClean="0">
+                          <a:latin typeface="Cambria Math" panose="02040503050406030204" pitchFamily="18" charset="0"/>
+                        </a:rPr>
+                        <m:t>−1</m:t>
+                      </m:r>
+                    </m:oMath>
+                  </a14:m>
+                  <a:endParaRPr lang="en-US" dirty="0"/>
+                </a:p>
+              </p:txBody>
+            </p:sp>
+          </mc:Choice>
+          <mc:Fallback>
+            <p:sp>
+              <p:nvSpPr>
+                <p:cNvPr id="128" name="TextBox 127">
+                  <a:extLst>
+                    <a:ext uri="{FF2B5EF4-FFF2-40B4-BE49-F238E27FC236}">
+                      <a16:creationId xmlns:a16="http://schemas.microsoft.com/office/drawing/2014/main" id="{9793C453-DB6F-4842-94EE-D4D49B9E2003}"/>
+                    </a:ext>
+                  </a:extLst>
+                </p:cNvPr>
+                <p:cNvSpPr txBox="1">
+                  <a:spLocks noRot="1" noChangeAspect="1" noMove="1" noResize="1" noEditPoints="1" noAdjustHandles="1" noChangeArrowheads="1" noChangeShapeType="1" noTextEdit="1"/>
+                </p:cNvSpPr>
+                <p:nvPr/>
+              </p:nvSpPr>
+              <p:spPr>
+                <a:xfrm rot="16200000">
+                  <a:off x="4096329" y="2741549"/>
+                  <a:ext cx="1093431" cy="369332"/>
+                </a:xfrm>
+                <a:prstGeom prst="rect">
+                  <a:avLst/>
+                </a:prstGeom>
+                <a:blipFill>
+                  <a:blip r:embed="rId3"/>
+                  <a:stretch>
+                    <a:fillRect l="-9836" r="-24590" b="-1676"/>
+                  </a:stretch>
+                </a:blipFill>
+              </p:spPr>
+              <p:txBody>
+                <a:bodyPr/>
+                <a:lstStyle/>
+                <a:p>
+                  <a:r>
+                    <a:rPr lang="en-US">
+                      <a:noFill/>
+                    </a:rPr>
+                    <a:t> </a:t>
+                  </a:r>
+                </a:p>
+              </p:txBody>
+            </p:sp>
+          </mc:Fallback>
+        </mc:AlternateContent>
+        <p:sp>
+          <p:nvSpPr>
+            <p:cNvPr id="129" name="Rectangle 128">
+              <a:extLst>
+                <a:ext uri="{FF2B5EF4-FFF2-40B4-BE49-F238E27FC236}">
+                  <a16:creationId xmlns:a16="http://schemas.microsoft.com/office/drawing/2014/main" id="{3F5F8751-2559-4BFF-B611-2B5553444C17}"/>
+                </a:ext>
+              </a:extLst>
+            </p:cNvPr>
+            <p:cNvSpPr/>
+            <p:nvPr/>
+          </p:nvSpPr>
+          <p:spPr>
+            <a:xfrm>
+              <a:off x="5075776" y="1874598"/>
+              <a:ext cx="295275" cy="295275"/>
+            </a:xfrm>
+            <a:prstGeom prst="rect">
+              <a:avLst/>
+            </a:prstGeom>
+            <a:noFill/>
+            <a:ln w="19050">
+              <a:noFill/>
+            </a:ln>
+          </p:spPr>
+          <p:style>
+            <a:lnRef idx="2">
+              <a:schemeClr val="accent1">
+                <a:shade val="50000"/>
+              </a:schemeClr>
+            </a:lnRef>
+            <a:fillRef idx="1">
+              <a:schemeClr val="accent1"/>
+            </a:fillRef>
+            <a:effectRef idx="0">
+              <a:schemeClr val="accent1"/>
+            </a:effectRef>
+            <a:fontRef idx="minor">
+              <a:schemeClr val="lt1"/>
+            </a:fontRef>
+          </p:style>
+          <p:txBody>
+            <a:bodyPr rtlCol="0" anchor="ctr"/>
+            <a:lstStyle/>
+            <a:p>
+              <a:pPr algn="ctr"/>
+              <a:r>
+                <a:rPr lang="en-US" dirty="0">
+                  <a:solidFill>
+                    <a:schemeClr val="tx1"/>
+                  </a:solidFill>
+                </a:rPr>
+                <a:t>0</a:t>
+              </a:r>
+            </a:p>
+          </p:txBody>
+        </p:sp>
+        <p:sp>
+          <p:nvSpPr>
+            <p:cNvPr id="130" name="Rectangle 129">
+              <a:extLst>
+                <a:ext uri="{FF2B5EF4-FFF2-40B4-BE49-F238E27FC236}">
+                  <a16:creationId xmlns:a16="http://schemas.microsoft.com/office/drawing/2014/main" id="{06EEDCCF-B792-431B-820A-C44613F717D0}"/>
+                </a:ext>
+              </a:extLst>
+            </p:cNvPr>
+            <p:cNvSpPr/>
+            <p:nvPr/>
+          </p:nvSpPr>
+          <p:spPr>
+            <a:xfrm>
+              <a:off x="5371865" y="1876231"/>
+              <a:ext cx="295275" cy="295275"/>
+            </a:xfrm>
+            <a:prstGeom prst="rect">
+              <a:avLst/>
+            </a:prstGeom>
+            <a:noFill/>
+            <a:ln w="19050">
+              <a:noFill/>
+            </a:ln>
+          </p:spPr>
+          <p:style>
+            <a:lnRef idx="2">
+              <a:schemeClr val="accent1">
+                <a:shade val="50000"/>
+              </a:schemeClr>
+            </a:lnRef>
+            <a:fillRef idx="1">
+              <a:schemeClr val="accent1"/>
+            </a:fillRef>
+            <a:effectRef idx="0">
+              <a:schemeClr val="accent1"/>
+            </a:effectRef>
+            <a:fontRef idx="minor">
+              <a:schemeClr val="lt1"/>
+            </a:fontRef>
+          </p:style>
+          <p:txBody>
+            <a:bodyPr rtlCol="0" anchor="ctr"/>
+            <a:lstStyle/>
+            <a:p>
+              <a:pPr algn="ctr"/>
+              <a:r>
+                <a:rPr lang="en-US" dirty="0">
+                  <a:solidFill>
+                    <a:schemeClr val="tx1"/>
+                  </a:solidFill>
+                </a:rPr>
+                <a:t>1</a:t>
+              </a:r>
+            </a:p>
+          </p:txBody>
+        </p:sp>
+        <p:sp>
+          <p:nvSpPr>
+            <p:cNvPr id="131" name="Rectangle 130">
+              <a:extLst>
+                <a:ext uri="{FF2B5EF4-FFF2-40B4-BE49-F238E27FC236}">
+                  <a16:creationId xmlns:a16="http://schemas.microsoft.com/office/drawing/2014/main" id="{1EE4068D-DCA3-47F7-B0E1-9FEDB99DF564}"/>
+                </a:ext>
+              </a:extLst>
+            </p:cNvPr>
+            <p:cNvSpPr/>
+            <p:nvPr/>
+          </p:nvSpPr>
+          <p:spPr>
+            <a:xfrm>
+              <a:off x="5667547" y="1871471"/>
+              <a:ext cx="295275" cy="295275"/>
+            </a:xfrm>
+            <a:prstGeom prst="rect">
+              <a:avLst/>
+            </a:prstGeom>
+            <a:noFill/>
+            <a:ln w="19050">
+              <a:noFill/>
+            </a:ln>
+          </p:spPr>
+          <p:style>
+            <a:lnRef idx="2">
+              <a:schemeClr val="accent1">
+                <a:shade val="50000"/>
+              </a:schemeClr>
+            </a:lnRef>
+            <a:fillRef idx="1">
+              <a:schemeClr val="accent1"/>
+            </a:fillRef>
+            <a:effectRef idx="0">
+              <a:schemeClr val="accent1"/>
+            </a:effectRef>
+            <a:fontRef idx="minor">
+              <a:schemeClr val="lt1"/>
+            </a:fontRef>
+          </p:style>
+          <p:txBody>
+            <a:bodyPr rtlCol="0" anchor="ctr"/>
+            <a:lstStyle/>
+            <a:p>
+              <a:pPr algn="ctr"/>
+              <a:r>
+                <a:rPr lang="en-US" dirty="0">
+                  <a:solidFill>
+                    <a:schemeClr val="tx1"/>
+                  </a:solidFill>
+                </a:rPr>
+                <a:t>2</a:t>
+              </a:r>
+            </a:p>
+          </p:txBody>
+        </p:sp>
+        <p:sp>
+          <p:nvSpPr>
+            <p:cNvPr id="132" name="Rectangle 131">
+              <a:extLst>
+                <a:ext uri="{FF2B5EF4-FFF2-40B4-BE49-F238E27FC236}">
+                  <a16:creationId xmlns:a16="http://schemas.microsoft.com/office/drawing/2014/main" id="{70B6B5C9-412B-4BE9-AC80-E80688440E02}"/>
+                </a:ext>
+              </a:extLst>
+            </p:cNvPr>
+            <p:cNvSpPr/>
+            <p:nvPr/>
+          </p:nvSpPr>
+          <p:spPr>
+            <a:xfrm>
+              <a:off x="5958794" y="1866901"/>
+              <a:ext cx="295275" cy="295275"/>
+            </a:xfrm>
+            <a:prstGeom prst="rect">
+              <a:avLst/>
+            </a:prstGeom>
+            <a:noFill/>
+            <a:ln w="19050">
+              <a:noFill/>
+            </a:ln>
+          </p:spPr>
+          <p:style>
+            <a:lnRef idx="2">
+              <a:schemeClr val="accent1">
+                <a:shade val="50000"/>
+              </a:schemeClr>
+            </a:lnRef>
+            <a:fillRef idx="1">
+              <a:schemeClr val="accent1"/>
+            </a:fillRef>
+            <a:effectRef idx="0">
+              <a:schemeClr val="accent1"/>
+            </a:effectRef>
+            <a:fontRef idx="minor">
+              <a:schemeClr val="lt1"/>
+            </a:fontRef>
+          </p:style>
+          <p:txBody>
+            <a:bodyPr rtlCol="0" anchor="ctr"/>
+            <a:lstStyle/>
+            <a:p>
+              <a:pPr algn="ctr"/>
+              <a:r>
+                <a:rPr lang="en-US" dirty="0">
+                  <a:solidFill>
+                    <a:schemeClr val="tx1"/>
+                  </a:solidFill>
+                </a:rPr>
+                <a:t>3</a:t>
+              </a:r>
+            </a:p>
+          </p:txBody>
+        </p:sp>
+        <p:sp>
+          <p:nvSpPr>
+            <p:cNvPr id="133" name="Rectangle 132">
+              <a:extLst>
+                <a:ext uri="{FF2B5EF4-FFF2-40B4-BE49-F238E27FC236}">
+                  <a16:creationId xmlns:a16="http://schemas.microsoft.com/office/drawing/2014/main" id="{493652ED-3F2A-4765-BF0F-D689B40609C0}"/>
+                </a:ext>
+              </a:extLst>
+            </p:cNvPr>
+            <p:cNvSpPr/>
+            <p:nvPr/>
+          </p:nvSpPr>
+          <p:spPr>
+            <a:xfrm>
+              <a:off x="6254069" y="1866901"/>
+              <a:ext cx="295275" cy="295275"/>
+            </a:xfrm>
+            <a:prstGeom prst="rect">
+              <a:avLst/>
+            </a:prstGeom>
+            <a:noFill/>
+            <a:ln w="19050">
+              <a:noFill/>
+            </a:ln>
+          </p:spPr>
+          <p:style>
+            <a:lnRef idx="2">
+              <a:schemeClr val="accent1">
+                <a:shade val="50000"/>
+              </a:schemeClr>
+            </a:lnRef>
+            <a:fillRef idx="1">
+              <a:schemeClr val="accent1"/>
+            </a:fillRef>
+            <a:effectRef idx="0">
+              <a:schemeClr val="accent1"/>
+            </a:effectRef>
+            <a:fontRef idx="minor">
+              <a:schemeClr val="lt1"/>
+            </a:fontRef>
+          </p:style>
+          <p:txBody>
+            <a:bodyPr rtlCol="0" anchor="ctr"/>
+            <a:lstStyle/>
+            <a:p>
+              <a:pPr algn="ctr"/>
+              <a:r>
+                <a:rPr lang="en-US" dirty="0">
+                  <a:solidFill>
+                    <a:schemeClr val="tx1"/>
+                  </a:solidFill>
+                </a:rPr>
+                <a:t>4</a:t>
+              </a:r>
+            </a:p>
+          </p:txBody>
+        </p:sp>
+        <p:sp>
+          <p:nvSpPr>
+            <p:cNvPr id="134" name="Rectangle 133">
+              <a:extLst>
+                <a:ext uri="{FF2B5EF4-FFF2-40B4-BE49-F238E27FC236}">
+                  <a16:creationId xmlns:a16="http://schemas.microsoft.com/office/drawing/2014/main" id="{2908074F-4BAF-4070-98B5-77123422262C}"/>
+                </a:ext>
+              </a:extLst>
+            </p:cNvPr>
+            <p:cNvSpPr/>
+            <p:nvPr/>
+          </p:nvSpPr>
+          <p:spPr>
+            <a:xfrm>
+              <a:off x="6549344" y="1876388"/>
+              <a:ext cx="295275" cy="295275"/>
+            </a:xfrm>
+            <a:prstGeom prst="rect">
+              <a:avLst/>
+            </a:prstGeom>
+            <a:noFill/>
+            <a:ln w="19050">
+              <a:noFill/>
+            </a:ln>
+          </p:spPr>
+          <p:style>
+            <a:lnRef idx="2">
+              <a:schemeClr val="accent1">
+                <a:shade val="50000"/>
+              </a:schemeClr>
+            </a:lnRef>
+            <a:fillRef idx="1">
+              <a:schemeClr val="accent1"/>
+            </a:fillRef>
+            <a:effectRef idx="0">
+              <a:schemeClr val="accent1"/>
+            </a:effectRef>
+            <a:fontRef idx="minor">
+              <a:schemeClr val="lt1"/>
+            </a:fontRef>
+          </p:style>
+          <p:txBody>
+            <a:bodyPr rtlCol="0" anchor="ctr"/>
+            <a:lstStyle/>
+            <a:p>
+              <a:pPr algn="ctr"/>
+              <a:r>
+                <a:rPr lang="en-US" dirty="0">
+                  <a:solidFill>
+                    <a:schemeClr val="tx1"/>
+                  </a:solidFill>
+                </a:rPr>
+                <a:t>5</a:t>
+              </a:r>
+            </a:p>
+          </p:txBody>
+        </p:sp>
+        <p:sp>
+          <p:nvSpPr>
+            <p:cNvPr id="135" name="TextBox 134">
+              <a:extLst>
+                <a:ext uri="{FF2B5EF4-FFF2-40B4-BE49-F238E27FC236}">
+                  <a16:creationId xmlns:a16="http://schemas.microsoft.com/office/drawing/2014/main" id="{328E513B-BBE2-4EC4-B568-85BB0F0FB591}"/>
+                </a:ext>
+              </a:extLst>
+            </p:cNvPr>
+            <p:cNvSpPr txBox="1"/>
+            <p:nvPr/>
+          </p:nvSpPr>
+          <p:spPr>
+            <a:xfrm>
+              <a:off x="5410449" y="1533034"/>
+              <a:ext cx="1093431" cy="369332"/>
+            </a:xfrm>
+            <a:prstGeom prst="rect">
+              <a:avLst/>
+            </a:prstGeom>
+            <a:noFill/>
+          </p:spPr>
+          <p:txBody>
+            <a:bodyPr wrap="square" rtlCol="0">
+              <a:spAutoFit/>
+            </a:bodyPr>
+            <a:lstStyle/>
+            <a:p>
+              <a:pPr algn="ctr"/>
+              <a:r>
+                <a:rPr lang="en-US" dirty="0"/>
+                <a:t>Channel</a:t>
+              </a:r>
+            </a:p>
+          </p:txBody>
+        </p:sp>
+      </p:grpSp>
+      <p:grpSp>
+        <p:nvGrpSpPr>
+          <p:cNvPr id="137" name="Group 136">
+            <a:extLst>
+              <a:ext uri="{FF2B5EF4-FFF2-40B4-BE49-F238E27FC236}">
+                <a16:creationId xmlns:a16="http://schemas.microsoft.com/office/drawing/2014/main" id="{B97A1945-7481-42E3-B1A0-514A41E11743}"/>
+              </a:ext>
+            </a:extLst>
+          </p:cNvPr>
+          <p:cNvGrpSpPr/>
+          <p:nvPr/>
+        </p:nvGrpSpPr>
+        <p:grpSpPr>
+          <a:xfrm>
+            <a:off x="4288869" y="2758134"/>
+            <a:ext cx="2390676" cy="2118550"/>
+            <a:chOff x="4439483" y="1565122"/>
+            <a:chExt cx="2390676" cy="2118550"/>
+          </a:xfrm>
+        </p:grpSpPr>
+        <p:sp>
+          <p:nvSpPr>
+            <p:cNvPr id="138" name="Rectangle 137">
+              <a:extLst>
+                <a:ext uri="{FF2B5EF4-FFF2-40B4-BE49-F238E27FC236}">
+                  <a16:creationId xmlns:a16="http://schemas.microsoft.com/office/drawing/2014/main" id="{621749A1-916F-418A-9B14-17CBB6CDEDEF}"/>
+                </a:ext>
+              </a:extLst>
+            </p:cNvPr>
+            <p:cNvSpPr/>
+            <p:nvPr/>
+          </p:nvSpPr>
+          <p:spPr>
+            <a:xfrm>
+              <a:off x="5058509" y="2201962"/>
+              <a:ext cx="295275" cy="295275"/>
+            </a:xfrm>
+            <a:prstGeom prst="rect">
+              <a:avLst/>
+            </a:prstGeom>
+            <a:solidFill>
+              <a:schemeClr val="bg1"/>
+            </a:solidFill>
+            <a:ln w="19050">
+              <a:solidFill>
+                <a:schemeClr val="tx1"/>
+              </a:solidFill>
+            </a:ln>
+          </p:spPr>
+          <p:style>
+            <a:lnRef idx="2">
+              <a:schemeClr val="accent1">
+                <a:shade val="50000"/>
+              </a:schemeClr>
+            </a:lnRef>
+            <a:fillRef idx="1">
+              <a:schemeClr val="accent1"/>
+            </a:fillRef>
+            <a:effectRef idx="0">
+              <a:schemeClr val="accent1"/>
+            </a:effectRef>
+            <a:fontRef idx="minor">
+              <a:schemeClr val="lt1"/>
+            </a:fontRef>
+          </p:style>
+          <p:txBody>
+            <a:bodyPr rtlCol="0" anchor="ctr"/>
+            <a:lstStyle/>
+            <a:p>
+              <a:pPr algn="ctr"/>
+              <a:r>
+                <a:rPr lang="en-US" dirty="0">
+                  <a:solidFill>
+                    <a:schemeClr val="tx1"/>
+                  </a:solidFill>
+                </a:rPr>
+                <a:t>1</a:t>
+              </a:r>
+            </a:p>
+          </p:txBody>
+        </p:sp>
+        <p:sp>
+          <p:nvSpPr>
+            <p:cNvPr id="139" name="Rectangle 138">
+              <a:extLst>
+                <a:ext uri="{FF2B5EF4-FFF2-40B4-BE49-F238E27FC236}">
+                  <a16:creationId xmlns:a16="http://schemas.microsoft.com/office/drawing/2014/main" id="{BA919479-AD0F-49A9-A307-8180267819A1}"/>
+                </a:ext>
+              </a:extLst>
+            </p:cNvPr>
+            <p:cNvSpPr/>
+            <p:nvPr/>
+          </p:nvSpPr>
+          <p:spPr>
+            <a:xfrm>
+              <a:off x="5353784" y="2201961"/>
+              <a:ext cx="295275" cy="295275"/>
+            </a:xfrm>
+            <a:prstGeom prst="rect">
+              <a:avLst/>
+            </a:prstGeom>
+            <a:solidFill>
+              <a:schemeClr val="bg1"/>
+            </a:solidFill>
+            <a:ln w="19050">
+              <a:solidFill>
+                <a:schemeClr val="tx1"/>
+              </a:solidFill>
+            </a:ln>
+          </p:spPr>
+          <p:style>
+            <a:lnRef idx="2">
+              <a:schemeClr val="accent1">
+                <a:shade val="50000"/>
+              </a:schemeClr>
+            </a:lnRef>
+            <a:fillRef idx="1">
+              <a:schemeClr val="accent1"/>
+            </a:fillRef>
+            <a:effectRef idx="0">
+              <a:schemeClr val="accent1"/>
+            </a:effectRef>
+            <a:fontRef idx="minor">
+              <a:schemeClr val="lt1"/>
+            </a:fontRef>
+          </p:style>
+          <p:txBody>
+            <a:bodyPr rtlCol="0" anchor="ctr"/>
+            <a:lstStyle/>
+            <a:p>
+              <a:pPr algn="ctr"/>
+              <a:r>
+                <a:rPr lang="en-US" dirty="0">
+                  <a:solidFill>
+                    <a:schemeClr val="tx1"/>
+                  </a:solidFill>
+                </a:rPr>
+                <a:t>0</a:t>
+              </a:r>
+            </a:p>
+          </p:txBody>
+        </p:sp>
+        <p:sp>
+          <p:nvSpPr>
+            <p:cNvPr id="140" name="Rectangle 139">
+              <a:extLst>
+                <a:ext uri="{FF2B5EF4-FFF2-40B4-BE49-F238E27FC236}">
+                  <a16:creationId xmlns:a16="http://schemas.microsoft.com/office/drawing/2014/main" id="{324896E0-2688-4340-ABD8-3D8D92EAEABA}"/>
+                </a:ext>
+              </a:extLst>
+            </p:cNvPr>
+            <p:cNvSpPr/>
+            <p:nvPr/>
+          </p:nvSpPr>
+          <p:spPr>
+            <a:xfrm>
+              <a:off x="5649059" y="2201962"/>
+              <a:ext cx="295275" cy="295275"/>
+            </a:xfrm>
+            <a:prstGeom prst="rect">
+              <a:avLst/>
+            </a:prstGeom>
+            <a:solidFill>
+              <a:schemeClr val="bg1"/>
+            </a:solidFill>
+            <a:ln w="19050">
+              <a:solidFill>
+                <a:schemeClr val="tx1"/>
+              </a:solidFill>
+            </a:ln>
+          </p:spPr>
+          <p:style>
+            <a:lnRef idx="2">
+              <a:schemeClr val="accent1">
+                <a:shade val="50000"/>
+              </a:schemeClr>
+            </a:lnRef>
+            <a:fillRef idx="1">
+              <a:schemeClr val="accent1"/>
+            </a:fillRef>
+            <a:effectRef idx="0">
+              <a:schemeClr val="accent1"/>
+            </a:effectRef>
+            <a:fontRef idx="minor">
+              <a:schemeClr val="lt1"/>
+            </a:fontRef>
+          </p:style>
+          <p:txBody>
+            <a:bodyPr rtlCol="0" anchor="ctr"/>
+            <a:lstStyle/>
+            <a:p>
+              <a:pPr algn="ctr"/>
+              <a:r>
+                <a:rPr lang="en-US" dirty="0">
+                  <a:solidFill>
+                    <a:schemeClr val="tx1"/>
+                  </a:solidFill>
+                </a:rPr>
+                <a:t>3</a:t>
+              </a:r>
+            </a:p>
+          </p:txBody>
+        </p:sp>
+        <p:sp>
+          <p:nvSpPr>
+            <p:cNvPr id="141" name="Rectangle 140">
+              <a:extLst>
+                <a:ext uri="{FF2B5EF4-FFF2-40B4-BE49-F238E27FC236}">
+                  <a16:creationId xmlns:a16="http://schemas.microsoft.com/office/drawing/2014/main" id="{F7365E74-BC7F-44F7-B05B-EB571A7E8085}"/>
+                </a:ext>
+              </a:extLst>
+            </p:cNvPr>
+            <p:cNvSpPr/>
+            <p:nvPr/>
+          </p:nvSpPr>
+          <p:spPr>
+            <a:xfrm>
+              <a:off x="5944334" y="2201961"/>
+              <a:ext cx="295275" cy="295275"/>
+            </a:xfrm>
+            <a:prstGeom prst="rect">
+              <a:avLst/>
+            </a:prstGeom>
+            <a:solidFill>
+              <a:schemeClr val="bg1"/>
+            </a:solidFill>
+            <a:ln w="19050">
+              <a:solidFill>
+                <a:schemeClr val="tx1"/>
+              </a:solidFill>
+            </a:ln>
+          </p:spPr>
+          <p:style>
+            <a:lnRef idx="2">
+              <a:schemeClr val="accent1">
+                <a:shade val="50000"/>
+              </a:schemeClr>
+            </a:lnRef>
+            <a:fillRef idx="1">
+              <a:schemeClr val="accent1"/>
+            </a:fillRef>
+            <a:effectRef idx="0">
+              <a:schemeClr val="accent1"/>
+            </a:effectRef>
+            <a:fontRef idx="minor">
+              <a:schemeClr val="lt1"/>
+            </a:fontRef>
+          </p:style>
+          <p:txBody>
+            <a:bodyPr rtlCol="0" anchor="ctr"/>
+            <a:lstStyle/>
+            <a:p>
+              <a:pPr algn="ctr"/>
+              <a:r>
+                <a:rPr lang="en-US" dirty="0">
+                  <a:solidFill>
+                    <a:schemeClr val="tx1"/>
+                  </a:solidFill>
+                </a:rPr>
+                <a:t>2</a:t>
+              </a:r>
+            </a:p>
+          </p:txBody>
+        </p:sp>
+        <p:sp>
+          <p:nvSpPr>
+            <p:cNvPr id="142" name="Rectangle 141">
+              <a:extLst>
+                <a:ext uri="{FF2B5EF4-FFF2-40B4-BE49-F238E27FC236}">
+                  <a16:creationId xmlns:a16="http://schemas.microsoft.com/office/drawing/2014/main" id="{50300F7C-A3B4-447D-8FBF-94917CB50DC6}"/>
+                </a:ext>
+              </a:extLst>
+            </p:cNvPr>
+            <p:cNvSpPr/>
+            <p:nvPr/>
+          </p:nvSpPr>
+          <p:spPr>
+            <a:xfrm>
+              <a:off x="6239609" y="2201961"/>
+              <a:ext cx="295275" cy="295275"/>
+            </a:xfrm>
+            <a:prstGeom prst="rect">
+              <a:avLst/>
+            </a:prstGeom>
+            <a:solidFill>
+              <a:schemeClr val="bg1"/>
+            </a:solidFill>
+            <a:ln w="19050">
+              <a:solidFill>
+                <a:schemeClr val="tx1"/>
+              </a:solidFill>
+            </a:ln>
+          </p:spPr>
+          <p:style>
+            <a:lnRef idx="2">
+              <a:schemeClr val="accent1">
+                <a:shade val="50000"/>
+              </a:schemeClr>
+            </a:lnRef>
+            <a:fillRef idx="1">
+              <a:schemeClr val="accent1"/>
+            </a:fillRef>
+            <a:effectRef idx="0">
+              <a:schemeClr val="accent1"/>
+            </a:effectRef>
+            <a:fontRef idx="minor">
+              <a:schemeClr val="lt1"/>
+            </a:fontRef>
+          </p:style>
+          <p:txBody>
+            <a:bodyPr rtlCol="0" anchor="ctr"/>
+            <a:lstStyle/>
+            <a:p>
+              <a:pPr algn="ctr"/>
+              <a:r>
+                <a:rPr lang="en-US" dirty="0">
+                  <a:solidFill>
+                    <a:schemeClr val="tx1"/>
+                  </a:solidFill>
+                </a:rPr>
+                <a:t>5</a:t>
+              </a:r>
+            </a:p>
+          </p:txBody>
+        </p:sp>
+        <p:sp>
+          <p:nvSpPr>
+            <p:cNvPr id="143" name="Rectangle 142">
+              <a:extLst>
+                <a:ext uri="{FF2B5EF4-FFF2-40B4-BE49-F238E27FC236}">
+                  <a16:creationId xmlns:a16="http://schemas.microsoft.com/office/drawing/2014/main" id="{6A177D62-9E6A-4165-9B58-53A02AE1F8DE}"/>
+                </a:ext>
+              </a:extLst>
+            </p:cNvPr>
+            <p:cNvSpPr/>
+            <p:nvPr/>
+          </p:nvSpPr>
+          <p:spPr>
+            <a:xfrm>
+              <a:off x="6534884" y="2201960"/>
+              <a:ext cx="295275" cy="295275"/>
+            </a:xfrm>
+            <a:prstGeom prst="rect">
+              <a:avLst/>
+            </a:prstGeom>
+            <a:solidFill>
+              <a:schemeClr val="bg1"/>
+            </a:solidFill>
+            <a:ln w="19050">
+              <a:solidFill>
+                <a:schemeClr val="tx1"/>
+              </a:solidFill>
+            </a:ln>
+          </p:spPr>
+          <p:style>
+            <a:lnRef idx="2">
+              <a:schemeClr val="accent1">
+                <a:shade val="50000"/>
+              </a:schemeClr>
+            </a:lnRef>
+            <a:fillRef idx="1">
+              <a:schemeClr val="accent1"/>
+            </a:fillRef>
+            <a:effectRef idx="0">
+              <a:schemeClr val="accent1"/>
+            </a:effectRef>
+            <a:fontRef idx="minor">
+              <a:schemeClr val="lt1"/>
+            </a:fontRef>
+          </p:style>
+          <p:txBody>
+            <a:bodyPr rtlCol="0" anchor="ctr"/>
+            <a:lstStyle/>
+            <a:p>
+              <a:pPr algn="ctr"/>
+              <a:r>
+                <a:rPr lang="en-US" dirty="0">
+                  <a:solidFill>
+                    <a:schemeClr val="tx1"/>
+                  </a:solidFill>
+                </a:rPr>
+                <a:t>4</a:t>
+              </a:r>
+            </a:p>
+          </p:txBody>
+        </p:sp>
+        <p:sp>
+          <p:nvSpPr>
+            <p:cNvPr id="144" name="Rectangle 143">
+              <a:extLst>
+                <a:ext uri="{FF2B5EF4-FFF2-40B4-BE49-F238E27FC236}">
+                  <a16:creationId xmlns:a16="http://schemas.microsoft.com/office/drawing/2014/main" id="{C66A46CA-4BD5-401B-9C16-1C5DA54AD5CB}"/>
+                </a:ext>
+              </a:extLst>
+            </p:cNvPr>
+            <p:cNvSpPr/>
+            <p:nvPr/>
+          </p:nvSpPr>
+          <p:spPr>
+            <a:xfrm>
+              <a:off x="5058509" y="2497237"/>
+              <a:ext cx="295275" cy="295275"/>
+            </a:xfrm>
+            <a:prstGeom prst="rect">
+              <a:avLst/>
+            </a:prstGeom>
+            <a:solidFill>
+              <a:schemeClr val="bg1"/>
+            </a:solidFill>
+            <a:ln w="19050">
+              <a:solidFill>
+                <a:schemeClr val="tx1"/>
+              </a:solidFill>
+            </a:ln>
+          </p:spPr>
+          <p:style>
+            <a:lnRef idx="2">
+              <a:schemeClr val="accent1">
+                <a:shade val="50000"/>
+              </a:schemeClr>
+            </a:lnRef>
+            <a:fillRef idx="1">
+              <a:schemeClr val="accent1"/>
+            </a:fillRef>
+            <a:effectRef idx="0">
+              <a:schemeClr val="accent1"/>
+            </a:effectRef>
+            <a:fontRef idx="minor">
+              <a:schemeClr val="lt1"/>
+            </a:fontRef>
+          </p:style>
+          <p:txBody>
+            <a:bodyPr rtlCol="0" anchor="ctr"/>
+            <a:lstStyle/>
+            <a:p>
+              <a:pPr algn="ctr"/>
+              <a:r>
+                <a:rPr lang="en-US" dirty="0">
+                  <a:solidFill>
+                    <a:schemeClr val="tx1"/>
+                  </a:solidFill>
+                </a:rPr>
+                <a:t>3</a:t>
+              </a:r>
+            </a:p>
+          </p:txBody>
+        </p:sp>
+        <p:sp>
+          <p:nvSpPr>
+            <p:cNvPr id="145" name="Rectangle 144">
+              <a:extLst>
+                <a:ext uri="{FF2B5EF4-FFF2-40B4-BE49-F238E27FC236}">
+                  <a16:creationId xmlns:a16="http://schemas.microsoft.com/office/drawing/2014/main" id="{F56EB9D2-F4E9-495F-B632-A27E0BF8249D}"/>
+                </a:ext>
+              </a:extLst>
+            </p:cNvPr>
+            <p:cNvSpPr/>
+            <p:nvPr/>
+          </p:nvSpPr>
+          <p:spPr>
+            <a:xfrm>
+              <a:off x="5353784" y="2497236"/>
+              <a:ext cx="295275" cy="295275"/>
+            </a:xfrm>
+            <a:prstGeom prst="rect">
+              <a:avLst/>
+            </a:prstGeom>
+            <a:solidFill>
+              <a:schemeClr val="bg1"/>
+            </a:solidFill>
+            <a:ln w="19050">
+              <a:solidFill>
+                <a:schemeClr val="tx1"/>
+              </a:solidFill>
+            </a:ln>
+          </p:spPr>
+          <p:style>
+            <a:lnRef idx="2">
+              <a:schemeClr val="accent1">
+                <a:shade val="50000"/>
+              </a:schemeClr>
+            </a:lnRef>
+            <a:fillRef idx="1">
+              <a:schemeClr val="accent1"/>
+            </a:fillRef>
+            <a:effectRef idx="0">
+              <a:schemeClr val="accent1"/>
+            </a:effectRef>
+            <a:fontRef idx="minor">
+              <a:schemeClr val="lt1"/>
+            </a:fontRef>
+          </p:style>
+          <p:txBody>
+            <a:bodyPr rtlCol="0" anchor="ctr"/>
+            <a:lstStyle/>
+            <a:p>
+              <a:pPr algn="ctr"/>
+              <a:r>
+                <a:rPr lang="en-US" dirty="0">
+                  <a:solidFill>
+                    <a:schemeClr val="tx1"/>
+                  </a:solidFill>
+                </a:rPr>
+                <a:t>4</a:t>
+              </a:r>
+            </a:p>
+          </p:txBody>
+        </p:sp>
+        <p:sp>
+          <p:nvSpPr>
+            <p:cNvPr id="146" name="Rectangle 145">
+              <a:extLst>
+                <a:ext uri="{FF2B5EF4-FFF2-40B4-BE49-F238E27FC236}">
+                  <a16:creationId xmlns:a16="http://schemas.microsoft.com/office/drawing/2014/main" id="{F29A7EE0-81DE-41AD-89B1-EDEC5AE63D40}"/>
+                </a:ext>
+              </a:extLst>
+            </p:cNvPr>
+            <p:cNvSpPr/>
+            <p:nvPr/>
+          </p:nvSpPr>
+          <p:spPr>
+            <a:xfrm>
+              <a:off x="5649059" y="2497237"/>
+              <a:ext cx="295275" cy="295275"/>
+            </a:xfrm>
+            <a:prstGeom prst="rect">
+              <a:avLst/>
+            </a:prstGeom>
+            <a:solidFill>
+              <a:schemeClr val="bg1"/>
+            </a:solidFill>
+            <a:ln w="19050">
+              <a:solidFill>
+                <a:schemeClr val="tx1"/>
+              </a:solidFill>
+            </a:ln>
+          </p:spPr>
+          <p:style>
+            <a:lnRef idx="2">
+              <a:schemeClr val="accent1">
+                <a:shade val="50000"/>
+              </a:schemeClr>
+            </a:lnRef>
+            <a:fillRef idx="1">
+              <a:schemeClr val="accent1"/>
+            </a:fillRef>
+            <a:effectRef idx="0">
+              <a:schemeClr val="accent1"/>
+            </a:effectRef>
+            <a:fontRef idx="minor">
+              <a:schemeClr val="lt1"/>
+            </a:fontRef>
+          </p:style>
+          <p:txBody>
+            <a:bodyPr rtlCol="0" anchor="ctr"/>
+            <a:lstStyle/>
+            <a:p>
+              <a:pPr algn="ctr"/>
+              <a:r>
+                <a:rPr lang="en-US" dirty="0">
+                  <a:solidFill>
+                    <a:schemeClr val="tx1"/>
+                  </a:solidFill>
+                </a:rPr>
+                <a:t>5</a:t>
+              </a:r>
+            </a:p>
+          </p:txBody>
+        </p:sp>
+        <p:sp>
+          <p:nvSpPr>
+            <p:cNvPr id="147" name="Rectangle 146">
+              <a:extLst>
+                <a:ext uri="{FF2B5EF4-FFF2-40B4-BE49-F238E27FC236}">
+                  <a16:creationId xmlns:a16="http://schemas.microsoft.com/office/drawing/2014/main" id="{55791606-D5D5-4CC3-A729-09FD498DD185}"/>
+                </a:ext>
+              </a:extLst>
+            </p:cNvPr>
+            <p:cNvSpPr/>
+            <p:nvPr/>
+          </p:nvSpPr>
+          <p:spPr>
+            <a:xfrm>
+              <a:off x="5944334" y="2497236"/>
+              <a:ext cx="295275" cy="295275"/>
+            </a:xfrm>
+            <a:prstGeom prst="rect">
+              <a:avLst/>
+            </a:prstGeom>
+            <a:solidFill>
+              <a:schemeClr val="bg1"/>
+            </a:solidFill>
+            <a:ln w="19050">
+              <a:solidFill>
+                <a:schemeClr val="tx1"/>
+              </a:solidFill>
+            </a:ln>
+          </p:spPr>
+          <p:style>
+            <a:lnRef idx="2">
+              <a:schemeClr val="accent1">
+                <a:shade val="50000"/>
+              </a:schemeClr>
+            </a:lnRef>
+            <a:fillRef idx="1">
+              <a:schemeClr val="accent1"/>
+            </a:fillRef>
+            <a:effectRef idx="0">
+              <a:schemeClr val="accent1"/>
+            </a:effectRef>
+            <a:fontRef idx="minor">
+              <a:schemeClr val="lt1"/>
+            </a:fontRef>
+          </p:style>
+          <p:txBody>
+            <a:bodyPr rtlCol="0" anchor="ctr"/>
+            <a:lstStyle/>
+            <a:p>
+              <a:pPr algn="ctr"/>
+              <a:r>
+                <a:rPr lang="en-US" dirty="0">
+                  <a:solidFill>
+                    <a:schemeClr val="tx1"/>
+                  </a:solidFill>
+                </a:rPr>
+                <a:t>0</a:t>
+              </a:r>
+            </a:p>
+          </p:txBody>
+        </p:sp>
+        <p:sp>
+          <p:nvSpPr>
+            <p:cNvPr id="148" name="Rectangle 147">
+              <a:extLst>
+                <a:ext uri="{FF2B5EF4-FFF2-40B4-BE49-F238E27FC236}">
+                  <a16:creationId xmlns:a16="http://schemas.microsoft.com/office/drawing/2014/main" id="{FB2E0312-F5F5-441C-941A-2C26F427FBE5}"/>
+                </a:ext>
+              </a:extLst>
+            </p:cNvPr>
+            <p:cNvSpPr/>
+            <p:nvPr/>
+          </p:nvSpPr>
+          <p:spPr>
+            <a:xfrm>
+              <a:off x="6239609" y="2497236"/>
+              <a:ext cx="295275" cy="295275"/>
+            </a:xfrm>
+            <a:prstGeom prst="rect">
+              <a:avLst/>
+            </a:prstGeom>
+            <a:solidFill>
+              <a:schemeClr val="bg1"/>
+            </a:solidFill>
+            <a:ln w="19050">
+              <a:solidFill>
+                <a:schemeClr val="tx1"/>
+              </a:solidFill>
+            </a:ln>
+          </p:spPr>
+          <p:style>
+            <a:lnRef idx="2">
+              <a:schemeClr val="accent1">
+                <a:shade val="50000"/>
+              </a:schemeClr>
+            </a:lnRef>
+            <a:fillRef idx="1">
+              <a:schemeClr val="accent1"/>
+            </a:fillRef>
+            <a:effectRef idx="0">
+              <a:schemeClr val="accent1"/>
+            </a:effectRef>
+            <a:fontRef idx="minor">
+              <a:schemeClr val="lt1"/>
+            </a:fontRef>
+          </p:style>
+          <p:txBody>
+            <a:bodyPr rtlCol="0" anchor="ctr"/>
+            <a:lstStyle/>
+            <a:p>
+              <a:pPr algn="ctr"/>
+              <a:r>
+                <a:rPr lang="en-US" dirty="0">
+                  <a:solidFill>
+                    <a:schemeClr val="tx1"/>
+                  </a:solidFill>
+                </a:rPr>
+                <a:t>1</a:t>
+              </a:r>
+            </a:p>
+          </p:txBody>
+        </p:sp>
+        <p:sp>
+          <p:nvSpPr>
+            <p:cNvPr id="149" name="Rectangle 148">
+              <a:extLst>
+                <a:ext uri="{FF2B5EF4-FFF2-40B4-BE49-F238E27FC236}">
+                  <a16:creationId xmlns:a16="http://schemas.microsoft.com/office/drawing/2014/main" id="{EB310819-C456-46FA-811A-A9A50B79BDEC}"/>
+                </a:ext>
+              </a:extLst>
+            </p:cNvPr>
+            <p:cNvSpPr/>
+            <p:nvPr/>
+          </p:nvSpPr>
+          <p:spPr>
+            <a:xfrm>
+              <a:off x="6534884" y="2497235"/>
+              <a:ext cx="295275" cy="295275"/>
+            </a:xfrm>
+            <a:prstGeom prst="rect">
+              <a:avLst/>
+            </a:prstGeom>
+            <a:solidFill>
+              <a:schemeClr val="bg1"/>
+            </a:solidFill>
+            <a:ln w="19050">
+              <a:solidFill>
+                <a:schemeClr val="tx1"/>
+              </a:solidFill>
+            </a:ln>
+          </p:spPr>
+          <p:style>
+            <a:lnRef idx="2">
+              <a:schemeClr val="accent1">
+                <a:shade val="50000"/>
+              </a:schemeClr>
+            </a:lnRef>
+            <a:fillRef idx="1">
+              <a:schemeClr val="accent1"/>
+            </a:fillRef>
+            <a:effectRef idx="0">
+              <a:schemeClr val="accent1"/>
+            </a:effectRef>
+            <a:fontRef idx="minor">
+              <a:schemeClr val="lt1"/>
+            </a:fontRef>
+          </p:style>
+          <p:txBody>
+            <a:bodyPr rtlCol="0" anchor="ctr"/>
+            <a:lstStyle/>
+            <a:p>
+              <a:pPr algn="ctr"/>
+              <a:r>
+                <a:rPr lang="en-US" dirty="0">
+                  <a:solidFill>
+                    <a:schemeClr val="tx1"/>
+                  </a:solidFill>
+                </a:rPr>
+                <a:t>2</a:t>
+              </a:r>
+            </a:p>
+          </p:txBody>
+        </p:sp>
+        <p:sp>
+          <p:nvSpPr>
+            <p:cNvPr id="150" name="Rectangle 149">
+              <a:extLst>
+                <a:ext uri="{FF2B5EF4-FFF2-40B4-BE49-F238E27FC236}">
+                  <a16:creationId xmlns:a16="http://schemas.microsoft.com/office/drawing/2014/main" id="{EFD242CD-F529-4A98-9160-01A31F05701F}"/>
+                </a:ext>
+              </a:extLst>
+            </p:cNvPr>
+            <p:cNvSpPr/>
+            <p:nvPr/>
+          </p:nvSpPr>
+          <p:spPr>
+            <a:xfrm>
+              <a:off x="5058509" y="2792512"/>
+              <a:ext cx="295275" cy="295275"/>
+            </a:xfrm>
+            <a:prstGeom prst="rect">
+              <a:avLst/>
+            </a:prstGeom>
+            <a:solidFill>
+              <a:schemeClr val="bg1"/>
+            </a:solidFill>
+            <a:ln w="19050">
+              <a:solidFill>
+                <a:schemeClr val="tx1"/>
+              </a:solidFill>
+            </a:ln>
+          </p:spPr>
+          <p:style>
+            <a:lnRef idx="2">
+              <a:schemeClr val="accent1">
+                <a:shade val="50000"/>
+              </a:schemeClr>
+            </a:lnRef>
+            <a:fillRef idx="1">
+              <a:schemeClr val="accent1"/>
+            </a:fillRef>
+            <a:effectRef idx="0">
+              <a:schemeClr val="accent1"/>
+            </a:effectRef>
+            <a:fontRef idx="minor">
+              <a:schemeClr val="lt1"/>
+            </a:fontRef>
+          </p:style>
+          <p:txBody>
+            <a:bodyPr rtlCol="0" anchor="ctr"/>
+            <a:lstStyle/>
+            <a:p>
+              <a:pPr algn="ctr"/>
+              <a:r>
+                <a:rPr lang="en-US" dirty="0">
+                  <a:solidFill>
+                    <a:schemeClr val="tx1"/>
+                  </a:solidFill>
+                </a:rPr>
+                <a:t>1</a:t>
+              </a:r>
+            </a:p>
+          </p:txBody>
+        </p:sp>
+        <p:sp>
+          <p:nvSpPr>
+            <p:cNvPr id="151" name="Rectangle 150">
+              <a:extLst>
+                <a:ext uri="{FF2B5EF4-FFF2-40B4-BE49-F238E27FC236}">
+                  <a16:creationId xmlns:a16="http://schemas.microsoft.com/office/drawing/2014/main" id="{A80CE603-8067-4A0F-BCBF-FCCD669FA2DF}"/>
+                </a:ext>
+              </a:extLst>
+            </p:cNvPr>
+            <p:cNvSpPr/>
+            <p:nvPr/>
+          </p:nvSpPr>
+          <p:spPr>
+            <a:xfrm>
+              <a:off x="5353784" y="2792511"/>
+              <a:ext cx="295275" cy="295275"/>
+            </a:xfrm>
+            <a:prstGeom prst="rect">
+              <a:avLst/>
+            </a:prstGeom>
+            <a:solidFill>
+              <a:schemeClr val="bg1"/>
+            </a:solidFill>
+            <a:ln w="19050">
+              <a:solidFill>
+                <a:schemeClr val="tx1"/>
+              </a:solidFill>
+            </a:ln>
+          </p:spPr>
+          <p:style>
+            <a:lnRef idx="2">
+              <a:schemeClr val="accent1">
+                <a:shade val="50000"/>
+              </a:schemeClr>
+            </a:lnRef>
+            <a:fillRef idx="1">
+              <a:schemeClr val="accent1"/>
+            </a:fillRef>
+            <a:effectRef idx="0">
+              <a:schemeClr val="accent1"/>
+            </a:effectRef>
+            <a:fontRef idx="minor">
+              <a:schemeClr val="lt1"/>
+            </a:fontRef>
+          </p:style>
+          <p:txBody>
+            <a:bodyPr rtlCol="0" anchor="ctr"/>
+            <a:lstStyle/>
+            <a:p>
+              <a:pPr algn="ctr"/>
+              <a:r>
+                <a:rPr lang="en-US" dirty="0">
+                  <a:solidFill>
+                    <a:schemeClr val="tx1"/>
+                  </a:solidFill>
+                </a:rPr>
+                <a:t>0</a:t>
+              </a:r>
+            </a:p>
+          </p:txBody>
+        </p:sp>
+        <p:sp>
+          <p:nvSpPr>
+            <p:cNvPr id="152" name="Rectangle 151">
+              <a:extLst>
+                <a:ext uri="{FF2B5EF4-FFF2-40B4-BE49-F238E27FC236}">
+                  <a16:creationId xmlns:a16="http://schemas.microsoft.com/office/drawing/2014/main" id="{06C18A6C-8739-4A9E-9A90-3934550DA7A0}"/>
+                </a:ext>
+              </a:extLst>
+            </p:cNvPr>
+            <p:cNvSpPr/>
+            <p:nvPr/>
+          </p:nvSpPr>
+          <p:spPr>
+            <a:xfrm>
+              <a:off x="5649059" y="2792512"/>
+              <a:ext cx="295275" cy="295275"/>
+            </a:xfrm>
+            <a:prstGeom prst="rect">
+              <a:avLst/>
+            </a:prstGeom>
+            <a:solidFill>
+              <a:schemeClr val="bg1"/>
+            </a:solidFill>
+            <a:ln w="19050">
+              <a:solidFill>
+                <a:schemeClr val="tx1"/>
+              </a:solidFill>
+            </a:ln>
+          </p:spPr>
+          <p:style>
+            <a:lnRef idx="2">
+              <a:schemeClr val="accent1">
+                <a:shade val="50000"/>
+              </a:schemeClr>
+            </a:lnRef>
+            <a:fillRef idx="1">
+              <a:schemeClr val="accent1"/>
+            </a:fillRef>
+            <a:effectRef idx="0">
+              <a:schemeClr val="accent1"/>
+            </a:effectRef>
+            <a:fontRef idx="minor">
+              <a:schemeClr val="lt1"/>
+            </a:fontRef>
+          </p:style>
+          <p:txBody>
+            <a:bodyPr rtlCol="0" anchor="ctr"/>
+            <a:lstStyle/>
+            <a:p>
+              <a:pPr algn="ctr"/>
+              <a:r>
+                <a:rPr lang="en-US" dirty="0">
+                  <a:solidFill>
+                    <a:schemeClr val="tx1"/>
+                  </a:solidFill>
+                </a:rPr>
+                <a:t>4</a:t>
+              </a:r>
+            </a:p>
+          </p:txBody>
+        </p:sp>
+        <p:sp>
+          <p:nvSpPr>
+            <p:cNvPr id="153" name="Rectangle 152">
+              <a:extLst>
+                <a:ext uri="{FF2B5EF4-FFF2-40B4-BE49-F238E27FC236}">
+                  <a16:creationId xmlns:a16="http://schemas.microsoft.com/office/drawing/2014/main" id="{F38EFF45-C05B-44AD-AD23-089269F60933}"/>
+                </a:ext>
+              </a:extLst>
+            </p:cNvPr>
+            <p:cNvSpPr/>
+            <p:nvPr/>
+          </p:nvSpPr>
+          <p:spPr>
+            <a:xfrm>
+              <a:off x="5944334" y="2792511"/>
+              <a:ext cx="295275" cy="295275"/>
+            </a:xfrm>
+            <a:prstGeom prst="rect">
+              <a:avLst/>
+            </a:prstGeom>
+            <a:solidFill>
+              <a:schemeClr val="bg1"/>
+            </a:solidFill>
+            <a:ln w="19050">
+              <a:solidFill>
+                <a:schemeClr val="tx1"/>
+              </a:solidFill>
+            </a:ln>
+          </p:spPr>
+          <p:style>
+            <a:lnRef idx="2">
+              <a:schemeClr val="accent1">
+                <a:shade val="50000"/>
+              </a:schemeClr>
+            </a:lnRef>
+            <a:fillRef idx="1">
+              <a:schemeClr val="accent1"/>
+            </a:fillRef>
+            <a:effectRef idx="0">
+              <a:schemeClr val="accent1"/>
+            </a:effectRef>
+            <a:fontRef idx="minor">
+              <a:schemeClr val="lt1"/>
+            </a:fontRef>
+          </p:style>
+          <p:txBody>
+            <a:bodyPr rtlCol="0" anchor="ctr"/>
+            <a:lstStyle/>
+            <a:p>
+              <a:pPr algn="ctr"/>
+              <a:r>
+                <a:rPr lang="en-US" dirty="0">
+                  <a:solidFill>
+                    <a:schemeClr val="tx1"/>
+                  </a:solidFill>
+                </a:rPr>
+                <a:t>5</a:t>
+              </a:r>
+            </a:p>
+          </p:txBody>
+        </p:sp>
+        <p:sp>
+          <p:nvSpPr>
+            <p:cNvPr id="154" name="Rectangle 153">
+              <a:extLst>
+                <a:ext uri="{FF2B5EF4-FFF2-40B4-BE49-F238E27FC236}">
+                  <a16:creationId xmlns:a16="http://schemas.microsoft.com/office/drawing/2014/main" id="{95810D3D-92DA-4652-9A6D-77B00177B342}"/>
+                </a:ext>
+              </a:extLst>
+            </p:cNvPr>
+            <p:cNvSpPr/>
+            <p:nvPr/>
+          </p:nvSpPr>
+          <p:spPr>
+            <a:xfrm>
+              <a:off x="6239609" y="2792511"/>
+              <a:ext cx="295275" cy="295275"/>
+            </a:xfrm>
+            <a:prstGeom prst="rect">
+              <a:avLst/>
+            </a:prstGeom>
+            <a:solidFill>
+              <a:schemeClr val="bg1"/>
+            </a:solidFill>
+            <a:ln w="19050">
+              <a:solidFill>
+                <a:schemeClr val="tx1"/>
+              </a:solidFill>
+            </a:ln>
+          </p:spPr>
+          <p:style>
+            <a:lnRef idx="2">
+              <a:schemeClr val="accent1">
+                <a:shade val="50000"/>
+              </a:schemeClr>
+            </a:lnRef>
+            <a:fillRef idx="1">
+              <a:schemeClr val="accent1"/>
+            </a:fillRef>
+            <a:effectRef idx="0">
+              <a:schemeClr val="accent1"/>
+            </a:effectRef>
+            <a:fontRef idx="minor">
+              <a:schemeClr val="lt1"/>
+            </a:fontRef>
+          </p:style>
+          <p:txBody>
+            <a:bodyPr rtlCol="0" anchor="ctr"/>
+            <a:lstStyle/>
+            <a:p>
+              <a:pPr algn="ctr"/>
+              <a:r>
+                <a:rPr lang="en-US" dirty="0">
+                  <a:solidFill>
+                    <a:schemeClr val="tx1"/>
+                  </a:solidFill>
+                </a:rPr>
+                <a:t>2</a:t>
+              </a:r>
+            </a:p>
+          </p:txBody>
+        </p:sp>
+        <p:sp>
+          <p:nvSpPr>
+            <p:cNvPr id="155" name="Rectangle 154">
+              <a:extLst>
+                <a:ext uri="{FF2B5EF4-FFF2-40B4-BE49-F238E27FC236}">
+                  <a16:creationId xmlns:a16="http://schemas.microsoft.com/office/drawing/2014/main" id="{104A4261-B412-4528-BA7A-FA410553F100}"/>
+                </a:ext>
+              </a:extLst>
+            </p:cNvPr>
+            <p:cNvSpPr/>
+            <p:nvPr/>
+          </p:nvSpPr>
+          <p:spPr>
+            <a:xfrm>
+              <a:off x="6534884" y="2792510"/>
+              <a:ext cx="295275" cy="295275"/>
+            </a:xfrm>
+            <a:prstGeom prst="rect">
+              <a:avLst/>
+            </a:prstGeom>
+            <a:solidFill>
+              <a:schemeClr val="bg1"/>
+            </a:solidFill>
+            <a:ln w="19050">
+              <a:solidFill>
+                <a:schemeClr val="tx1"/>
+              </a:solidFill>
+            </a:ln>
+          </p:spPr>
+          <p:style>
+            <a:lnRef idx="2">
+              <a:schemeClr val="accent1">
+                <a:shade val="50000"/>
+              </a:schemeClr>
+            </a:lnRef>
+            <a:fillRef idx="1">
+              <a:schemeClr val="accent1"/>
+            </a:fillRef>
+            <a:effectRef idx="0">
+              <a:schemeClr val="accent1"/>
+            </a:effectRef>
+            <a:fontRef idx="minor">
+              <a:schemeClr val="lt1"/>
+            </a:fontRef>
+          </p:style>
+          <p:txBody>
+            <a:bodyPr rtlCol="0" anchor="ctr"/>
+            <a:lstStyle/>
+            <a:p>
+              <a:pPr algn="ctr"/>
+              <a:r>
+                <a:rPr lang="en-US" dirty="0">
+                  <a:solidFill>
+                    <a:schemeClr val="tx1"/>
+                  </a:solidFill>
+                </a:rPr>
+                <a:t>3</a:t>
+              </a:r>
+            </a:p>
+          </p:txBody>
+        </p:sp>
+        <p:sp>
+          <p:nvSpPr>
+            <p:cNvPr id="156" name="Rectangle 155">
+              <a:extLst>
+                <a:ext uri="{FF2B5EF4-FFF2-40B4-BE49-F238E27FC236}">
+                  <a16:creationId xmlns:a16="http://schemas.microsoft.com/office/drawing/2014/main" id="{92F05BA0-11AB-4378-9C5D-9C31F22117B3}"/>
+                </a:ext>
+              </a:extLst>
+            </p:cNvPr>
+            <p:cNvSpPr/>
+            <p:nvPr/>
+          </p:nvSpPr>
+          <p:spPr>
+            <a:xfrm>
+              <a:off x="5058509" y="3087787"/>
+              <a:ext cx="295275" cy="295275"/>
+            </a:xfrm>
+            <a:prstGeom prst="rect">
+              <a:avLst/>
+            </a:prstGeom>
+            <a:solidFill>
+              <a:schemeClr val="bg1"/>
+            </a:solidFill>
+            <a:ln w="19050">
+              <a:solidFill>
+                <a:schemeClr val="tx1"/>
+              </a:solidFill>
+            </a:ln>
+          </p:spPr>
+          <p:style>
+            <a:lnRef idx="2">
+              <a:schemeClr val="accent1">
+                <a:shade val="50000"/>
+              </a:schemeClr>
+            </a:lnRef>
+            <a:fillRef idx="1">
+              <a:schemeClr val="accent1"/>
+            </a:fillRef>
+            <a:effectRef idx="0">
+              <a:schemeClr val="accent1"/>
+            </a:effectRef>
+            <a:fontRef idx="minor">
+              <a:schemeClr val="lt1"/>
+            </a:fontRef>
+          </p:style>
+          <p:txBody>
+            <a:bodyPr rtlCol="0" anchor="ctr"/>
+            <a:lstStyle/>
+            <a:p>
+              <a:pPr algn="ctr"/>
+              <a:r>
+                <a:rPr lang="en-US" dirty="0">
+                  <a:solidFill>
+                    <a:schemeClr val="tx1"/>
+                  </a:solidFill>
+                </a:rPr>
+                <a:t>2</a:t>
+              </a:r>
+            </a:p>
+          </p:txBody>
+        </p:sp>
+        <p:sp>
+          <p:nvSpPr>
+            <p:cNvPr id="157" name="Rectangle 156">
+              <a:extLst>
+                <a:ext uri="{FF2B5EF4-FFF2-40B4-BE49-F238E27FC236}">
+                  <a16:creationId xmlns:a16="http://schemas.microsoft.com/office/drawing/2014/main" id="{02735148-A0B2-4645-8AFD-AF9CB1B32454}"/>
+                </a:ext>
+              </a:extLst>
+            </p:cNvPr>
+            <p:cNvSpPr/>
+            <p:nvPr/>
+          </p:nvSpPr>
+          <p:spPr>
+            <a:xfrm>
+              <a:off x="5353784" y="3087786"/>
+              <a:ext cx="295275" cy="295275"/>
+            </a:xfrm>
+            <a:prstGeom prst="rect">
+              <a:avLst/>
+            </a:prstGeom>
+            <a:solidFill>
+              <a:schemeClr val="bg1"/>
+            </a:solidFill>
+            <a:ln w="19050">
+              <a:solidFill>
+                <a:schemeClr val="tx1"/>
+              </a:solidFill>
+            </a:ln>
+          </p:spPr>
+          <p:style>
+            <a:lnRef idx="2">
+              <a:schemeClr val="accent1">
+                <a:shade val="50000"/>
+              </a:schemeClr>
+            </a:lnRef>
+            <a:fillRef idx="1">
+              <a:schemeClr val="accent1"/>
+            </a:fillRef>
+            <a:effectRef idx="0">
+              <a:schemeClr val="accent1"/>
+            </a:effectRef>
+            <a:fontRef idx="minor">
+              <a:schemeClr val="lt1"/>
+            </a:fontRef>
+          </p:style>
+          <p:txBody>
+            <a:bodyPr rtlCol="0" anchor="ctr"/>
+            <a:lstStyle/>
+            <a:p>
+              <a:pPr algn="ctr"/>
+              <a:r>
+                <a:rPr lang="en-US" dirty="0">
+                  <a:solidFill>
+                    <a:schemeClr val="tx1"/>
+                  </a:solidFill>
+                </a:rPr>
+                <a:t>3</a:t>
+              </a:r>
+            </a:p>
+          </p:txBody>
+        </p:sp>
+        <p:sp>
+          <p:nvSpPr>
+            <p:cNvPr id="158" name="Rectangle 157">
+              <a:extLst>
+                <a:ext uri="{FF2B5EF4-FFF2-40B4-BE49-F238E27FC236}">
+                  <a16:creationId xmlns:a16="http://schemas.microsoft.com/office/drawing/2014/main" id="{4C1D0F11-1FB9-46B3-8661-F1DCFE7D6D18}"/>
+                </a:ext>
+              </a:extLst>
+            </p:cNvPr>
+            <p:cNvSpPr/>
+            <p:nvPr/>
+          </p:nvSpPr>
+          <p:spPr>
+            <a:xfrm>
+              <a:off x="5649059" y="3087787"/>
+              <a:ext cx="295275" cy="295275"/>
+            </a:xfrm>
+            <a:prstGeom prst="rect">
+              <a:avLst/>
+            </a:prstGeom>
+            <a:solidFill>
+              <a:schemeClr val="bg1"/>
+            </a:solidFill>
+            <a:ln w="19050">
+              <a:solidFill>
+                <a:schemeClr val="tx1"/>
+              </a:solidFill>
+            </a:ln>
+          </p:spPr>
+          <p:style>
+            <a:lnRef idx="2">
+              <a:schemeClr val="accent1">
+                <a:shade val="50000"/>
+              </a:schemeClr>
+            </a:lnRef>
+            <a:fillRef idx="1">
+              <a:schemeClr val="accent1"/>
+            </a:fillRef>
+            <a:effectRef idx="0">
+              <a:schemeClr val="accent1"/>
+            </a:effectRef>
+            <a:fontRef idx="minor">
+              <a:schemeClr val="lt1"/>
+            </a:fontRef>
+          </p:style>
+          <p:txBody>
+            <a:bodyPr rtlCol="0" anchor="ctr"/>
+            <a:lstStyle/>
+            <a:p>
+              <a:pPr algn="ctr"/>
+              <a:r>
+                <a:rPr lang="en-US" dirty="0">
+                  <a:solidFill>
+                    <a:schemeClr val="tx1"/>
+                  </a:solidFill>
+                </a:rPr>
+                <a:t>0</a:t>
+              </a:r>
+            </a:p>
+          </p:txBody>
+        </p:sp>
+        <p:sp>
+          <p:nvSpPr>
+            <p:cNvPr id="159" name="Rectangle 158">
+              <a:extLst>
+                <a:ext uri="{FF2B5EF4-FFF2-40B4-BE49-F238E27FC236}">
+                  <a16:creationId xmlns:a16="http://schemas.microsoft.com/office/drawing/2014/main" id="{B408DB7D-45F9-4ECB-813A-9B40712A03EB}"/>
+                </a:ext>
+              </a:extLst>
+            </p:cNvPr>
+            <p:cNvSpPr/>
+            <p:nvPr/>
+          </p:nvSpPr>
+          <p:spPr>
+            <a:xfrm>
+              <a:off x="5944334" y="3087786"/>
+              <a:ext cx="295275" cy="295275"/>
+            </a:xfrm>
+            <a:prstGeom prst="rect">
+              <a:avLst/>
+            </a:prstGeom>
+            <a:solidFill>
+              <a:schemeClr val="bg1"/>
+            </a:solidFill>
+            <a:ln w="19050">
+              <a:solidFill>
+                <a:schemeClr val="tx1"/>
+              </a:solidFill>
+            </a:ln>
+          </p:spPr>
+          <p:style>
+            <a:lnRef idx="2">
+              <a:schemeClr val="accent1">
+                <a:shade val="50000"/>
+              </a:schemeClr>
+            </a:lnRef>
+            <a:fillRef idx="1">
+              <a:schemeClr val="accent1"/>
+            </a:fillRef>
+            <a:effectRef idx="0">
+              <a:schemeClr val="accent1"/>
+            </a:effectRef>
+            <a:fontRef idx="minor">
+              <a:schemeClr val="lt1"/>
+            </a:fontRef>
+          </p:style>
+          <p:txBody>
+            <a:bodyPr rtlCol="0" anchor="ctr"/>
+            <a:lstStyle/>
+            <a:p>
+              <a:pPr algn="ctr"/>
+              <a:r>
+                <a:rPr lang="en-US" dirty="0">
+                  <a:solidFill>
+                    <a:schemeClr val="tx1"/>
+                  </a:solidFill>
+                </a:rPr>
+                <a:t>1</a:t>
+              </a:r>
+            </a:p>
+          </p:txBody>
+        </p:sp>
+        <p:sp>
+          <p:nvSpPr>
+            <p:cNvPr id="160" name="Rectangle 159">
+              <a:extLst>
+                <a:ext uri="{FF2B5EF4-FFF2-40B4-BE49-F238E27FC236}">
+                  <a16:creationId xmlns:a16="http://schemas.microsoft.com/office/drawing/2014/main" id="{04DC0840-7E41-4AEE-BBE1-61734B1700B6}"/>
+                </a:ext>
+              </a:extLst>
+            </p:cNvPr>
+            <p:cNvSpPr/>
+            <p:nvPr/>
+          </p:nvSpPr>
+          <p:spPr>
+            <a:xfrm>
+              <a:off x="6239609" y="3087786"/>
+              <a:ext cx="295275" cy="295275"/>
+            </a:xfrm>
+            <a:prstGeom prst="rect">
+              <a:avLst/>
+            </a:prstGeom>
+            <a:solidFill>
+              <a:schemeClr val="bg1"/>
+            </a:solidFill>
+            <a:ln w="19050">
+              <a:solidFill>
+                <a:schemeClr val="tx1"/>
+              </a:solidFill>
+            </a:ln>
+          </p:spPr>
+          <p:style>
+            <a:lnRef idx="2">
+              <a:schemeClr val="accent1">
+                <a:shade val="50000"/>
+              </a:schemeClr>
+            </a:lnRef>
+            <a:fillRef idx="1">
+              <a:schemeClr val="accent1"/>
+            </a:fillRef>
+            <a:effectRef idx="0">
+              <a:schemeClr val="accent1"/>
+            </a:effectRef>
+            <a:fontRef idx="minor">
+              <a:schemeClr val="lt1"/>
+            </a:fontRef>
+          </p:style>
+          <p:txBody>
+            <a:bodyPr rtlCol="0" anchor="ctr"/>
+            <a:lstStyle/>
+            <a:p>
+              <a:pPr algn="ctr"/>
+              <a:r>
+                <a:rPr lang="en-US" dirty="0">
+                  <a:solidFill>
+                    <a:schemeClr val="tx1"/>
+                  </a:solidFill>
+                </a:rPr>
+                <a:t>5</a:t>
+              </a:r>
+            </a:p>
+          </p:txBody>
+        </p:sp>
+        <p:sp>
+          <p:nvSpPr>
+            <p:cNvPr id="161" name="Rectangle 160">
+              <a:extLst>
+                <a:ext uri="{FF2B5EF4-FFF2-40B4-BE49-F238E27FC236}">
+                  <a16:creationId xmlns:a16="http://schemas.microsoft.com/office/drawing/2014/main" id="{5330C93F-783B-4634-AEFA-3A490C74494A}"/>
+                </a:ext>
+              </a:extLst>
+            </p:cNvPr>
+            <p:cNvSpPr/>
+            <p:nvPr/>
+          </p:nvSpPr>
+          <p:spPr>
+            <a:xfrm>
+              <a:off x="6534884" y="3087785"/>
+              <a:ext cx="295275" cy="295275"/>
+            </a:xfrm>
+            <a:prstGeom prst="rect">
+              <a:avLst/>
+            </a:prstGeom>
+            <a:solidFill>
+              <a:schemeClr val="bg1"/>
+            </a:solidFill>
+            <a:ln w="19050">
+              <a:solidFill>
+                <a:schemeClr val="tx1"/>
+              </a:solidFill>
+            </a:ln>
+          </p:spPr>
+          <p:style>
+            <a:lnRef idx="2">
+              <a:schemeClr val="accent1">
+                <a:shade val="50000"/>
+              </a:schemeClr>
+            </a:lnRef>
+            <a:fillRef idx="1">
+              <a:schemeClr val="accent1"/>
+            </a:fillRef>
+            <a:effectRef idx="0">
+              <a:schemeClr val="accent1"/>
+            </a:effectRef>
+            <a:fontRef idx="minor">
+              <a:schemeClr val="lt1"/>
+            </a:fontRef>
+          </p:style>
+          <p:txBody>
+            <a:bodyPr rtlCol="0" anchor="ctr"/>
+            <a:lstStyle/>
+            <a:p>
+              <a:pPr algn="ctr"/>
+              <a:r>
+                <a:rPr lang="en-US" dirty="0">
+                  <a:solidFill>
+                    <a:schemeClr val="tx1"/>
+                  </a:solidFill>
+                </a:rPr>
+                <a:t>4</a:t>
+              </a:r>
+            </a:p>
+          </p:txBody>
+        </p:sp>
+        <p:sp>
+          <p:nvSpPr>
+            <p:cNvPr id="162" name="Rectangle 161">
+              <a:extLst>
+                <a:ext uri="{FF2B5EF4-FFF2-40B4-BE49-F238E27FC236}">
+                  <a16:creationId xmlns:a16="http://schemas.microsoft.com/office/drawing/2014/main" id="{50B33E83-56CF-4CFF-BDCD-687126CEBB8B}"/>
+                </a:ext>
+              </a:extLst>
+            </p:cNvPr>
+            <p:cNvSpPr/>
+            <p:nvPr/>
+          </p:nvSpPr>
+          <p:spPr>
+            <a:xfrm>
+              <a:off x="5058509" y="3384885"/>
+              <a:ext cx="295275" cy="295275"/>
+            </a:xfrm>
+            <a:prstGeom prst="rect">
+              <a:avLst/>
+            </a:prstGeom>
+            <a:solidFill>
+              <a:schemeClr val="bg1"/>
+            </a:solidFill>
+            <a:ln w="19050">
+              <a:solidFill>
+                <a:schemeClr val="tx1"/>
+              </a:solidFill>
+            </a:ln>
+          </p:spPr>
+          <p:style>
+            <a:lnRef idx="2">
+              <a:schemeClr val="accent1">
+                <a:shade val="50000"/>
+              </a:schemeClr>
+            </a:lnRef>
+            <a:fillRef idx="1">
+              <a:schemeClr val="accent1"/>
+            </a:fillRef>
+            <a:effectRef idx="0">
+              <a:schemeClr val="accent1"/>
+            </a:effectRef>
+            <a:fontRef idx="minor">
+              <a:schemeClr val="lt1"/>
+            </a:fontRef>
+          </p:style>
+          <p:txBody>
+            <a:bodyPr rtlCol="0" anchor="ctr"/>
+            <a:lstStyle/>
+            <a:p>
+              <a:pPr algn="ctr"/>
+              <a:r>
+                <a:rPr lang="en-US" dirty="0">
+                  <a:solidFill>
+                    <a:schemeClr val="tx1"/>
+                  </a:solidFill>
+                </a:rPr>
+                <a:t>0</a:t>
+              </a:r>
+            </a:p>
+          </p:txBody>
+        </p:sp>
+        <p:sp>
+          <p:nvSpPr>
+            <p:cNvPr id="163" name="Rectangle 162">
+              <a:extLst>
+                <a:ext uri="{FF2B5EF4-FFF2-40B4-BE49-F238E27FC236}">
+                  <a16:creationId xmlns:a16="http://schemas.microsoft.com/office/drawing/2014/main" id="{4A1C1D9E-3F81-4089-A30E-4504408F5683}"/>
+                </a:ext>
+              </a:extLst>
+            </p:cNvPr>
+            <p:cNvSpPr/>
+            <p:nvPr/>
+          </p:nvSpPr>
+          <p:spPr>
+            <a:xfrm>
+              <a:off x="5353784" y="3384884"/>
+              <a:ext cx="295275" cy="295275"/>
+            </a:xfrm>
+            <a:prstGeom prst="rect">
+              <a:avLst/>
+            </a:prstGeom>
+            <a:solidFill>
+              <a:schemeClr val="bg1"/>
+            </a:solidFill>
+            <a:ln w="19050">
+              <a:solidFill>
+                <a:schemeClr val="tx1"/>
+              </a:solidFill>
+            </a:ln>
+          </p:spPr>
+          <p:style>
+            <a:lnRef idx="2">
+              <a:schemeClr val="accent1">
+                <a:shade val="50000"/>
+              </a:schemeClr>
+            </a:lnRef>
+            <a:fillRef idx="1">
+              <a:schemeClr val="accent1"/>
+            </a:fillRef>
+            <a:effectRef idx="0">
+              <a:schemeClr val="accent1"/>
+            </a:effectRef>
+            <a:fontRef idx="minor">
+              <a:schemeClr val="lt1"/>
+            </a:fontRef>
+          </p:style>
+          <p:txBody>
+            <a:bodyPr rtlCol="0" anchor="ctr"/>
+            <a:lstStyle/>
+            <a:p>
+              <a:pPr algn="ctr"/>
+              <a:r>
+                <a:rPr lang="en-US" dirty="0">
+                  <a:solidFill>
+                    <a:schemeClr val="tx1"/>
+                  </a:solidFill>
+                </a:rPr>
+                <a:t>2</a:t>
+              </a:r>
+            </a:p>
+          </p:txBody>
+        </p:sp>
+        <p:sp>
+          <p:nvSpPr>
+            <p:cNvPr id="164" name="Rectangle 163">
+              <a:extLst>
+                <a:ext uri="{FF2B5EF4-FFF2-40B4-BE49-F238E27FC236}">
+                  <a16:creationId xmlns:a16="http://schemas.microsoft.com/office/drawing/2014/main" id="{15112B23-506F-44D6-9EDE-6BF3769FBBC7}"/>
+                </a:ext>
+              </a:extLst>
+            </p:cNvPr>
+            <p:cNvSpPr/>
+            <p:nvPr/>
+          </p:nvSpPr>
+          <p:spPr>
+            <a:xfrm>
+              <a:off x="5649059" y="3384885"/>
+              <a:ext cx="295275" cy="295275"/>
+            </a:xfrm>
+            <a:prstGeom prst="rect">
+              <a:avLst/>
+            </a:prstGeom>
+            <a:solidFill>
+              <a:schemeClr val="bg1"/>
+            </a:solidFill>
+            <a:ln w="19050">
+              <a:solidFill>
+                <a:schemeClr val="tx1"/>
+              </a:solidFill>
+            </a:ln>
+          </p:spPr>
+          <p:style>
+            <a:lnRef idx="2">
+              <a:schemeClr val="accent1">
+                <a:shade val="50000"/>
+              </a:schemeClr>
+            </a:lnRef>
+            <a:fillRef idx="1">
+              <a:schemeClr val="accent1"/>
+            </a:fillRef>
+            <a:effectRef idx="0">
+              <a:schemeClr val="accent1"/>
+            </a:effectRef>
+            <a:fontRef idx="minor">
+              <a:schemeClr val="lt1"/>
+            </a:fontRef>
+          </p:style>
+          <p:txBody>
+            <a:bodyPr rtlCol="0" anchor="ctr"/>
+            <a:lstStyle/>
+            <a:p>
+              <a:pPr algn="ctr"/>
+              <a:r>
+                <a:rPr lang="en-US" dirty="0">
+                  <a:solidFill>
+                    <a:schemeClr val="tx1"/>
+                  </a:solidFill>
+                </a:rPr>
+                <a:t>1</a:t>
+              </a:r>
+            </a:p>
+          </p:txBody>
+        </p:sp>
+        <p:sp>
+          <p:nvSpPr>
+            <p:cNvPr id="165" name="Rectangle 164">
+              <a:extLst>
+                <a:ext uri="{FF2B5EF4-FFF2-40B4-BE49-F238E27FC236}">
+                  <a16:creationId xmlns:a16="http://schemas.microsoft.com/office/drawing/2014/main" id="{869F89D5-C478-4181-8473-87FAE2B4E8DD}"/>
+                </a:ext>
+              </a:extLst>
+            </p:cNvPr>
+            <p:cNvSpPr/>
+            <p:nvPr/>
+          </p:nvSpPr>
+          <p:spPr>
+            <a:xfrm>
+              <a:off x="5944334" y="3384884"/>
+              <a:ext cx="295275" cy="295275"/>
+            </a:xfrm>
+            <a:prstGeom prst="rect">
+              <a:avLst/>
+            </a:prstGeom>
+            <a:solidFill>
+              <a:schemeClr val="bg1"/>
+            </a:solidFill>
+            <a:ln w="19050">
+              <a:solidFill>
+                <a:schemeClr val="tx1"/>
+              </a:solidFill>
+            </a:ln>
+          </p:spPr>
+          <p:style>
+            <a:lnRef idx="2">
+              <a:schemeClr val="accent1">
+                <a:shade val="50000"/>
+              </a:schemeClr>
+            </a:lnRef>
+            <a:fillRef idx="1">
+              <a:schemeClr val="accent1"/>
+            </a:fillRef>
+            <a:effectRef idx="0">
+              <a:schemeClr val="accent1"/>
+            </a:effectRef>
+            <a:fontRef idx="minor">
+              <a:schemeClr val="lt1"/>
+            </a:fontRef>
+          </p:style>
+          <p:txBody>
+            <a:bodyPr rtlCol="0" anchor="ctr"/>
+            <a:lstStyle/>
+            <a:p>
+              <a:pPr algn="ctr"/>
+              <a:r>
+                <a:rPr lang="en-US" dirty="0">
+                  <a:solidFill>
+                    <a:schemeClr val="tx1"/>
+                  </a:solidFill>
+                </a:rPr>
+                <a:t>4</a:t>
+              </a:r>
+            </a:p>
+          </p:txBody>
+        </p:sp>
+        <p:sp>
+          <p:nvSpPr>
+            <p:cNvPr id="166" name="Rectangle 165">
+              <a:extLst>
+                <a:ext uri="{FF2B5EF4-FFF2-40B4-BE49-F238E27FC236}">
+                  <a16:creationId xmlns:a16="http://schemas.microsoft.com/office/drawing/2014/main" id="{CB713755-5643-4849-BBD1-4778E54F7CCC}"/>
+                </a:ext>
+              </a:extLst>
+            </p:cNvPr>
+            <p:cNvSpPr/>
+            <p:nvPr/>
+          </p:nvSpPr>
+          <p:spPr>
+            <a:xfrm>
+              <a:off x="6239609" y="3384884"/>
+              <a:ext cx="295275" cy="295275"/>
+            </a:xfrm>
+            <a:prstGeom prst="rect">
+              <a:avLst/>
+            </a:prstGeom>
+            <a:solidFill>
+              <a:schemeClr val="bg1"/>
+            </a:solidFill>
+            <a:ln w="19050">
+              <a:solidFill>
+                <a:schemeClr val="tx1"/>
+              </a:solidFill>
+            </a:ln>
+          </p:spPr>
+          <p:style>
+            <a:lnRef idx="2">
+              <a:schemeClr val="accent1">
+                <a:shade val="50000"/>
+              </a:schemeClr>
+            </a:lnRef>
+            <a:fillRef idx="1">
+              <a:schemeClr val="accent1"/>
+            </a:fillRef>
+            <a:effectRef idx="0">
+              <a:schemeClr val="accent1"/>
+            </a:effectRef>
+            <a:fontRef idx="minor">
+              <a:schemeClr val="lt1"/>
+            </a:fontRef>
+          </p:style>
+          <p:txBody>
+            <a:bodyPr rtlCol="0" anchor="ctr"/>
+            <a:lstStyle/>
+            <a:p>
+              <a:pPr algn="ctr"/>
+              <a:r>
+                <a:rPr lang="en-US" dirty="0">
+                  <a:solidFill>
+                    <a:schemeClr val="tx1"/>
+                  </a:solidFill>
+                </a:rPr>
+                <a:t>3</a:t>
+              </a:r>
+            </a:p>
+          </p:txBody>
+        </p:sp>
+        <p:sp>
+          <p:nvSpPr>
+            <p:cNvPr id="167" name="Rectangle 166">
+              <a:extLst>
+                <a:ext uri="{FF2B5EF4-FFF2-40B4-BE49-F238E27FC236}">
+                  <a16:creationId xmlns:a16="http://schemas.microsoft.com/office/drawing/2014/main" id="{82B26413-75B7-4F15-B686-EDDCDB7AE886}"/>
+                </a:ext>
+              </a:extLst>
+            </p:cNvPr>
+            <p:cNvSpPr/>
+            <p:nvPr/>
+          </p:nvSpPr>
+          <p:spPr>
+            <a:xfrm>
+              <a:off x="6534884" y="3384883"/>
+              <a:ext cx="295275" cy="295275"/>
+            </a:xfrm>
+            <a:prstGeom prst="rect">
+              <a:avLst/>
+            </a:prstGeom>
+            <a:solidFill>
+              <a:schemeClr val="bg1"/>
+            </a:solidFill>
+            <a:ln w="19050">
+              <a:solidFill>
+                <a:schemeClr val="tx1"/>
+              </a:solidFill>
+            </a:ln>
+          </p:spPr>
+          <p:style>
+            <a:lnRef idx="2">
+              <a:schemeClr val="accent1">
+                <a:shade val="50000"/>
+              </a:schemeClr>
+            </a:lnRef>
+            <a:fillRef idx="1">
+              <a:schemeClr val="accent1"/>
+            </a:fillRef>
+            <a:effectRef idx="0">
+              <a:schemeClr val="accent1"/>
+            </a:effectRef>
+            <a:fontRef idx="minor">
+              <a:schemeClr val="lt1"/>
+            </a:fontRef>
+          </p:style>
+          <p:txBody>
+            <a:bodyPr rtlCol="0" anchor="ctr"/>
+            <a:lstStyle/>
+            <a:p>
+              <a:pPr algn="ctr"/>
+              <a:r>
+                <a:rPr lang="en-US" dirty="0">
+                  <a:solidFill>
+                    <a:schemeClr val="tx1"/>
+                  </a:solidFill>
+                </a:rPr>
+                <a:t>6</a:t>
+              </a:r>
+            </a:p>
+          </p:txBody>
+        </p:sp>
+        <p:sp>
+          <p:nvSpPr>
+            <p:cNvPr id="168" name="Rectangle 167">
+              <a:extLst>
+                <a:ext uri="{FF2B5EF4-FFF2-40B4-BE49-F238E27FC236}">
+                  <a16:creationId xmlns:a16="http://schemas.microsoft.com/office/drawing/2014/main" id="{BE5530BC-2233-449E-A503-96D6665CD9BD}"/>
+                </a:ext>
+              </a:extLst>
+            </p:cNvPr>
+            <p:cNvSpPr/>
+            <p:nvPr/>
+          </p:nvSpPr>
+          <p:spPr>
+            <a:xfrm>
+              <a:off x="4778866" y="2207297"/>
+              <a:ext cx="295275" cy="295275"/>
+            </a:xfrm>
+            <a:prstGeom prst="rect">
+              <a:avLst/>
+            </a:prstGeom>
+            <a:noFill/>
+            <a:ln w="19050">
+              <a:noFill/>
+            </a:ln>
+          </p:spPr>
+          <p:style>
+            <a:lnRef idx="2">
+              <a:schemeClr val="accent1">
+                <a:shade val="50000"/>
+              </a:schemeClr>
+            </a:lnRef>
+            <a:fillRef idx="1">
+              <a:schemeClr val="accent1"/>
+            </a:fillRef>
+            <a:effectRef idx="0">
+              <a:schemeClr val="accent1"/>
+            </a:effectRef>
+            <a:fontRef idx="minor">
+              <a:schemeClr val="lt1"/>
+            </a:fontRef>
+          </p:style>
+          <p:txBody>
+            <a:bodyPr rtlCol="0" anchor="ctr"/>
+            <a:lstStyle/>
+            <a:p>
+              <a:pPr algn="ctr"/>
+              <a:r>
+                <a:rPr lang="en-US" dirty="0">
+                  <a:solidFill>
+                    <a:schemeClr val="tx1"/>
+                  </a:solidFill>
+                </a:rPr>
+                <a:t>0</a:t>
+              </a:r>
+            </a:p>
+          </p:txBody>
+        </p:sp>
+        <p:sp>
+          <p:nvSpPr>
+            <p:cNvPr id="169" name="Rectangle 168">
+              <a:extLst>
+                <a:ext uri="{FF2B5EF4-FFF2-40B4-BE49-F238E27FC236}">
+                  <a16:creationId xmlns:a16="http://schemas.microsoft.com/office/drawing/2014/main" id="{B66859CF-FD9C-4F73-BA25-80E07F0BAB3A}"/>
+                </a:ext>
+              </a:extLst>
+            </p:cNvPr>
+            <p:cNvSpPr/>
+            <p:nvPr/>
+          </p:nvSpPr>
+          <p:spPr>
+            <a:xfrm>
+              <a:off x="4775638" y="2502572"/>
+              <a:ext cx="295275" cy="295275"/>
+            </a:xfrm>
+            <a:prstGeom prst="rect">
+              <a:avLst/>
+            </a:prstGeom>
+            <a:noFill/>
+            <a:ln w="19050">
+              <a:noFill/>
+            </a:ln>
+          </p:spPr>
+          <p:style>
+            <a:lnRef idx="2">
+              <a:schemeClr val="accent1">
+                <a:shade val="50000"/>
+              </a:schemeClr>
+            </a:lnRef>
+            <a:fillRef idx="1">
+              <a:schemeClr val="accent1"/>
+            </a:fillRef>
+            <a:effectRef idx="0">
+              <a:schemeClr val="accent1"/>
+            </a:effectRef>
+            <a:fontRef idx="minor">
+              <a:schemeClr val="lt1"/>
+            </a:fontRef>
+          </p:style>
+          <p:txBody>
+            <a:bodyPr rtlCol="0" anchor="ctr"/>
+            <a:lstStyle/>
+            <a:p>
+              <a:pPr algn="ctr"/>
+              <a:r>
+                <a:rPr lang="en-US" dirty="0">
+                  <a:solidFill>
+                    <a:schemeClr val="tx1"/>
+                  </a:solidFill>
+                </a:rPr>
+                <a:t>1</a:t>
+              </a:r>
+            </a:p>
+          </p:txBody>
+        </p:sp>
+        <p:sp>
+          <p:nvSpPr>
+            <p:cNvPr id="170" name="Rectangle 169">
+              <a:extLst>
+                <a:ext uri="{FF2B5EF4-FFF2-40B4-BE49-F238E27FC236}">
+                  <a16:creationId xmlns:a16="http://schemas.microsoft.com/office/drawing/2014/main" id="{5DF0958D-3CEA-45B0-9D07-D98E2DE1561C}"/>
+                </a:ext>
+              </a:extLst>
+            </p:cNvPr>
+            <p:cNvSpPr/>
+            <p:nvPr/>
+          </p:nvSpPr>
+          <p:spPr>
+            <a:xfrm>
+              <a:off x="4780913" y="2797847"/>
+              <a:ext cx="295275" cy="295275"/>
+            </a:xfrm>
+            <a:prstGeom prst="rect">
+              <a:avLst/>
+            </a:prstGeom>
+            <a:noFill/>
+            <a:ln w="19050">
+              <a:noFill/>
+            </a:ln>
+          </p:spPr>
+          <p:style>
+            <a:lnRef idx="2">
+              <a:schemeClr val="accent1">
+                <a:shade val="50000"/>
+              </a:schemeClr>
+            </a:lnRef>
+            <a:fillRef idx="1">
+              <a:schemeClr val="accent1"/>
+            </a:fillRef>
+            <a:effectRef idx="0">
+              <a:schemeClr val="accent1"/>
+            </a:effectRef>
+            <a:fontRef idx="minor">
+              <a:schemeClr val="lt1"/>
+            </a:fontRef>
+          </p:style>
+          <p:txBody>
+            <a:bodyPr rtlCol="0" anchor="ctr"/>
+            <a:lstStyle/>
+            <a:p>
+              <a:pPr algn="ctr"/>
+              <a:r>
+                <a:rPr lang="en-US" dirty="0">
+                  <a:solidFill>
+                    <a:schemeClr val="tx1"/>
+                  </a:solidFill>
+                </a:rPr>
+                <a:t>2</a:t>
+              </a:r>
+            </a:p>
+          </p:txBody>
+        </p:sp>
+        <p:sp>
+          <p:nvSpPr>
+            <p:cNvPr id="171" name="Rectangle 170">
+              <a:extLst>
+                <a:ext uri="{FF2B5EF4-FFF2-40B4-BE49-F238E27FC236}">
+                  <a16:creationId xmlns:a16="http://schemas.microsoft.com/office/drawing/2014/main" id="{40C306B9-5007-4332-87F6-645A6AF4E027}"/>
+                </a:ext>
+              </a:extLst>
+            </p:cNvPr>
+            <p:cNvSpPr/>
+            <p:nvPr/>
+          </p:nvSpPr>
+          <p:spPr>
+            <a:xfrm>
+              <a:off x="4778866" y="3093122"/>
+              <a:ext cx="295275" cy="295275"/>
+            </a:xfrm>
+            <a:prstGeom prst="rect">
+              <a:avLst/>
+            </a:prstGeom>
+            <a:noFill/>
+            <a:ln w="19050">
+              <a:noFill/>
+            </a:ln>
+          </p:spPr>
+          <p:style>
+            <a:lnRef idx="2">
+              <a:schemeClr val="accent1">
+                <a:shade val="50000"/>
+              </a:schemeClr>
+            </a:lnRef>
+            <a:fillRef idx="1">
+              <a:schemeClr val="accent1"/>
+            </a:fillRef>
+            <a:effectRef idx="0">
+              <a:schemeClr val="accent1"/>
+            </a:effectRef>
+            <a:fontRef idx="minor">
+              <a:schemeClr val="lt1"/>
+            </a:fontRef>
+          </p:style>
+          <p:txBody>
+            <a:bodyPr rtlCol="0" anchor="ctr"/>
+            <a:lstStyle/>
+            <a:p>
+              <a:pPr algn="ctr"/>
+              <a:r>
+                <a:rPr lang="en-US" dirty="0">
+                  <a:solidFill>
+                    <a:schemeClr val="tx1"/>
+                  </a:solidFill>
+                </a:rPr>
+                <a:t>3</a:t>
+              </a:r>
+            </a:p>
+          </p:txBody>
+        </p:sp>
+        <p:sp>
+          <p:nvSpPr>
+            <p:cNvPr id="172" name="Rectangle 171">
+              <a:extLst>
+                <a:ext uri="{FF2B5EF4-FFF2-40B4-BE49-F238E27FC236}">
+                  <a16:creationId xmlns:a16="http://schemas.microsoft.com/office/drawing/2014/main" id="{36AF2072-DB3D-4054-948D-7C207F3ABCEA}"/>
+                </a:ext>
+              </a:extLst>
+            </p:cNvPr>
+            <p:cNvSpPr/>
+            <p:nvPr/>
+          </p:nvSpPr>
+          <p:spPr>
+            <a:xfrm>
+              <a:off x="4775638" y="3388397"/>
+              <a:ext cx="295275" cy="295275"/>
+            </a:xfrm>
+            <a:prstGeom prst="rect">
+              <a:avLst/>
+            </a:prstGeom>
+            <a:noFill/>
+            <a:ln w="19050">
+              <a:noFill/>
+            </a:ln>
+          </p:spPr>
+          <p:style>
+            <a:lnRef idx="2">
+              <a:schemeClr val="accent1">
+                <a:shade val="50000"/>
+              </a:schemeClr>
+            </a:lnRef>
+            <a:fillRef idx="1">
+              <a:schemeClr val="accent1"/>
+            </a:fillRef>
+            <a:effectRef idx="0">
+              <a:schemeClr val="accent1"/>
+            </a:effectRef>
+            <a:fontRef idx="minor">
+              <a:schemeClr val="lt1"/>
+            </a:fontRef>
+          </p:style>
+          <p:txBody>
+            <a:bodyPr rtlCol="0" anchor="ctr"/>
+            <a:lstStyle/>
+            <a:p>
+              <a:pPr algn="ctr"/>
+              <a:r>
+                <a:rPr lang="en-US" dirty="0">
+                  <a:solidFill>
+                    <a:schemeClr val="tx1"/>
+                  </a:solidFill>
+                </a:rPr>
+                <a:t>4</a:t>
+              </a:r>
+            </a:p>
+          </p:txBody>
+        </p:sp>
+        <mc:AlternateContent xmlns:mc="http://schemas.openxmlformats.org/markup-compatibility/2006">
+          <mc:Choice xmlns:a14="http://schemas.microsoft.com/office/drawing/2010/main" Requires="a14">
+            <p:sp>
+              <p:nvSpPr>
+                <p:cNvPr id="173" name="TextBox 172">
+                  <a:extLst>
+                    <a:ext uri="{FF2B5EF4-FFF2-40B4-BE49-F238E27FC236}">
+                      <a16:creationId xmlns:a16="http://schemas.microsoft.com/office/drawing/2014/main" id="{095460E6-BE4C-4BD6-A060-E2D0AD7CAE00}"/>
+                    </a:ext>
+                  </a:extLst>
+                </p:cNvPr>
+                <p:cNvSpPr txBox="1"/>
+                <p:nvPr/>
+              </p:nvSpPr>
+              <p:spPr>
+                <a:xfrm rot="16200000">
+                  <a:off x="4077433" y="2773637"/>
+                  <a:ext cx="1093431" cy="369332"/>
+                </a:xfrm>
+                <a:prstGeom prst="rect">
+                  <a:avLst/>
+                </a:prstGeom>
+                <a:noFill/>
+              </p:spPr>
+              <p:txBody>
+                <a:bodyPr wrap="square" rtlCol="0">
+                  <a:spAutoFit/>
+                </a:bodyPr>
+                <a:lstStyle/>
+                <a:p>
+                  <a:pPr algn="ctr"/>
+                  <a:r>
+                    <a:rPr lang="en-US" dirty="0"/>
+                    <a:t>Level </a:t>
+                  </a:r>
+                  <a14:m>
+                    <m:oMath xmlns:m="http://schemas.openxmlformats.org/officeDocument/2006/math">
+                      <m:r>
+                        <a:rPr lang="en-US" i="1" dirty="0" smtClean="0">
+                          <a:latin typeface="Cambria Math" panose="02040503050406030204" pitchFamily="18" charset="0"/>
+                        </a:rPr>
+                        <m:t>−1</m:t>
+                      </m:r>
+                    </m:oMath>
+                  </a14:m>
+                  <a:endParaRPr lang="en-US" dirty="0"/>
+                </a:p>
+              </p:txBody>
+            </p:sp>
+          </mc:Choice>
+          <mc:Fallback>
+            <p:sp>
+              <p:nvSpPr>
+                <p:cNvPr id="173" name="TextBox 172">
+                  <a:extLst>
+                    <a:ext uri="{FF2B5EF4-FFF2-40B4-BE49-F238E27FC236}">
+                      <a16:creationId xmlns:a16="http://schemas.microsoft.com/office/drawing/2014/main" id="{095460E6-BE4C-4BD6-A060-E2D0AD7CAE00}"/>
+                    </a:ext>
+                  </a:extLst>
+                </p:cNvPr>
+                <p:cNvSpPr txBox="1">
+                  <a:spLocks noRot="1" noChangeAspect="1" noMove="1" noResize="1" noEditPoints="1" noAdjustHandles="1" noChangeArrowheads="1" noChangeShapeType="1" noTextEdit="1"/>
+                </p:cNvSpPr>
+                <p:nvPr/>
+              </p:nvSpPr>
+              <p:spPr>
+                <a:xfrm rot="16200000">
+                  <a:off x="4077433" y="2773637"/>
+                  <a:ext cx="1093431" cy="369332"/>
+                </a:xfrm>
+                <a:prstGeom prst="rect">
+                  <a:avLst/>
+                </a:prstGeom>
+                <a:blipFill>
+                  <a:blip r:embed="rId4"/>
+                  <a:stretch>
+                    <a:fillRect l="-10000" r="-26667" b="-1111"/>
+                  </a:stretch>
+                </a:blipFill>
+              </p:spPr>
+              <p:txBody>
+                <a:bodyPr/>
+                <a:lstStyle/>
+                <a:p>
+                  <a:r>
+                    <a:rPr lang="en-US">
+                      <a:noFill/>
+                    </a:rPr>
+                    <a:t> </a:t>
+                  </a:r>
+                </a:p>
+              </p:txBody>
+            </p:sp>
+          </mc:Fallback>
+        </mc:AlternateContent>
+        <p:sp>
+          <p:nvSpPr>
+            <p:cNvPr id="174" name="Rectangle 173">
+              <a:extLst>
+                <a:ext uri="{FF2B5EF4-FFF2-40B4-BE49-F238E27FC236}">
+                  <a16:creationId xmlns:a16="http://schemas.microsoft.com/office/drawing/2014/main" id="{3A71A4AD-687A-4541-B01F-F2585A3FF78E}"/>
+                </a:ext>
+              </a:extLst>
+            </p:cNvPr>
+            <p:cNvSpPr/>
+            <p:nvPr/>
+          </p:nvSpPr>
+          <p:spPr>
+            <a:xfrm>
+              <a:off x="5056880" y="1906686"/>
+              <a:ext cx="295275" cy="295275"/>
+            </a:xfrm>
+            <a:prstGeom prst="rect">
+              <a:avLst/>
+            </a:prstGeom>
+            <a:noFill/>
+            <a:ln w="19050">
+              <a:noFill/>
+            </a:ln>
+          </p:spPr>
+          <p:style>
+            <a:lnRef idx="2">
+              <a:schemeClr val="accent1">
+                <a:shade val="50000"/>
+              </a:schemeClr>
+            </a:lnRef>
+            <a:fillRef idx="1">
+              <a:schemeClr val="accent1"/>
+            </a:fillRef>
+            <a:effectRef idx="0">
+              <a:schemeClr val="accent1"/>
+            </a:effectRef>
+            <a:fontRef idx="minor">
+              <a:schemeClr val="lt1"/>
+            </a:fontRef>
+          </p:style>
+          <p:txBody>
+            <a:bodyPr rtlCol="0" anchor="ctr"/>
+            <a:lstStyle/>
+            <a:p>
+              <a:pPr algn="ctr"/>
+              <a:r>
+                <a:rPr lang="en-US" dirty="0">
+                  <a:solidFill>
+                    <a:schemeClr val="tx1"/>
+                  </a:solidFill>
+                </a:rPr>
+                <a:t>0</a:t>
+              </a:r>
+            </a:p>
+          </p:txBody>
+        </p:sp>
+        <p:sp>
+          <p:nvSpPr>
+            <p:cNvPr id="175" name="Rectangle 174">
+              <a:extLst>
+                <a:ext uri="{FF2B5EF4-FFF2-40B4-BE49-F238E27FC236}">
+                  <a16:creationId xmlns:a16="http://schemas.microsoft.com/office/drawing/2014/main" id="{0849F96E-F9EA-4724-BBB7-0C1E80D9BC04}"/>
+                </a:ext>
+              </a:extLst>
+            </p:cNvPr>
+            <p:cNvSpPr/>
+            <p:nvPr/>
+          </p:nvSpPr>
+          <p:spPr>
+            <a:xfrm>
+              <a:off x="5352969" y="1908319"/>
+              <a:ext cx="295275" cy="295275"/>
+            </a:xfrm>
+            <a:prstGeom prst="rect">
+              <a:avLst/>
+            </a:prstGeom>
+            <a:noFill/>
+            <a:ln w="19050">
+              <a:noFill/>
+            </a:ln>
+          </p:spPr>
+          <p:style>
+            <a:lnRef idx="2">
+              <a:schemeClr val="accent1">
+                <a:shade val="50000"/>
+              </a:schemeClr>
+            </a:lnRef>
+            <a:fillRef idx="1">
+              <a:schemeClr val="accent1"/>
+            </a:fillRef>
+            <a:effectRef idx="0">
+              <a:schemeClr val="accent1"/>
+            </a:effectRef>
+            <a:fontRef idx="minor">
+              <a:schemeClr val="lt1"/>
+            </a:fontRef>
+          </p:style>
+          <p:txBody>
+            <a:bodyPr rtlCol="0" anchor="ctr"/>
+            <a:lstStyle/>
+            <a:p>
+              <a:pPr algn="ctr"/>
+              <a:r>
+                <a:rPr lang="en-US" dirty="0">
+                  <a:solidFill>
+                    <a:schemeClr val="tx1"/>
+                  </a:solidFill>
+                </a:rPr>
+                <a:t>1</a:t>
+              </a:r>
+            </a:p>
+          </p:txBody>
+        </p:sp>
+        <p:sp>
+          <p:nvSpPr>
+            <p:cNvPr id="176" name="Rectangle 175">
+              <a:extLst>
+                <a:ext uri="{FF2B5EF4-FFF2-40B4-BE49-F238E27FC236}">
+                  <a16:creationId xmlns:a16="http://schemas.microsoft.com/office/drawing/2014/main" id="{CA0ADAEA-36D2-49FA-AC47-876BDEAD5A9F}"/>
+                </a:ext>
+              </a:extLst>
+            </p:cNvPr>
+            <p:cNvSpPr/>
+            <p:nvPr/>
+          </p:nvSpPr>
+          <p:spPr>
+            <a:xfrm>
+              <a:off x="5648651" y="1903559"/>
+              <a:ext cx="295275" cy="295275"/>
+            </a:xfrm>
+            <a:prstGeom prst="rect">
+              <a:avLst/>
+            </a:prstGeom>
+            <a:noFill/>
+            <a:ln w="19050">
+              <a:noFill/>
+            </a:ln>
+          </p:spPr>
+          <p:style>
+            <a:lnRef idx="2">
+              <a:schemeClr val="accent1">
+                <a:shade val="50000"/>
+              </a:schemeClr>
+            </a:lnRef>
+            <a:fillRef idx="1">
+              <a:schemeClr val="accent1"/>
+            </a:fillRef>
+            <a:effectRef idx="0">
+              <a:schemeClr val="accent1"/>
+            </a:effectRef>
+            <a:fontRef idx="minor">
+              <a:schemeClr val="lt1"/>
+            </a:fontRef>
+          </p:style>
+          <p:txBody>
+            <a:bodyPr rtlCol="0" anchor="ctr"/>
+            <a:lstStyle/>
+            <a:p>
+              <a:pPr algn="ctr"/>
+              <a:r>
+                <a:rPr lang="en-US" dirty="0">
+                  <a:solidFill>
+                    <a:schemeClr val="tx1"/>
+                  </a:solidFill>
+                </a:rPr>
+                <a:t>2</a:t>
+              </a:r>
+            </a:p>
+          </p:txBody>
+        </p:sp>
+        <p:sp>
+          <p:nvSpPr>
+            <p:cNvPr id="177" name="Rectangle 176">
+              <a:extLst>
+                <a:ext uri="{FF2B5EF4-FFF2-40B4-BE49-F238E27FC236}">
+                  <a16:creationId xmlns:a16="http://schemas.microsoft.com/office/drawing/2014/main" id="{80E60CA8-8DB5-40FB-AF06-47C348FAFDFF}"/>
+                </a:ext>
+              </a:extLst>
+            </p:cNvPr>
+            <p:cNvSpPr/>
+            <p:nvPr/>
+          </p:nvSpPr>
+          <p:spPr>
+            <a:xfrm>
+              <a:off x="5939898" y="1898989"/>
+              <a:ext cx="295275" cy="295275"/>
+            </a:xfrm>
+            <a:prstGeom prst="rect">
+              <a:avLst/>
+            </a:prstGeom>
+            <a:noFill/>
+            <a:ln w="19050">
+              <a:noFill/>
+            </a:ln>
+          </p:spPr>
+          <p:style>
+            <a:lnRef idx="2">
+              <a:schemeClr val="accent1">
+                <a:shade val="50000"/>
+              </a:schemeClr>
+            </a:lnRef>
+            <a:fillRef idx="1">
+              <a:schemeClr val="accent1"/>
+            </a:fillRef>
+            <a:effectRef idx="0">
+              <a:schemeClr val="accent1"/>
+            </a:effectRef>
+            <a:fontRef idx="minor">
+              <a:schemeClr val="lt1"/>
+            </a:fontRef>
+          </p:style>
+          <p:txBody>
+            <a:bodyPr rtlCol="0" anchor="ctr"/>
+            <a:lstStyle/>
+            <a:p>
+              <a:pPr algn="ctr"/>
+              <a:r>
+                <a:rPr lang="en-US" dirty="0">
+                  <a:solidFill>
+                    <a:schemeClr val="tx1"/>
+                  </a:solidFill>
+                </a:rPr>
+                <a:t>3</a:t>
+              </a:r>
+            </a:p>
+          </p:txBody>
+        </p:sp>
+        <p:sp>
+          <p:nvSpPr>
+            <p:cNvPr id="178" name="Rectangle 177">
+              <a:extLst>
+                <a:ext uri="{FF2B5EF4-FFF2-40B4-BE49-F238E27FC236}">
+                  <a16:creationId xmlns:a16="http://schemas.microsoft.com/office/drawing/2014/main" id="{ADD468AF-0C50-4BFB-A553-23B8A48BD3F9}"/>
+                </a:ext>
+              </a:extLst>
+            </p:cNvPr>
+            <p:cNvSpPr/>
+            <p:nvPr/>
+          </p:nvSpPr>
+          <p:spPr>
+            <a:xfrm>
+              <a:off x="6235173" y="1898989"/>
+              <a:ext cx="295275" cy="295275"/>
+            </a:xfrm>
+            <a:prstGeom prst="rect">
+              <a:avLst/>
+            </a:prstGeom>
+            <a:noFill/>
+            <a:ln w="19050">
+              <a:noFill/>
+            </a:ln>
+          </p:spPr>
+          <p:style>
+            <a:lnRef idx="2">
+              <a:schemeClr val="accent1">
+                <a:shade val="50000"/>
+              </a:schemeClr>
+            </a:lnRef>
+            <a:fillRef idx="1">
+              <a:schemeClr val="accent1"/>
+            </a:fillRef>
+            <a:effectRef idx="0">
+              <a:schemeClr val="accent1"/>
+            </a:effectRef>
+            <a:fontRef idx="minor">
+              <a:schemeClr val="lt1"/>
+            </a:fontRef>
+          </p:style>
+          <p:txBody>
+            <a:bodyPr rtlCol="0" anchor="ctr"/>
+            <a:lstStyle/>
+            <a:p>
+              <a:pPr algn="ctr"/>
+              <a:r>
+                <a:rPr lang="en-US" dirty="0">
+                  <a:solidFill>
+                    <a:schemeClr val="tx1"/>
+                  </a:solidFill>
+                </a:rPr>
+                <a:t>4</a:t>
+              </a:r>
+            </a:p>
+          </p:txBody>
+        </p:sp>
+        <p:sp>
+          <p:nvSpPr>
+            <p:cNvPr id="179" name="Rectangle 178">
+              <a:extLst>
+                <a:ext uri="{FF2B5EF4-FFF2-40B4-BE49-F238E27FC236}">
+                  <a16:creationId xmlns:a16="http://schemas.microsoft.com/office/drawing/2014/main" id="{8F18DE90-340B-4766-8B5C-63BB46CEA5E6}"/>
+                </a:ext>
+              </a:extLst>
+            </p:cNvPr>
+            <p:cNvSpPr/>
+            <p:nvPr/>
+          </p:nvSpPr>
+          <p:spPr>
+            <a:xfrm>
+              <a:off x="6530448" y="1908476"/>
+              <a:ext cx="295275" cy="295275"/>
+            </a:xfrm>
+            <a:prstGeom prst="rect">
+              <a:avLst/>
+            </a:prstGeom>
+            <a:noFill/>
+            <a:ln w="19050">
+              <a:noFill/>
+            </a:ln>
+          </p:spPr>
+          <p:style>
+            <a:lnRef idx="2">
+              <a:schemeClr val="accent1">
+                <a:shade val="50000"/>
+              </a:schemeClr>
+            </a:lnRef>
+            <a:fillRef idx="1">
+              <a:schemeClr val="accent1"/>
+            </a:fillRef>
+            <a:effectRef idx="0">
+              <a:schemeClr val="accent1"/>
+            </a:effectRef>
+            <a:fontRef idx="minor">
+              <a:schemeClr val="lt1"/>
+            </a:fontRef>
+          </p:style>
+          <p:txBody>
+            <a:bodyPr rtlCol="0" anchor="ctr"/>
+            <a:lstStyle/>
+            <a:p>
+              <a:pPr algn="ctr"/>
+              <a:r>
+                <a:rPr lang="en-US" dirty="0">
+                  <a:solidFill>
+                    <a:schemeClr val="tx1"/>
+                  </a:solidFill>
+                </a:rPr>
+                <a:t>5</a:t>
+              </a:r>
+            </a:p>
+          </p:txBody>
+        </p:sp>
+        <p:sp>
+          <p:nvSpPr>
+            <p:cNvPr id="180" name="TextBox 179">
+              <a:extLst>
+                <a:ext uri="{FF2B5EF4-FFF2-40B4-BE49-F238E27FC236}">
+                  <a16:creationId xmlns:a16="http://schemas.microsoft.com/office/drawing/2014/main" id="{D2FE0238-2736-4D39-8241-8FB36A84CDB9}"/>
+                </a:ext>
+              </a:extLst>
+            </p:cNvPr>
+            <p:cNvSpPr txBox="1"/>
+            <p:nvPr/>
+          </p:nvSpPr>
+          <p:spPr>
+            <a:xfrm>
+              <a:off x="5391553" y="1565122"/>
+              <a:ext cx="1093431" cy="369332"/>
+            </a:xfrm>
+            <a:prstGeom prst="rect">
+              <a:avLst/>
+            </a:prstGeom>
+            <a:noFill/>
+          </p:spPr>
+          <p:txBody>
+            <a:bodyPr wrap="square" rtlCol="0">
+              <a:spAutoFit/>
+            </a:bodyPr>
+            <a:lstStyle/>
+            <a:p>
+              <a:pPr algn="ctr"/>
+              <a:r>
+                <a:rPr lang="en-US" dirty="0"/>
+                <a:t>Channel</a:t>
+              </a:r>
+            </a:p>
+          </p:txBody>
+        </p:sp>
+      </p:grpSp>
+    </p:spTree>
+    <p:extLst>
+      <p:ext uri="{BB962C8B-B14F-4D97-AF65-F5344CB8AC3E}">
+        <p14:creationId xmlns:p14="http://schemas.microsoft.com/office/powerpoint/2010/main" val="64427430"/>
+      </p:ext>
+    </p:extLst>
+  </p:cSld>
+  <p:clrMapOvr>
+    <a:masterClrMapping/>
+  </p:clrMapOvr>
+</p:sld>
+</file>
+
 <file path=ppt/theme/theme1.xml><?xml version="1.0" encoding="utf-8"?>
 <a:theme xmlns:a="http://schemas.openxmlformats.org/drawingml/2006/main" name="Office Theme">
   <a:themeElements>

--- a/Misc/sns.pptx
+++ b/Misc/sns.pptx
@@ -244,7 +244,7 @@
           <a:p>
             <a:fld id="{42E86A63-9A4E-4E30-9D36-AC950D70345E}" type="datetimeFigureOut">
               <a:rPr lang="en-US" smtClean="0"/>
-              <a:t>3/22/2023</a:t>
+              <a:t>3/29/2023</a:t>
             </a:fld>
             <a:endParaRPr lang="en-US"/>
           </a:p>
@@ -414,7 +414,7 @@
           <a:p>
             <a:fld id="{42E86A63-9A4E-4E30-9D36-AC950D70345E}" type="datetimeFigureOut">
               <a:rPr lang="en-US" smtClean="0"/>
-              <a:t>3/22/2023</a:t>
+              <a:t>3/29/2023</a:t>
             </a:fld>
             <a:endParaRPr lang="en-US"/>
           </a:p>
@@ -594,7 +594,7 @@
           <a:p>
             <a:fld id="{42E86A63-9A4E-4E30-9D36-AC950D70345E}" type="datetimeFigureOut">
               <a:rPr lang="en-US" smtClean="0"/>
-              <a:t>3/22/2023</a:t>
+              <a:t>3/29/2023</a:t>
             </a:fld>
             <a:endParaRPr lang="en-US"/>
           </a:p>
@@ -764,7 +764,7 @@
           <a:p>
             <a:fld id="{42E86A63-9A4E-4E30-9D36-AC950D70345E}" type="datetimeFigureOut">
               <a:rPr lang="en-US" smtClean="0"/>
-              <a:t>3/22/2023</a:t>
+              <a:t>3/29/2023</a:t>
             </a:fld>
             <a:endParaRPr lang="en-US"/>
           </a:p>
@@ -1010,7 +1010,7 @@
           <a:p>
             <a:fld id="{42E86A63-9A4E-4E30-9D36-AC950D70345E}" type="datetimeFigureOut">
               <a:rPr lang="en-US" smtClean="0"/>
-              <a:t>3/22/2023</a:t>
+              <a:t>3/29/2023</a:t>
             </a:fld>
             <a:endParaRPr lang="en-US"/>
           </a:p>
@@ -1242,7 +1242,7 @@
           <a:p>
             <a:fld id="{42E86A63-9A4E-4E30-9D36-AC950D70345E}" type="datetimeFigureOut">
               <a:rPr lang="en-US" smtClean="0"/>
-              <a:t>3/22/2023</a:t>
+              <a:t>3/29/2023</a:t>
             </a:fld>
             <a:endParaRPr lang="en-US"/>
           </a:p>
@@ -1609,7 +1609,7 @@
           <a:p>
             <a:fld id="{42E86A63-9A4E-4E30-9D36-AC950D70345E}" type="datetimeFigureOut">
               <a:rPr lang="en-US" smtClean="0"/>
-              <a:t>3/22/2023</a:t>
+              <a:t>3/29/2023</a:t>
             </a:fld>
             <a:endParaRPr lang="en-US"/>
           </a:p>
@@ -1727,7 +1727,7 @@
           <a:p>
             <a:fld id="{42E86A63-9A4E-4E30-9D36-AC950D70345E}" type="datetimeFigureOut">
               <a:rPr lang="en-US" smtClean="0"/>
-              <a:t>3/22/2023</a:t>
+              <a:t>3/29/2023</a:t>
             </a:fld>
             <a:endParaRPr lang="en-US"/>
           </a:p>
@@ -1822,7 +1822,7 @@
           <a:p>
             <a:fld id="{42E86A63-9A4E-4E30-9D36-AC950D70345E}" type="datetimeFigureOut">
               <a:rPr lang="en-US" smtClean="0"/>
-              <a:t>3/22/2023</a:t>
+              <a:t>3/29/2023</a:t>
             </a:fld>
             <a:endParaRPr lang="en-US"/>
           </a:p>
@@ -2099,7 +2099,7 @@
           <a:p>
             <a:fld id="{42E86A63-9A4E-4E30-9D36-AC950D70345E}" type="datetimeFigureOut">
               <a:rPr lang="en-US" smtClean="0"/>
-              <a:t>3/22/2023</a:t>
+              <a:t>3/29/2023</a:t>
             </a:fld>
             <a:endParaRPr lang="en-US"/>
           </a:p>
@@ -2356,7 +2356,7 @@
           <a:p>
             <a:fld id="{42E86A63-9A4E-4E30-9D36-AC950D70345E}" type="datetimeFigureOut">
               <a:rPr lang="en-US" smtClean="0"/>
-              <a:t>3/22/2023</a:t>
+              <a:t>3/29/2023</a:t>
             </a:fld>
             <a:endParaRPr lang="en-US"/>
           </a:p>
@@ -2569,7 +2569,7 @@
           <a:p>
             <a:fld id="{42E86A63-9A4E-4E30-9D36-AC950D70345E}" type="datetimeFigureOut">
               <a:rPr lang="en-US" smtClean="0"/>
-              <a:t>3/22/2023</a:t>
+              <a:t>3/29/2023</a:t>
             </a:fld>
             <a:endParaRPr lang="en-US"/>
           </a:p>
@@ -2985,23 +2985,24 @@
           </p:cNvPr>
           <p:cNvCxnSpPr>
             <a:cxnSpLocks/>
-            <a:stCxn id="22" idx="2"/>
-            <a:endCxn id="2" idx="0"/>
+            <a:stCxn id="8" idx="2"/>
+            <a:endCxn id="22" idx="0"/>
           </p:cNvCxnSpPr>
           <p:nvPr/>
         </p:nvCxnSpPr>
         <p:spPr>
           <a:xfrm>
-            <a:off x="1821059" y="829582"/>
-            <a:ext cx="2" cy="5175742"/>
+            <a:off x="1821059" y="5667449"/>
+            <a:ext cx="0" cy="337875"/>
           </a:xfrm>
           <a:prstGeom prst="line">
             <a:avLst/>
           </a:prstGeom>
-          <a:ln w="15875">
+          <a:ln w="19050">
             <a:solidFill>
               <a:schemeClr val="tx1"/>
             </a:solidFill>
+            <a:headEnd type="arrow"/>
           </a:ln>
         </p:spPr>
         <p:style>
@@ -3033,7 +3034,7 @@
         </p:nvSpPr>
         <p:spPr>
           <a:xfrm>
-            <a:off x="440796" y="6005325"/>
+            <a:off x="440794" y="357726"/>
             <a:ext cx="2760530" cy="468923"/>
           </a:xfrm>
           <a:prstGeom prst="rect">
@@ -3095,7 +3096,7 @@
         </p:nvSpPr>
         <p:spPr>
           <a:xfrm>
-            <a:off x="440796" y="5202294"/>
+            <a:off x="440794" y="1164526"/>
             <a:ext cx="2760531" cy="468923"/>
           </a:xfrm>
           <a:prstGeom prst="rect">
@@ -3157,7 +3158,7 @@
         </p:nvSpPr>
         <p:spPr>
           <a:xfrm>
-            <a:off x="440796" y="4399263"/>
+            <a:off x="440794" y="1971326"/>
             <a:ext cx="2760531" cy="468923"/>
           </a:xfrm>
           <a:prstGeom prst="rect">
@@ -3219,7 +3220,7 @@
         </p:nvSpPr>
         <p:spPr>
           <a:xfrm>
-            <a:off x="440796" y="3596232"/>
+            <a:off x="440794" y="2778126"/>
             <a:ext cx="2760531" cy="468923"/>
           </a:xfrm>
           <a:prstGeom prst="rect">
@@ -3281,7 +3282,7 @@
         </p:nvSpPr>
         <p:spPr>
           <a:xfrm>
-            <a:off x="440795" y="2787339"/>
+            <a:off x="440794" y="3584926"/>
             <a:ext cx="2760530" cy="468923"/>
           </a:xfrm>
           <a:prstGeom prst="rect">
@@ -3343,7 +3344,7 @@
         </p:nvSpPr>
         <p:spPr>
           <a:xfrm>
-            <a:off x="440795" y="1978446"/>
+            <a:off x="440794" y="4391726"/>
             <a:ext cx="2760531" cy="468923"/>
           </a:xfrm>
           <a:prstGeom prst="rect">
@@ -3405,7 +3406,7 @@
         </p:nvSpPr>
         <p:spPr>
           <a:xfrm>
-            <a:off x="440794" y="1169553"/>
+            <a:off x="440794" y="5198526"/>
             <a:ext cx="2760530" cy="468923"/>
           </a:xfrm>
           <a:prstGeom prst="rect">
@@ -3467,7 +3468,7 @@
         </p:nvSpPr>
         <p:spPr>
           <a:xfrm>
-            <a:off x="3386813" y="6005325"/>
+            <a:off x="3386814" y="357726"/>
             <a:ext cx="5084249" cy="468923"/>
           </a:xfrm>
           <a:prstGeom prst="rect">
@@ -3525,7 +3526,7 @@
         </p:nvSpPr>
         <p:spPr>
           <a:xfrm>
-            <a:off x="3386814" y="5202293"/>
+            <a:off x="3386814" y="1167701"/>
             <a:ext cx="7593680" cy="468923"/>
           </a:xfrm>
           <a:prstGeom prst="rect">
@@ -3583,7 +3584,7 @@
         </p:nvSpPr>
         <p:spPr>
           <a:xfrm>
-            <a:off x="3386839" y="4399262"/>
+            <a:off x="3386814" y="1966273"/>
             <a:ext cx="8101450" cy="468923"/>
           </a:xfrm>
           <a:prstGeom prst="rect">
@@ -3641,7 +3642,7 @@
         </p:nvSpPr>
         <p:spPr>
           <a:xfrm>
-            <a:off x="3386839" y="3596231"/>
+            <a:off x="3386802" y="2752953"/>
             <a:ext cx="7593692" cy="468923"/>
           </a:xfrm>
           <a:prstGeom prst="rect">
@@ -3699,7 +3700,7 @@
         </p:nvSpPr>
         <p:spPr>
           <a:xfrm>
-            <a:off x="3386839" y="2784407"/>
+            <a:off x="3386818" y="3580195"/>
             <a:ext cx="8101446" cy="468923"/>
           </a:xfrm>
           <a:prstGeom prst="rect">
@@ -3757,7 +3758,7 @@
         </p:nvSpPr>
         <p:spPr>
           <a:xfrm>
-            <a:off x="3386839" y="1972582"/>
+            <a:off x="3386820" y="4387156"/>
             <a:ext cx="5084243" cy="468923"/>
           </a:xfrm>
           <a:prstGeom prst="rect">
@@ -3815,7 +3816,7 @@
         </p:nvSpPr>
         <p:spPr>
           <a:xfrm>
-            <a:off x="3386856" y="1169552"/>
+            <a:off x="3386856" y="5194117"/>
             <a:ext cx="5380382" cy="468923"/>
           </a:xfrm>
           <a:prstGeom prst="rect">
@@ -3873,17 +3874,13 @@
         </p:nvSpPr>
         <p:spPr>
           <a:xfrm>
-            <a:off x="440794" y="360660"/>
+            <a:off x="440794" y="6005324"/>
             <a:ext cx="2760530" cy="468923"/>
           </a:xfrm>
           <a:prstGeom prst="rect">
             <a:avLst/>
           </a:prstGeom>
-          <a:solidFill>
-            <a:schemeClr val="bg1">
-              <a:lumMod val="85000"/>
-            </a:schemeClr>
-          </a:solidFill>
+          <a:noFill/>
           <a:ln w="15875">
             <a:solidFill>
               <a:schemeClr val="tx1"/>
@@ -3937,7 +3934,7 @@
         </p:nvSpPr>
         <p:spPr>
           <a:xfrm>
-            <a:off x="3386855" y="357727"/>
+            <a:off x="3386855" y="6005323"/>
             <a:ext cx="5380383" cy="468923"/>
           </a:xfrm>
           <a:prstGeom prst="rect">
@@ -3981,6 +3978,144 @@
           </a:p>
         </p:txBody>
       </p:sp>
+      <p:cxnSp>
+        <p:nvCxnSpPr>
+          <p:cNvPr id="26" name="Straight Connector 25">
+            <a:extLst>
+              <a:ext uri="{FF2B5EF4-FFF2-40B4-BE49-F238E27FC236}">
+                <a16:creationId xmlns:a16="http://schemas.microsoft.com/office/drawing/2014/main" id="{74BB466E-259D-47C6-86AB-5654CB7AA9B3}"/>
+              </a:ext>
+            </a:extLst>
+          </p:cNvPr>
+          <p:cNvCxnSpPr>
+            <a:cxnSpLocks/>
+            <a:stCxn id="7" idx="2"/>
+            <a:endCxn id="8" idx="0"/>
+          </p:cNvCxnSpPr>
+          <p:nvPr/>
+        </p:nvCxnSpPr>
+        <p:spPr>
+          <a:xfrm flipH="1">
+            <a:off x="1821059" y="4860649"/>
+            <a:ext cx="1" cy="337877"/>
+          </a:xfrm>
+          <a:prstGeom prst="line">
+            <a:avLst/>
+          </a:prstGeom>
+          <a:ln w="19050">
+            <a:solidFill>
+              <a:schemeClr val="tx1"/>
+            </a:solidFill>
+            <a:headEnd type="arrow"/>
+          </a:ln>
+        </p:spPr>
+        <p:style>
+          <a:lnRef idx="1">
+            <a:schemeClr val="accent1"/>
+          </a:lnRef>
+          <a:fillRef idx="0">
+            <a:schemeClr val="accent1"/>
+          </a:fillRef>
+          <a:effectRef idx="0">
+            <a:schemeClr val="accent1"/>
+          </a:effectRef>
+          <a:fontRef idx="minor">
+            <a:schemeClr val="tx1"/>
+          </a:fontRef>
+        </p:style>
+      </p:cxnSp>
+      <p:cxnSp>
+        <p:nvCxnSpPr>
+          <p:cNvPr id="29" name="Straight Connector 28">
+            <a:extLst>
+              <a:ext uri="{FF2B5EF4-FFF2-40B4-BE49-F238E27FC236}">
+                <a16:creationId xmlns:a16="http://schemas.microsoft.com/office/drawing/2014/main" id="{9096882F-36A2-4DB7-8C03-59F864823F23}"/>
+              </a:ext>
+            </a:extLst>
+          </p:cNvPr>
+          <p:cNvCxnSpPr>
+            <a:cxnSpLocks/>
+            <a:stCxn id="6" idx="2"/>
+            <a:endCxn id="7" idx="0"/>
+          </p:cNvCxnSpPr>
+          <p:nvPr/>
+        </p:nvCxnSpPr>
+        <p:spPr>
+          <a:xfrm>
+            <a:off x="1821059" y="4053849"/>
+            <a:ext cx="1" cy="337877"/>
+          </a:xfrm>
+          <a:prstGeom prst="line">
+            <a:avLst/>
+          </a:prstGeom>
+          <a:ln w="19050">
+            <a:solidFill>
+              <a:schemeClr val="tx1"/>
+            </a:solidFill>
+            <a:headEnd type="arrow"/>
+          </a:ln>
+        </p:spPr>
+        <p:style>
+          <a:lnRef idx="1">
+            <a:schemeClr val="accent1"/>
+          </a:lnRef>
+          <a:fillRef idx="0">
+            <a:schemeClr val="accent1"/>
+          </a:fillRef>
+          <a:effectRef idx="0">
+            <a:schemeClr val="accent1"/>
+          </a:effectRef>
+          <a:fontRef idx="minor">
+            <a:schemeClr val="tx1"/>
+          </a:fontRef>
+        </p:style>
+      </p:cxnSp>
+      <p:cxnSp>
+        <p:nvCxnSpPr>
+          <p:cNvPr id="32" name="Straight Connector 31">
+            <a:extLst>
+              <a:ext uri="{FF2B5EF4-FFF2-40B4-BE49-F238E27FC236}">
+                <a16:creationId xmlns:a16="http://schemas.microsoft.com/office/drawing/2014/main" id="{325E9233-8B28-47D0-BCBB-4F23A9A682C5}"/>
+              </a:ext>
+            </a:extLst>
+          </p:cNvPr>
+          <p:cNvCxnSpPr>
+            <a:cxnSpLocks/>
+            <a:stCxn id="5" idx="2"/>
+            <a:endCxn id="6" idx="0"/>
+          </p:cNvCxnSpPr>
+          <p:nvPr/>
+        </p:nvCxnSpPr>
+        <p:spPr>
+          <a:xfrm flipH="1">
+            <a:off x="1821059" y="3247049"/>
+            <a:ext cx="1" cy="337877"/>
+          </a:xfrm>
+          <a:prstGeom prst="line">
+            <a:avLst/>
+          </a:prstGeom>
+          <a:ln w="19050">
+            <a:solidFill>
+              <a:schemeClr val="tx1"/>
+            </a:solidFill>
+            <a:headEnd type="arrow"/>
+          </a:ln>
+        </p:spPr>
+        <p:style>
+          <a:lnRef idx="1">
+            <a:schemeClr val="accent1"/>
+          </a:lnRef>
+          <a:fillRef idx="0">
+            <a:schemeClr val="accent1"/>
+          </a:fillRef>
+          <a:effectRef idx="0">
+            <a:schemeClr val="accent1"/>
+          </a:effectRef>
+          <a:fontRef idx="minor">
+            <a:schemeClr val="tx1"/>
+          </a:fontRef>
+        </p:style>
+      </p:cxnSp>
     </p:spTree>
     <p:extLst>
       <p:ext uri="{BB962C8B-B14F-4D97-AF65-F5344CB8AC3E}">
@@ -4025,10 +4160,10 @@
         </p:nvGrpSpPr>
         <p:grpSpPr>
           <a:xfrm>
-            <a:off x="207099" y="1199893"/>
-            <a:ext cx="3960824" cy="2871679"/>
-            <a:chOff x="1326286" y="1314193"/>
-            <a:chExt cx="3960824" cy="2871679"/>
+            <a:off x="207099" y="992391"/>
+            <a:ext cx="3960824" cy="3079181"/>
+            <a:chOff x="1326286" y="1106691"/>
+            <a:chExt cx="3960824" cy="3079181"/>
           </a:xfrm>
         </p:grpSpPr>
         <p:pic>
@@ -4298,182 +4433,6 @@
             </p:txBody>
           </p:sp>
         </p:grpSp>
-        <p:cxnSp>
-          <p:nvCxnSpPr>
-            <p:cNvPr id="27" name="Straight Connector 26">
-              <a:extLst>
-                <a:ext uri="{FF2B5EF4-FFF2-40B4-BE49-F238E27FC236}">
-                  <a16:creationId xmlns:a16="http://schemas.microsoft.com/office/drawing/2014/main" id="{6C5704F6-D48A-4FD2-B710-BF7791FC19CB}"/>
-                </a:ext>
-              </a:extLst>
-            </p:cNvPr>
-            <p:cNvCxnSpPr>
-              <a:cxnSpLocks/>
-            </p:cNvCxnSpPr>
-            <p:nvPr/>
-          </p:nvCxnSpPr>
-          <p:spPr>
-            <a:xfrm>
-              <a:off x="2566987" y="1900827"/>
-              <a:ext cx="0" cy="2278767"/>
-            </a:xfrm>
-            <a:prstGeom prst="line">
-              <a:avLst/>
-            </a:prstGeom>
-            <a:ln w="31750">
-              <a:solidFill>
-                <a:schemeClr val="accent5"/>
-              </a:solidFill>
-              <a:prstDash val="dash"/>
-            </a:ln>
-          </p:spPr>
-          <p:style>
-            <a:lnRef idx="1">
-              <a:schemeClr val="accent1"/>
-            </a:lnRef>
-            <a:fillRef idx="0">
-              <a:schemeClr val="accent1"/>
-            </a:fillRef>
-            <a:effectRef idx="0">
-              <a:schemeClr val="accent1"/>
-            </a:effectRef>
-            <a:fontRef idx="minor">
-              <a:schemeClr val="tx1"/>
-            </a:fontRef>
-          </p:style>
-        </p:cxnSp>
-        <p:cxnSp>
-          <p:nvCxnSpPr>
-            <p:cNvPr id="31" name="Straight Connector 30">
-              <a:extLst>
-                <a:ext uri="{FF2B5EF4-FFF2-40B4-BE49-F238E27FC236}">
-                  <a16:creationId xmlns:a16="http://schemas.microsoft.com/office/drawing/2014/main" id="{0D4A228D-B87F-4A50-AC38-21E1FCCDBD48}"/>
-                </a:ext>
-              </a:extLst>
-            </p:cNvPr>
-            <p:cNvCxnSpPr>
-              <a:cxnSpLocks/>
-            </p:cNvCxnSpPr>
-            <p:nvPr/>
-          </p:nvCxnSpPr>
-          <p:spPr>
-            <a:xfrm>
-              <a:off x="3457574" y="1900827"/>
-              <a:ext cx="0" cy="2278767"/>
-            </a:xfrm>
-            <a:prstGeom prst="line">
-              <a:avLst/>
-            </a:prstGeom>
-            <a:ln w="31750">
-              <a:solidFill>
-                <a:schemeClr val="accent5"/>
-              </a:solidFill>
-              <a:prstDash val="dash"/>
-            </a:ln>
-          </p:spPr>
-          <p:style>
-            <a:lnRef idx="1">
-              <a:schemeClr val="accent1"/>
-            </a:lnRef>
-            <a:fillRef idx="0">
-              <a:schemeClr val="accent1"/>
-            </a:fillRef>
-            <a:effectRef idx="0">
-              <a:schemeClr val="accent1"/>
-            </a:effectRef>
-            <a:fontRef idx="minor">
-              <a:schemeClr val="tx1"/>
-            </a:fontRef>
-          </p:style>
-        </p:cxnSp>
-        <p:cxnSp>
-          <p:nvCxnSpPr>
-            <p:cNvPr id="32" name="Straight Connector 31">
-              <a:extLst>
-                <a:ext uri="{FF2B5EF4-FFF2-40B4-BE49-F238E27FC236}">
-                  <a16:creationId xmlns:a16="http://schemas.microsoft.com/office/drawing/2014/main" id="{34AB37D4-B6AD-4D85-A2D1-BE2F1ED262E2}"/>
-                </a:ext>
-              </a:extLst>
-            </p:cNvPr>
-            <p:cNvCxnSpPr>
-              <a:cxnSpLocks/>
-            </p:cNvCxnSpPr>
-            <p:nvPr/>
-          </p:nvCxnSpPr>
-          <p:spPr>
-            <a:xfrm>
-              <a:off x="4067175" y="1900827"/>
-              <a:ext cx="0" cy="2278767"/>
-            </a:xfrm>
-            <a:prstGeom prst="line">
-              <a:avLst/>
-            </a:prstGeom>
-            <a:ln w="31750">
-              <a:solidFill>
-                <a:schemeClr val="accent5"/>
-              </a:solidFill>
-              <a:prstDash val="dash"/>
-            </a:ln>
-          </p:spPr>
-          <p:style>
-            <a:lnRef idx="1">
-              <a:schemeClr val="accent1"/>
-            </a:lnRef>
-            <a:fillRef idx="0">
-              <a:schemeClr val="accent1"/>
-            </a:fillRef>
-            <a:effectRef idx="0">
-              <a:schemeClr val="accent1"/>
-            </a:effectRef>
-            <a:fontRef idx="minor">
-              <a:schemeClr val="tx1"/>
-            </a:fontRef>
-          </p:style>
-        </p:cxnSp>
-        <p:cxnSp>
-          <p:nvCxnSpPr>
-            <p:cNvPr id="33" name="Straight Connector 32">
-              <a:extLst>
-                <a:ext uri="{FF2B5EF4-FFF2-40B4-BE49-F238E27FC236}">
-                  <a16:creationId xmlns:a16="http://schemas.microsoft.com/office/drawing/2014/main" id="{624F4FD2-8DD0-4A05-ABCF-1B0F072798C5}"/>
-                </a:ext>
-              </a:extLst>
-            </p:cNvPr>
-            <p:cNvCxnSpPr>
-              <a:cxnSpLocks/>
-            </p:cNvCxnSpPr>
-            <p:nvPr/>
-          </p:nvCxnSpPr>
-          <p:spPr>
-            <a:xfrm>
-              <a:off x="4700587" y="1900827"/>
-              <a:ext cx="0" cy="2278767"/>
-            </a:xfrm>
-            <a:prstGeom prst="line">
-              <a:avLst/>
-            </a:prstGeom>
-            <a:ln w="31750">
-              <a:solidFill>
-                <a:schemeClr val="accent5"/>
-              </a:solidFill>
-              <a:prstDash val="dash"/>
-            </a:ln>
-          </p:spPr>
-          <p:style>
-            <a:lnRef idx="1">
-              <a:schemeClr val="accent1"/>
-            </a:lnRef>
-            <a:fillRef idx="0">
-              <a:schemeClr val="accent1"/>
-            </a:fillRef>
-            <a:effectRef idx="0">
-              <a:schemeClr val="accent1"/>
-            </a:effectRef>
-            <a:fontRef idx="minor">
-              <a:schemeClr val="tx1"/>
-            </a:fontRef>
-          </p:style>
-        </p:cxnSp>
         <p:sp>
           <p:nvSpPr>
             <p:cNvPr id="34" name="TextBox 33">
@@ -4488,7 +4447,7 @@
           </p:nvSpPr>
           <p:spPr>
             <a:xfrm>
-              <a:off x="2117847" y="1596768"/>
+              <a:off x="2116701" y="1371847"/>
               <a:ext cx="449140" cy="369332"/>
             </a:xfrm>
             <a:prstGeom prst="rect">
@@ -4524,7 +4483,7 @@
           </p:nvSpPr>
           <p:spPr>
             <a:xfrm>
-              <a:off x="2753273" y="1596768"/>
+              <a:off x="2739238" y="1371204"/>
               <a:ext cx="449140" cy="369332"/>
             </a:xfrm>
             <a:prstGeom prst="rect">
@@ -4560,7 +4519,7 @@
           </p:nvSpPr>
           <p:spPr>
             <a:xfrm>
-              <a:off x="3556121" y="1596768"/>
+              <a:off x="3535172" y="1373310"/>
               <a:ext cx="449140" cy="369332"/>
             </a:xfrm>
             <a:prstGeom prst="rect">
@@ -4596,7 +4555,7 @@
           </p:nvSpPr>
           <p:spPr>
             <a:xfrm>
-              <a:off x="4189532" y="1596768"/>
+              <a:off x="4148347" y="1371204"/>
               <a:ext cx="449140" cy="369332"/>
             </a:xfrm>
             <a:prstGeom prst="rect">
@@ -4632,7 +4591,7 @@
           </p:nvSpPr>
           <p:spPr>
             <a:xfrm>
-              <a:off x="4707363" y="1596768"/>
+              <a:off x="4650931" y="1371204"/>
               <a:ext cx="449140" cy="369332"/>
             </a:xfrm>
             <a:prstGeom prst="rect">
@@ -4704,7 +4663,7 @@
           </p:nvSpPr>
           <p:spPr>
             <a:xfrm>
-              <a:off x="2806781" y="1314193"/>
+              <a:off x="2932909" y="1106691"/>
               <a:ext cx="1093431" cy="369332"/>
             </a:xfrm>
             <a:prstGeom prst="rect">
@@ -4741,7 +4700,7 @@
         </p:nvGrpSpPr>
         <p:grpSpPr>
           <a:xfrm>
-            <a:off x="4352194" y="530304"/>
+            <a:off x="9853612" y="857797"/>
             <a:ext cx="2390676" cy="2118550"/>
             <a:chOff x="4458379" y="1533034"/>
             <a:chExt cx="2390676" cy="2118550"/>
@@ -6856,8 +6815,8 @@
             </a:p>
           </p:txBody>
         </p:sp>
-        <mc:AlternateContent xmlns:mc="http://schemas.openxmlformats.org/markup-compatibility/2006">
-          <mc:Choice xmlns:a14="http://schemas.microsoft.com/office/drawing/2010/main" Requires="a14">
+        <mc:AlternateContent xmlns:mc="http://schemas.openxmlformats.org/markup-compatibility/2006" xmlns:a14="http://schemas.microsoft.com/office/drawing/2010/main">
+          <mc:Choice Requires="a14">
             <p:sp>
               <p:nvSpPr>
                 <p:cNvPr id="128" name="TextBox 127">
@@ -6906,7 +6865,7 @@
               </p:txBody>
             </p:sp>
           </mc:Choice>
-          <mc:Fallback>
+          <mc:Fallback xmlns="">
             <p:sp>
               <p:nvSpPr>
                 <p:cNvPr id="128" name="TextBox 127">
@@ -7332,10 +7291,10 @@
       </p:grpSp>
       <p:grpSp>
         <p:nvGrpSpPr>
-          <p:cNvPr id="137" name="Group 136">
+          <p:cNvPr id="3" name="Group 2">
             <a:extLst>
               <a:ext uri="{FF2B5EF4-FFF2-40B4-BE49-F238E27FC236}">
-                <a16:creationId xmlns:a16="http://schemas.microsoft.com/office/drawing/2014/main" id="{B97A1945-7481-42E3-B1A0-514A41E11743}"/>
+                <a16:creationId xmlns:a16="http://schemas.microsoft.com/office/drawing/2014/main" id="{60B90CEC-6A60-4830-A3B3-F602F49E1553}"/>
               </a:ext>
             </a:extLst>
           </p:cNvPr>
@@ -7344,2570 +7303,2627 @@
         </p:nvGrpSpPr>
         <p:grpSpPr>
           <a:xfrm>
-            <a:off x="4288869" y="2758134"/>
-            <a:ext cx="2390676" cy="2118550"/>
-            <a:chOff x="4439483" y="1565122"/>
-            <a:chExt cx="2390676" cy="2118550"/>
+            <a:off x="4470617" y="1668289"/>
+            <a:ext cx="2395112" cy="2515243"/>
+            <a:chOff x="4347758" y="3702240"/>
+            <a:chExt cx="2395112" cy="2515243"/>
           </a:xfrm>
         </p:grpSpPr>
-        <p:sp>
-          <p:nvSpPr>
-            <p:cNvPr id="138" name="Rectangle 137">
+        <p:grpSp>
+          <p:nvGrpSpPr>
+            <p:cNvPr id="137" name="Group 136">
               <a:extLst>
                 <a:ext uri="{FF2B5EF4-FFF2-40B4-BE49-F238E27FC236}">
-                  <a16:creationId xmlns:a16="http://schemas.microsoft.com/office/drawing/2014/main" id="{621749A1-916F-418A-9B14-17CBB6CDEDEF}"/>
+                  <a16:creationId xmlns:a16="http://schemas.microsoft.com/office/drawing/2014/main" id="{B97A1945-7481-42E3-B1A0-514A41E11743}"/>
                 </a:ext>
               </a:extLst>
             </p:cNvPr>
-            <p:cNvSpPr/>
+            <p:cNvGrpSpPr/>
             <p:nvPr/>
-          </p:nvSpPr>
-          <p:spPr>
+          </p:nvGrpSpPr>
+          <p:grpSpPr>
             <a:xfrm>
-              <a:off x="5058509" y="2201962"/>
-              <a:ext cx="295275" cy="295275"/>
+              <a:off x="4347758" y="3702240"/>
+              <a:ext cx="2390676" cy="2118550"/>
+              <a:chOff x="4439483" y="1565122"/>
+              <a:chExt cx="2390676" cy="2118550"/>
             </a:xfrm>
-            <a:prstGeom prst="rect">
-              <a:avLst/>
-            </a:prstGeom>
-            <a:solidFill>
-              <a:schemeClr val="bg1"/>
-            </a:solidFill>
-            <a:ln w="19050">
+          </p:grpSpPr>
+          <p:sp>
+            <p:nvSpPr>
+              <p:cNvPr id="138" name="Rectangle 137">
+                <a:extLst>
+                  <a:ext uri="{FF2B5EF4-FFF2-40B4-BE49-F238E27FC236}">
+                    <a16:creationId xmlns:a16="http://schemas.microsoft.com/office/drawing/2014/main" id="{621749A1-916F-418A-9B14-17CBB6CDEDEF}"/>
+                  </a:ext>
+                </a:extLst>
+              </p:cNvPr>
+              <p:cNvSpPr/>
+              <p:nvPr/>
+            </p:nvSpPr>
+            <p:spPr>
+              <a:xfrm>
+                <a:off x="5058509" y="2201962"/>
+                <a:ext cx="295275" cy="295275"/>
+              </a:xfrm>
+              <a:prstGeom prst="rect">
+                <a:avLst/>
+              </a:prstGeom>
               <a:solidFill>
-                <a:schemeClr val="tx1"/>
+                <a:schemeClr val="bg1"/>
               </a:solidFill>
-            </a:ln>
-          </p:spPr>
-          <p:style>
-            <a:lnRef idx="2">
-              <a:schemeClr val="accent1">
-                <a:shade val="50000"/>
-              </a:schemeClr>
-            </a:lnRef>
-            <a:fillRef idx="1">
-              <a:schemeClr val="accent1"/>
-            </a:fillRef>
-            <a:effectRef idx="0">
-              <a:schemeClr val="accent1"/>
-            </a:effectRef>
-            <a:fontRef idx="minor">
-              <a:schemeClr val="lt1"/>
-            </a:fontRef>
-          </p:style>
-          <p:txBody>
-            <a:bodyPr rtlCol="0" anchor="ctr"/>
-            <a:lstStyle/>
-            <a:p>
-              <a:pPr algn="ctr"/>
-              <a:r>
-                <a:rPr lang="en-US" dirty="0">
-                  <a:solidFill>
-                    <a:schemeClr val="tx1"/>
-                  </a:solidFill>
-                </a:rPr>
-                <a:t>1</a:t>
-              </a:r>
-            </a:p>
-          </p:txBody>
-        </p:sp>
+              <a:ln w="19050">
+                <a:solidFill>
+                  <a:schemeClr val="tx1"/>
+                </a:solidFill>
+              </a:ln>
+            </p:spPr>
+            <p:style>
+              <a:lnRef idx="2">
+                <a:schemeClr val="accent1">
+                  <a:shade val="50000"/>
+                </a:schemeClr>
+              </a:lnRef>
+              <a:fillRef idx="1">
+                <a:schemeClr val="accent1"/>
+              </a:fillRef>
+              <a:effectRef idx="0">
+                <a:schemeClr val="accent1"/>
+              </a:effectRef>
+              <a:fontRef idx="minor">
+                <a:schemeClr val="lt1"/>
+              </a:fontRef>
+            </p:style>
+            <p:txBody>
+              <a:bodyPr rtlCol="0" anchor="ctr"/>
+              <a:lstStyle/>
+              <a:p>
+                <a:pPr algn="ctr"/>
+                <a:r>
+                  <a:rPr lang="en-US" dirty="0">
+                    <a:solidFill>
+                      <a:schemeClr val="tx1"/>
+                    </a:solidFill>
+                  </a:rPr>
+                  <a:t>1</a:t>
+                </a:r>
+              </a:p>
+            </p:txBody>
+          </p:sp>
+          <p:sp>
+            <p:nvSpPr>
+              <p:cNvPr id="139" name="Rectangle 138">
+                <a:extLst>
+                  <a:ext uri="{FF2B5EF4-FFF2-40B4-BE49-F238E27FC236}">
+                    <a16:creationId xmlns:a16="http://schemas.microsoft.com/office/drawing/2014/main" id="{BA919479-AD0F-49A9-A307-8180267819A1}"/>
+                  </a:ext>
+                </a:extLst>
+              </p:cNvPr>
+              <p:cNvSpPr/>
+              <p:nvPr/>
+            </p:nvSpPr>
+            <p:spPr>
+              <a:xfrm>
+                <a:off x="5353784" y="2201961"/>
+                <a:ext cx="295275" cy="295275"/>
+              </a:xfrm>
+              <a:prstGeom prst="rect">
+                <a:avLst/>
+              </a:prstGeom>
+              <a:solidFill>
+                <a:schemeClr val="bg1"/>
+              </a:solidFill>
+              <a:ln w="19050">
+                <a:solidFill>
+                  <a:schemeClr val="tx1"/>
+                </a:solidFill>
+              </a:ln>
+            </p:spPr>
+            <p:style>
+              <a:lnRef idx="2">
+                <a:schemeClr val="accent1">
+                  <a:shade val="50000"/>
+                </a:schemeClr>
+              </a:lnRef>
+              <a:fillRef idx="1">
+                <a:schemeClr val="accent1"/>
+              </a:fillRef>
+              <a:effectRef idx="0">
+                <a:schemeClr val="accent1"/>
+              </a:effectRef>
+              <a:fontRef idx="minor">
+                <a:schemeClr val="lt1"/>
+              </a:fontRef>
+            </p:style>
+            <p:txBody>
+              <a:bodyPr rtlCol="0" anchor="ctr"/>
+              <a:lstStyle/>
+              <a:p>
+                <a:pPr algn="ctr"/>
+                <a:r>
+                  <a:rPr lang="en-US" dirty="0">
+                    <a:solidFill>
+                      <a:schemeClr val="tx1"/>
+                    </a:solidFill>
+                  </a:rPr>
+                  <a:t>0</a:t>
+                </a:r>
+              </a:p>
+            </p:txBody>
+          </p:sp>
+          <p:sp>
+            <p:nvSpPr>
+              <p:cNvPr id="140" name="Rectangle 139">
+                <a:extLst>
+                  <a:ext uri="{FF2B5EF4-FFF2-40B4-BE49-F238E27FC236}">
+                    <a16:creationId xmlns:a16="http://schemas.microsoft.com/office/drawing/2014/main" id="{324896E0-2688-4340-ABD8-3D8D92EAEABA}"/>
+                  </a:ext>
+                </a:extLst>
+              </p:cNvPr>
+              <p:cNvSpPr/>
+              <p:nvPr/>
+            </p:nvSpPr>
+            <p:spPr>
+              <a:xfrm>
+                <a:off x="5649059" y="2201962"/>
+                <a:ext cx="295275" cy="295275"/>
+              </a:xfrm>
+              <a:prstGeom prst="rect">
+                <a:avLst/>
+              </a:prstGeom>
+              <a:solidFill>
+                <a:schemeClr val="bg1"/>
+              </a:solidFill>
+              <a:ln w="19050">
+                <a:solidFill>
+                  <a:schemeClr val="tx1"/>
+                </a:solidFill>
+              </a:ln>
+            </p:spPr>
+            <p:style>
+              <a:lnRef idx="2">
+                <a:schemeClr val="accent1">
+                  <a:shade val="50000"/>
+                </a:schemeClr>
+              </a:lnRef>
+              <a:fillRef idx="1">
+                <a:schemeClr val="accent1"/>
+              </a:fillRef>
+              <a:effectRef idx="0">
+                <a:schemeClr val="accent1"/>
+              </a:effectRef>
+              <a:fontRef idx="minor">
+                <a:schemeClr val="lt1"/>
+              </a:fontRef>
+            </p:style>
+            <p:txBody>
+              <a:bodyPr rtlCol="0" anchor="ctr"/>
+              <a:lstStyle/>
+              <a:p>
+                <a:pPr algn="ctr"/>
+                <a:r>
+                  <a:rPr lang="en-US" dirty="0">
+                    <a:solidFill>
+                      <a:schemeClr val="tx1"/>
+                    </a:solidFill>
+                  </a:rPr>
+                  <a:t>3</a:t>
+                </a:r>
+              </a:p>
+            </p:txBody>
+          </p:sp>
+          <p:sp>
+            <p:nvSpPr>
+              <p:cNvPr id="141" name="Rectangle 140">
+                <a:extLst>
+                  <a:ext uri="{FF2B5EF4-FFF2-40B4-BE49-F238E27FC236}">
+                    <a16:creationId xmlns:a16="http://schemas.microsoft.com/office/drawing/2014/main" id="{F7365E74-BC7F-44F7-B05B-EB571A7E8085}"/>
+                  </a:ext>
+                </a:extLst>
+              </p:cNvPr>
+              <p:cNvSpPr/>
+              <p:nvPr/>
+            </p:nvSpPr>
+            <p:spPr>
+              <a:xfrm>
+                <a:off x="5944334" y="2201961"/>
+                <a:ext cx="295275" cy="295275"/>
+              </a:xfrm>
+              <a:prstGeom prst="rect">
+                <a:avLst/>
+              </a:prstGeom>
+              <a:solidFill>
+                <a:schemeClr val="bg1"/>
+              </a:solidFill>
+              <a:ln w="19050">
+                <a:solidFill>
+                  <a:schemeClr val="tx1"/>
+                </a:solidFill>
+              </a:ln>
+            </p:spPr>
+            <p:style>
+              <a:lnRef idx="2">
+                <a:schemeClr val="accent1">
+                  <a:shade val="50000"/>
+                </a:schemeClr>
+              </a:lnRef>
+              <a:fillRef idx="1">
+                <a:schemeClr val="accent1"/>
+              </a:fillRef>
+              <a:effectRef idx="0">
+                <a:schemeClr val="accent1"/>
+              </a:effectRef>
+              <a:fontRef idx="minor">
+                <a:schemeClr val="lt1"/>
+              </a:fontRef>
+            </p:style>
+            <p:txBody>
+              <a:bodyPr rtlCol="0" anchor="ctr"/>
+              <a:lstStyle/>
+              <a:p>
+                <a:pPr algn="ctr"/>
+                <a:r>
+                  <a:rPr lang="en-US" dirty="0">
+                    <a:solidFill>
+                      <a:schemeClr val="tx1"/>
+                    </a:solidFill>
+                  </a:rPr>
+                  <a:t>2</a:t>
+                </a:r>
+              </a:p>
+            </p:txBody>
+          </p:sp>
+          <p:sp>
+            <p:nvSpPr>
+              <p:cNvPr id="142" name="Rectangle 141">
+                <a:extLst>
+                  <a:ext uri="{FF2B5EF4-FFF2-40B4-BE49-F238E27FC236}">
+                    <a16:creationId xmlns:a16="http://schemas.microsoft.com/office/drawing/2014/main" id="{50300F7C-A3B4-447D-8FBF-94917CB50DC6}"/>
+                  </a:ext>
+                </a:extLst>
+              </p:cNvPr>
+              <p:cNvSpPr/>
+              <p:nvPr/>
+            </p:nvSpPr>
+            <p:spPr>
+              <a:xfrm>
+                <a:off x="6239609" y="2201961"/>
+                <a:ext cx="295275" cy="295275"/>
+              </a:xfrm>
+              <a:prstGeom prst="rect">
+                <a:avLst/>
+              </a:prstGeom>
+              <a:solidFill>
+                <a:schemeClr val="bg1"/>
+              </a:solidFill>
+              <a:ln w="19050">
+                <a:solidFill>
+                  <a:schemeClr val="tx1"/>
+                </a:solidFill>
+              </a:ln>
+            </p:spPr>
+            <p:style>
+              <a:lnRef idx="2">
+                <a:schemeClr val="accent1">
+                  <a:shade val="50000"/>
+                </a:schemeClr>
+              </a:lnRef>
+              <a:fillRef idx="1">
+                <a:schemeClr val="accent1"/>
+              </a:fillRef>
+              <a:effectRef idx="0">
+                <a:schemeClr val="accent1"/>
+              </a:effectRef>
+              <a:fontRef idx="minor">
+                <a:schemeClr val="lt1"/>
+              </a:fontRef>
+            </p:style>
+            <p:txBody>
+              <a:bodyPr rtlCol="0" anchor="ctr"/>
+              <a:lstStyle/>
+              <a:p>
+                <a:pPr algn="ctr"/>
+                <a:r>
+                  <a:rPr lang="en-US" dirty="0">
+                    <a:solidFill>
+                      <a:schemeClr val="tx1"/>
+                    </a:solidFill>
+                  </a:rPr>
+                  <a:t>5</a:t>
+                </a:r>
+              </a:p>
+            </p:txBody>
+          </p:sp>
+          <p:sp>
+            <p:nvSpPr>
+              <p:cNvPr id="143" name="Rectangle 142">
+                <a:extLst>
+                  <a:ext uri="{FF2B5EF4-FFF2-40B4-BE49-F238E27FC236}">
+                    <a16:creationId xmlns:a16="http://schemas.microsoft.com/office/drawing/2014/main" id="{6A177D62-9E6A-4165-9B58-53A02AE1F8DE}"/>
+                  </a:ext>
+                </a:extLst>
+              </p:cNvPr>
+              <p:cNvSpPr/>
+              <p:nvPr/>
+            </p:nvSpPr>
+            <p:spPr>
+              <a:xfrm>
+                <a:off x="6534884" y="2201960"/>
+                <a:ext cx="295275" cy="295275"/>
+              </a:xfrm>
+              <a:prstGeom prst="rect">
+                <a:avLst/>
+              </a:prstGeom>
+              <a:solidFill>
+                <a:schemeClr val="bg1"/>
+              </a:solidFill>
+              <a:ln w="19050">
+                <a:solidFill>
+                  <a:schemeClr val="tx1"/>
+                </a:solidFill>
+              </a:ln>
+            </p:spPr>
+            <p:style>
+              <a:lnRef idx="2">
+                <a:schemeClr val="accent1">
+                  <a:shade val="50000"/>
+                </a:schemeClr>
+              </a:lnRef>
+              <a:fillRef idx="1">
+                <a:schemeClr val="accent1"/>
+              </a:fillRef>
+              <a:effectRef idx="0">
+                <a:schemeClr val="accent1"/>
+              </a:effectRef>
+              <a:fontRef idx="minor">
+                <a:schemeClr val="lt1"/>
+              </a:fontRef>
+            </p:style>
+            <p:txBody>
+              <a:bodyPr rtlCol="0" anchor="ctr"/>
+              <a:lstStyle/>
+              <a:p>
+                <a:pPr algn="ctr"/>
+                <a:r>
+                  <a:rPr lang="en-US" dirty="0">
+                    <a:solidFill>
+                      <a:schemeClr val="tx1"/>
+                    </a:solidFill>
+                  </a:rPr>
+                  <a:t>4</a:t>
+                </a:r>
+              </a:p>
+            </p:txBody>
+          </p:sp>
+          <p:sp>
+            <p:nvSpPr>
+              <p:cNvPr id="144" name="Rectangle 143">
+                <a:extLst>
+                  <a:ext uri="{FF2B5EF4-FFF2-40B4-BE49-F238E27FC236}">
+                    <a16:creationId xmlns:a16="http://schemas.microsoft.com/office/drawing/2014/main" id="{C66A46CA-4BD5-401B-9C16-1C5DA54AD5CB}"/>
+                  </a:ext>
+                </a:extLst>
+              </p:cNvPr>
+              <p:cNvSpPr/>
+              <p:nvPr/>
+            </p:nvSpPr>
+            <p:spPr>
+              <a:xfrm>
+                <a:off x="5058509" y="2497237"/>
+                <a:ext cx="295275" cy="295275"/>
+              </a:xfrm>
+              <a:prstGeom prst="rect">
+                <a:avLst/>
+              </a:prstGeom>
+              <a:solidFill>
+                <a:schemeClr val="bg1"/>
+              </a:solidFill>
+              <a:ln w="19050">
+                <a:solidFill>
+                  <a:schemeClr val="tx1"/>
+                </a:solidFill>
+              </a:ln>
+            </p:spPr>
+            <p:style>
+              <a:lnRef idx="2">
+                <a:schemeClr val="accent1">
+                  <a:shade val="50000"/>
+                </a:schemeClr>
+              </a:lnRef>
+              <a:fillRef idx="1">
+                <a:schemeClr val="accent1"/>
+              </a:fillRef>
+              <a:effectRef idx="0">
+                <a:schemeClr val="accent1"/>
+              </a:effectRef>
+              <a:fontRef idx="minor">
+                <a:schemeClr val="lt1"/>
+              </a:fontRef>
+            </p:style>
+            <p:txBody>
+              <a:bodyPr rtlCol="0" anchor="ctr"/>
+              <a:lstStyle/>
+              <a:p>
+                <a:pPr algn="ctr"/>
+                <a:r>
+                  <a:rPr lang="en-US" dirty="0">
+                    <a:solidFill>
+                      <a:schemeClr val="tx1"/>
+                    </a:solidFill>
+                  </a:rPr>
+                  <a:t>3</a:t>
+                </a:r>
+              </a:p>
+            </p:txBody>
+          </p:sp>
+          <p:sp>
+            <p:nvSpPr>
+              <p:cNvPr id="145" name="Rectangle 144">
+                <a:extLst>
+                  <a:ext uri="{FF2B5EF4-FFF2-40B4-BE49-F238E27FC236}">
+                    <a16:creationId xmlns:a16="http://schemas.microsoft.com/office/drawing/2014/main" id="{F56EB9D2-F4E9-495F-B632-A27E0BF8249D}"/>
+                  </a:ext>
+                </a:extLst>
+              </p:cNvPr>
+              <p:cNvSpPr/>
+              <p:nvPr/>
+            </p:nvSpPr>
+            <p:spPr>
+              <a:xfrm>
+                <a:off x="5353784" y="2497236"/>
+                <a:ext cx="295275" cy="295275"/>
+              </a:xfrm>
+              <a:prstGeom prst="rect">
+                <a:avLst/>
+              </a:prstGeom>
+              <a:solidFill>
+                <a:schemeClr val="bg1"/>
+              </a:solidFill>
+              <a:ln w="19050">
+                <a:solidFill>
+                  <a:schemeClr val="tx1"/>
+                </a:solidFill>
+              </a:ln>
+            </p:spPr>
+            <p:style>
+              <a:lnRef idx="2">
+                <a:schemeClr val="accent1">
+                  <a:shade val="50000"/>
+                </a:schemeClr>
+              </a:lnRef>
+              <a:fillRef idx="1">
+                <a:schemeClr val="accent1"/>
+              </a:fillRef>
+              <a:effectRef idx="0">
+                <a:schemeClr val="accent1"/>
+              </a:effectRef>
+              <a:fontRef idx="minor">
+                <a:schemeClr val="lt1"/>
+              </a:fontRef>
+            </p:style>
+            <p:txBody>
+              <a:bodyPr rtlCol="0" anchor="ctr"/>
+              <a:lstStyle/>
+              <a:p>
+                <a:pPr algn="ctr"/>
+                <a:r>
+                  <a:rPr lang="en-US" dirty="0">
+                    <a:solidFill>
+                      <a:schemeClr val="tx1"/>
+                    </a:solidFill>
+                  </a:rPr>
+                  <a:t>4</a:t>
+                </a:r>
+              </a:p>
+            </p:txBody>
+          </p:sp>
+          <p:sp>
+            <p:nvSpPr>
+              <p:cNvPr id="146" name="Rectangle 145">
+                <a:extLst>
+                  <a:ext uri="{FF2B5EF4-FFF2-40B4-BE49-F238E27FC236}">
+                    <a16:creationId xmlns:a16="http://schemas.microsoft.com/office/drawing/2014/main" id="{F29A7EE0-81DE-41AD-89B1-EDEC5AE63D40}"/>
+                  </a:ext>
+                </a:extLst>
+              </p:cNvPr>
+              <p:cNvSpPr/>
+              <p:nvPr/>
+            </p:nvSpPr>
+            <p:spPr>
+              <a:xfrm>
+                <a:off x="5649059" y="2497237"/>
+                <a:ext cx="295275" cy="295275"/>
+              </a:xfrm>
+              <a:prstGeom prst="rect">
+                <a:avLst/>
+              </a:prstGeom>
+              <a:solidFill>
+                <a:schemeClr val="bg1"/>
+              </a:solidFill>
+              <a:ln w="19050">
+                <a:solidFill>
+                  <a:schemeClr val="tx1"/>
+                </a:solidFill>
+              </a:ln>
+            </p:spPr>
+            <p:style>
+              <a:lnRef idx="2">
+                <a:schemeClr val="accent1">
+                  <a:shade val="50000"/>
+                </a:schemeClr>
+              </a:lnRef>
+              <a:fillRef idx="1">
+                <a:schemeClr val="accent1"/>
+              </a:fillRef>
+              <a:effectRef idx="0">
+                <a:schemeClr val="accent1"/>
+              </a:effectRef>
+              <a:fontRef idx="minor">
+                <a:schemeClr val="lt1"/>
+              </a:fontRef>
+            </p:style>
+            <p:txBody>
+              <a:bodyPr rtlCol="0" anchor="ctr"/>
+              <a:lstStyle/>
+              <a:p>
+                <a:pPr algn="ctr"/>
+                <a:r>
+                  <a:rPr lang="en-US" dirty="0">
+                    <a:solidFill>
+                      <a:schemeClr val="tx1"/>
+                    </a:solidFill>
+                  </a:rPr>
+                  <a:t>5</a:t>
+                </a:r>
+              </a:p>
+            </p:txBody>
+          </p:sp>
+          <p:sp>
+            <p:nvSpPr>
+              <p:cNvPr id="147" name="Rectangle 146">
+                <a:extLst>
+                  <a:ext uri="{FF2B5EF4-FFF2-40B4-BE49-F238E27FC236}">
+                    <a16:creationId xmlns:a16="http://schemas.microsoft.com/office/drawing/2014/main" id="{55791606-D5D5-4CC3-A729-09FD498DD185}"/>
+                  </a:ext>
+                </a:extLst>
+              </p:cNvPr>
+              <p:cNvSpPr/>
+              <p:nvPr/>
+            </p:nvSpPr>
+            <p:spPr>
+              <a:xfrm>
+                <a:off x="5944334" y="2497236"/>
+                <a:ext cx="295275" cy="295275"/>
+              </a:xfrm>
+              <a:prstGeom prst="rect">
+                <a:avLst/>
+              </a:prstGeom>
+              <a:solidFill>
+                <a:schemeClr val="bg1"/>
+              </a:solidFill>
+              <a:ln w="19050">
+                <a:solidFill>
+                  <a:schemeClr val="tx1"/>
+                </a:solidFill>
+              </a:ln>
+            </p:spPr>
+            <p:style>
+              <a:lnRef idx="2">
+                <a:schemeClr val="accent1">
+                  <a:shade val="50000"/>
+                </a:schemeClr>
+              </a:lnRef>
+              <a:fillRef idx="1">
+                <a:schemeClr val="accent1"/>
+              </a:fillRef>
+              <a:effectRef idx="0">
+                <a:schemeClr val="accent1"/>
+              </a:effectRef>
+              <a:fontRef idx="minor">
+                <a:schemeClr val="lt1"/>
+              </a:fontRef>
+            </p:style>
+            <p:txBody>
+              <a:bodyPr rtlCol="0" anchor="ctr"/>
+              <a:lstStyle/>
+              <a:p>
+                <a:pPr algn="ctr"/>
+                <a:r>
+                  <a:rPr lang="en-US" dirty="0">
+                    <a:solidFill>
+                      <a:schemeClr val="tx1"/>
+                    </a:solidFill>
+                  </a:rPr>
+                  <a:t>0</a:t>
+                </a:r>
+              </a:p>
+            </p:txBody>
+          </p:sp>
+          <p:sp>
+            <p:nvSpPr>
+              <p:cNvPr id="148" name="Rectangle 147">
+                <a:extLst>
+                  <a:ext uri="{FF2B5EF4-FFF2-40B4-BE49-F238E27FC236}">
+                    <a16:creationId xmlns:a16="http://schemas.microsoft.com/office/drawing/2014/main" id="{FB2E0312-F5F5-441C-941A-2C26F427FBE5}"/>
+                  </a:ext>
+                </a:extLst>
+              </p:cNvPr>
+              <p:cNvSpPr/>
+              <p:nvPr/>
+            </p:nvSpPr>
+            <p:spPr>
+              <a:xfrm>
+                <a:off x="6239609" y="2497236"/>
+                <a:ext cx="295275" cy="295275"/>
+              </a:xfrm>
+              <a:prstGeom prst="rect">
+                <a:avLst/>
+              </a:prstGeom>
+              <a:solidFill>
+                <a:schemeClr val="bg1"/>
+              </a:solidFill>
+              <a:ln w="19050">
+                <a:solidFill>
+                  <a:schemeClr val="tx1"/>
+                </a:solidFill>
+              </a:ln>
+            </p:spPr>
+            <p:style>
+              <a:lnRef idx="2">
+                <a:schemeClr val="accent1">
+                  <a:shade val="50000"/>
+                </a:schemeClr>
+              </a:lnRef>
+              <a:fillRef idx="1">
+                <a:schemeClr val="accent1"/>
+              </a:fillRef>
+              <a:effectRef idx="0">
+                <a:schemeClr val="accent1"/>
+              </a:effectRef>
+              <a:fontRef idx="minor">
+                <a:schemeClr val="lt1"/>
+              </a:fontRef>
+            </p:style>
+            <p:txBody>
+              <a:bodyPr rtlCol="0" anchor="ctr"/>
+              <a:lstStyle/>
+              <a:p>
+                <a:pPr algn="ctr"/>
+                <a:r>
+                  <a:rPr lang="en-US" dirty="0">
+                    <a:solidFill>
+                      <a:schemeClr val="tx1"/>
+                    </a:solidFill>
+                  </a:rPr>
+                  <a:t>1</a:t>
+                </a:r>
+              </a:p>
+            </p:txBody>
+          </p:sp>
+          <p:sp>
+            <p:nvSpPr>
+              <p:cNvPr id="149" name="Rectangle 148">
+                <a:extLst>
+                  <a:ext uri="{FF2B5EF4-FFF2-40B4-BE49-F238E27FC236}">
+                    <a16:creationId xmlns:a16="http://schemas.microsoft.com/office/drawing/2014/main" id="{EB310819-C456-46FA-811A-A9A50B79BDEC}"/>
+                  </a:ext>
+                </a:extLst>
+              </p:cNvPr>
+              <p:cNvSpPr/>
+              <p:nvPr/>
+            </p:nvSpPr>
+            <p:spPr>
+              <a:xfrm>
+                <a:off x="6534884" y="2497235"/>
+                <a:ext cx="295275" cy="295275"/>
+              </a:xfrm>
+              <a:prstGeom prst="rect">
+                <a:avLst/>
+              </a:prstGeom>
+              <a:solidFill>
+                <a:schemeClr val="bg1"/>
+              </a:solidFill>
+              <a:ln w="19050">
+                <a:solidFill>
+                  <a:schemeClr val="tx1"/>
+                </a:solidFill>
+              </a:ln>
+            </p:spPr>
+            <p:style>
+              <a:lnRef idx="2">
+                <a:schemeClr val="accent1">
+                  <a:shade val="50000"/>
+                </a:schemeClr>
+              </a:lnRef>
+              <a:fillRef idx="1">
+                <a:schemeClr val="accent1"/>
+              </a:fillRef>
+              <a:effectRef idx="0">
+                <a:schemeClr val="accent1"/>
+              </a:effectRef>
+              <a:fontRef idx="minor">
+                <a:schemeClr val="lt1"/>
+              </a:fontRef>
+            </p:style>
+            <p:txBody>
+              <a:bodyPr rtlCol="0" anchor="ctr"/>
+              <a:lstStyle/>
+              <a:p>
+                <a:pPr algn="ctr"/>
+                <a:r>
+                  <a:rPr lang="en-US" dirty="0">
+                    <a:solidFill>
+                      <a:schemeClr val="tx1"/>
+                    </a:solidFill>
+                  </a:rPr>
+                  <a:t>2</a:t>
+                </a:r>
+              </a:p>
+            </p:txBody>
+          </p:sp>
+          <p:sp>
+            <p:nvSpPr>
+              <p:cNvPr id="150" name="Rectangle 149">
+                <a:extLst>
+                  <a:ext uri="{FF2B5EF4-FFF2-40B4-BE49-F238E27FC236}">
+                    <a16:creationId xmlns:a16="http://schemas.microsoft.com/office/drawing/2014/main" id="{EFD242CD-F529-4A98-9160-01A31F05701F}"/>
+                  </a:ext>
+                </a:extLst>
+              </p:cNvPr>
+              <p:cNvSpPr/>
+              <p:nvPr/>
+            </p:nvSpPr>
+            <p:spPr>
+              <a:xfrm>
+                <a:off x="5058509" y="2792512"/>
+                <a:ext cx="295275" cy="295275"/>
+              </a:xfrm>
+              <a:prstGeom prst="rect">
+                <a:avLst/>
+              </a:prstGeom>
+              <a:solidFill>
+                <a:schemeClr val="bg1"/>
+              </a:solidFill>
+              <a:ln w="19050">
+                <a:solidFill>
+                  <a:schemeClr val="tx1"/>
+                </a:solidFill>
+              </a:ln>
+            </p:spPr>
+            <p:style>
+              <a:lnRef idx="2">
+                <a:schemeClr val="accent1">
+                  <a:shade val="50000"/>
+                </a:schemeClr>
+              </a:lnRef>
+              <a:fillRef idx="1">
+                <a:schemeClr val="accent1"/>
+              </a:fillRef>
+              <a:effectRef idx="0">
+                <a:schemeClr val="accent1"/>
+              </a:effectRef>
+              <a:fontRef idx="minor">
+                <a:schemeClr val="lt1"/>
+              </a:fontRef>
+            </p:style>
+            <p:txBody>
+              <a:bodyPr rtlCol="0" anchor="ctr"/>
+              <a:lstStyle/>
+              <a:p>
+                <a:pPr algn="ctr"/>
+                <a:r>
+                  <a:rPr lang="en-US" dirty="0">
+                    <a:solidFill>
+                      <a:schemeClr val="tx1"/>
+                    </a:solidFill>
+                  </a:rPr>
+                  <a:t>1</a:t>
+                </a:r>
+              </a:p>
+            </p:txBody>
+          </p:sp>
+          <p:sp>
+            <p:nvSpPr>
+              <p:cNvPr id="151" name="Rectangle 150">
+                <a:extLst>
+                  <a:ext uri="{FF2B5EF4-FFF2-40B4-BE49-F238E27FC236}">
+                    <a16:creationId xmlns:a16="http://schemas.microsoft.com/office/drawing/2014/main" id="{A80CE603-8067-4A0F-BCBF-FCCD669FA2DF}"/>
+                  </a:ext>
+                </a:extLst>
+              </p:cNvPr>
+              <p:cNvSpPr/>
+              <p:nvPr/>
+            </p:nvSpPr>
+            <p:spPr>
+              <a:xfrm>
+                <a:off x="5353784" y="2792511"/>
+                <a:ext cx="295275" cy="295275"/>
+              </a:xfrm>
+              <a:prstGeom prst="rect">
+                <a:avLst/>
+              </a:prstGeom>
+              <a:solidFill>
+                <a:schemeClr val="bg1"/>
+              </a:solidFill>
+              <a:ln w="19050">
+                <a:solidFill>
+                  <a:schemeClr val="tx1"/>
+                </a:solidFill>
+              </a:ln>
+            </p:spPr>
+            <p:style>
+              <a:lnRef idx="2">
+                <a:schemeClr val="accent1">
+                  <a:shade val="50000"/>
+                </a:schemeClr>
+              </a:lnRef>
+              <a:fillRef idx="1">
+                <a:schemeClr val="accent1"/>
+              </a:fillRef>
+              <a:effectRef idx="0">
+                <a:schemeClr val="accent1"/>
+              </a:effectRef>
+              <a:fontRef idx="minor">
+                <a:schemeClr val="lt1"/>
+              </a:fontRef>
+            </p:style>
+            <p:txBody>
+              <a:bodyPr rtlCol="0" anchor="ctr"/>
+              <a:lstStyle/>
+              <a:p>
+                <a:pPr algn="ctr"/>
+                <a:r>
+                  <a:rPr lang="en-US" dirty="0">
+                    <a:solidFill>
+                      <a:schemeClr val="tx1"/>
+                    </a:solidFill>
+                  </a:rPr>
+                  <a:t>0</a:t>
+                </a:r>
+              </a:p>
+            </p:txBody>
+          </p:sp>
+          <p:sp>
+            <p:nvSpPr>
+              <p:cNvPr id="152" name="Rectangle 151">
+                <a:extLst>
+                  <a:ext uri="{FF2B5EF4-FFF2-40B4-BE49-F238E27FC236}">
+                    <a16:creationId xmlns:a16="http://schemas.microsoft.com/office/drawing/2014/main" id="{06C18A6C-8739-4A9E-9A90-3934550DA7A0}"/>
+                  </a:ext>
+                </a:extLst>
+              </p:cNvPr>
+              <p:cNvSpPr/>
+              <p:nvPr/>
+            </p:nvSpPr>
+            <p:spPr>
+              <a:xfrm>
+                <a:off x="5649059" y="2792512"/>
+                <a:ext cx="295275" cy="295275"/>
+              </a:xfrm>
+              <a:prstGeom prst="rect">
+                <a:avLst/>
+              </a:prstGeom>
+              <a:solidFill>
+                <a:schemeClr val="bg1"/>
+              </a:solidFill>
+              <a:ln w="19050">
+                <a:solidFill>
+                  <a:schemeClr val="tx1"/>
+                </a:solidFill>
+              </a:ln>
+            </p:spPr>
+            <p:style>
+              <a:lnRef idx="2">
+                <a:schemeClr val="accent1">
+                  <a:shade val="50000"/>
+                </a:schemeClr>
+              </a:lnRef>
+              <a:fillRef idx="1">
+                <a:schemeClr val="accent1"/>
+              </a:fillRef>
+              <a:effectRef idx="0">
+                <a:schemeClr val="accent1"/>
+              </a:effectRef>
+              <a:fontRef idx="minor">
+                <a:schemeClr val="lt1"/>
+              </a:fontRef>
+            </p:style>
+            <p:txBody>
+              <a:bodyPr rtlCol="0" anchor="ctr"/>
+              <a:lstStyle/>
+              <a:p>
+                <a:pPr algn="ctr"/>
+                <a:r>
+                  <a:rPr lang="en-US" dirty="0">
+                    <a:solidFill>
+                      <a:schemeClr val="tx1"/>
+                    </a:solidFill>
+                  </a:rPr>
+                  <a:t>4</a:t>
+                </a:r>
+              </a:p>
+            </p:txBody>
+          </p:sp>
+          <p:sp>
+            <p:nvSpPr>
+              <p:cNvPr id="153" name="Rectangle 152">
+                <a:extLst>
+                  <a:ext uri="{FF2B5EF4-FFF2-40B4-BE49-F238E27FC236}">
+                    <a16:creationId xmlns:a16="http://schemas.microsoft.com/office/drawing/2014/main" id="{F38EFF45-C05B-44AD-AD23-089269F60933}"/>
+                  </a:ext>
+                </a:extLst>
+              </p:cNvPr>
+              <p:cNvSpPr/>
+              <p:nvPr/>
+            </p:nvSpPr>
+            <p:spPr>
+              <a:xfrm>
+                <a:off x="5944334" y="2792511"/>
+                <a:ext cx="295275" cy="295275"/>
+              </a:xfrm>
+              <a:prstGeom prst="rect">
+                <a:avLst/>
+              </a:prstGeom>
+              <a:solidFill>
+                <a:schemeClr val="bg1"/>
+              </a:solidFill>
+              <a:ln w="19050">
+                <a:solidFill>
+                  <a:schemeClr val="tx1"/>
+                </a:solidFill>
+              </a:ln>
+            </p:spPr>
+            <p:style>
+              <a:lnRef idx="2">
+                <a:schemeClr val="accent1">
+                  <a:shade val="50000"/>
+                </a:schemeClr>
+              </a:lnRef>
+              <a:fillRef idx="1">
+                <a:schemeClr val="accent1"/>
+              </a:fillRef>
+              <a:effectRef idx="0">
+                <a:schemeClr val="accent1"/>
+              </a:effectRef>
+              <a:fontRef idx="minor">
+                <a:schemeClr val="lt1"/>
+              </a:fontRef>
+            </p:style>
+            <p:txBody>
+              <a:bodyPr rtlCol="0" anchor="ctr"/>
+              <a:lstStyle/>
+              <a:p>
+                <a:pPr algn="ctr"/>
+                <a:r>
+                  <a:rPr lang="en-US" dirty="0">
+                    <a:solidFill>
+                      <a:schemeClr val="tx1"/>
+                    </a:solidFill>
+                  </a:rPr>
+                  <a:t>5</a:t>
+                </a:r>
+              </a:p>
+            </p:txBody>
+          </p:sp>
+          <p:sp>
+            <p:nvSpPr>
+              <p:cNvPr id="154" name="Rectangle 153">
+                <a:extLst>
+                  <a:ext uri="{FF2B5EF4-FFF2-40B4-BE49-F238E27FC236}">
+                    <a16:creationId xmlns:a16="http://schemas.microsoft.com/office/drawing/2014/main" id="{95810D3D-92DA-4652-9A6D-77B00177B342}"/>
+                  </a:ext>
+                </a:extLst>
+              </p:cNvPr>
+              <p:cNvSpPr/>
+              <p:nvPr/>
+            </p:nvSpPr>
+            <p:spPr>
+              <a:xfrm>
+                <a:off x="6239609" y="2792511"/>
+                <a:ext cx="295275" cy="295275"/>
+              </a:xfrm>
+              <a:prstGeom prst="rect">
+                <a:avLst/>
+              </a:prstGeom>
+              <a:solidFill>
+                <a:schemeClr val="bg1"/>
+              </a:solidFill>
+              <a:ln w="19050">
+                <a:solidFill>
+                  <a:schemeClr val="tx1"/>
+                </a:solidFill>
+              </a:ln>
+            </p:spPr>
+            <p:style>
+              <a:lnRef idx="2">
+                <a:schemeClr val="accent1">
+                  <a:shade val="50000"/>
+                </a:schemeClr>
+              </a:lnRef>
+              <a:fillRef idx="1">
+                <a:schemeClr val="accent1"/>
+              </a:fillRef>
+              <a:effectRef idx="0">
+                <a:schemeClr val="accent1"/>
+              </a:effectRef>
+              <a:fontRef idx="minor">
+                <a:schemeClr val="lt1"/>
+              </a:fontRef>
+            </p:style>
+            <p:txBody>
+              <a:bodyPr rtlCol="0" anchor="ctr"/>
+              <a:lstStyle/>
+              <a:p>
+                <a:pPr algn="ctr"/>
+                <a:r>
+                  <a:rPr lang="en-US" dirty="0">
+                    <a:solidFill>
+                      <a:schemeClr val="tx1"/>
+                    </a:solidFill>
+                  </a:rPr>
+                  <a:t>2</a:t>
+                </a:r>
+              </a:p>
+            </p:txBody>
+          </p:sp>
+          <p:sp>
+            <p:nvSpPr>
+              <p:cNvPr id="155" name="Rectangle 154">
+                <a:extLst>
+                  <a:ext uri="{FF2B5EF4-FFF2-40B4-BE49-F238E27FC236}">
+                    <a16:creationId xmlns:a16="http://schemas.microsoft.com/office/drawing/2014/main" id="{104A4261-B412-4528-BA7A-FA410553F100}"/>
+                  </a:ext>
+                </a:extLst>
+              </p:cNvPr>
+              <p:cNvSpPr/>
+              <p:nvPr/>
+            </p:nvSpPr>
+            <p:spPr>
+              <a:xfrm>
+                <a:off x="6534884" y="2792510"/>
+                <a:ext cx="295275" cy="295275"/>
+              </a:xfrm>
+              <a:prstGeom prst="rect">
+                <a:avLst/>
+              </a:prstGeom>
+              <a:solidFill>
+                <a:schemeClr val="bg1"/>
+              </a:solidFill>
+              <a:ln w="19050">
+                <a:solidFill>
+                  <a:schemeClr val="tx1"/>
+                </a:solidFill>
+              </a:ln>
+            </p:spPr>
+            <p:style>
+              <a:lnRef idx="2">
+                <a:schemeClr val="accent1">
+                  <a:shade val="50000"/>
+                </a:schemeClr>
+              </a:lnRef>
+              <a:fillRef idx="1">
+                <a:schemeClr val="accent1"/>
+              </a:fillRef>
+              <a:effectRef idx="0">
+                <a:schemeClr val="accent1"/>
+              </a:effectRef>
+              <a:fontRef idx="minor">
+                <a:schemeClr val="lt1"/>
+              </a:fontRef>
+            </p:style>
+            <p:txBody>
+              <a:bodyPr rtlCol="0" anchor="ctr"/>
+              <a:lstStyle/>
+              <a:p>
+                <a:pPr algn="ctr"/>
+                <a:r>
+                  <a:rPr lang="en-US" dirty="0">
+                    <a:solidFill>
+                      <a:schemeClr val="tx1"/>
+                    </a:solidFill>
+                  </a:rPr>
+                  <a:t>3</a:t>
+                </a:r>
+              </a:p>
+            </p:txBody>
+          </p:sp>
+          <p:sp>
+            <p:nvSpPr>
+              <p:cNvPr id="156" name="Rectangle 155">
+                <a:extLst>
+                  <a:ext uri="{FF2B5EF4-FFF2-40B4-BE49-F238E27FC236}">
+                    <a16:creationId xmlns:a16="http://schemas.microsoft.com/office/drawing/2014/main" id="{92F05BA0-11AB-4378-9C5D-9C31F22117B3}"/>
+                  </a:ext>
+                </a:extLst>
+              </p:cNvPr>
+              <p:cNvSpPr/>
+              <p:nvPr/>
+            </p:nvSpPr>
+            <p:spPr>
+              <a:xfrm>
+                <a:off x="5058509" y="3087787"/>
+                <a:ext cx="295275" cy="295275"/>
+              </a:xfrm>
+              <a:prstGeom prst="rect">
+                <a:avLst/>
+              </a:prstGeom>
+              <a:solidFill>
+                <a:schemeClr val="bg1"/>
+              </a:solidFill>
+              <a:ln w="19050">
+                <a:solidFill>
+                  <a:schemeClr val="tx1"/>
+                </a:solidFill>
+              </a:ln>
+            </p:spPr>
+            <p:style>
+              <a:lnRef idx="2">
+                <a:schemeClr val="accent1">
+                  <a:shade val="50000"/>
+                </a:schemeClr>
+              </a:lnRef>
+              <a:fillRef idx="1">
+                <a:schemeClr val="accent1"/>
+              </a:fillRef>
+              <a:effectRef idx="0">
+                <a:schemeClr val="accent1"/>
+              </a:effectRef>
+              <a:fontRef idx="minor">
+                <a:schemeClr val="lt1"/>
+              </a:fontRef>
+            </p:style>
+            <p:txBody>
+              <a:bodyPr rtlCol="0" anchor="ctr"/>
+              <a:lstStyle/>
+              <a:p>
+                <a:pPr algn="ctr"/>
+                <a:r>
+                  <a:rPr lang="en-US" dirty="0">
+                    <a:solidFill>
+                      <a:schemeClr val="tx1"/>
+                    </a:solidFill>
+                  </a:rPr>
+                  <a:t>2</a:t>
+                </a:r>
+              </a:p>
+            </p:txBody>
+          </p:sp>
+          <p:sp>
+            <p:nvSpPr>
+              <p:cNvPr id="157" name="Rectangle 156">
+                <a:extLst>
+                  <a:ext uri="{FF2B5EF4-FFF2-40B4-BE49-F238E27FC236}">
+                    <a16:creationId xmlns:a16="http://schemas.microsoft.com/office/drawing/2014/main" id="{02735148-A0B2-4645-8AFD-AF9CB1B32454}"/>
+                  </a:ext>
+                </a:extLst>
+              </p:cNvPr>
+              <p:cNvSpPr/>
+              <p:nvPr/>
+            </p:nvSpPr>
+            <p:spPr>
+              <a:xfrm>
+                <a:off x="5353784" y="3087786"/>
+                <a:ext cx="295275" cy="295275"/>
+              </a:xfrm>
+              <a:prstGeom prst="rect">
+                <a:avLst/>
+              </a:prstGeom>
+              <a:solidFill>
+                <a:schemeClr val="bg1"/>
+              </a:solidFill>
+              <a:ln w="19050">
+                <a:solidFill>
+                  <a:schemeClr val="tx1"/>
+                </a:solidFill>
+              </a:ln>
+            </p:spPr>
+            <p:style>
+              <a:lnRef idx="2">
+                <a:schemeClr val="accent1">
+                  <a:shade val="50000"/>
+                </a:schemeClr>
+              </a:lnRef>
+              <a:fillRef idx="1">
+                <a:schemeClr val="accent1"/>
+              </a:fillRef>
+              <a:effectRef idx="0">
+                <a:schemeClr val="accent1"/>
+              </a:effectRef>
+              <a:fontRef idx="minor">
+                <a:schemeClr val="lt1"/>
+              </a:fontRef>
+            </p:style>
+            <p:txBody>
+              <a:bodyPr rtlCol="0" anchor="ctr"/>
+              <a:lstStyle/>
+              <a:p>
+                <a:pPr algn="ctr"/>
+                <a:r>
+                  <a:rPr lang="en-US" dirty="0">
+                    <a:solidFill>
+                      <a:schemeClr val="tx1"/>
+                    </a:solidFill>
+                  </a:rPr>
+                  <a:t>3</a:t>
+                </a:r>
+              </a:p>
+            </p:txBody>
+          </p:sp>
+          <p:sp>
+            <p:nvSpPr>
+              <p:cNvPr id="158" name="Rectangle 157">
+                <a:extLst>
+                  <a:ext uri="{FF2B5EF4-FFF2-40B4-BE49-F238E27FC236}">
+                    <a16:creationId xmlns:a16="http://schemas.microsoft.com/office/drawing/2014/main" id="{4C1D0F11-1FB9-46B3-8661-F1DCFE7D6D18}"/>
+                  </a:ext>
+                </a:extLst>
+              </p:cNvPr>
+              <p:cNvSpPr/>
+              <p:nvPr/>
+            </p:nvSpPr>
+            <p:spPr>
+              <a:xfrm>
+                <a:off x="5649059" y="3087787"/>
+                <a:ext cx="295275" cy="295275"/>
+              </a:xfrm>
+              <a:prstGeom prst="rect">
+                <a:avLst/>
+              </a:prstGeom>
+              <a:solidFill>
+                <a:schemeClr val="bg1"/>
+              </a:solidFill>
+              <a:ln w="19050">
+                <a:solidFill>
+                  <a:schemeClr val="tx1"/>
+                </a:solidFill>
+              </a:ln>
+            </p:spPr>
+            <p:style>
+              <a:lnRef idx="2">
+                <a:schemeClr val="accent1">
+                  <a:shade val="50000"/>
+                </a:schemeClr>
+              </a:lnRef>
+              <a:fillRef idx="1">
+                <a:schemeClr val="accent1"/>
+              </a:fillRef>
+              <a:effectRef idx="0">
+                <a:schemeClr val="accent1"/>
+              </a:effectRef>
+              <a:fontRef idx="minor">
+                <a:schemeClr val="lt1"/>
+              </a:fontRef>
+            </p:style>
+            <p:txBody>
+              <a:bodyPr rtlCol="0" anchor="ctr"/>
+              <a:lstStyle/>
+              <a:p>
+                <a:pPr algn="ctr"/>
+                <a:r>
+                  <a:rPr lang="en-US" dirty="0">
+                    <a:solidFill>
+                      <a:schemeClr val="tx1"/>
+                    </a:solidFill>
+                  </a:rPr>
+                  <a:t>0</a:t>
+                </a:r>
+              </a:p>
+            </p:txBody>
+          </p:sp>
+          <p:sp>
+            <p:nvSpPr>
+              <p:cNvPr id="159" name="Rectangle 158">
+                <a:extLst>
+                  <a:ext uri="{FF2B5EF4-FFF2-40B4-BE49-F238E27FC236}">
+                    <a16:creationId xmlns:a16="http://schemas.microsoft.com/office/drawing/2014/main" id="{B408DB7D-45F9-4ECB-813A-9B40712A03EB}"/>
+                  </a:ext>
+                </a:extLst>
+              </p:cNvPr>
+              <p:cNvSpPr/>
+              <p:nvPr/>
+            </p:nvSpPr>
+            <p:spPr>
+              <a:xfrm>
+                <a:off x="5944334" y="3087786"/>
+                <a:ext cx="295275" cy="295275"/>
+              </a:xfrm>
+              <a:prstGeom prst="rect">
+                <a:avLst/>
+              </a:prstGeom>
+              <a:solidFill>
+                <a:schemeClr val="bg1"/>
+              </a:solidFill>
+              <a:ln w="19050">
+                <a:solidFill>
+                  <a:schemeClr val="tx1"/>
+                </a:solidFill>
+              </a:ln>
+            </p:spPr>
+            <p:style>
+              <a:lnRef idx="2">
+                <a:schemeClr val="accent1">
+                  <a:shade val="50000"/>
+                </a:schemeClr>
+              </a:lnRef>
+              <a:fillRef idx="1">
+                <a:schemeClr val="accent1"/>
+              </a:fillRef>
+              <a:effectRef idx="0">
+                <a:schemeClr val="accent1"/>
+              </a:effectRef>
+              <a:fontRef idx="minor">
+                <a:schemeClr val="lt1"/>
+              </a:fontRef>
+            </p:style>
+            <p:txBody>
+              <a:bodyPr rtlCol="0" anchor="ctr"/>
+              <a:lstStyle/>
+              <a:p>
+                <a:pPr algn="ctr"/>
+                <a:r>
+                  <a:rPr lang="en-US" dirty="0">
+                    <a:solidFill>
+                      <a:schemeClr val="tx1"/>
+                    </a:solidFill>
+                  </a:rPr>
+                  <a:t>1</a:t>
+                </a:r>
+              </a:p>
+            </p:txBody>
+          </p:sp>
+          <p:sp>
+            <p:nvSpPr>
+              <p:cNvPr id="160" name="Rectangle 159">
+                <a:extLst>
+                  <a:ext uri="{FF2B5EF4-FFF2-40B4-BE49-F238E27FC236}">
+                    <a16:creationId xmlns:a16="http://schemas.microsoft.com/office/drawing/2014/main" id="{04DC0840-7E41-4AEE-BBE1-61734B1700B6}"/>
+                  </a:ext>
+                </a:extLst>
+              </p:cNvPr>
+              <p:cNvSpPr/>
+              <p:nvPr/>
+            </p:nvSpPr>
+            <p:spPr>
+              <a:xfrm>
+                <a:off x="6239609" y="3087786"/>
+                <a:ext cx="295275" cy="295275"/>
+              </a:xfrm>
+              <a:prstGeom prst="rect">
+                <a:avLst/>
+              </a:prstGeom>
+              <a:solidFill>
+                <a:schemeClr val="bg1"/>
+              </a:solidFill>
+              <a:ln w="19050">
+                <a:solidFill>
+                  <a:schemeClr val="tx1"/>
+                </a:solidFill>
+              </a:ln>
+            </p:spPr>
+            <p:style>
+              <a:lnRef idx="2">
+                <a:schemeClr val="accent1">
+                  <a:shade val="50000"/>
+                </a:schemeClr>
+              </a:lnRef>
+              <a:fillRef idx="1">
+                <a:schemeClr val="accent1"/>
+              </a:fillRef>
+              <a:effectRef idx="0">
+                <a:schemeClr val="accent1"/>
+              </a:effectRef>
+              <a:fontRef idx="minor">
+                <a:schemeClr val="lt1"/>
+              </a:fontRef>
+            </p:style>
+            <p:txBody>
+              <a:bodyPr rtlCol="0" anchor="ctr"/>
+              <a:lstStyle/>
+              <a:p>
+                <a:pPr algn="ctr"/>
+                <a:r>
+                  <a:rPr lang="en-US" dirty="0">
+                    <a:solidFill>
+                      <a:schemeClr val="tx1"/>
+                    </a:solidFill>
+                  </a:rPr>
+                  <a:t>5</a:t>
+                </a:r>
+              </a:p>
+            </p:txBody>
+          </p:sp>
+          <p:sp>
+            <p:nvSpPr>
+              <p:cNvPr id="161" name="Rectangle 160">
+                <a:extLst>
+                  <a:ext uri="{FF2B5EF4-FFF2-40B4-BE49-F238E27FC236}">
+                    <a16:creationId xmlns:a16="http://schemas.microsoft.com/office/drawing/2014/main" id="{5330C93F-783B-4634-AEFA-3A490C74494A}"/>
+                  </a:ext>
+                </a:extLst>
+              </p:cNvPr>
+              <p:cNvSpPr/>
+              <p:nvPr/>
+            </p:nvSpPr>
+            <p:spPr>
+              <a:xfrm>
+                <a:off x="6534884" y="3087785"/>
+                <a:ext cx="295275" cy="295275"/>
+              </a:xfrm>
+              <a:prstGeom prst="rect">
+                <a:avLst/>
+              </a:prstGeom>
+              <a:solidFill>
+                <a:schemeClr val="bg1"/>
+              </a:solidFill>
+              <a:ln w="19050">
+                <a:solidFill>
+                  <a:schemeClr val="tx1"/>
+                </a:solidFill>
+              </a:ln>
+            </p:spPr>
+            <p:style>
+              <a:lnRef idx="2">
+                <a:schemeClr val="accent1">
+                  <a:shade val="50000"/>
+                </a:schemeClr>
+              </a:lnRef>
+              <a:fillRef idx="1">
+                <a:schemeClr val="accent1"/>
+              </a:fillRef>
+              <a:effectRef idx="0">
+                <a:schemeClr val="accent1"/>
+              </a:effectRef>
+              <a:fontRef idx="minor">
+                <a:schemeClr val="lt1"/>
+              </a:fontRef>
+            </p:style>
+            <p:txBody>
+              <a:bodyPr rtlCol="0" anchor="ctr"/>
+              <a:lstStyle/>
+              <a:p>
+                <a:pPr algn="ctr"/>
+                <a:r>
+                  <a:rPr lang="en-US" dirty="0">
+                    <a:solidFill>
+                      <a:schemeClr val="tx1"/>
+                    </a:solidFill>
+                  </a:rPr>
+                  <a:t>4</a:t>
+                </a:r>
+              </a:p>
+            </p:txBody>
+          </p:sp>
+          <p:sp>
+            <p:nvSpPr>
+              <p:cNvPr id="162" name="Rectangle 161">
+                <a:extLst>
+                  <a:ext uri="{FF2B5EF4-FFF2-40B4-BE49-F238E27FC236}">
+                    <a16:creationId xmlns:a16="http://schemas.microsoft.com/office/drawing/2014/main" id="{50B33E83-56CF-4CFF-BDCD-687126CEBB8B}"/>
+                  </a:ext>
+                </a:extLst>
+              </p:cNvPr>
+              <p:cNvSpPr/>
+              <p:nvPr/>
+            </p:nvSpPr>
+            <p:spPr>
+              <a:xfrm>
+                <a:off x="5058509" y="3384885"/>
+                <a:ext cx="295275" cy="295275"/>
+              </a:xfrm>
+              <a:prstGeom prst="rect">
+                <a:avLst/>
+              </a:prstGeom>
+              <a:solidFill>
+                <a:schemeClr val="bg1"/>
+              </a:solidFill>
+              <a:ln w="19050">
+                <a:solidFill>
+                  <a:schemeClr val="tx1"/>
+                </a:solidFill>
+              </a:ln>
+            </p:spPr>
+            <p:style>
+              <a:lnRef idx="2">
+                <a:schemeClr val="accent1">
+                  <a:shade val="50000"/>
+                </a:schemeClr>
+              </a:lnRef>
+              <a:fillRef idx="1">
+                <a:schemeClr val="accent1"/>
+              </a:fillRef>
+              <a:effectRef idx="0">
+                <a:schemeClr val="accent1"/>
+              </a:effectRef>
+              <a:fontRef idx="minor">
+                <a:schemeClr val="lt1"/>
+              </a:fontRef>
+            </p:style>
+            <p:txBody>
+              <a:bodyPr rtlCol="0" anchor="ctr"/>
+              <a:lstStyle/>
+              <a:p>
+                <a:pPr algn="ctr"/>
+                <a:r>
+                  <a:rPr lang="en-US" dirty="0">
+                    <a:solidFill>
+                      <a:schemeClr val="tx1"/>
+                    </a:solidFill>
+                  </a:rPr>
+                  <a:t>0</a:t>
+                </a:r>
+              </a:p>
+            </p:txBody>
+          </p:sp>
+          <p:sp>
+            <p:nvSpPr>
+              <p:cNvPr id="163" name="Rectangle 162">
+                <a:extLst>
+                  <a:ext uri="{FF2B5EF4-FFF2-40B4-BE49-F238E27FC236}">
+                    <a16:creationId xmlns:a16="http://schemas.microsoft.com/office/drawing/2014/main" id="{4A1C1D9E-3F81-4089-A30E-4504408F5683}"/>
+                  </a:ext>
+                </a:extLst>
+              </p:cNvPr>
+              <p:cNvSpPr/>
+              <p:nvPr/>
+            </p:nvSpPr>
+            <p:spPr>
+              <a:xfrm>
+                <a:off x="5353784" y="3384884"/>
+                <a:ext cx="295275" cy="295275"/>
+              </a:xfrm>
+              <a:prstGeom prst="rect">
+                <a:avLst/>
+              </a:prstGeom>
+              <a:solidFill>
+                <a:schemeClr val="bg1"/>
+              </a:solidFill>
+              <a:ln w="19050">
+                <a:solidFill>
+                  <a:schemeClr val="tx1"/>
+                </a:solidFill>
+              </a:ln>
+            </p:spPr>
+            <p:style>
+              <a:lnRef idx="2">
+                <a:schemeClr val="accent1">
+                  <a:shade val="50000"/>
+                </a:schemeClr>
+              </a:lnRef>
+              <a:fillRef idx="1">
+                <a:schemeClr val="accent1"/>
+              </a:fillRef>
+              <a:effectRef idx="0">
+                <a:schemeClr val="accent1"/>
+              </a:effectRef>
+              <a:fontRef idx="minor">
+                <a:schemeClr val="lt1"/>
+              </a:fontRef>
+            </p:style>
+            <p:txBody>
+              <a:bodyPr rtlCol="0" anchor="ctr"/>
+              <a:lstStyle/>
+              <a:p>
+                <a:pPr algn="ctr"/>
+                <a:r>
+                  <a:rPr lang="en-US" dirty="0">
+                    <a:solidFill>
+                      <a:schemeClr val="tx1"/>
+                    </a:solidFill>
+                  </a:rPr>
+                  <a:t>2</a:t>
+                </a:r>
+              </a:p>
+            </p:txBody>
+          </p:sp>
+          <p:sp>
+            <p:nvSpPr>
+              <p:cNvPr id="164" name="Rectangle 163">
+                <a:extLst>
+                  <a:ext uri="{FF2B5EF4-FFF2-40B4-BE49-F238E27FC236}">
+                    <a16:creationId xmlns:a16="http://schemas.microsoft.com/office/drawing/2014/main" id="{15112B23-506F-44D6-9EDE-6BF3769FBBC7}"/>
+                  </a:ext>
+                </a:extLst>
+              </p:cNvPr>
+              <p:cNvSpPr/>
+              <p:nvPr/>
+            </p:nvSpPr>
+            <p:spPr>
+              <a:xfrm>
+                <a:off x="5649059" y="3384885"/>
+                <a:ext cx="295275" cy="295275"/>
+              </a:xfrm>
+              <a:prstGeom prst="rect">
+                <a:avLst/>
+              </a:prstGeom>
+              <a:solidFill>
+                <a:schemeClr val="bg1"/>
+              </a:solidFill>
+              <a:ln w="19050">
+                <a:solidFill>
+                  <a:schemeClr val="tx1"/>
+                </a:solidFill>
+              </a:ln>
+            </p:spPr>
+            <p:style>
+              <a:lnRef idx="2">
+                <a:schemeClr val="accent1">
+                  <a:shade val="50000"/>
+                </a:schemeClr>
+              </a:lnRef>
+              <a:fillRef idx="1">
+                <a:schemeClr val="accent1"/>
+              </a:fillRef>
+              <a:effectRef idx="0">
+                <a:schemeClr val="accent1"/>
+              </a:effectRef>
+              <a:fontRef idx="minor">
+                <a:schemeClr val="lt1"/>
+              </a:fontRef>
+            </p:style>
+            <p:txBody>
+              <a:bodyPr rtlCol="0" anchor="ctr"/>
+              <a:lstStyle/>
+              <a:p>
+                <a:pPr algn="ctr"/>
+                <a:r>
+                  <a:rPr lang="en-US" dirty="0">
+                    <a:solidFill>
+                      <a:schemeClr val="tx1"/>
+                    </a:solidFill>
+                  </a:rPr>
+                  <a:t>1</a:t>
+                </a:r>
+              </a:p>
+            </p:txBody>
+          </p:sp>
+          <p:sp>
+            <p:nvSpPr>
+              <p:cNvPr id="165" name="Rectangle 164">
+                <a:extLst>
+                  <a:ext uri="{FF2B5EF4-FFF2-40B4-BE49-F238E27FC236}">
+                    <a16:creationId xmlns:a16="http://schemas.microsoft.com/office/drawing/2014/main" id="{869F89D5-C478-4181-8473-87FAE2B4E8DD}"/>
+                  </a:ext>
+                </a:extLst>
+              </p:cNvPr>
+              <p:cNvSpPr/>
+              <p:nvPr/>
+            </p:nvSpPr>
+            <p:spPr>
+              <a:xfrm>
+                <a:off x="5944334" y="3384884"/>
+                <a:ext cx="295275" cy="295275"/>
+              </a:xfrm>
+              <a:prstGeom prst="rect">
+                <a:avLst/>
+              </a:prstGeom>
+              <a:solidFill>
+                <a:schemeClr val="bg1"/>
+              </a:solidFill>
+              <a:ln w="19050">
+                <a:solidFill>
+                  <a:schemeClr val="tx1"/>
+                </a:solidFill>
+              </a:ln>
+            </p:spPr>
+            <p:style>
+              <a:lnRef idx="2">
+                <a:schemeClr val="accent1">
+                  <a:shade val="50000"/>
+                </a:schemeClr>
+              </a:lnRef>
+              <a:fillRef idx="1">
+                <a:schemeClr val="accent1"/>
+              </a:fillRef>
+              <a:effectRef idx="0">
+                <a:schemeClr val="accent1"/>
+              </a:effectRef>
+              <a:fontRef idx="minor">
+                <a:schemeClr val="lt1"/>
+              </a:fontRef>
+            </p:style>
+            <p:txBody>
+              <a:bodyPr rtlCol="0" anchor="ctr"/>
+              <a:lstStyle/>
+              <a:p>
+                <a:pPr algn="ctr"/>
+                <a:r>
+                  <a:rPr lang="en-US" dirty="0">
+                    <a:solidFill>
+                      <a:schemeClr val="tx1"/>
+                    </a:solidFill>
+                  </a:rPr>
+                  <a:t>4</a:t>
+                </a:r>
+              </a:p>
+            </p:txBody>
+          </p:sp>
+          <p:sp>
+            <p:nvSpPr>
+              <p:cNvPr id="166" name="Rectangle 165">
+                <a:extLst>
+                  <a:ext uri="{FF2B5EF4-FFF2-40B4-BE49-F238E27FC236}">
+                    <a16:creationId xmlns:a16="http://schemas.microsoft.com/office/drawing/2014/main" id="{CB713755-5643-4849-BBD1-4778E54F7CCC}"/>
+                  </a:ext>
+                </a:extLst>
+              </p:cNvPr>
+              <p:cNvSpPr/>
+              <p:nvPr/>
+            </p:nvSpPr>
+            <p:spPr>
+              <a:xfrm>
+                <a:off x="6239609" y="3384884"/>
+                <a:ext cx="295275" cy="295275"/>
+              </a:xfrm>
+              <a:prstGeom prst="rect">
+                <a:avLst/>
+              </a:prstGeom>
+              <a:solidFill>
+                <a:schemeClr val="bg1"/>
+              </a:solidFill>
+              <a:ln w="19050">
+                <a:solidFill>
+                  <a:schemeClr val="tx1"/>
+                </a:solidFill>
+              </a:ln>
+            </p:spPr>
+            <p:style>
+              <a:lnRef idx="2">
+                <a:schemeClr val="accent1">
+                  <a:shade val="50000"/>
+                </a:schemeClr>
+              </a:lnRef>
+              <a:fillRef idx="1">
+                <a:schemeClr val="accent1"/>
+              </a:fillRef>
+              <a:effectRef idx="0">
+                <a:schemeClr val="accent1"/>
+              </a:effectRef>
+              <a:fontRef idx="minor">
+                <a:schemeClr val="lt1"/>
+              </a:fontRef>
+            </p:style>
+            <p:txBody>
+              <a:bodyPr rtlCol="0" anchor="ctr"/>
+              <a:lstStyle/>
+              <a:p>
+                <a:pPr algn="ctr"/>
+                <a:r>
+                  <a:rPr lang="en-US" dirty="0">
+                    <a:solidFill>
+                      <a:schemeClr val="tx1"/>
+                    </a:solidFill>
+                  </a:rPr>
+                  <a:t>3</a:t>
+                </a:r>
+              </a:p>
+            </p:txBody>
+          </p:sp>
+          <p:sp>
+            <p:nvSpPr>
+              <p:cNvPr id="167" name="Rectangle 166">
+                <a:extLst>
+                  <a:ext uri="{FF2B5EF4-FFF2-40B4-BE49-F238E27FC236}">
+                    <a16:creationId xmlns:a16="http://schemas.microsoft.com/office/drawing/2014/main" id="{82B26413-75B7-4F15-B686-EDDCDB7AE886}"/>
+                  </a:ext>
+                </a:extLst>
+              </p:cNvPr>
+              <p:cNvSpPr/>
+              <p:nvPr/>
+            </p:nvSpPr>
+            <p:spPr>
+              <a:xfrm>
+                <a:off x="6534884" y="3384883"/>
+                <a:ext cx="295275" cy="295275"/>
+              </a:xfrm>
+              <a:prstGeom prst="rect">
+                <a:avLst/>
+              </a:prstGeom>
+              <a:solidFill>
+                <a:schemeClr val="bg1"/>
+              </a:solidFill>
+              <a:ln w="19050">
+                <a:solidFill>
+                  <a:schemeClr val="tx1"/>
+                </a:solidFill>
+              </a:ln>
+            </p:spPr>
+            <p:style>
+              <a:lnRef idx="2">
+                <a:schemeClr val="accent1">
+                  <a:shade val="50000"/>
+                </a:schemeClr>
+              </a:lnRef>
+              <a:fillRef idx="1">
+                <a:schemeClr val="accent1"/>
+              </a:fillRef>
+              <a:effectRef idx="0">
+                <a:schemeClr val="accent1"/>
+              </a:effectRef>
+              <a:fontRef idx="minor">
+                <a:schemeClr val="lt1"/>
+              </a:fontRef>
+            </p:style>
+            <p:txBody>
+              <a:bodyPr rtlCol="0" anchor="ctr"/>
+              <a:lstStyle/>
+              <a:p>
+                <a:pPr algn="ctr"/>
+                <a:r>
+                  <a:rPr lang="en-US" dirty="0">
+                    <a:solidFill>
+                      <a:schemeClr val="tx1"/>
+                    </a:solidFill>
+                  </a:rPr>
+                  <a:t>6</a:t>
+                </a:r>
+              </a:p>
+            </p:txBody>
+          </p:sp>
+          <p:sp>
+            <p:nvSpPr>
+              <p:cNvPr id="168" name="Rectangle 167">
+                <a:extLst>
+                  <a:ext uri="{FF2B5EF4-FFF2-40B4-BE49-F238E27FC236}">
+                    <a16:creationId xmlns:a16="http://schemas.microsoft.com/office/drawing/2014/main" id="{BE5530BC-2233-449E-A503-96D6665CD9BD}"/>
+                  </a:ext>
+                </a:extLst>
+              </p:cNvPr>
+              <p:cNvSpPr/>
+              <p:nvPr/>
+            </p:nvSpPr>
+            <p:spPr>
+              <a:xfrm>
+                <a:off x="4778866" y="2207297"/>
+                <a:ext cx="295275" cy="295275"/>
+              </a:xfrm>
+              <a:prstGeom prst="rect">
+                <a:avLst/>
+              </a:prstGeom>
+              <a:noFill/>
+              <a:ln w="19050">
+                <a:noFill/>
+              </a:ln>
+            </p:spPr>
+            <p:style>
+              <a:lnRef idx="2">
+                <a:schemeClr val="accent1">
+                  <a:shade val="50000"/>
+                </a:schemeClr>
+              </a:lnRef>
+              <a:fillRef idx="1">
+                <a:schemeClr val="accent1"/>
+              </a:fillRef>
+              <a:effectRef idx="0">
+                <a:schemeClr val="accent1"/>
+              </a:effectRef>
+              <a:fontRef idx="minor">
+                <a:schemeClr val="lt1"/>
+              </a:fontRef>
+            </p:style>
+            <p:txBody>
+              <a:bodyPr rtlCol="0" anchor="ctr"/>
+              <a:lstStyle/>
+              <a:p>
+                <a:pPr algn="ctr"/>
+                <a:r>
+                  <a:rPr lang="en-US" dirty="0">
+                    <a:solidFill>
+                      <a:schemeClr val="tx1"/>
+                    </a:solidFill>
+                  </a:rPr>
+                  <a:t>0</a:t>
+                </a:r>
+              </a:p>
+            </p:txBody>
+          </p:sp>
+          <p:sp>
+            <p:nvSpPr>
+              <p:cNvPr id="169" name="Rectangle 168">
+                <a:extLst>
+                  <a:ext uri="{FF2B5EF4-FFF2-40B4-BE49-F238E27FC236}">
+                    <a16:creationId xmlns:a16="http://schemas.microsoft.com/office/drawing/2014/main" id="{B66859CF-FD9C-4F73-BA25-80E07F0BAB3A}"/>
+                  </a:ext>
+                </a:extLst>
+              </p:cNvPr>
+              <p:cNvSpPr/>
+              <p:nvPr/>
+            </p:nvSpPr>
+            <p:spPr>
+              <a:xfrm>
+                <a:off x="4775638" y="2502572"/>
+                <a:ext cx="295275" cy="295275"/>
+              </a:xfrm>
+              <a:prstGeom prst="rect">
+                <a:avLst/>
+              </a:prstGeom>
+              <a:noFill/>
+              <a:ln w="19050">
+                <a:noFill/>
+              </a:ln>
+            </p:spPr>
+            <p:style>
+              <a:lnRef idx="2">
+                <a:schemeClr val="accent1">
+                  <a:shade val="50000"/>
+                </a:schemeClr>
+              </a:lnRef>
+              <a:fillRef idx="1">
+                <a:schemeClr val="accent1"/>
+              </a:fillRef>
+              <a:effectRef idx="0">
+                <a:schemeClr val="accent1"/>
+              </a:effectRef>
+              <a:fontRef idx="minor">
+                <a:schemeClr val="lt1"/>
+              </a:fontRef>
+            </p:style>
+            <p:txBody>
+              <a:bodyPr rtlCol="0" anchor="ctr"/>
+              <a:lstStyle/>
+              <a:p>
+                <a:pPr algn="ctr"/>
+                <a:r>
+                  <a:rPr lang="en-US" dirty="0">
+                    <a:solidFill>
+                      <a:schemeClr val="tx1"/>
+                    </a:solidFill>
+                  </a:rPr>
+                  <a:t>1</a:t>
+                </a:r>
+              </a:p>
+            </p:txBody>
+          </p:sp>
+          <p:sp>
+            <p:nvSpPr>
+              <p:cNvPr id="170" name="Rectangle 169">
+                <a:extLst>
+                  <a:ext uri="{FF2B5EF4-FFF2-40B4-BE49-F238E27FC236}">
+                    <a16:creationId xmlns:a16="http://schemas.microsoft.com/office/drawing/2014/main" id="{5DF0958D-3CEA-45B0-9D07-D98E2DE1561C}"/>
+                  </a:ext>
+                </a:extLst>
+              </p:cNvPr>
+              <p:cNvSpPr/>
+              <p:nvPr/>
+            </p:nvSpPr>
+            <p:spPr>
+              <a:xfrm>
+                <a:off x="4780913" y="2797847"/>
+                <a:ext cx="295275" cy="295275"/>
+              </a:xfrm>
+              <a:prstGeom prst="rect">
+                <a:avLst/>
+              </a:prstGeom>
+              <a:noFill/>
+              <a:ln w="19050">
+                <a:noFill/>
+              </a:ln>
+            </p:spPr>
+            <p:style>
+              <a:lnRef idx="2">
+                <a:schemeClr val="accent1">
+                  <a:shade val="50000"/>
+                </a:schemeClr>
+              </a:lnRef>
+              <a:fillRef idx="1">
+                <a:schemeClr val="accent1"/>
+              </a:fillRef>
+              <a:effectRef idx="0">
+                <a:schemeClr val="accent1"/>
+              </a:effectRef>
+              <a:fontRef idx="minor">
+                <a:schemeClr val="lt1"/>
+              </a:fontRef>
+            </p:style>
+            <p:txBody>
+              <a:bodyPr rtlCol="0" anchor="ctr"/>
+              <a:lstStyle/>
+              <a:p>
+                <a:pPr algn="ctr"/>
+                <a:r>
+                  <a:rPr lang="en-US" dirty="0">
+                    <a:solidFill>
+                      <a:schemeClr val="tx1"/>
+                    </a:solidFill>
+                  </a:rPr>
+                  <a:t>2</a:t>
+                </a:r>
+              </a:p>
+            </p:txBody>
+          </p:sp>
+          <p:sp>
+            <p:nvSpPr>
+              <p:cNvPr id="171" name="Rectangle 170">
+                <a:extLst>
+                  <a:ext uri="{FF2B5EF4-FFF2-40B4-BE49-F238E27FC236}">
+                    <a16:creationId xmlns:a16="http://schemas.microsoft.com/office/drawing/2014/main" id="{40C306B9-5007-4332-87F6-645A6AF4E027}"/>
+                  </a:ext>
+                </a:extLst>
+              </p:cNvPr>
+              <p:cNvSpPr/>
+              <p:nvPr/>
+            </p:nvSpPr>
+            <p:spPr>
+              <a:xfrm>
+                <a:off x="4778866" y="3093122"/>
+                <a:ext cx="295275" cy="295275"/>
+              </a:xfrm>
+              <a:prstGeom prst="rect">
+                <a:avLst/>
+              </a:prstGeom>
+              <a:noFill/>
+              <a:ln w="19050">
+                <a:noFill/>
+              </a:ln>
+            </p:spPr>
+            <p:style>
+              <a:lnRef idx="2">
+                <a:schemeClr val="accent1">
+                  <a:shade val="50000"/>
+                </a:schemeClr>
+              </a:lnRef>
+              <a:fillRef idx="1">
+                <a:schemeClr val="accent1"/>
+              </a:fillRef>
+              <a:effectRef idx="0">
+                <a:schemeClr val="accent1"/>
+              </a:effectRef>
+              <a:fontRef idx="minor">
+                <a:schemeClr val="lt1"/>
+              </a:fontRef>
+            </p:style>
+            <p:txBody>
+              <a:bodyPr rtlCol="0" anchor="ctr"/>
+              <a:lstStyle/>
+              <a:p>
+                <a:pPr algn="ctr"/>
+                <a:r>
+                  <a:rPr lang="en-US" dirty="0">
+                    <a:solidFill>
+                      <a:schemeClr val="tx1"/>
+                    </a:solidFill>
+                  </a:rPr>
+                  <a:t>3</a:t>
+                </a:r>
+              </a:p>
+            </p:txBody>
+          </p:sp>
+          <p:sp>
+            <p:nvSpPr>
+              <p:cNvPr id="172" name="Rectangle 171">
+                <a:extLst>
+                  <a:ext uri="{FF2B5EF4-FFF2-40B4-BE49-F238E27FC236}">
+                    <a16:creationId xmlns:a16="http://schemas.microsoft.com/office/drawing/2014/main" id="{36AF2072-DB3D-4054-948D-7C207F3ABCEA}"/>
+                  </a:ext>
+                </a:extLst>
+              </p:cNvPr>
+              <p:cNvSpPr/>
+              <p:nvPr/>
+            </p:nvSpPr>
+            <p:spPr>
+              <a:xfrm>
+                <a:off x="4775638" y="3388397"/>
+                <a:ext cx="295275" cy="295275"/>
+              </a:xfrm>
+              <a:prstGeom prst="rect">
+                <a:avLst/>
+              </a:prstGeom>
+              <a:noFill/>
+              <a:ln w="19050">
+                <a:noFill/>
+              </a:ln>
+            </p:spPr>
+            <p:style>
+              <a:lnRef idx="2">
+                <a:schemeClr val="accent1">
+                  <a:shade val="50000"/>
+                </a:schemeClr>
+              </a:lnRef>
+              <a:fillRef idx="1">
+                <a:schemeClr val="accent1"/>
+              </a:fillRef>
+              <a:effectRef idx="0">
+                <a:schemeClr val="accent1"/>
+              </a:effectRef>
+              <a:fontRef idx="minor">
+                <a:schemeClr val="lt1"/>
+              </a:fontRef>
+            </p:style>
+            <p:txBody>
+              <a:bodyPr rtlCol="0" anchor="ctr"/>
+              <a:lstStyle/>
+              <a:p>
+                <a:pPr algn="ctr"/>
+                <a:r>
+                  <a:rPr lang="en-US" dirty="0">
+                    <a:solidFill>
+                      <a:schemeClr val="tx1"/>
+                    </a:solidFill>
+                  </a:rPr>
+                  <a:t>4</a:t>
+                </a:r>
+              </a:p>
+            </p:txBody>
+          </p:sp>
+          <mc:AlternateContent xmlns:mc="http://schemas.openxmlformats.org/markup-compatibility/2006" xmlns:a14="http://schemas.microsoft.com/office/drawing/2010/main">
+            <mc:Choice Requires="a14">
+              <p:sp>
+                <p:nvSpPr>
+                  <p:cNvPr id="173" name="TextBox 172">
+                    <a:extLst>
+                      <a:ext uri="{FF2B5EF4-FFF2-40B4-BE49-F238E27FC236}">
+                        <a16:creationId xmlns:a16="http://schemas.microsoft.com/office/drawing/2014/main" id="{095460E6-BE4C-4BD6-A060-E2D0AD7CAE00}"/>
+                      </a:ext>
+                    </a:extLst>
+                  </p:cNvPr>
+                  <p:cNvSpPr txBox="1"/>
+                  <p:nvPr/>
+                </p:nvSpPr>
+                <p:spPr>
+                  <a:xfrm rot="16200000">
+                    <a:off x="4077433" y="2773637"/>
+                    <a:ext cx="1093431" cy="369332"/>
+                  </a:xfrm>
+                  <a:prstGeom prst="rect">
+                    <a:avLst/>
+                  </a:prstGeom>
+                  <a:noFill/>
+                </p:spPr>
+                <p:txBody>
+                  <a:bodyPr wrap="square" rtlCol="0">
+                    <a:spAutoFit/>
+                  </a:bodyPr>
+                  <a:lstStyle/>
+                  <a:p>
+                    <a:pPr algn="ctr"/>
+                    <a:r>
+                      <a:rPr lang="en-US" dirty="0"/>
+                      <a:t>Level </a:t>
+                    </a:r>
+                    <a14:m>
+                      <m:oMath xmlns:m="http://schemas.openxmlformats.org/officeDocument/2006/math">
+                        <m:r>
+                          <a:rPr lang="en-US" i="1" dirty="0" smtClean="0">
+                            <a:latin typeface="Cambria Math" panose="02040503050406030204" pitchFamily="18" charset="0"/>
+                          </a:rPr>
+                          <m:t>−1</m:t>
+                        </m:r>
+                      </m:oMath>
+                    </a14:m>
+                    <a:endParaRPr lang="en-US" dirty="0"/>
+                  </a:p>
+                </p:txBody>
+              </p:sp>
+            </mc:Choice>
+            <mc:Fallback xmlns="">
+              <p:sp>
+                <p:nvSpPr>
+                  <p:cNvPr id="173" name="TextBox 172">
+                    <a:extLst>
+                      <a:ext uri="{FF2B5EF4-FFF2-40B4-BE49-F238E27FC236}">
+                        <a16:creationId xmlns:a16="http://schemas.microsoft.com/office/drawing/2014/main" id="{095460E6-BE4C-4BD6-A060-E2D0AD7CAE00}"/>
+                      </a:ext>
+                    </a:extLst>
+                  </p:cNvPr>
+                  <p:cNvSpPr txBox="1">
+                    <a:spLocks noRot="1" noChangeAspect="1" noMove="1" noResize="1" noEditPoints="1" noAdjustHandles="1" noChangeArrowheads="1" noChangeShapeType="1" noTextEdit="1"/>
+                  </p:cNvSpPr>
+                  <p:nvPr/>
+                </p:nvSpPr>
+                <p:spPr>
+                  <a:xfrm rot="16200000">
+                    <a:off x="4077433" y="2773637"/>
+                    <a:ext cx="1093431" cy="369332"/>
+                  </a:xfrm>
+                  <a:prstGeom prst="rect">
+                    <a:avLst/>
+                  </a:prstGeom>
+                  <a:blipFill>
+                    <a:blip r:embed="rId4"/>
+                    <a:stretch>
+                      <a:fillRect l="-10000" r="-26667" b="-1111"/>
+                    </a:stretch>
+                  </a:blipFill>
+                </p:spPr>
+                <p:txBody>
+                  <a:bodyPr/>
+                  <a:lstStyle/>
+                  <a:p>
+                    <a:r>
+                      <a:rPr lang="en-US">
+                        <a:noFill/>
+                      </a:rPr>
+                      <a:t> </a:t>
+                    </a:r>
+                  </a:p>
+                </p:txBody>
+              </p:sp>
+            </mc:Fallback>
+          </mc:AlternateContent>
+          <p:sp>
+            <p:nvSpPr>
+              <p:cNvPr id="174" name="Rectangle 173">
+                <a:extLst>
+                  <a:ext uri="{FF2B5EF4-FFF2-40B4-BE49-F238E27FC236}">
+                    <a16:creationId xmlns:a16="http://schemas.microsoft.com/office/drawing/2014/main" id="{3A71A4AD-687A-4541-B01F-F2585A3FF78E}"/>
+                  </a:ext>
+                </a:extLst>
+              </p:cNvPr>
+              <p:cNvSpPr/>
+              <p:nvPr/>
+            </p:nvSpPr>
+            <p:spPr>
+              <a:xfrm>
+                <a:off x="5056880" y="1906686"/>
+                <a:ext cx="295275" cy="295275"/>
+              </a:xfrm>
+              <a:prstGeom prst="rect">
+                <a:avLst/>
+              </a:prstGeom>
+              <a:noFill/>
+              <a:ln w="19050">
+                <a:noFill/>
+              </a:ln>
+            </p:spPr>
+            <p:style>
+              <a:lnRef idx="2">
+                <a:schemeClr val="accent1">
+                  <a:shade val="50000"/>
+                </a:schemeClr>
+              </a:lnRef>
+              <a:fillRef idx="1">
+                <a:schemeClr val="accent1"/>
+              </a:fillRef>
+              <a:effectRef idx="0">
+                <a:schemeClr val="accent1"/>
+              </a:effectRef>
+              <a:fontRef idx="minor">
+                <a:schemeClr val="lt1"/>
+              </a:fontRef>
+            </p:style>
+            <p:txBody>
+              <a:bodyPr rtlCol="0" anchor="ctr"/>
+              <a:lstStyle/>
+              <a:p>
+                <a:pPr algn="ctr"/>
+                <a:r>
+                  <a:rPr lang="en-US" dirty="0">
+                    <a:solidFill>
+                      <a:schemeClr val="tx1"/>
+                    </a:solidFill>
+                  </a:rPr>
+                  <a:t>0</a:t>
+                </a:r>
+              </a:p>
+            </p:txBody>
+          </p:sp>
+          <p:sp>
+            <p:nvSpPr>
+              <p:cNvPr id="175" name="Rectangle 174">
+                <a:extLst>
+                  <a:ext uri="{FF2B5EF4-FFF2-40B4-BE49-F238E27FC236}">
+                    <a16:creationId xmlns:a16="http://schemas.microsoft.com/office/drawing/2014/main" id="{0849F96E-F9EA-4724-BBB7-0C1E80D9BC04}"/>
+                  </a:ext>
+                </a:extLst>
+              </p:cNvPr>
+              <p:cNvSpPr/>
+              <p:nvPr/>
+            </p:nvSpPr>
+            <p:spPr>
+              <a:xfrm>
+                <a:off x="5352969" y="1908319"/>
+                <a:ext cx="295275" cy="295275"/>
+              </a:xfrm>
+              <a:prstGeom prst="rect">
+                <a:avLst/>
+              </a:prstGeom>
+              <a:noFill/>
+              <a:ln w="19050">
+                <a:noFill/>
+              </a:ln>
+            </p:spPr>
+            <p:style>
+              <a:lnRef idx="2">
+                <a:schemeClr val="accent1">
+                  <a:shade val="50000"/>
+                </a:schemeClr>
+              </a:lnRef>
+              <a:fillRef idx="1">
+                <a:schemeClr val="accent1"/>
+              </a:fillRef>
+              <a:effectRef idx="0">
+                <a:schemeClr val="accent1"/>
+              </a:effectRef>
+              <a:fontRef idx="minor">
+                <a:schemeClr val="lt1"/>
+              </a:fontRef>
+            </p:style>
+            <p:txBody>
+              <a:bodyPr rtlCol="0" anchor="ctr"/>
+              <a:lstStyle/>
+              <a:p>
+                <a:pPr algn="ctr"/>
+                <a:r>
+                  <a:rPr lang="en-US" dirty="0">
+                    <a:solidFill>
+                      <a:schemeClr val="tx1"/>
+                    </a:solidFill>
+                  </a:rPr>
+                  <a:t>1</a:t>
+                </a:r>
+              </a:p>
+            </p:txBody>
+          </p:sp>
+          <p:sp>
+            <p:nvSpPr>
+              <p:cNvPr id="176" name="Rectangle 175">
+                <a:extLst>
+                  <a:ext uri="{FF2B5EF4-FFF2-40B4-BE49-F238E27FC236}">
+                    <a16:creationId xmlns:a16="http://schemas.microsoft.com/office/drawing/2014/main" id="{CA0ADAEA-36D2-49FA-AC47-876BDEAD5A9F}"/>
+                  </a:ext>
+                </a:extLst>
+              </p:cNvPr>
+              <p:cNvSpPr/>
+              <p:nvPr/>
+            </p:nvSpPr>
+            <p:spPr>
+              <a:xfrm>
+                <a:off x="5648651" y="1903559"/>
+                <a:ext cx="295275" cy="295275"/>
+              </a:xfrm>
+              <a:prstGeom prst="rect">
+                <a:avLst/>
+              </a:prstGeom>
+              <a:noFill/>
+              <a:ln w="19050">
+                <a:noFill/>
+              </a:ln>
+            </p:spPr>
+            <p:style>
+              <a:lnRef idx="2">
+                <a:schemeClr val="accent1">
+                  <a:shade val="50000"/>
+                </a:schemeClr>
+              </a:lnRef>
+              <a:fillRef idx="1">
+                <a:schemeClr val="accent1"/>
+              </a:fillRef>
+              <a:effectRef idx="0">
+                <a:schemeClr val="accent1"/>
+              </a:effectRef>
+              <a:fontRef idx="minor">
+                <a:schemeClr val="lt1"/>
+              </a:fontRef>
+            </p:style>
+            <p:txBody>
+              <a:bodyPr rtlCol="0" anchor="ctr"/>
+              <a:lstStyle/>
+              <a:p>
+                <a:pPr algn="ctr"/>
+                <a:r>
+                  <a:rPr lang="en-US" dirty="0">
+                    <a:solidFill>
+                      <a:schemeClr val="tx1"/>
+                    </a:solidFill>
+                  </a:rPr>
+                  <a:t>2</a:t>
+                </a:r>
+              </a:p>
+            </p:txBody>
+          </p:sp>
+          <p:sp>
+            <p:nvSpPr>
+              <p:cNvPr id="177" name="Rectangle 176">
+                <a:extLst>
+                  <a:ext uri="{FF2B5EF4-FFF2-40B4-BE49-F238E27FC236}">
+                    <a16:creationId xmlns:a16="http://schemas.microsoft.com/office/drawing/2014/main" id="{80E60CA8-8DB5-40FB-AF06-47C348FAFDFF}"/>
+                  </a:ext>
+                </a:extLst>
+              </p:cNvPr>
+              <p:cNvSpPr/>
+              <p:nvPr/>
+            </p:nvSpPr>
+            <p:spPr>
+              <a:xfrm>
+                <a:off x="5939898" y="1898989"/>
+                <a:ext cx="295275" cy="295275"/>
+              </a:xfrm>
+              <a:prstGeom prst="rect">
+                <a:avLst/>
+              </a:prstGeom>
+              <a:noFill/>
+              <a:ln w="19050">
+                <a:noFill/>
+              </a:ln>
+            </p:spPr>
+            <p:style>
+              <a:lnRef idx="2">
+                <a:schemeClr val="accent1">
+                  <a:shade val="50000"/>
+                </a:schemeClr>
+              </a:lnRef>
+              <a:fillRef idx="1">
+                <a:schemeClr val="accent1"/>
+              </a:fillRef>
+              <a:effectRef idx="0">
+                <a:schemeClr val="accent1"/>
+              </a:effectRef>
+              <a:fontRef idx="minor">
+                <a:schemeClr val="lt1"/>
+              </a:fontRef>
+            </p:style>
+            <p:txBody>
+              <a:bodyPr rtlCol="0" anchor="ctr"/>
+              <a:lstStyle/>
+              <a:p>
+                <a:pPr algn="ctr"/>
+                <a:r>
+                  <a:rPr lang="en-US" dirty="0">
+                    <a:solidFill>
+                      <a:schemeClr val="tx1"/>
+                    </a:solidFill>
+                  </a:rPr>
+                  <a:t>3</a:t>
+                </a:r>
+              </a:p>
+            </p:txBody>
+          </p:sp>
+          <p:sp>
+            <p:nvSpPr>
+              <p:cNvPr id="178" name="Rectangle 177">
+                <a:extLst>
+                  <a:ext uri="{FF2B5EF4-FFF2-40B4-BE49-F238E27FC236}">
+                    <a16:creationId xmlns:a16="http://schemas.microsoft.com/office/drawing/2014/main" id="{ADD468AF-0C50-4BFB-A553-23B8A48BD3F9}"/>
+                  </a:ext>
+                </a:extLst>
+              </p:cNvPr>
+              <p:cNvSpPr/>
+              <p:nvPr/>
+            </p:nvSpPr>
+            <p:spPr>
+              <a:xfrm>
+                <a:off x="6235173" y="1898989"/>
+                <a:ext cx="295275" cy="295275"/>
+              </a:xfrm>
+              <a:prstGeom prst="rect">
+                <a:avLst/>
+              </a:prstGeom>
+              <a:noFill/>
+              <a:ln w="19050">
+                <a:noFill/>
+              </a:ln>
+            </p:spPr>
+            <p:style>
+              <a:lnRef idx="2">
+                <a:schemeClr val="accent1">
+                  <a:shade val="50000"/>
+                </a:schemeClr>
+              </a:lnRef>
+              <a:fillRef idx="1">
+                <a:schemeClr val="accent1"/>
+              </a:fillRef>
+              <a:effectRef idx="0">
+                <a:schemeClr val="accent1"/>
+              </a:effectRef>
+              <a:fontRef idx="minor">
+                <a:schemeClr val="lt1"/>
+              </a:fontRef>
+            </p:style>
+            <p:txBody>
+              <a:bodyPr rtlCol="0" anchor="ctr"/>
+              <a:lstStyle/>
+              <a:p>
+                <a:pPr algn="ctr"/>
+                <a:r>
+                  <a:rPr lang="en-US" dirty="0">
+                    <a:solidFill>
+                      <a:schemeClr val="tx1"/>
+                    </a:solidFill>
+                  </a:rPr>
+                  <a:t>4</a:t>
+                </a:r>
+              </a:p>
+            </p:txBody>
+          </p:sp>
+          <p:sp>
+            <p:nvSpPr>
+              <p:cNvPr id="179" name="Rectangle 178">
+                <a:extLst>
+                  <a:ext uri="{FF2B5EF4-FFF2-40B4-BE49-F238E27FC236}">
+                    <a16:creationId xmlns:a16="http://schemas.microsoft.com/office/drawing/2014/main" id="{8F18DE90-340B-4766-8B5C-63BB46CEA5E6}"/>
+                  </a:ext>
+                </a:extLst>
+              </p:cNvPr>
+              <p:cNvSpPr/>
+              <p:nvPr/>
+            </p:nvSpPr>
+            <p:spPr>
+              <a:xfrm>
+                <a:off x="6530448" y="1908476"/>
+                <a:ext cx="295275" cy="295275"/>
+              </a:xfrm>
+              <a:prstGeom prst="rect">
+                <a:avLst/>
+              </a:prstGeom>
+              <a:noFill/>
+              <a:ln w="19050">
+                <a:noFill/>
+              </a:ln>
+            </p:spPr>
+            <p:style>
+              <a:lnRef idx="2">
+                <a:schemeClr val="accent1">
+                  <a:shade val="50000"/>
+                </a:schemeClr>
+              </a:lnRef>
+              <a:fillRef idx="1">
+                <a:schemeClr val="accent1"/>
+              </a:fillRef>
+              <a:effectRef idx="0">
+                <a:schemeClr val="accent1"/>
+              </a:effectRef>
+              <a:fontRef idx="minor">
+                <a:schemeClr val="lt1"/>
+              </a:fontRef>
+            </p:style>
+            <p:txBody>
+              <a:bodyPr rtlCol="0" anchor="ctr"/>
+              <a:lstStyle/>
+              <a:p>
+                <a:pPr algn="ctr"/>
+                <a:r>
+                  <a:rPr lang="en-US" dirty="0">
+                    <a:solidFill>
+                      <a:schemeClr val="tx1"/>
+                    </a:solidFill>
+                  </a:rPr>
+                  <a:t>5</a:t>
+                </a:r>
+              </a:p>
+            </p:txBody>
+          </p:sp>
+          <p:sp>
+            <p:nvSpPr>
+              <p:cNvPr id="180" name="TextBox 179">
+                <a:extLst>
+                  <a:ext uri="{FF2B5EF4-FFF2-40B4-BE49-F238E27FC236}">
+                    <a16:creationId xmlns:a16="http://schemas.microsoft.com/office/drawing/2014/main" id="{D2FE0238-2736-4D39-8241-8FB36A84CDB9}"/>
+                  </a:ext>
+                </a:extLst>
+              </p:cNvPr>
+              <p:cNvSpPr txBox="1"/>
+              <p:nvPr/>
+            </p:nvSpPr>
+            <p:spPr>
+              <a:xfrm>
+                <a:off x="5391553" y="1565122"/>
+                <a:ext cx="1093431" cy="369332"/>
+              </a:xfrm>
+              <a:prstGeom prst="rect">
+                <a:avLst/>
+              </a:prstGeom>
+              <a:noFill/>
+            </p:spPr>
+            <p:txBody>
+              <a:bodyPr wrap="square" rtlCol="0">
+                <a:spAutoFit/>
+              </a:bodyPr>
+              <a:lstStyle/>
+              <a:p>
+                <a:pPr algn="ctr"/>
+                <a:r>
+                  <a:rPr lang="en-US" dirty="0"/>
+                  <a:t>Channel</a:t>
+                </a:r>
+              </a:p>
+            </p:txBody>
+          </p:sp>
+        </p:grpSp>
         <p:sp>
           <p:nvSpPr>
-            <p:cNvPr id="139" name="Rectangle 138">
+            <p:cNvPr id="2" name="TextBox 1">
               <a:extLst>
                 <a:ext uri="{FF2B5EF4-FFF2-40B4-BE49-F238E27FC236}">
-                  <a16:creationId xmlns:a16="http://schemas.microsoft.com/office/drawing/2014/main" id="{BA919479-AD0F-49A9-A307-8180267819A1}"/>
-                </a:ext>
-              </a:extLst>
-            </p:cNvPr>
-            <p:cNvSpPr/>
-            <p:nvPr/>
-          </p:nvSpPr>
-          <p:spPr>
-            <a:xfrm>
-              <a:off x="5353784" y="2201961"/>
-              <a:ext cx="295275" cy="295275"/>
-            </a:xfrm>
-            <a:prstGeom prst="rect">
-              <a:avLst/>
-            </a:prstGeom>
-            <a:solidFill>
-              <a:schemeClr val="bg1"/>
-            </a:solidFill>
-            <a:ln w="19050">
-              <a:solidFill>
-                <a:schemeClr val="tx1"/>
-              </a:solidFill>
-            </a:ln>
-          </p:spPr>
-          <p:style>
-            <a:lnRef idx="2">
-              <a:schemeClr val="accent1">
-                <a:shade val="50000"/>
-              </a:schemeClr>
-            </a:lnRef>
-            <a:fillRef idx="1">
-              <a:schemeClr val="accent1"/>
-            </a:fillRef>
-            <a:effectRef idx="0">
-              <a:schemeClr val="accent1"/>
-            </a:effectRef>
-            <a:fontRef idx="minor">
-              <a:schemeClr val="lt1"/>
-            </a:fontRef>
-          </p:style>
-          <p:txBody>
-            <a:bodyPr rtlCol="0" anchor="ctr"/>
-            <a:lstStyle/>
-            <a:p>
-              <a:pPr algn="ctr"/>
-              <a:r>
-                <a:rPr lang="en-US" dirty="0">
-                  <a:solidFill>
-                    <a:schemeClr val="tx1"/>
-                  </a:solidFill>
-                </a:rPr>
-                <a:t>0</a:t>
-              </a:r>
-            </a:p>
-          </p:txBody>
-        </p:sp>
-        <p:sp>
-          <p:nvSpPr>
-            <p:cNvPr id="140" name="Rectangle 139">
-              <a:extLst>
-                <a:ext uri="{FF2B5EF4-FFF2-40B4-BE49-F238E27FC236}">
-                  <a16:creationId xmlns:a16="http://schemas.microsoft.com/office/drawing/2014/main" id="{324896E0-2688-4340-ABD8-3D8D92EAEABA}"/>
-                </a:ext>
-              </a:extLst>
-            </p:cNvPr>
-            <p:cNvSpPr/>
-            <p:nvPr/>
-          </p:nvSpPr>
-          <p:spPr>
-            <a:xfrm>
-              <a:off x="5649059" y="2201962"/>
-              <a:ext cx="295275" cy="295275"/>
-            </a:xfrm>
-            <a:prstGeom prst="rect">
-              <a:avLst/>
-            </a:prstGeom>
-            <a:solidFill>
-              <a:schemeClr val="bg1"/>
-            </a:solidFill>
-            <a:ln w="19050">
-              <a:solidFill>
-                <a:schemeClr val="tx1"/>
-              </a:solidFill>
-            </a:ln>
-          </p:spPr>
-          <p:style>
-            <a:lnRef idx="2">
-              <a:schemeClr val="accent1">
-                <a:shade val="50000"/>
-              </a:schemeClr>
-            </a:lnRef>
-            <a:fillRef idx="1">
-              <a:schemeClr val="accent1"/>
-            </a:fillRef>
-            <a:effectRef idx="0">
-              <a:schemeClr val="accent1"/>
-            </a:effectRef>
-            <a:fontRef idx="minor">
-              <a:schemeClr val="lt1"/>
-            </a:fontRef>
-          </p:style>
-          <p:txBody>
-            <a:bodyPr rtlCol="0" anchor="ctr"/>
-            <a:lstStyle/>
-            <a:p>
-              <a:pPr algn="ctr"/>
-              <a:r>
-                <a:rPr lang="en-US" dirty="0">
-                  <a:solidFill>
-                    <a:schemeClr val="tx1"/>
-                  </a:solidFill>
-                </a:rPr>
-                <a:t>3</a:t>
-              </a:r>
-            </a:p>
-          </p:txBody>
-        </p:sp>
-        <p:sp>
-          <p:nvSpPr>
-            <p:cNvPr id="141" name="Rectangle 140">
-              <a:extLst>
-                <a:ext uri="{FF2B5EF4-FFF2-40B4-BE49-F238E27FC236}">
-                  <a16:creationId xmlns:a16="http://schemas.microsoft.com/office/drawing/2014/main" id="{F7365E74-BC7F-44F7-B05B-EB571A7E8085}"/>
-                </a:ext>
-              </a:extLst>
-            </p:cNvPr>
-            <p:cNvSpPr/>
-            <p:nvPr/>
-          </p:nvSpPr>
-          <p:spPr>
-            <a:xfrm>
-              <a:off x="5944334" y="2201961"/>
-              <a:ext cx="295275" cy="295275"/>
-            </a:xfrm>
-            <a:prstGeom prst="rect">
-              <a:avLst/>
-            </a:prstGeom>
-            <a:solidFill>
-              <a:schemeClr val="bg1"/>
-            </a:solidFill>
-            <a:ln w="19050">
-              <a:solidFill>
-                <a:schemeClr val="tx1"/>
-              </a:solidFill>
-            </a:ln>
-          </p:spPr>
-          <p:style>
-            <a:lnRef idx="2">
-              <a:schemeClr val="accent1">
-                <a:shade val="50000"/>
-              </a:schemeClr>
-            </a:lnRef>
-            <a:fillRef idx="1">
-              <a:schemeClr val="accent1"/>
-            </a:fillRef>
-            <a:effectRef idx="0">
-              <a:schemeClr val="accent1"/>
-            </a:effectRef>
-            <a:fontRef idx="minor">
-              <a:schemeClr val="lt1"/>
-            </a:fontRef>
-          </p:style>
-          <p:txBody>
-            <a:bodyPr rtlCol="0" anchor="ctr"/>
-            <a:lstStyle/>
-            <a:p>
-              <a:pPr algn="ctr"/>
-              <a:r>
-                <a:rPr lang="en-US" dirty="0">
-                  <a:solidFill>
-                    <a:schemeClr val="tx1"/>
-                  </a:solidFill>
-                </a:rPr>
-                <a:t>2</a:t>
-              </a:r>
-            </a:p>
-          </p:txBody>
-        </p:sp>
-        <p:sp>
-          <p:nvSpPr>
-            <p:cNvPr id="142" name="Rectangle 141">
-              <a:extLst>
-                <a:ext uri="{FF2B5EF4-FFF2-40B4-BE49-F238E27FC236}">
-                  <a16:creationId xmlns:a16="http://schemas.microsoft.com/office/drawing/2014/main" id="{50300F7C-A3B4-447D-8FBF-94917CB50DC6}"/>
-                </a:ext>
-              </a:extLst>
-            </p:cNvPr>
-            <p:cNvSpPr/>
-            <p:nvPr/>
-          </p:nvSpPr>
-          <p:spPr>
-            <a:xfrm>
-              <a:off x="6239609" y="2201961"/>
-              <a:ext cx="295275" cy="295275"/>
-            </a:xfrm>
-            <a:prstGeom prst="rect">
-              <a:avLst/>
-            </a:prstGeom>
-            <a:solidFill>
-              <a:schemeClr val="bg1"/>
-            </a:solidFill>
-            <a:ln w="19050">
-              <a:solidFill>
-                <a:schemeClr val="tx1"/>
-              </a:solidFill>
-            </a:ln>
-          </p:spPr>
-          <p:style>
-            <a:lnRef idx="2">
-              <a:schemeClr val="accent1">
-                <a:shade val="50000"/>
-              </a:schemeClr>
-            </a:lnRef>
-            <a:fillRef idx="1">
-              <a:schemeClr val="accent1"/>
-            </a:fillRef>
-            <a:effectRef idx="0">
-              <a:schemeClr val="accent1"/>
-            </a:effectRef>
-            <a:fontRef idx="minor">
-              <a:schemeClr val="lt1"/>
-            </a:fontRef>
-          </p:style>
-          <p:txBody>
-            <a:bodyPr rtlCol="0" anchor="ctr"/>
-            <a:lstStyle/>
-            <a:p>
-              <a:pPr algn="ctr"/>
-              <a:r>
-                <a:rPr lang="en-US" dirty="0">
-                  <a:solidFill>
-                    <a:schemeClr val="tx1"/>
-                  </a:solidFill>
-                </a:rPr>
-                <a:t>5</a:t>
-              </a:r>
-            </a:p>
-          </p:txBody>
-        </p:sp>
-        <p:sp>
-          <p:nvSpPr>
-            <p:cNvPr id="143" name="Rectangle 142">
-              <a:extLst>
-                <a:ext uri="{FF2B5EF4-FFF2-40B4-BE49-F238E27FC236}">
-                  <a16:creationId xmlns:a16="http://schemas.microsoft.com/office/drawing/2014/main" id="{6A177D62-9E6A-4165-9B58-53A02AE1F8DE}"/>
-                </a:ext>
-              </a:extLst>
-            </p:cNvPr>
-            <p:cNvSpPr/>
-            <p:nvPr/>
-          </p:nvSpPr>
-          <p:spPr>
-            <a:xfrm>
-              <a:off x="6534884" y="2201960"/>
-              <a:ext cx="295275" cy="295275"/>
-            </a:xfrm>
-            <a:prstGeom prst="rect">
-              <a:avLst/>
-            </a:prstGeom>
-            <a:solidFill>
-              <a:schemeClr val="bg1"/>
-            </a:solidFill>
-            <a:ln w="19050">
-              <a:solidFill>
-                <a:schemeClr val="tx1"/>
-              </a:solidFill>
-            </a:ln>
-          </p:spPr>
-          <p:style>
-            <a:lnRef idx="2">
-              <a:schemeClr val="accent1">
-                <a:shade val="50000"/>
-              </a:schemeClr>
-            </a:lnRef>
-            <a:fillRef idx="1">
-              <a:schemeClr val="accent1"/>
-            </a:fillRef>
-            <a:effectRef idx="0">
-              <a:schemeClr val="accent1"/>
-            </a:effectRef>
-            <a:fontRef idx="minor">
-              <a:schemeClr val="lt1"/>
-            </a:fontRef>
-          </p:style>
-          <p:txBody>
-            <a:bodyPr rtlCol="0" anchor="ctr"/>
-            <a:lstStyle/>
-            <a:p>
-              <a:pPr algn="ctr"/>
-              <a:r>
-                <a:rPr lang="en-US" dirty="0">
-                  <a:solidFill>
-                    <a:schemeClr val="tx1"/>
-                  </a:solidFill>
-                </a:rPr>
-                <a:t>4</a:t>
-              </a:r>
-            </a:p>
-          </p:txBody>
-        </p:sp>
-        <p:sp>
-          <p:nvSpPr>
-            <p:cNvPr id="144" name="Rectangle 143">
-              <a:extLst>
-                <a:ext uri="{FF2B5EF4-FFF2-40B4-BE49-F238E27FC236}">
-                  <a16:creationId xmlns:a16="http://schemas.microsoft.com/office/drawing/2014/main" id="{C66A46CA-4BD5-401B-9C16-1C5DA54AD5CB}"/>
-                </a:ext>
-              </a:extLst>
-            </p:cNvPr>
-            <p:cNvSpPr/>
-            <p:nvPr/>
-          </p:nvSpPr>
-          <p:spPr>
-            <a:xfrm>
-              <a:off x="5058509" y="2497237"/>
-              <a:ext cx="295275" cy="295275"/>
-            </a:xfrm>
-            <a:prstGeom prst="rect">
-              <a:avLst/>
-            </a:prstGeom>
-            <a:solidFill>
-              <a:schemeClr val="bg1"/>
-            </a:solidFill>
-            <a:ln w="19050">
-              <a:solidFill>
-                <a:schemeClr val="tx1"/>
-              </a:solidFill>
-            </a:ln>
-          </p:spPr>
-          <p:style>
-            <a:lnRef idx="2">
-              <a:schemeClr val="accent1">
-                <a:shade val="50000"/>
-              </a:schemeClr>
-            </a:lnRef>
-            <a:fillRef idx="1">
-              <a:schemeClr val="accent1"/>
-            </a:fillRef>
-            <a:effectRef idx="0">
-              <a:schemeClr val="accent1"/>
-            </a:effectRef>
-            <a:fontRef idx="minor">
-              <a:schemeClr val="lt1"/>
-            </a:fontRef>
-          </p:style>
-          <p:txBody>
-            <a:bodyPr rtlCol="0" anchor="ctr"/>
-            <a:lstStyle/>
-            <a:p>
-              <a:pPr algn="ctr"/>
-              <a:r>
-                <a:rPr lang="en-US" dirty="0">
-                  <a:solidFill>
-                    <a:schemeClr val="tx1"/>
-                  </a:solidFill>
-                </a:rPr>
-                <a:t>3</a:t>
-              </a:r>
-            </a:p>
-          </p:txBody>
-        </p:sp>
-        <p:sp>
-          <p:nvSpPr>
-            <p:cNvPr id="145" name="Rectangle 144">
-              <a:extLst>
-                <a:ext uri="{FF2B5EF4-FFF2-40B4-BE49-F238E27FC236}">
-                  <a16:creationId xmlns:a16="http://schemas.microsoft.com/office/drawing/2014/main" id="{F56EB9D2-F4E9-495F-B632-A27E0BF8249D}"/>
-                </a:ext>
-              </a:extLst>
-            </p:cNvPr>
-            <p:cNvSpPr/>
-            <p:nvPr/>
-          </p:nvSpPr>
-          <p:spPr>
-            <a:xfrm>
-              <a:off x="5353784" y="2497236"/>
-              <a:ext cx="295275" cy="295275"/>
-            </a:xfrm>
-            <a:prstGeom prst="rect">
-              <a:avLst/>
-            </a:prstGeom>
-            <a:solidFill>
-              <a:schemeClr val="bg1"/>
-            </a:solidFill>
-            <a:ln w="19050">
-              <a:solidFill>
-                <a:schemeClr val="tx1"/>
-              </a:solidFill>
-            </a:ln>
-          </p:spPr>
-          <p:style>
-            <a:lnRef idx="2">
-              <a:schemeClr val="accent1">
-                <a:shade val="50000"/>
-              </a:schemeClr>
-            </a:lnRef>
-            <a:fillRef idx="1">
-              <a:schemeClr val="accent1"/>
-            </a:fillRef>
-            <a:effectRef idx="0">
-              <a:schemeClr val="accent1"/>
-            </a:effectRef>
-            <a:fontRef idx="minor">
-              <a:schemeClr val="lt1"/>
-            </a:fontRef>
-          </p:style>
-          <p:txBody>
-            <a:bodyPr rtlCol="0" anchor="ctr"/>
-            <a:lstStyle/>
-            <a:p>
-              <a:pPr algn="ctr"/>
-              <a:r>
-                <a:rPr lang="en-US" dirty="0">
-                  <a:solidFill>
-                    <a:schemeClr val="tx1"/>
-                  </a:solidFill>
-                </a:rPr>
-                <a:t>4</a:t>
-              </a:r>
-            </a:p>
-          </p:txBody>
-        </p:sp>
-        <p:sp>
-          <p:nvSpPr>
-            <p:cNvPr id="146" name="Rectangle 145">
-              <a:extLst>
-                <a:ext uri="{FF2B5EF4-FFF2-40B4-BE49-F238E27FC236}">
-                  <a16:creationId xmlns:a16="http://schemas.microsoft.com/office/drawing/2014/main" id="{F29A7EE0-81DE-41AD-89B1-EDEC5AE63D40}"/>
-                </a:ext>
-              </a:extLst>
-            </p:cNvPr>
-            <p:cNvSpPr/>
-            <p:nvPr/>
-          </p:nvSpPr>
-          <p:spPr>
-            <a:xfrm>
-              <a:off x="5649059" y="2497237"/>
-              <a:ext cx="295275" cy="295275"/>
-            </a:xfrm>
-            <a:prstGeom prst="rect">
-              <a:avLst/>
-            </a:prstGeom>
-            <a:solidFill>
-              <a:schemeClr val="bg1"/>
-            </a:solidFill>
-            <a:ln w="19050">
-              <a:solidFill>
-                <a:schemeClr val="tx1"/>
-              </a:solidFill>
-            </a:ln>
-          </p:spPr>
-          <p:style>
-            <a:lnRef idx="2">
-              <a:schemeClr val="accent1">
-                <a:shade val="50000"/>
-              </a:schemeClr>
-            </a:lnRef>
-            <a:fillRef idx="1">
-              <a:schemeClr val="accent1"/>
-            </a:fillRef>
-            <a:effectRef idx="0">
-              <a:schemeClr val="accent1"/>
-            </a:effectRef>
-            <a:fontRef idx="minor">
-              <a:schemeClr val="lt1"/>
-            </a:fontRef>
-          </p:style>
-          <p:txBody>
-            <a:bodyPr rtlCol="0" anchor="ctr"/>
-            <a:lstStyle/>
-            <a:p>
-              <a:pPr algn="ctr"/>
-              <a:r>
-                <a:rPr lang="en-US" dirty="0">
-                  <a:solidFill>
-                    <a:schemeClr val="tx1"/>
-                  </a:solidFill>
-                </a:rPr>
-                <a:t>5</a:t>
-              </a:r>
-            </a:p>
-          </p:txBody>
-        </p:sp>
-        <p:sp>
-          <p:nvSpPr>
-            <p:cNvPr id="147" name="Rectangle 146">
-              <a:extLst>
-                <a:ext uri="{FF2B5EF4-FFF2-40B4-BE49-F238E27FC236}">
-                  <a16:creationId xmlns:a16="http://schemas.microsoft.com/office/drawing/2014/main" id="{55791606-D5D5-4CC3-A729-09FD498DD185}"/>
-                </a:ext>
-              </a:extLst>
-            </p:cNvPr>
-            <p:cNvSpPr/>
-            <p:nvPr/>
-          </p:nvSpPr>
-          <p:spPr>
-            <a:xfrm>
-              <a:off x="5944334" y="2497236"/>
-              <a:ext cx="295275" cy="295275"/>
-            </a:xfrm>
-            <a:prstGeom prst="rect">
-              <a:avLst/>
-            </a:prstGeom>
-            <a:solidFill>
-              <a:schemeClr val="bg1"/>
-            </a:solidFill>
-            <a:ln w="19050">
-              <a:solidFill>
-                <a:schemeClr val="tx1"/>
-              </a:solidFill>
-            </a:ln>
-          </p:spPr>
-          <p:style>
-            <a:lnRef idx="2">
-              <a:schemeClr val="accent1">
-                <a:shade val="50000"/>
-              </a:schemeClr>
-            </a:lnRef>
-            <a:fillRef idx="1">
-              <a:schemeClr val="accent1"/>
-            </a:fillRef>
-            <a:effectRef idx="0">
-              <a:schemeClr val="accent1"/>
-            </a:effectRef>
-            <a:fontRef idx="minor">
-              <a:schemeClr val="lt1"/>
-            </a:fontRef>
-          </p:style>
-          <p:txBody>
-            <a:bodyPr rtlCol="0" anchor="ctr"/>
-            <a:lstStyle/>
-            <a:p>
-              <a:pPr algn="ctr"/>
-              <a:r>
-                <a:rPr lang="en-US" dirty="0">
-                  <a:solidFill>
-                    <a:schemeClr val="tx1"/>
-                  </a:solidFill>
-                </a:rPr>
-                <a:t>0</a:t>
-              </a:r>
-            </a:p>
-          </p:txBody>
-        </p:sp>
-        <p:sp>
-          <p:nvSpPr>
-            <p:cNvPr id="148" name="Rectangle 147">
-              <a:extLst>
-                <a:ext uri="{FF2B5EF4-FFF2-40B4-BE49-F238E27FC236}">
-                  <a16:creationId xmlns:a16="http://schemas.microsoft.com/office/drawing/2014/main" id="{FB2E0312-F5F5-441C-941A-2C26F427FBE5}"/>
-                </a:ext>
-              </a:extLst>
-            </p:cNvPr>
-            <p:cNvSpPr/>
-            <p:nvPr/>
-          </p:nvSpPr>
-          <p:spPr>
-            <a:xfrm>
-              <a:off x="6239609" y="2497236"/>
-              <a:ext cx="295275" cy="295275"/>
-            </a:xfrm>
-            <a:prstGeom prst="rect">
-              <a:avLst/>
-            </a:prstGeom>
-            <a:solidFill>
-              <a:schemeClr val="bg1"/>
-            </a:solidFill>
-            <a:ln w="19050">
-              <a:solidFill>
-                <a:schemeClr val="tx1"/>
-              </a:solidFill>
-            </a:ln>
-          </p:spPr>
-          <p:style>
-            <a:lnRef idx="2">
-              <a:schemeClr val="accent1">
-                <a:shade val="50000"/>
-              </a:schemeClr>
-            </a:lnRef>
-            <a:fillRef idx="1">
-              <a:schemeClr val="accent1"/>
-            </a:fillRef>
-            <a:effectRef idx="0">
-              <a:schemeClr val="accent1"/>
-            </a:effectRef>
-            <a:fontRef idx="minor">
-              <a:schemeClr val="lt1"/>
-            </a:fontRef>
-          </p:style>
-          <p:txBody>
-            <a:bodyPr rtlCol="0" anchor="ctr"/>
-            <a:lstStyle/>
-            <a:p>
-              <a:pPr algn="ctr"/>
-              <a:r>
-                <a:rPr lang="en-US" dirty="0">
-                  <a:solidFill>
-                    <a:schemeClr val="tx1"/>
-                  </a:solidFill>
-                </a:rPr>
-                <a:t>1</a:t>
-              </a:r>
-            </a:p>
-          </p:txBody>
-        </p:sp>
-        <p:sp>
-          <p:nvSpPr>
-            <p:cNvPr id="149" name="Rectangle 148">
-              <a:extLst>
-                <a:ext uri="{FF2B5EF4-FFF2-40B4-BE49-F238E27FC236}">
-                  <a16:creationId xmlns:a16="http://schemas.microsoft.com/office/drawing/2014/main" id="{EB310819-C456-46FA-811A-A9A50B79BDEC}"/>
-                </a:ext>
-              </a:extLst>
-            </p:cNvPr>
-            <p:cNvSpPr/>
-            <p:nvPr/>
-          </p:nvSpPr>
-          <p:spPr>
-            <a:xfrm>
-              <a:off x="6534884" y="2497235"/>
-              <a:ext cx="295275" cy="295275"/>
-            </a:xfrm>
-            <a:prstGeom prst="rect">
-              <a:avLst/>
-            </a:prstGeom>
-            <a:solidFill>
-              <a:schemeClr val="bg1"/>
-            </a:solidFill>
-            <a:ln w="19050">
-              <a:solidFill>
-                <a:schemeClr val="tx1"/>
-              </a:solidFill>
-            </a:ln>
-          </p:spPr>
-          <p:style>
-            <a:lnRef idx="2">
-              <a:schemeClr val="accent1">
-                <a:shade val="50000"/>
-              </a:schemeClr>
-            </a:lnRef>
-            <a:fillRef idx="1">
-              <a:schemeClr val="accent1"/>
-            </a:fillRef>
-            <a:effectRef idx="0">
-              <a:schemeClr val="accent1"/>
-            </a:effectRef>
-            <a:fontRef idx="minor">
-              <a:schemeClr val="lt1"/>
-            </a:fontRef>
-          </p:style>
-          <p:txBody>
-            <a:bodyPr rtlCol="0" anchor="ctr"/>
-            <a:lstStyle/>
-            <a:p>
-              <a:pPr algn="ctr"/>
-              <a:r>
-                <a:rPr lang="en-US" dirty="0">
-                  <a:solidFill>
-                    <a:schemeClr val="tx1"/>
-                  </a:solidFill>
-                </a:rPr>
-                <a:t>2</a:t>
-              </a:r>
-            </a:p>
-          </p:txBody>
-        </p:sp>
-        <p:sp>
-          <p:nvSpPr>
-            <p:cNvPr id="150" name="Rectangle 149">
-              <a:extLst>
-                <a:ext uri="{FF2B5EF4-FFF2-40B4-BE49-F238E27FC236}">
-                  <a16:creationId xmlns:a16="http://schemas.microsoft.com/office/drawing/2014/main" id="{EFD242CD-F529-4A98-9160-01A31F05701F}"/>
-                </a:ext>
-              </a:extLst>
-            </p:cNvPr>
-            <p:cNvSpPr/>
-            <p:nvPr/>
-          </p:nvSpPr>
-          <p:spPr>
-            <a:xfrm>
-              <a:off x="5058509" y="2792512"/>
-              <a:ext cx="295275" cy="295275"/>
-            </a:xfrm>
-            <a:prstGeom prst="rect">
-              <a:avLst/>
-            </a:prstGeom>
-            <a:solidFill>
-              <a:schemeClr val="bg1"/>
-            </a:solidFill>
-            <a:ln w="19050">
-              <a:solidFill>
-                <a:schemeClr val="tx1"/>
-              </a:solidFill>
-            </a:ln>
-          </p:spPr>
-          <p:style>
-            <a:lnRef idx="2">
-              <a:schemeClr val="accent1">
-                <a:shade val="50000"/>
-              </a:schemeClr>
-            </a:lnRef>
-            <a:fillRef idx="1">
-              <a:schemeClr val="accent1"/>
-            </a:fillRef>
-            <a:effectRef idx="0">
-              <a:schemeClr val="accent1"/>
-            </a:effectRef>
-            <a:fontRef idx="minor">
-              <a:schemeClr val="lt1"/>
-            </a:fontRef>
-          </p:style>
-          <p:txBody>
-            <a:bodyPr rtlCol="0" anchor="ctr"/>
-            <a:lstStyle/>
-            <a:p>
-              <a:pPr algn="ctr"/>
-              <a:r>
-                <a:rPr lang="en-US" dirty="0">
-                  <a:solidFill>
-                    <a:schemeClr val="tx1"/>
-                  </a:solidFill>
-                </a:rPr>
-                <a:t>1</a:t>
-              </a:r>
-            </a:p>
-          </p:txBody>
-        </p:sp>
-        <p:sp>
-          <p:nvSpPr>
-            <p:cNvPr id="151" name="Rectangle 150">
-              <a:extLst>
-                <a:ext uri="{FF2B5EF4-FFF2-40B4-BE49-F238E27FC236}">
-                  <a16:creationId xmlns:a16="http://schemas.microsoft.com/office/drawing/2014/main" id="{A80CE603-8067-4A0F-BCBF-FCCD669FA2DF}"/>
-                </a:ext>
-              </a:extLst>
-            </p:cNvPr>
-            <p:cNvSpPr/>
-            <p:nvPr/>
-          </p:nvSpPr>
-          <p:spPr>
-            <a:xfrm>
-              <a:off x="5353784" y="2792511"/>
-              <a:ext cx="295275" cy="295275"/>
-            </a:xfrm>
-            <a:prstGeom prst="rect">
-              <a:avLst/>
-            </a:prstGeom>
-            <a:solidFill>
-              <a:schemeClr val="bg1"/>
-            </a:solidFill>
-            <a:ln w="19050">
-              <a:solidFill>
-                <a:schemeClr val="tx1"/>
-              </a:solidFill>
-            </a:ln>
-          </p:spPr>
-          <p:style>
-            <a:lnRef idx="2">
-              <a:schemeClr val="accent1">
-                <a:shade val="50000"/>
-              </a:schemeClr>
-            </a:lnRef>
-            <a:fillRef idx="1">
-              <a:schemeClr val="accent1"/>
-            </a:fillRef>
-            <a:effectRef idx="0">
-              <a:schemeClr val="accent1"/>
-            </a:effectRef>
-            <a:fontRef idx="minor">
-              <a:schemeClr val="lt1"/>
-            </a:fontRef>
-          </p:style>
-          <p:txBody>
-            <a:bodyPr rtlCol="0" anchor="ctr"/>
-            <a:lstStyle/>
-            <a:p>
-              <a:pPr algn="ctr"/>
-              <a:r>
-                <a:rPr lang="en-US" dirty="0">
-                  <a:solidFill>
-                    <a:schemeClr val="tx1"/>
-                  </a:solidFill>
-                </a:rPr>
-                <a:t>0</a:t>
-              </a:r>
-            </a:p>
-          </p:txBody>
-        </p:sp>
-        <p:sp>
-          <p:nvSpPr>
-            <p:cNvPr id="152" name="Rectangle 151">
-              <a:extLst>
-                <a:ext uri="{FF2B5EF4-FFF2-40B4-BE49-F238E27FC236}">
-                  <a16:creationId xmlns:a16="http://schemas.microsoft.com/office/drawing/2014/main" id="{06C18A6C-8739-4A9E-9A90-3934550DA7A0}"/>
-                </a:ext>
-              </a:extLst>
-            </p:cNvPr>
-            <p:cNvSpPr/>
-            <p:nvPr/>
-          </p:nvSpPr>
-          <p:spPr>
-            <a:xfrm>
-              <a:off x="5649059" y="2792512"/>
-              <a:ext cx="295275" cy="295275"/>
-            </a:xfrm>
-            <a:prstGeom prst="rect">
-              <a:avLst/>
-            </a:prstGeom>
-            <a:solidFill>
-              <a:schemeClr val="bg1"/>
-            </a:solidFill>
-            <a:ln w="19050">
-              <a:solidFill>
-                <a:schemeClr val="tx1"/>
-              </a:solidFill>
-            </a:ln>
-          </p:spPr>
-          <p:style>
-            <a:lnRef idx="2">
-              <a:schemeClr val="accent1">
-                <a:shade val="50000"/>
-              </a:schemeClr>
-            </a:lnRef>
-            <a:fillRef idx="1">
-              <a:schemeClr val="accent1"/>
-            </a:fillRef>
-            <a:effectRef idx="0">
-              <a:schemeClr val="accent1"/>
-            </a:effectRef>
-            <a:fontRef idx="minor">
-              <a:schemeClr val="lt1"/>
-            </a:fontRef>
-          </p:style>
-          <p:txBody>
-            <a:bodyPr rtlCol="0" anchor="ctr"/>
-            <a:lstStyle/>
-            <a:p>
-              <a:pPr algn="ctr"/>
-              <a:r>
-                <a:rPr lang="en-US" dirty="0">
-                  <a:solidFill>
-                    <a:schemeClr val="tx1"/>
-                  </a:solidFill>
-                </a:rPr>
-                <a:t>4</a:t>
-              </a:r>
-            </a:p>
-          </p:txBody>
-        </p:sp>
-        <p:sp>
-          <p:nvSpPr>
-            <p:cNvPr id="153" name="Rectangle 152">
-              <a:extLst>
-                <a:ext uri="{FF2B5EF4-FFF2-40B4-BE49-F238E27FC236}">
-                  <a16:creationId xmlns:a16="http://schemas.microsoft.com/office/drawing/2014/main" id="{F38EFF45-C05B-44AD-AD23-089269F60933}"/>
-                </a:ext>
-              </a:extLst>
-            </p:cNvPr>
-            <p:cNvSpPr/>
-            <p:nvPr/>
-          </p:nvSpPr>
-          <p:spPr>
-            <a:xfrm>
-              <a:off x="5944334" y="2792511"/>
-              <a:ext cx="295275" cy="295275"/>
-            </a:xfrm>
-            <a:prstGeom prst="rect">
-              <a:avLst/>
-            </a:prstGeom>
-            <a:solidFill>
-              <a:schemeClr val="bg1"/>
-            </a:solidFill>
-            <a:ln w="19050">
-              <a:solidFill>
-                <a:schemeClr val="tx1"/>
-              </a:solidFill>
-            </a:ln>
-          </p:spPr>
-          <p:style>
-            <a:lnRef idx="2">
-              <a:schemeClr val="accent1">
-                <a:shade val="50000"/>
-              </a:schemeClr>
-            </a:lnRef>
-            <a:fillRef idx="1">
-              <a:schemeClr val="accent1"/>
-            </a:fillRef>
-            <a:effectRef idx="0">
-              <a:schemeClr val="accent1"/>
-            </a:effectRef>
-            <a:fontRef idx="minor">
-              <a:schemeClr val="lt1"/>
-            </a:fontRef>
-          </p:style>
-          <p:txBody>
-            <a:bodyPr rtlCol="0" anchor="ctr"/>
-            <a:lstStyle/>
-            <a:p>
-              <a:pPr algn="ctr"/>
-              <a:r>
-                <a:rPr lang="en-US" dirty="0">
-                  <a:solidFill>
-                    <a:schemeClr val="tx1"/>
-                  </a:solidFill>
-                </a:rPr>
-                <a:t>5</a:t>
-              </a:r>
-            </a:p>
-          </p:txBody>
-        </p:sp>
-        <p:sp>
-          <p:nvSpPr>
-            <p:cNvPr id="154" name="Rectangle 153">
-              <a:extLst>
-                <a:ext uri="{FF2B5EF4-FFF2-40B4-BE49-F238E27FC236}">
-                  <a16:creationId xmlns:a16="http://schemas.microsoft.com/office/drawing/2014/main" id="{95810D3D-92DA-4652-9A6D-77B00177B342}"/>
-                </a:ext>
-              </a:extLst>
-            </p:cNvPr>
-            <p:cNvSpPr/>
-            <p:nvPr/>
-          </p:nvSpPr>
-          <p:spPr>
-            <a:xfrm>
-              <a:off x="6239609" y="2792511"/>
-              <a:ext cx="295275" cy="295275"/>
-            </a:xfrm>
-            <a:prstGeom prst="rect">
-              <a:avLst/>
-            </a:prstGeom>
-            <a:solidFill>
-              <a:schemeClr val="bg1"/>
-            </a:solidFill>
-            <a:ln w="19050">
-              <a:solidFill>
-                <a:schemeClr val="tx1"/>
-              </a:solidFill>
-            </a:ln>
-          </p:spPr>
-          <p:style>
-            <a:lnRef idx="2">
-              <a:schemeClr val="accent1">
-                <a:shade val="50000"/>
-              </a:schemeClr>
-            </a:lnRef>
-            <a:fillRef idx="1">
-              <a:schemeClr val="accent1"/>
-            </a:fillRef>
-            <a:effectRef idx="0">
-              <a:schemeClr val="accent1"/>
-            </a:effectRef>
-            <a:fontRef idx="minor">
-              <a:schemeClr val="lt1"/>
-            </a:fontRef>
-          </p:style>
-          <p:txBody>
-            <a:bodyPr rtlCol="0" anchor="ctr"/>
-            <a:lstStyle/>
-            <a:p>
-              <a:pPr algn="ctr"/>
-              <a:r>
-                <a:rPr lang="en-US" dirty="0">
-                  <a:solidFill>
-                    <a:schemeClr val="tx1"/>
-                  </a:solidFill>
-                </a:rPr>
-                <a:t>2</a:t>
-              </a:r>
-            </a:p>
-          </p:txBody>
-        </p:sp>
-        <p:sp>
-          <p:nvSpPr>
-            <p:cNvPr id="155" name="Rectangle 154">
-              <a:extLst>
-                <a:ext uri="{FF2B5EF4-FFF2-40B4-BE49-F238E27FC236}">
-                  <a16:creationId xmlns:a16="http://schemas.microsoft.com/office/drawing/2014/main" id="{104A4261-B412-4528-BA7A-FA410553F100}"/>
-                </a:ext>
-              </a:extLst>
-            </p:cNvPr>
-            <p:cNvSpPr/>
-            <p:nvPr/>
-          </p:nvSpPr>
-          <p:spPr>
-            <a:xfrm>
-              <a:off x="6534884" y="2792510"/>
-              <a:ext cx="295275" cy="295275"/>
-            </a:xfrm>
-            <a:prstGeom prst="rect">
-              <a:avLst/>
-            </a:prstGeom>
-            <a:solidFill>
-              <a:schemeClr val="bg1"/>
-            </a:solidFill>
-            <a:ln w="19050">
-              <a:solidFill>
-                <a:schemeClr val="tx1"/>
-              </a:solidFill>
-            </a:ln>
-          </p:spPr>
-          <p:style>
-            <a:lnRef idx="2">
-              <a:schemeClr val="accent1">
-                <a:shade val="50000"/>
-              </a:schemeClr>
-            </a:lnRef>
-            <a:fillRef idx="1">
-              <a:schemeClr val="accent1"/>
-            </a:fillRef>
-            <a:effectRef idx="0">
-              <a:schemeClr val="accent1"/>
-            </a:effectRef>
-            <a:fontRef idx="minor">
-              <a:schemeClr val="lt1"/>
-            </a:fontRef>
-          </p:style>
-          <p:txBody>
-            <a:bodyPr rtlCol="0" anchor="ctr"/>
-            <a:lstStyle/>
-            <a:p>
-              <a:pPr algn="ctr"/>
-              <a:r>
-                <a:rPr lang="en-US" dirty="0">
-                  <a:solidFill>
-                    <a:schemeClr val="tx1"/>
-                  </a:solidFill>
-                </a:rPr>
-                <a:t>3</a:t>
-              </a:r>
-            </a:p>
-          </p:txBody>
-        </p:sp>
-        <p:sp>
-          <p:nvSpPr>
-            <p:cNvPr id="156" name="Rectangle 155">
-              <a:extLst>
-                <a:ext uri="{FF2B5EF4-FFF2-40B4-BE49-F238E27FC236}">
-                  <a16:creationId xmlns:a16="http://schemas.microsoft.com/office/drawing/2014/main" id="{92F05BA0-11AB-4378-9C5D-9C31F22117B3}"/>
-                </a:ext>
-              </a:extLst>
-            </p:cNvPr>
-            <p:cNvSpPr/>
-            <p:nvPr/>
-          </p:nvSpPr>
-          <p:spPr>
-            <a:xfrm>
-              <a:off x="5058509" y="3087787"/>
-              <a:ext cx="295275" cy="295275"/>
-            </a:xfrm>
-            <a:prstGeom prst="rect">
-              <a:avLst/>
-            </a:prstGeom>
-            <a:solidFill>
-              <a:schemeClr val="bg1"/>
-            </a:solidFill>
-            <a:ln w="19050">
-              <a:solidFill>
-                <a:schemeClr val="tx1"/>
-              </a:solidFill>
-            </a:ln>
-          </p:spPr>
-          <p:style>
-            <a:lnRef idx="2">
-              <a:schemeClr val="accent1">
-                <a:shade val="50000"/>
-              </a:schemeClr>
-            </a:lnRef>
-            <a:fillRef idx="1">
-              <a:schemeClr val="accent1"/>
-            </a:fillRef>
-            <a:effectRef idx="0">
-              <a:schemeClr val="accent1"/>
-            </a:effectRef>
-            <a:fontRef idx="minor">
-              <a:schemeClr val="lt1"/>
-            </a:fontRef>
-          </p:style>
-          <p:txBody>
-            <a:bodyPr rtlCol="0" anchor="ctr"/>
-            <a:lstStyle/>
-            <a:p>
-              <a:pPr algn="ctr"/>
-              <a:r>
-                <a:rPr lang="en-US" dirty="0">
-                  <a:solidFill>
-                    <a:schemeClr val="tx1"/>
-                  </a:solidFill>
-                </a:rPr>
-                <a:t>2</a:t>
-              </a:r>
-            </a:p>
-          </p:txBody>
-        </p:sp>
-        <p:sp>
-          <p:nvSpPr>
-            <p:cNvPr id="157" name="Rectangle 156">
-              <a:extLst>
-                <a:ext uri="{FF2B5EF4-FFF2-40B4-BE49-F238E27FC236}">
-                  <a16:creationId xmlns:a16="http://schemas.microsoft.com/office/drawing/2014/main" id="{02735148-A0B2-4645-8AFD-AF9CB1B32454}"/>
-                </a:ext>
-              </a:extLst>
-            </p:cNvPr>
-            <p:cNvSpPr/>
-            <p:nvPr/>
-          </p:nvSpPr>
-          <p:spPr>
-            <a:xfrm>
-              <a:off x="5353784" y="3087786"/>
-              <a:ext cx="295275" cy="295275"/>
-            </a:xfrm>
-            <a:prstGeom prst="rect">
-              <a:avLst/>
-            </a:prstGeom>
-            <a:solidFill>
-              <a:schemeClr val="bg1"/>
-            </a:solidFill>
-            <a:ln w="19050">
-              <a:solidFill>
-                <a:schemeClr val="tx1"/>
-              </a:solidFill>
-            </a:ln>
-          </p:spPr>
-          <p:style>
-            <a:lnRef idx="2">
-              <a:schemeClr val="accent1">
-                <a:shade val="50000"/>
-              </a:schemeClr>
-            </a:lnRef>
-            <a:fillRef idx="1">
-              <a:schemeClr val="accent1"/>
-            </a:fillRef>
-            <a:effectRef idx="0">
-              <a:schemeClr val="accent1"/>
-            </a:effectRef>
-            <a:fontRef idx="minor">
-              <a:schemeClr val="lt1"/>
-            </a:fontRef>
-          </p:style>
-          <p:txBody>
-            <a:bodyPr rtlCol="0" anchor="ctr"/>
-            <a:lstStyle/>
-            <a:p>
-              <a:pPr algn="ctr"/>
-              <a:r>
-                <a:rPr lang="en-US" dirty="0">
-                  <a:solidFill>
-                    <a:schemeClr val="tx1"/>
-                  </a:solidFill>
-                </a:rPr>
-                <a:t>3</a:t>
-              </a:r>
-            </a:p>
-          </p:txBody>
-        </p:sp>
-        <p:sp>
-          <p:nvSpPr>
-            <p:cNvPr id="158" name="Rectangle 157">
-              <a:extLst>
-                <a:ext uri="{FF2B5EF4-FFF2-40B4-BE49-F238E27FC236}">
-                  <a16:creationId xmlns:a16="http://schemas.microsoft.com/office/drawing/2014/main" id="{4C1D0F11-1FB9-46B3-8661-F1DCFE7D6D18}"/>
-                </a:ext>
-              </a:extLst>
-            </p:cNvPr>
-            <p:cNvSpPr/>
-            <p:nvPr/>
-          </p:nvSpPr>
-          <p:spPr>
-            <a:xfrm>
-              <a:off x="5649059" y="3087787"/>
-              <a:ext cx="295275" cy="295275"/>
-            </a:xfrm>
-            <a:prstGeom prst="rect">
-              <a:avLst/>
-            </a:prstGeom>
-            <a:solidFill>
-              <a:schemeClr val="bg1"/>
-            </a:solidFill>
-            <a:ln w="19050">
-              <a:solidFill>
-                <a:schemeClr val="tx1"/>
-              </a:solidFill>
-            </a:ln>
-          </p:spPr>
-          <p:style>
-            <a:lnRef idx="2">
-              <a:schemeClr val="accent1">
-                <a:shade val="50000"/>
-              </a:schemeClr>
-            </a:lnRef>
-            <a:fillRef idx="1">
-              <a:schemeClr val="accent1"/>
-            </a:fillRef>
-            <a:effectRef idx="0">
-              <a:schemeClr val="accent1"/>
-            </a:effectRef>
-            <a:fontRef idx="minor">
-              <a:schemeClr val="lt1"/>
-            </a:fontRef>
-          </p:style>
-          <p:txBody>
-            <a:bodyPr rtlCol="0" anchor="ctr"/>
-            <a:lstStyle/>
-            <a:p>
-              <a:pPr algn="ctr"/>
-              <a:r>
-                <a:rPr lang="en-US" dirty="0">
-                  <a:solidFill>
-                    <a:schemeClr val="tx1"/>
-                  </a:solidFill>
-                </a:rPr>
-                <a:t>0</a:t>
-              </a:r>
-            </a:p>
-          </p:txBody>
-        </p:sp>
-        <p:sp>
-          <p:nvSpPr>
-            <p:cNvPr id="159" name="Rectangle 158">
-              <a:extLst>
-                <a:ext uri="{FF2B5EF4-FFF2-40B4-BE49-F238E27FC236}">
-                  <a16:creationId xmlns:a16="http://schemas.microsoft.com/office/drawing/2014/main" id="{B408DB7D-45F9-4ECB-813A-9B40712A03EB}"/>
-                </a:ext>
-              </a:extLst>
-            </p:cNvPr>
-            <p:cNvSpPr/>
-            <p:nvPr/>
-          </p:nvSpPr>
-          <p:spPr>
-            <a:xfrm>
-              <a:off x="5944334" y="3087786"/>
-              <a:ext cx="295275" cy="295275"/>
-            </a:xfrm>
-            <a:prstGeom prst="rect">
-              <a:avLst/>
-            </a:prstGeom>
-            <a:solidFill>
-              <a:schemeClr val="bg1"/>
-            </a:solidFill>
-            <a:ln w="19050">
-              <a:solidFill>
-                <a:schemeClr val="tx1"/>
-              </a:solidFill>
-            </a:ln>
-          </p:spPr>
-          <p:style>
-            <a:lnRef idx="2">
-              <a:schemeClr val="accent1">
-                <a:shade val="50000"/>
-              </a:schemeClr>
-            </a:lnRef>
-            <a:fillRef idx="1">
-              <a:schemeClr val="accent1"/>
-            </a:fillRef>
-            <a:effectRef idx="0">
-              <a:schemeClr val="accent1"/>
-            </a:effectRef>
-            <a:fontRef idx="minor">
-              <a:schemeClr val="lt1"/>
-            </a:fontRef>
-          </p:style>
-          <p:txBody>
-            <a:bodyPr rtlCol="0" anchor="ctr"/>
-            <a:lstStyle/>
-            <a:p>
-              <a:pPr algn="ctr"/>
-              <a:r>
-                <a:rPr lang="en-US" dirty="0">
-                  <a:solidFill>
-                    <a:schemeClr val="tx1"/>
-                  </a:solidFill>
-                </a:rPr>
-                <a:t>1</a:t>
-              </a:r>
-            </a:p>
-          </p:txBody>
-        </p:sp>
-        <p:sp>
-          <p:nvSpPr>
-            <p:cNvPr id="160" name="Rectangle 159">
-              <a:extLst>
-                <a:ext uri="{FF2B5EF4-FFF2-40B4-BE49-F238E27FC236}">
-                  <a16:creationId xmlns:a16="http://schemas.microsoft.com/office/drawing/2014/main" id="{04DC0840-7E41-4AEE-BBE1-61734B1700B6}"/>
-                </a:ext>
-              </a:extLst>
-            </p:cNvPr>
-            <p:cNvSpPr/>
-            <p:nvPr/>
-          </p:nvSpPr>
-          <p:spPr>
-            <a:xfrm>
-              <a:off x="6239609" y="3087786"/>
-              <a:ext cx="295275" cy="295275"/>
-            </a:xfrm>
-            <a:prstGeom prst="rect">
-              <a:avLst/>
-            </a:prstGeom>
-            <a:solidFill>
-              <a:schemeClr val="bg1"/>
-            </a:solidFill>
-            <a:ln w="19050">
-              <a:solidFill>
-                <a:schemeClr val="tx1"/>
-              </a:solidFill>
-            </a:ln>
-          </p:spPr>
-          <p:style>
-            <a:lnRef idx="2">
-              <a:schemeClr val="accent1">
-                <a:shade val="50000"/>
-              </a:schemeClr>
-            </a:lnRef>
-            <a:fillRef idx="1">
-              <a:schemeClr val="accent1"/>
-            </a:fillRef>
-            <a:effectRef idx="0">
-              <a:schemeClr val="accent1"/>
-            </a:effectRef>
-            <a:fontRef idx="minor">
-              <a:schemeClr val="lt1"/>
-            </a:fontRef>
-          </p:style>
-          <p:txBody>
-            <a:bodyPr rtlCol="0" anchor="ctr"/>
-            <a:lstStyle/>
-            <a:p>
-              <a:pPr algn="ctr"/>
-              <a:r>
-                <a:rPr lang="en-US" dirty="0">
-                  <a:solidFill>
-                    <a:schemeClr val="tx1"/>
-                  </a:solidFill>
-                </a:rPr>
-                <a:t>5</a:t>
-              </a:r>
-            </a:p>
-          </p:txBody>
-        </p:sp>
-        <p:sp>
-          <p:nvSpPr>
-            <p:cNvPr id="161" name="Rectangle 160">
-              <a:extLst>
-                <a:ext uri="{FF2B5EF4-FFF2-40B4-BE49-F238E27FC236}">
-                  <a16:creationId xmlns:a16="http://schemas.microsoft.com/office/drawing/2014/main" id="{5330C93F-783B-4634-AEFA-3A490C74494A}"/>
-                </a:ext>
-              </a:extLst>
-            </p:cNvPr>
-            <p:cNvSpPr/>
-            <p:nvPr/>
-          </p:nvSpPr>
-          <p:spPr>
-            <a:xfrm>
-              <a:off x="6534884" y="3087785"/>
-              <a:ext cx="295275" cy="295275"/>
-            </a:xfrm>
-            <a:prstGeom prst="rect">
-              <a:avLst/>
-            </a:prstGeom>
-            <a:solidFill>
-              <a:schemeClr val="bg1"/>
-            </a:solidFill>
-            <a:ln w="19050">
-              <a:solidFill>
-                <a:schemeClr val="tx1"/>
-              </a:solidFill>
-            </a:ln>
-          </p:spPr>
-          <p:style>
-            <a:lnRef idx="2">
-              <a:schemeClr val="accent1">
-                <a:shade val="50000"/>
-              </a:schemeClr>
-            </a:lnRef>
-            <a:fillRef idx="1">
-              <a:schemeClr val="accent1"/>
-            </a:fillRef>
-            <a:effectRef idx="0">
-              <a:schemeClr val="accent1"/>
-            </a:effectRef>
-            <a:fontRef idx="minor">
-              <a:schemeClr val="lt1"/>
-            </a:fontRef>
-          </p:style>
-          <p:txBody>
-            <a:bodyPr rtlCol="0" anchor="ctr"/>
-            <a:lstStyle/>
-            <a:p>
-              <a:pPr algn="ctr"/>
-              <a:r>
-                <a:rPr lang="en-US" dirty="0">
-                  <a:solidFill>
-                    <a:schemeClr val="tx1"/>
-                  </a:solidFill>
-                </a:rPr>
-                <a:t>4</a:t>
-              </a:r>
-            </a:p>
-          </p:txBody>
-        </p:sp>
-        <p:sp>
-          <p:nvSpPr>
-            <p:cNvPr id="162" name="Rectangle 161">
-              <a:extLst>
-                <a:ext uri="{FF2B5EF4-FFF2-40B4-BE49-F238E27FC236}">
-                  <a16:creationId xmlns:a16="http://schemas.microsoft.com/office/drawing/2014/main" id="{50B33E83-56CF-4CFF-BDCD-687126CEBB8B}"/>
-                </a:ext>
-              </a:extLst>
-            </p:cNvPr>
-            <p:cNvSpPr/>
-            <p:nvPr/>
-          </p:nvSpPr>
-          <p:spPr>
-            <a:xfrm>
-              <a:off x="5058509" y="3384885"/>
-              <a:ext cx="295275" cy="295275"/>
-            </a:xfrm>
-            <a:prstGeom prst="rect">
-              <a:avLst/>
-            </a:prstGeom>
-            <a:solidFill>
-              <a:schemeClr val="bg1"/>
-            </a:solidFill>
-            <a:ln w="19050">
-              <a:solidFill>
-                <a:schemeClr val="tx1"/>
-              </a:solidFill>
-            </a:ln>
-          </p:spPr>
-          <p:style>
-            <a:lnRef idx="2">
-              <a:schemeClr val="accent1">
-                <a:shade val="50000"/>
-              </a:schemeClr>
-            </a:lnRef>
-            <a:fillRef idx="1">
-              <a:schemeClr val="accent1"/>
-            </a:fillRef>
-            <a:effectRef idx="0">
-              <a:schemeClr val="accent1"/>
-            </a:effectRef>
-            <a:fontRef idx="minor">
-              <a:schemeClr val="lt1"/>
-            </a:fontRef>
-          </p:style>
-          <p:txBody>
-            <a:bodyPr rtlCol="0" anchor="ctr"/>
-            <a:lstStyle/>
-            <a:p>
-              <a:pPr algn="ctr"/>
-              <a:r>
-                <a:rPr lang="en-US" dirty="0">
-                  <a:solidFill>
-                    <a:schemeClr val="tx1"/>
-                  </a:solidFill>
-                </a:rPr>
-                <a:t>0</a:t>
-              </a:r>
-            </a:p>
-          </p:txBody>
-        </p:sp>
-        <p:sp>
-          <p:nvSpPr>
-            <p:cNvPr id="163" name="Rectangle 162">
-              <a:extLst>
-                <a:ext uri="{FF2B5EF4-FFF2-40B4-BE49-F238E27FC236}">
-                  <a16:creationId xmlns:a16="http://schemas.microsoft.com/office/drawing/2014/main" id="{4A1C1D9E-3F81-4089-A30E-4504408F5683}"/>
-                </a:ext>
-              </a:extLst>
-            </p:cNvPr>
-            <p:cNvSpPr/>
-            <p:nvPr/>
-          </p:nvSpPr>
-          <p:spPr>
-            <a:xfrm>
-              <a:off x="5353784" y="3384884"/>
-              <a:ext cx="295275" cy="295275"/>
-            </a:xfrm>
-            <a:prstGeom prst="rect">
-              <a:avLst/>
-            </a:prstGeom>
-            <a:solidFill>
-              <a:schemeClr val="bg1"/>
-            </a:solidFill>
-            <a:ln w="19050">
-              <a:solidFill>
-                <a:schemeClr val="tx1"/>
-              </a:solidFill>
-            </a:ln>
-          </p:spPr>
-          <p:style>
-            <a:lnRef idx="2">
-              <a:schemeClr val="accent1">
-                <a:shade val="50000"/>
-              </a:schemeClr>
-            </a:lnRef>
-            <a:fillRef idx="1">
-              <a:schemeClr val="accent1"/>
-            </a:fillRef>
-            <a:effectRef idx="0">
-              <a:schemeClr val="accent1"/>
-            </a:effectRef>
-            <a:fontRef idx="minor">
-              <a:schemeClr val="lt1"/>
-            </a:fontRef>
-          </p:style>
-          <p:txBody>
-            <a:bodyPr rtlCol="0" anchor="ctr"/>
-            <a:lstStyle/>
-            <a:p>
-              <a:pPr algn="ctr"/>
-              <a:r>
-                <a:rPr lang="en-US" dirty="0">
-                  <a:solidFill>
-                    <a:schemeClr val="tx1"/>
-                  </a:solidFill>
-                </a:rPr>
-                <a:t>2</a:t>
-              </a:r>
-            </a:p>
-          </p:txBody>
-        </p:sp>
-        <p:sp>
-          <p:nvSpPr>
-            <p:cNvPr id="164" name="Rectangle 163">
-              <a:extLst>
-                <a:ext uri="{FF2B5EF4-FFF2-40B4-BE49-F238E27FC236}">
-                  <a16:creationId xmlns:a16="http://schemas.microsoft.com/office/drawing/2014/main" id="{15112B23-506F-44D6-9EDE-6BF3769FBBC7}"/>
-                </a:ext>
-              </a:extLst>
-            </p:cNvPr>
-            <p:cNvSpPr/>
-            <p:nvPr/>
-          </p:nvSpPr>
-          <p:spPr>
-            <a:xfrm>
-              <a:off x="5649059" y="3384885"/>
-              <a:ext cx="295275" cy="295275"/>
-            </a:xfrm>
-            <a:prstGeom prst="rect">
-              <a:avLst/>
-            </a:prstGeom>
-            <a:solidFill>
-              <a:schemeClr val="bg1"/>
-            </a:solidFill>
-            <a:ln w="19050">
-              <a:solidFill>
-                <a:schemeClr val="tx1"/>
-              </a:solidFill>
-            </a:ln>
-          </p:spPr>
-          <p:style>
-            <a:lnRef idx="2">
-              <a:schemeClr val="accent1">
-                <a:shade val="50000"/>
-              </a:schemeClr>
-            </a:lnRef>
-            <a:fillRef idx="1">
-              <a:schemeClr val="accent1"/>
-            </a:fillRef>
-            <a:effectRef idx="0">
-              <a:schemeClr val="accent1"/>
-            </a:effectRef>
-            <a:fontRef idx="minor">
-              <a:schemeClr val="lt1"/>
-            </a:fontRef>
-          </p:style>
-          <p:txBody>
-            <a:bodyPr rtlCol="0" anchor="ctr"/>
-            <a:lstStyle/>
-            <a:p>
-              <a:pPr algn="ctr"/>
-              <a:r>
-                <a:rPr lang="en-US" dirty="0">
-                  <a:solidFill>
-                    <a:schemeClr val="tx1"/>
-                  </a:solidFill>
-                </a:rPr>
-                <a:t>1</a:t>
-              </a:r>
-            </a:p>
-          </p:txBody>
-        </p:sp>
-        <p:sp>
-          <p:nvSpPr>
-            <p:cNvPr id="165" name="Rectangle 164">
-              <a:extLst>
-                <a:ext uri="{FF2B5EF4-FFF2-40B4-BE49-F238E27FC236}">
-                  <a16:creationId xmlns:a16="http://schemas.microsoft.com/office/drawing/2014/main" id="{869F89D5-C478-4181-8473-87FAE2B4E8DD}"/>
-                </a:ext>
-              </a:extLst>
-            </p:cNvPr>
-            <p:cNvSpPr/>
-            <p:nvPr/>
-          </p:nvSpPr>
-          <p:spPr>
-            <a:xfrm>
-              <a:off x="5944334" y="3384884"/>
-              <a:ext cx="295275" cy="295275"/>
-            </a:xfrm>
-            <a:prstGeom prst="rect">
-              <a:avLst/>
-            </a:prstGeom>
-            <a:solidFill>
-              <a:schemeClr val="bg1"/>
-            </a:solidFill>
-            <a:ln w="19050">
-              <a:solidFill>
-                <a:schemeClr val="tx1"/>
-              </a:solidFill>
-            </a:ln>
-          </p:spPr>
-          <p:style>
-            <a:lnRef idx="2">
-              <a:schemeClr val="accent1">
-                <a:shade val="50000"/>
-              </a:schemeClr>
-            </a:lnRef>
-            <a:fillRef idx="1">
-              <a:schemeClr val="accent1"/>
-            </a:fillRef>
-            <a:effectRef idx="0">
-              <a:schemeClr val="accent1"/>
-            </a:effectRef>
-            <a:fontRef idx="minor">
-              <a:schemeClr val="lt1"/>
-            </a:fontRef>
-          </p:style>
-          <p:txBody>
-            <a:bodyPr rtlCol="0" anchor="ctr"/>
-            <a:lstStyle/>
-            <a:p>
-              <a:pPr algn="ctr"/>
-              <a:r>
-                <a:rPr lang="en-US" dirty="0">
-                  <a:solidFill>
-                    <a:schemeClr val="tx1"/>
-                  </a:solidFill>
-                </a:rPr>
-                <a:t>4</a:t>
-              </a:r>
-            </a:p>
-          </p:txBody>
-        </p:sp>
-        <p:sp>
-          <p:nvSpPr>
-            <p:cNvPr id="166" name="Rectangle 165">
-              <a:extLst>
-                <a:ext uri="{FF2B5EF4-FFF2-40B4-BE49-F238E27FC236}">
-                  <a16:creationId xmlns:a16="http://schemas.microsoft.com/office/drawing/2014/main" id="{CB713755-5643-4849-BBD1-4778E54F7CCC}"/>
-                </a:ext>
-              </a:extLst>
-            </p:cNvPr>
-            <p:cNvSpPr/>
-            <p:nvPr/>
-          </p:nvSpPr>
-          <p:spPr>
-            <a:xfrm>
-              <a:off x="6239609" y="3384884"/>
-              <a:ext cx="295275" cy="295275"/>
-            </a:xfrm>
-            <a:prstGeom prst="rect">
-              <a:avLst/>
-            </a:prstGeom>
-            <a:solidFill>
-              <a:schemeClr val="bg1"/>
-            </a:solidFill>
-            <a:ln w="19050">
-              <a:solidFill>
-                <a:schemeClr val="tx1"/>
-              </a:solidFill>
-            </a:ln>
-          </p:spPr>
-          <p:style>
-            <a:lnRef idx="2">
-              <a:schemeClr val="accent1">
-                <a:shade val="50000"/>
-              </a:schemeClr>
-            </a:lnRef>
-            <a:fillRef idx="1">
-              <a:schemeClr val="accent1"/>
-            </a:fillRef>
-            <a:effectRef idx="0">
-              <a:schemeClr val="accent1"/>
-            </a:effectRef>
-            <a:fontRef idx="minor">
-              <a:schemeClr val="lt1"/>
-            </a:fontRef>
-          </p:style>
-          <p:txBody>
-            <a:bodyPr rtlCol="0" anchor="ctr"/>
-            <a:lstStyle/>
-            <a:p>
-              <a:pPr algn="ctr"/>
-              <a:r>
-                <a:rPr lang="en-US" dirty="0">
-                  <a:solidFill>
-                    <a:schemeClr val="tx1"/>
-                  </a:solidFill>
-                </a:rPr>
-                <a:t>3</a:t>
-              </a:r>
-            </a:p>
-          </p:txBody>
-        </p:sp>
-        <p:sp>
-          <p:nvSpPr>
-            <p:cNvPr id="167" name="Rectangle 166">
-              <a:extLst>
-                <a:ext uri="{FF2B5EF4-FFF2-40B4-BE49-F238E27FC236}">
-                  <a16:creationId xmlns:a16="http://schemas.microsoft.com/office/drawing/2014/main" id="{82B26413-75B7-4F15-B686-EDDCDB7AE886}"/>
-                </a:ext>
-              </a:extLst>
-            </p:cNvPr>
-            <p:cNvSpPr/>
-            <p:nvPr/>
-          </p:nvSpPr>
-          <p:spPr>
-            <a:xfrm>
-              <a:off x="6534884" y="3384883"/>
-              <a:ext cx="295275" cy="295275"/>
-            </a:xfrm>
-            <a:prstGeom prst="rect">
-              <a:avLst/>
-            </a:prstGeom>
-            <a:solidFill>
-              <a:schemeClr val="bg1"/>
-            </a:solidFill>
-            <a:ln w="19050">
-              <a:solidFill>
-                <a:schemeClr val="tx1"/>
-              </a:solidFill>
-            </a:ln>
-          </p:spPr>
-          <p:style>
-            <a:lnRef idx="2">
-              <a:schemeClr val="accent1">
-                <a:shade val="50000"/>
-              </a:schemeClr>
-            </a:lnRef>
-            <a:fillRef idx="1">
-              <a:schemeClr val="accent1"/>
-            </a:fillRef>
-            <a:effectRef idx="0">
-              <a:schemeClr val="accent1"/>
-            </a:effectRef>
-            <a:fontRef idx="minor">
-              <a:schemeClr val="lt1"/>
-            </a:fontRef>
-          </p:style>
-          <p:txBody>
-            <a:bodyPr rtlCol="0" anchor="ctr"/>
-            <a:lstStyle/>
-            <a:p>
-              <a:pPr algn="ctr"/>
-              <a:r>
-                <a:rPr lang="en-US" dirty="0">
-                  <a:solidFill>
-                    <a:schemeClr val="tx1"/>
-                  </a:solidFill>
-                </a:rPr>
-                <a:t>6</a:t>
-              </a:r>
-            </a:p>
-          </p:txBody>
-        </p:sp>
-        <p:sp>
-          <p:nvSpPr>
-            <p:cNvPr id="168" name="Rectangle 167">
-              <a:extLst>
-                <a:ext uri="{FF2B5EF4-FFF2-40B4-BE49-F238E27FC236}">
-                  <a16:creationId xmlns:a16="http://schemas.microsoft.com/office/drawing/2014/main" id="{BE5530BC-2233-449E-A503-96D6665CD9BD}"/>
-                </a:ext>
-              </a:extLst>
-            </p:cNvPr>
-            <p:cNvSpPr/>
-            <p:nvPr/>
-          </p:nvSpPr>
-          <p:spPr>
-            <a:xfrm>
-              <a:off x="4778866" y="2207297"/>
-              <a:ext cx="295275" cy="295275"/>
-            </a:xfrm>
-            <a:prstGeom prst="rect">
-              <a:avLst/>
-            </a:prstGeom>
-            <a:noFill/>
-            <a:ln w="19050">
-              <a:noFill/>
-            </a:ln>
-          </p:spPr>
-          <p:style>
-            <a:lnRef idx="2">
-              <a:schemeClr val="accent1">
-                <a:shade val="50000"/>
-              </a:schemeClr>
-            </a:lnRef>
-            <a:fillRef idx="1">
-              <a:schemeClr val="accent1"/>
-            </a:fillRef>
-            <a:effectRef idx="0">
-              <a:schemeClr val="accent1"/>
-            </a:effectRef>
-            <a:fontRef idx="minor">
-              <a:schemeClr val="lt1"/>
-            </a:fontRef>
-          </p:style>
-          <p:txBody>
-            <a:bodyPr rtlCol="0" anchor="ctr"/>
-            <a:lstStyle/>
-            <a:p>
-              <a:pPr algn="ctr"/>
-              <a:r>
-                <a:rPr lang="en-US" dirty="0">
-                  <a:solidFill>
-                    <a:schemeClr val="tx1"/>
-                  </a:solidFill>
-                </a:rPr>
-                <a:t>0</a:t>
-              </a:r>
-            </a:p>
-          </p:txBody>
-        </p:sp>
-        <p:sp>
-          <p:nvSpPr>
-            <p:cNvPr id="169" name="Rectangle 168">
-              <a:extLst>
-                <a:ext uri="{FF2B5EF4-FFF2-40B4-BE49-F238E27FC236}">
-                  <a16:creationId xmlns:a16="http://schemas.microsoft.com/office/drawing/2014/main" id="{B66859CF-FD9C-4F73-BA25-80E07F0BAB3A}"/>
-                </a:ext>
-              </a:extLst>
-            </p:cNvPr>
-            <p:cNvSpPr/>
-            <p:nvPr/>
-          </p:nvSpPr>
-          <p:spPr>
-            <a:xfrm>
-              <a:off x="4775638" y="2502572"/>
-              <a:ext cx="295275" cy="295275"/>
-            </a:xfrm>
-            <a:prstGeom prst="rect">
-              <a:avLst/>
-            </a:prstGeom>
-            <a:noFill/>
-            <a:ln w="19050">
-              <a:noFill/>
-            </a:ln>
-          </p:spPr>
-          <p:style>
-            <a:lnRef idx="2">
-              <a:schemeClr val="accent1">
-                <a:shade val="50000"/>
-              </a:schemeClr>
-            </a:lnRef>
-            <a:fillRef idx="1">
-              <a:schemeClr val="accent1"/>
-            </a:fillRef>
-            <a:effectRef idx="0">
-              <a:schemeClr val="accent1"/>
-            </a:effectRef>
-            <a:fontRef idx="minor">
-              <a:schemeClr val="lt1"/>
-            </a:fontRef>
-          </p:style>
-          <p:txBody>
-            <a:bodyPr rtlCol="0" anchor="ctr"/>
-            <a:lstStyle/>
-            <a:p>
-              <a:pPr algn="ctr"/>
-              <a:r>
-                <a:rPr lang="en-US" dirty="0">
-                  <a:solidFill>
-                    <a:schemeClr val="tx1"/>
-                  </a:solidFill>
-                </a:rPr>
-                <a:t>1</a:t>
-              </a:r>
-            </a:p>
-          </p:txBody>
-        </p:sp>
-        <p:sp>
-          <p:nvSpPr>
-            <p:cNvPr id="170" name="Rectangle 169">
-              <a:extLst>
-                <a:ext uri="{FF2B5EF4-FFF2-40B4-BE49-F238E27FC236}">
-                  <a16:creationId xmlns:a16="http://schemas.microsoft.com/office/drawing/2014/main" id="{5DF0958D-3CEA-45B0-9D07-D98E2DE1561C}"/>
-                </a:ext>
-              </a:extLst>
-            </p:cNvPr>
-            <p:cNvSpPr/>
-            <p:nvPr/>
-          </p:nvSpPr>
-          <p:spPr>
-            <a:xfrm>
-              <a:off x="4780913" y="2797847"/>
-              <a:ext cx="295275" cy="295275"/>
-            </a:xfrm>
-            <a:prstGeom prst="rect">
-              <a:avLst/>
-            </a:prstGeom>
-            <a:noFill/>
-            <a:ln w="19050">
-              <a:noFill/>
-            </a:ln>
-          </p:spPr>
-          <p:style>
-            <a:lnRef idx="2">
-              <a:schemeClr val="accent1">
-                <a:shade val="50000"/>
-              </a:schemeClr>
-            </a:lnRef>
-            <a:fillRef idx="1">
-              <a:schemeClr val="accent1"/>
-            </a:fillRef>
-            <a:effectRef idx="0">
-              <a:schemeClr val="accent1"/>
-            </a:effectRef>
-            <a:fontRef idx="minor">
-              <a:schemeClr val="lt1"/>
-            </a:fontRef>
-          </p:style>
-          <p:txBody>
-            <a:bodyPr rtlCol="0" anchor="ctr"/>
-            <a:lstStyle/>
-            <a:p>
-              <a:pPr algn="ctr"/>
-              <a:r>
-                <a:rPr lang="en-US" dirty="0">
-                  <a:solidFill>
-                    <a:schemeClr val="tx1"/>
-                  </a:solidFill>
-                </a:rPr>
-                <a:t>2</a:t>
-              </a:r>
-            </a:p>
-          </p:txBody>
-        </p:sp>
-        <p:sp>
-          <p:nvSpPr>
-            <p:cNvPr id="171" name="Rectangle 170">
-              <a:extLst>
-                <a:ext uri="{FF2B5EF4-FFF2-40B4-BE49-F238E27FC236}">
-                  <a16:creationId xmlns:a16="http://schemas.microsoft.com/office/drawing/2014/main" id="{40C306B9-5007-4332-87F6-645A6AF4E027}"/>
-                </a:ext>
-              </a:extLst>
-            </p:cNvPr>
-            <p:cNvSpPr/>
-            <p:nvPr/>
-          </p:nvSpPr>
-          <p:spPr>
-            <a:xfrm>
-              <a:off x="4778866" y="3093122"/>
-              <a:ext cx="295275" cy="295275"/>
-            </a:xfrm>
-            <a:prstGeom prst="rect">
-              <a:avLst/>
-            </a:prstGeom>
-            <a:noFill/>
-            <a:ln w="19050">
-              <a:noFill/>
-            </a:ln>
-          </p:spPr>
-          <p:style>
-            <a:lnRef idx="2">
-              <a:schemeClr val="accent1">
-                <a:shade val="50000"/>
-              </a:schemeClr>
-            </a:lnRef>
-            <a:fillRef idx="1">
-              <a:schemeClr val="accent1"/>
-            </a:fillRef>
-            <a:effectRef idx="0">
-              <a:schemeClr val="accent1"/>
-            </a:effectRef>
-            <a:fontRef idx="minor">
-              <a:schemeClr val="lt1"/>
-            </a:fontRef>
-          </p:style>
-          <p:txBody>
-            <a:bodyPr rtlCol="0" anchor="ctr"/>
-            <a:lstStyle/>
-            <a:p>
-              <a:pPr algn="ctr"/>
-              <a:r>
-                <a:rPr lang="en-US" dirty="0">
-                  <a:solidFill>
-                    <a:schemeClr val="tx1"/>
-                  </a:solidFill>
-                </a:rPr>
-                <a:t>3</a:t>
-              </a:r>
-            </a:p>
-          </p:txBody>
-        </p:sp>
-        <p:sp>
-          <p:nvSpPr>
-            <p:cNvPr id="172" name="Rectangle 171">
-              <a:extLst>
-                <a:ext uri="{FF2B5EF4-FFF2-40B4-BE49-F238E27FC236}">
-                  <a16:creationId xmlns:a16="http://schemas.microsoft.com/office/drawing/2014/main" id="{36AF2072-DB3D-4054-948D-7C207F3ABCEA}"/>
-                </a:ext>
-              </a:extLst>
-            </p:cNvPr>
-            <p:cNvSpPr/>
-            <p:nvPr/>
-          </p:nvSpPr>
-          <p:spPr>
-            <a:xfrm>
-              <a:off x="4775638" y="3388397"/>
-              <a:ext cx="295275" cy="295275"/>
-            </a:xfrm>
-            <a:prstGeom prst="rect">
-              <a:avLst/>
-            </a:prstGeom>
-            <a:noFill/>
-            <a:ln w="19050">
-              <a:noFill/>
-            </a:ln>
-          </p:spPr>
-          <p:style>
-            <a:lnRef idx="2">
-              <a:schemeClr val="accent1">
-                <a:shade val="50000"/>
-              </a:schemeClr>
-            </a:lnRef>
-            <a:fillRef idx="1">
-              <a:schemeClr val="accent1"/>
-            </a:fillRef>
-            <a:effectRef idx="0">
-              <a:schemeClr val="accent1"/>
-            </a:effectRef>
-            <a:fontRef idx="minor">
-              <a:schemeClr val="lt1"/>
-            </a:fontRef>
-          </p:style>
-          <p:txBody>
-            <a:bodyPr rtlCol="0" anchor="ctr"/>
-            <a:lstStyle/>
-            <a:p>
-              <a:pPr algn="ctr"/>
-              <a:r>
-                <a:rPr lang="en-US" dirty="0">
-                  <a:solidFill>
-                    <a:schemeClr val="tx1"/>
-                  </a:solidFill>
-                </a:rPr>
-                <a:t>4</a:t>
-              </a:r>
-            </a:p>
-          </p:txBody>
-        </p:sp>
-        <mc:AlternateContent xmlns:mc="http://schemas.openxmlformats.org/markup-compatibility/2006">
-          <mc:Choice xmlns:a14="http://schemas.microsoft.com/office/drawing/2010/main" Requires="a14">
-            <p:sp>
-              <p:nvSpPr>
-                <p:cNvPr id="173" name="TextBox 172">
-                  <a:extLst>
-                    <a:ext uri="{FF2B5EF4-FFF2-40B4-BE49-F238E27FC236}">
-                      <a16:creationId xmlns:a16="http://schemas.microsoft.com/office/drawing/2014/main" id="{095460E6-BE4C-4BD6-A060-E2D0AD7CAE00}"/>
-                    </a:ext>
-                  </a:extLst>
-                </p:cNvPr>
-                <p:cNvSpPr txBox="1"/>
-                <p:nvPr/>
-              </p:nvSpPr>
-              <p:spPr>
-                <a:xfrm rot="16200000">
-                  <a:off x="4077433" y="2773637"/>
-                  <a:ext cx="1093431" cy="369332"/>
-                </a:xfrm>
-                <a:prstGeom prst="rect">
-                  <a:avLst/>
-                </a:prstGeom>
-                <a:noFill/>
-              </p:spPr>
-              <p:txBody>
-                <a:bodyPr wrap="square" rtlCol="0">
-                  <a:spAutoFit/>
-                </a:bodyPr>
-                <a:lstStyle/>
-                <a:p>
-                  <a:pPr algn="ctr"/>
-                  <a:r>
-                    <a:rPr lang="en-US" dirty="0"/>
-                    <a:t>Level </a:t>
-                  </a:r>
-                  <a14:m>
-                    <m:oMath xmlns:m="http://schemas.openxmlformats.org/officeDocument/2006/math">
-                      <m:r>
-                        <a:rPr lang="en-US" i="1" dirty="0" smtClean="0">
-                          <a:latin typeface="Cambria Math" panose="02040503050406030204" pitchFamily="18" charset="0"/>
-                        </a:rPr>
-                        <m:t>−1</m:t>
-                      </m:r>
-                    </m:oMath>
-                  </a14:m>
-                  <a:endParaRPr lang="en-US" dirty="0"/>
-                </a:p>
-              </p:txBody>
-            </p:sp>
-          </mc:Choice>
-          <mc:Fallback>
-            <p:sp>
-              <p:nvSpPr>
-                <p:cNvPr id="173" name="TextBox 172">
-                  <a:extLst>
-                    <a:ext uri="{FF2B5EF4-FFF2-40B4-BE49-F238E27FC236}">
-                      <a16:creationId xmlns:a16="http://schemas.microsoft.com/office/drawing/2014/main" id="{095460E6-BE4C-4BD6-A060-E2D0AD7CAE00}"/>
-                    </a:ext>
-                  </a:extLst>
-                </p:cNvPr>
-                <p:cNvSpPr txBox="1">
-                  <a:spLocks noRot="1" noChangeAspect="1" noMove="1" noResize="1" noEditPoints="1" noAdjustHandles="1" noChangeArrowheads="1" noChangeShapeType="1" noTextEdit="1"/>
-                </p:cNvSpPr>
-                <p:nvPr/>
-              </p:nvSpPr>
-              <p:spPr>
-                <a:xfrm rot="16200000">
-                  <a:off x="4077433" y="2773637"/>
-                  <a:ext cx="1093431" cy="369332"/>
-                </a:xfrm>
-                <a:prstGeom prst="rect">
-                  <a:avLst/>
-                </a:prstGeom>
-                <a:blipFill>
-                  <a:blip r:embed="rId4"/>
-                  <a:stretch>
-                    <a:fillRect l="-10000" r="-26667" b="-1111"/>
-                  </a:stretch>
-                </a:blipFill>
-              </p:spPr>
-              <p:txBody>
-                <a:bodyPr/>
-                <a:lstStyle/>
-                <a:p>
-                  <a:r>
-                    <a:rPr lang="en-US">
-                      <a:noFill/>
-                    </a:rPr>
-                    <a:t> </a:t>
-                  </a:r>
-                </a:p>
-              </p:txBody>
-            </p:sp>
-          </mc:Fallback>
-        </mc:AlternateContent>
-        <p:sp>
-          <p:nvSpPr>
-            <p:cNvPr id="174" name="Rectangle 173">
-              <a:extLst>
-                <a:ext uri="{FF2B5EF4-FFF2-40B4-BE49-F238E27FC236}">
-                  <a16:creationId xmlns:a16="http://schemas.microsoft.com/office/drawing/2014/main" id="{3A71A4AD-687A-4541-B01F-F2585A3FF78E}"/>
-                </a:ext>
-              </a:extLst>
-            </p:cNvPr>
-            <p:cNvSpPr/>
-            <p:nvPr/>
-          </p:nvSpPr>
-          <p:spPr>
-            <a:xfrm>
-              <a:off x="5056880" y="1906686"/>
-              <a:ext cx="295275" cy="295275"/>
-            </a:xfrm>
-            <a:prstGeom prst="rect">
-              <a:avLst/>
-            </a:prstGeom>
-            <a:noFill/>
-            <a:ln w="19050">
-              <a:noFill/>
-            </a:ln>
-          </p:spPr>
-          <p:style>
-            <a:lnRef idx="2">
-              <a:schemeClr val="accent1">
-                <a:shade val="50000"/>
-              </a:schemeClr>
-            </a:lnRef>
-            <a:fillRef idx="1">
-              <a:schemeClr val="accent1"/>
-            </a:fillRef>
-            <a:effectRef idx="0">
-              <a:schemeClr val="accent1"/>
-            </a:effectRef>
-            <a:fontRef idx="minor">
-              <a:schemeClr val="lt1"/>
-            </a:fontRef>
-          </p:style>
-          <p:txBody>
-            <a:bodyPr rtlCol="0" anchor="ctr"/>
-            <a:lstStyle/>
-            <a:p>
-              <a:pPr algn="ctr"/>
-              <a:r>
-                <a:rPr lang="en-US" dirty="0">
-                  <a:solidFill>
-                    <a:schemeClr val="tx1"/>
-                  </a:solidFill>
-                </a:rPr>
-                <a:t>0</a:t>
-              </a:r>
-            </a:p>
-          </p:txBody>
-        </p:sp>
-        <p:sp>
-          <p:nvSpPr>
-            <p:cNvPr id="175" name="Rectangle 174">
-              <a:extLst>
-                <a:ext uri="{FF2B5EF4-FFF2-40B4-BE49-F238E27FC236}">
-                  <a16:creationId xmlns:a16="http://schemas.microsoft.com/office/drawing/2014/main" id="{0849F96E-F9EA-4724-BBB7-0C1E80D9BC04}"/>
-                </a:ext>
-              </a:extLst>
-            </p:cNvPr>
-            <p:cNvSpPr/>
-            <p:nvPr/>
-          </p:nvSpPr>
-          <p:spPr>
-            <a:xfrm>
-              <a:off x="5352969" y="1908319"/>
-              <a:ext cx="295275" cy="295275"/>
-            </a:xfrm>
-            <a:prstGeom prst="rect">
-              <a:avLst/>
-            </a:prstGeom>
-            <a:noFill/>
-            <a:ln w="19050">
-              <a:noFill/>
-            </a:ln>
-          </p:spPr>
-          <p:style>
-            <a:lnRef idx="2">
-              <a:schemeClr val="accent1">
-                <a:shade val="50000"/>
-              </a:schemeClr>
-            </a:lnRef>
-            <a:fillRef idx="1">
-              <a:schemeClr val="accent1"/>
-            </a:fillRef>
-            <a:effectRef idx="0">
-              <a:schemeClr val="accent1"/>
-            </a:effectRef>
-            <a:fontRef idx="minor">
-              <a:schemeClr val="lt1"/>
-            </a:fontRef>
-          </p:style>
-          <p:txBody>
-            <a:bodyPr rtlCol="0" anchor="ctr"/>
-            <a:lstStyle/>
-            <a:p>
-              <a:pPr algn="ctr"/>
-              <a:r>
-                <a:rPr lang="en-US" dirty="0">
-                  <a:solidFill>
-                    <a:schemeClr val="tx1"/>
-                  </a:solidFill>
-                </a:rPr>
-                <a:t>1</a:t>
-              </a:r>
-            </a:p>
-          </p:txBody>
-        </p:sp>
-        <p:sp>
-          <p:nvSpPr>
-            <p:cNvPr id="176" name="Rectangle 175">
-              <a:extLst>
-                <a:ext uri="{FF2B5EF4-FFF2-40B4-BE49-F238E27FC236}">
-                  <a16:creationId xmlns:a16="http://schemas.microsoft.com/office/drawing/2014/main" id="{CA0ADAEA-36D2-49FA-AC47-876BDEAD5A9F}"/>
-                </a:ext>
-              </a:extLst>
-            </p:cNvPr>
-            <p:cNvSpPr/>
-            <p:nvPr/>
-          </p:nvSpPr>
-          <p:spPr>
-            <a:xfrm>
-              <a:off x="5648651" y="1903559"/>
-              <a:ext cx="295275" cy="295275"/>
-            </a:xfrm>
-            <a:prstGeom prst="rect">
-              <a:avLst/>
-            </a:prstGeom>
-            <a:noFill/>
-            <a:ln w="19050">
-              <a:noFill/>
-            </a:ln>
-          </p:spPr>
-          <p:style>
-            <a:lnRef idx="2">
-              <a:schemeClr val="accent1">
-                <a:shade val="50000"/>
-              </a:schemeClr>
-            </a:lnRef>
-            <a:fillRef idx="1">
-              <a:schemeClr val="accent1"/>
-            </a:fillRef>
-            <a:effectRef idx="0">
-              <a:schemeClr val="accent1"/>
-            </a:effectRef>
-            <a:fontRef idx="minor">
-              <a:schemeClr val="lt1"/>
-            </a:fontRef>
-          </p:style>
-          <p:txBody>
-            <a:bodyPr rtlCol="0" anchor="ctr"/>
-            <a:lstStyle/>
-            <a:p>
-              <a:pPr algn="ctr"/>
-              <a:r>
-                <a:rPr lang="en-US" dirty="0">
-                  <a:solidFill>
-                    <a:schemeClr val="tx1"/>
-                  </a:solidFill>
-                </a:rPr>
-                <a:t>2</a:t>
-              </a:r>
-            </a:p>
-          </p:txBody>
-        </p:sp>
-        <p:sp>
-          <p:nvSpPr>
-            <p:cNvPr id="177" name="Rectangle 176">
-              <a:extLst>
-                <a:ext uri="{FF2B5EF4-FFF2-40B4-BE49-F238E27FC236}">
-                  <a16:creationId xmlns:a16="http://schemas.microsoft.com/office/drawing/2014/main" id="{80E60CA8-8DB5-40FB-AF06-47C348FAFDFF}"/>
-                </a:ext>
-              </a:extLst>
-            </p:cNvPr>
-            <p:cNvSpPr/>
-            <p:nvPr/>
-          </p:nvSpPr>
-          <p:spPr>
-            <a:xfrm>
-              <a:off x="5939898" y="1898989"/>
-              <a:ext cx="295275" cy="295275"/>
-            </a:xfrm>
-            <a:prstGeom prst="rect">
-              <a:avLst/>
-            </a:prstGeom>
-            <a:noFill/>
-            <a:ln w="19050">
-              <a:noFill/>
-            </a:ln>
-          </p:spPr>
-          <p:style>
-            <a:lnRef idx="2">
-              <a:schemeClr val="accent1">
-                <a:shade val="50000"/>
-              </a:schemeClr>
-            </a:lnRef>
-            <a:fillRef idx="1">
-              <a:schemeClr val="accent1"/>
-            </a:fillRef>
-            <a:effectRef idx="0">
-              <a:schemeClr val="accent1"/>
-            </a:effectRef>
-            <a:fontRef idx="minor">
-              <a:schemeClr val="lt1"/>
-            </a:fontRef>
-          </p:style>
-          <p:txBody>
-            <a:bodyPr rtlCol="0" anchor="ctr"/>
-            <a:lstStyle/>
-            <a:p>
-              <a:pPr algn="ctr"/>
-              <a:r>
-                <a:rPr lang="en-US" dirty="0">
-                  <a:solidFill>
-                    <a:schemeClr val="tx1"/>
-                  </a:solidFill>
-                </a:rPr>
-                <a:t>3</a:t>
-              </a:r>
-            </a:p>
-          </p:txBody>
-        </p:sp>
-        <p:sp>
-          <p:nvSpPr>
-            <p:cNvPr id="178" name="Rectangle 177">
-              <a:extLst>
-                <a:ext uri="{FF2B5EF4-FFF2-40B4-BE49-F238E27FC236}">
-                  <a16:creationId xmlns:a16="http://schemas.microsoft.com/office/drawing/2014/main" id="{ADD468AF-0C50-4BFB-A553-23B8A48BD3F9}"/>
-                </a:ext>
-              </a:extLst>
-            </p:cNvPr>
-            <p:cNvSpPr/>
-            <p:nvPr/>
-          </p:nvSpPr>
-          <p:spPr>
-            <a:xfrm>
-              <a:off x="6235173" y="1898989"/>
-              <a:ext cx="295275" cy="295275"/>
-            </a:xfrm>
-            <a:prstGeom prst="rect">
-              <a:avLst/>
-            </a:prstGeom>
-            <a:noFill/>
-            <a:ln w="19050">
-              <a:noFill/>
-            </a:ln>
-          </p:spPr>
-          <p:style>
-            <a:lnRef idx="2">
-              <a:schemeClr val="accent1">
-                <a:shade val="50000"/>
-              </a:schemeClr>
-            </a:lnRef>
-            <a:fillRef idx="1">
-              <a:schemeClr val="accent1"/>
-            </a:fillRef>
-            <a:effectRef idx="0">
-              <a:schemeClr val="accent1"/>
-            </a:effectRef>
-            <a:fontRef idx="minor">
-              <a:schemeClr val="lt1"/>
-            </a:fontRef>
-          </p:style>
-          <p:txBody>
-            <a:bodyPr rtlCol="0" anchor="ctr"/>
-            <a:lstStyle/>
-            <a:p>
-              <a:pPr algn="ctr"/>
-              <a:r>
-                <a:rPr lang="en-US" dirty="0">
-                  <a:solidFill>
-                    <a:schemeClr val="tx1"/>
-                  </a:solidFill>
-                </a:rPr>
-                <a:t>4</a:t>
-              </a:r>
-            </a:p>
-          </p:txBody>
-        </p:sp>
-        <p:sp>
-          <p:nvSpPr>
-            <p:cNvPr id="179" name="Rectangle 178">
-              <a:extLst>
-                <a:ext uri="{FF2B5EF4-FFF2-40B4-BE49-F238E27FC236}">
-                  <a16:creationId xmlns:a16="http://schemas.microsoft.com/office/drawing/2014/main" id="{8F18DE90-340B-4766-8B5C-63BB46CEA5E6}"/>
-                </a:ext>
-              </a:extLst>
-            </p:cNvPr>
-            <p:cNvSpPr/>
-            <p:nvPr/>
-          </p:nvSpPr>
-          <p:spPr>
-            <a:xfrm>
-              <a:off x="6530448" y="1908476"/>
-              <a:ext cx="295275" cy="295275"/>
-            </a:xfrm>
-            <a:prstGeom prst="rect">
-              <a:avLst/>
-            </a:prstGeom>
-            <a:noFill/>
-            <a:ln w="19050">
-              <a:noFill/>
-            </a:ln>
-          </p:spPr>
-          <p:style>
-            <a:lnRef idx="2">
-              <a:schemeClr val="accent1">
-                <a:shade val="50000"/>
-              </a:schemeClr>
-            </a:lnRef>
-            <a:fillRef idx="1">
-              <a:schemeClr val="accent1"/>
-            </a:fillRef>
-            <a:effectRef idx="0">
-              <a:schemeClr val="accent1"/>
-            </a:effectRef>
-            <a:fontRef idx="minor">
-              <a:schemeClr val="lt1"/>
-            </a:fontRef>
-          </p:style>
-          <p:txBody>
-            <a:bodyPr rtlCol="0" anchor="ctr"/>
-            <a:lstStyle/>
-            <a:p>
-              <a:pPr algn="ctr"/>
-              <a:r>
-                <a:rPr lang="en-US" dirty="0">
-                  <a:solidFill>
-                    <a:schemeClr val="tx1"/>
-                  </a:solidFill>
-                </a:rPr>
-                <a:t>5</a:t>
-              </a:r>
-            </a:p>
-          </p:txBody>
-        </p:sp>
-        <p:sp>
-          <p:nvSpPr>
-            <p:cNvPr id="180" name="TextBox 179">
-              <a:extLst>
-                <a:ext uri="{FF2B5EF4-FFF2-40B4-BE49-F238E27FC236}">
-                  <a16:creationId xmlns:a16="http://schemas.microsoft.com/office/drawing/2014/main" id="{D2FE0238-2736-4D39-8241-8FB36A84CDB9}"/>
+                  <a16:creationId xmlns:a16="http://schemas.microsoft.com/office/drawing/2014/main" id="{017C56E2-2175-443F-8BCD-3C18DA69B91F}"/>
                 </a:ext>
               </a:extLst>
             </p:cNvPr>
@@ -9916,8 +9932,8 @@
           </p:nvSpPr>
           <p:spPr>
             <a:xfrm>
-              <a:off x="5391553" y="1565122"/>
-              <a:ext cx="1093431" cy="369332"/>
+              <a:off x="4990270" y="5848151"/>
+              <a:ext cx="1752600" cy="369332"/>
             </a:xfrm>
             <a:prstGeom prst="rect">
               <a:avLst/>
@@ -9932,13 +9948,195 @@
             <a:p>
               <a:pPr algn="ctr"/>
               <a:r>
-                <a:rPr lang="en-US" dirty="0"/>
-                <a:t>Channel</a:t>
+                <a:rPr lang="en-US" dirty="0">
+                  <a:latin typeface="Consolas" panose="020B0609020204030204" pitchFamily="49" charset="0"/>
+                </a:rPr>
+                <a:t>m_nMatch</a:t>
               </a:r>
             </a:p>
           </p:txBody>
         </p:sp>
       </p:grpSp>
+      <p:sp>
+        <p:nvSpPr>
+          <p:cNvPr id="26" name="Right Brace 25">
+            <a:extLst>
+              <a:ext uri="{FF2B5EF4-FFF2-40B4-BE49-F238E27FC236}">
+                <a16:creationId xmlns:a16="http://schemas.microsoft.com/office/drawing/2014/main" id="{801344D4-6A57-4A8E-9F29-61099AAA92BD}"/>
+              </a:ext>
+            </a:extLst>
+          </p:cNvPr>
+          <p:cNvSpPr/>
+          <p:nvPr/>
+        </p:nvSpPr>
+        <p:spPr>
+          <a:xfrm rot="16200000">
+            <a:off x="1737466" y="1381903"/>
+            <a:ext cx="222767" cy="763466"/>
+          </a:xfrm>
+          <a:prstGeom prst="rightBrace">
+            <a:avLst>
+              <a:gd name="adj1" fmla="val 25214"/>
+              <a:gd name="adj2" fmla="val 50000"/>
+            </a:avLst>
+          </a:prstGeom>
+          <a:ln w="38100" cap="rnd">
+            <a:solidFill>
+              <a:schemeClr val="accent6"/>
+            </a:solidFill>
+            <a:round/>
+          </a:ln>
+          <a:effectLst>
+            <a:outerShdw blurRad="50800" dist="38100" dir="2700000" algn="tl" rotWithShape="0">
+              <a:prstClr val="black">
+                <a:alpha val="40000"/>
+              </a:prstClr>
+            </a:outerShdw>
+          </a:effectLst>
+        </p:spPr>
+        <p:style>
+          <a:lnRef idx="1">
+            <a:schemeClr val="accent1"/>
+          </a:lnRef>
+          <a:fillRef idx="0">
+            <a:schemeClr val="accent1"/>
+          </a:fillRef>
+          <a:effectRef idx="0">
+            <a:schemeClr val="accent1"/>
+          </a:effectRef>
+          <a:fontRef idx="minor">
+            <a:schemeClr val="tx1"/>
+          </a:fontRef>
+        </p:style>
+        <p:txBody>
+          <a:bodyPr rtlCol="0" anchor="ctr"/>
+          <a:lstStyle/>
+          <a:p>
+            <a:pPr algn="ctr"/>
+            <a:endParaRPr lang="en-US"/>
+          </a:p>
+        </p:txBody>
+      </p:sp>
+      <p:sp>
+        <p:nvSpPr>
+          <p:cNvPr id="181" name="Right Brace 180">
+            <a:extLst>
+              <a:ext uri="{FF2B5EF4-FFF2-40B4-BE49-F238E27FC236}">
+                <a16:creationId xmlns:a16="http://schemas.microsoft.com/office/drawing/2014/main" id="{281A446E-E2F5-45F5-8F81-B4D1839DBAE8}"/>
+              </a:ext>
+            </a:extLst>
+          </p:cNvPr>
+          <p:cNvSpPr/>
+          <p:nvPr/>
+        </p:nvSpPr>
+        <p:spPr>
+          <a:xfrm rot="16200000">
+            <a:off x="2531999" y="1504036"/>
+            <a:ext cx="222767" cy="499240"/>
+          </a:xfrm>
+          <a:prstGeom prst="rightBrace">
+            <a:avLst>
+              <a:gd name="adj1" fmla="val 25214"/>
+              <a:gd name="adj2" fmla="val 50000"/>
+            </a:avLst>
+          </a:prstGeom>
+          <a:ln w="38100" cap="rnd">
+            <a:solidFill>
+              <a:schemeClr val="accent6"/>
+            </a:solidFill>
+            <a:round/>
+          </a:ln>
+          <a:effectLst>
+            <a:outerShdw blurRad="50800" dist="38100" dir="2700000" algn="tl" rotWithShape="0">
+              <a:prstClr val="black">
+                <a:alpha val="40000"/>
+              </a:prstClr>
+            </a:outerShdw>
+          </a:effectLst>
+        </p:spPr>
+        <p:style>
+          <a:lnRef idx="1">
+            <a:schemeClr val="accent1"/>
+          </a:lnRef>
+          <a:fillRef idx="0">
+            <a:schemeClr val="accent1"/>
+          </a:fillRef>
+          <a:effectRef idx="0">
+            <a:schemeClr val="accent1"/>
+          </a:effectRef>
+          <a:fontRef idx="minor">
+            <a:schemeClr val="tx1"/>
+          </a:fontRef>
+        </p:style>
+        <p:txBody>
+          <a:bodyPr rtlCol="0" anchor="ctr"/>
+          <a:lstStyle/>
+          <a:p>
+            <a:pPr algn="ctr"/>
+            <a:endParaRPr lang="en-US"/>
+          </a:p>
+        </p:txBody>
+      </p:sp>
+      <p:sp>
+        <p:nvSpPr>
+          <p:cNvPr id="182" name="Right Brace 181">
+            <a:extLst>
+              <a:ext uri="{FF2B5EF4-FFF2-40B4-BE49-F238E27FC236}">
+                <a16:creationId xmlns:a16="http://schemas.microsoft.com/office/drawing/2014/main" id="{27D0ECA5-F450-43A8-81D1-5AE6F1945531}"/>
+              </a:ext>
+            </a:extLst>
+          </p:cNvPr>
+          <p:cNvSpPr/>
+          <p:nvPr/>
+        </p:nvSpPr>
+        <p:spPr>
+          <a:xfrm rot="16200000">
+            <a:off x="3149228" y="1514016"/>
+            <a:ext cx="222767" cy="499240"/>
+          </a:xfrm>
+          <a:prstGeom prst="rightBrace">
+            <a:avLst>
+              <a:gd name="adj1" fmla="val 25214"/>
+              <a:gd name="adj2" fmla="val 50000"/>
+            </a:avLst>
+          </a:prstGeom>
+          <a:ln w="38100" cap="rnd">
+            <a:solidFill>
+              <a:schemeClr val="accent6"/>
+            </a:solidFill>
+            <a:round/>
+          </a:ln>
+          <a:effectLst>
+            <a:outerShdw blurRad="50800" dist="38100" dir="2700000" algn="tl" rotWithShape="0">
+              <a:prstClr val="black">
+                <a:alpha val="40000"/>
+              </a:prstClr>
+            </a:outerShdw>
+          </a:effectLst>
+        </p:spPr>
+        <p:style>
+          <a:lnRef idx="1">
+            <a:schemeClr val="accent1"/>
+          </a:lnRef>
+          <a:fillRef idx="0">
+            <a:schemeClr val="accent1"/>
+          </a:fillRef>
+          <a:effectRef idx="0">
+            <a:schemeClr val="accent1"/>
+          </a:effectRef>
+          <a:fontRef idx="minor">
+            <a:schemeClr val="tx1"/>
+          </a:fontRef>
+        </p:style>
+        <p:txBody>
+          <a:bodyPr rtlCol="0" anchor="ctr"/>
+          <a:lstStyle/>
+          <a:p>
+            <a:pPr algn="ctr"/>
+            <a:endParaRPr lang="en-US"/>
+          </a:p>
+        </p:txBody>
+      </p:sp>
     </p:spTree>
     <p:extLst>
       <p:ext uri="{BB962C8B-B14F-4D97-AF65-F5344CB8AC3E}">

--- a/Misc/sns.pptx
+++ b/Misc/sns.pptx
@@ -4089,6 +4089,144 @@
         <p:spPr>
           <a:xfrm flipH="1">
             <a:off x="1821059" y="3247049"/>
+            <a:ext cx="1" cy="337877"/>
+          </a:xfrm>
+          <a:prstGeom prst="line">
+            <a:avLst/>
+          </a:prstGeom>
+          <a:ln w="19050">
+            <a:solidFill>
+              <a:schemeClr val="tx1"/>
+            </a:solidFill>
+            <a:headEnd type="arrow"/>
+          </a:ln>
+        </p:spPr>
+        <p:style>
+          <a:lnRef idx="1">
+            <a:schemeClr val="accent1"/>
+          </a:lnRef>
+          <a:fillRef idx="0">
+            <a:schemeClr val="accent1"/>
+          </a:fillRef>
+          <a:effectRef idx="0">
+            <a:schemeClr val="accent1"/>
+          </a:effectRef>
+          <a:fontRef idx="minor">
+            <a:schemeClr val="tx1"/>
+          </a:fontRef>
+        </p:style>
+      </p:cxnSp>
+      <p:cxnSp>
+        <p:nvCxnSpPr>
+          <p:cNvPr id="36" name="Straight Connector 35">
+            <a:extLst>
+              <a:ext uri="{FF2B5EF4-FFF2-40B4-BE49-F238E27FC236}">
+                <a16:creationId xmlns:a16="http://schemas.microsoft.com/office/drawing/2014/main" id="{0E6E56D5-F87A-4A6F-BA66-4B057C7EE35C}"/>
+              </a:ext>
+            </a:extLst>
+          </p:cNvPr>
+          <p:cNvCxnSpPr>
+            <a:cxnSpLocks/>
+            <a:stCxn id="4" idx="2"/>
+            <a:endCxn id="5" idx="0"/>
+          </p:cNvCxnSpPr>
+          <p:nvPr/>
+        </p:nvCxnSpPr>
+        <p:spPr>
+          <a:xfrm>
+            <a:off x="1821060" y="2440249"/>
+            <a:ext cx="0" cy="337877"/>
+          </a:xfrm>
+          <a:prstGeom prst="line">
+            <a:avLst/>
+          </a:prstGeom>
+          <a:ln w="19050">
+            <a:solidFill>
+              <a:schemeClr val="tx1"/>
+            </a:solidFill>
+            <a:headEnd type="arrow"/>
+          </a:ln>
+        </p:spPr>
+        <p:style>
+          <a:lnRef idx="1">
+            <a:schemeClr val="accent1"/>
+          </a:lnRef>
+          <a:fillRef idx="0">
+            <a:schemeClr val="accent1"/>
+          </a:fillRef>
+          <a:effectRef idx="0">
+            <a:schemeClr val="accent1"/>
+          </a:effectRef>
+          <a:fontRef idx="minor">
+            <a:schemeClr val="tx1"/>
+          </a:fontRef>
+        </p:style>
+      </p:cxnSp>
+      <p:cxnSp>
+        <p:nvCxnSpPr>
+          <p:cNvPr id="40" name="Straight Connector 39">
+            <a:extLst>
+              <a:ext uri="{FF2B5EF4-FFF2-40B4-BE49-F238E27FC236}">
+                <a16:creationId xmlns:a16="http://schemas.microsoft.com/office/drawing/2014/main" id="{A43D1B30-41EB-4C27-AEBF-5A119FD84A21}"/>
+              </a:ext>
+            </a:extLst>
+          </p:cNvPr>
+          <p:cNvCxnSpPr>
+            <a:cxnSpLocks/>
+            <a:stCxn id="3" idx="2"/>
+            <a:endCxn id="4" idx="0"/>
+          </p:cNvCxnSpPr>
+          <p:nvPr/>
+        </p:nvCxnSpPr>
+        <p:spPr>
+          <a:xfrm>
+            <a:off x="1821060" y="1633449"/>
+            <a:ext cx="0" cy="337877"/>
+          </a:xfrm>
+          <a:prstGeom prst="line">
+            <a:avLst/>
+          </a:prstGeom>
+          <a:ln w="19050">
+            <a:solidFill>
+              <a:schemeClr val="tx1"/>
+            </a:solidFill>
+            <a:headEnd type="arrow"/>
+          </a:ln>
+        </p:spPr>
+        <p:style>
+          <a:lnRef idx="1">
+            <a:schemeClr val="accent1"/>
+          </a:lnRef>
+          <a:fillRef idx="0">
+            <a:schemeClr val="accent1"/>
+          </a:fillRef>
+          <a:effectRef idx="0">
+            <a:schemeClr val="accent1"/>
+          </a:effectRef>
+          <a:fontRef idx="minor">
+            <a:schemeClr val="tx1"/>
+          </a:fontRef>
+        </p:style>
+      </p:cxnSp>
+      <p:cxnSp>
+        <p:nvCxnSpPr>
+          <p:cNvPr id="44" name="Straight Connector 43">
+            <a:extLst>
+              <a:ext uri="{FF2B5EF4-FFF2-40B4-BE49-F238E27FC236}">
+                <a16:creationId xmlns:a16="http://schemas.microsoft.com/office/drawing/2014/main" id="{61F270D3-C818-4050-A1A2-B17479B05486}"/>
+              </a:ext>
+            </a:extLst>
+          </p:cNvPr>
+          <p:cNvCxnSpPr>
+            <a:cxnSpLocks/>
+            <a:stCxn id="2" idx="2"/>
+            <a:endCxn id="3" idx="0"/>
+          </p:cNvCxnSpPr>
+          <p:nvPr/>
+        </p:nvCxnSpPr>
+        <p:spPr>
+          <a:xfrm>
+            <a:off x="1821059" y="826649"/>
             <a:ext cx="1" cy="337877"/>
           </a:xfrm>
           <a:prstGeom prst="line">
